--- a/howtowork/fig/fig.pptx
+++ b/howtowork/fig/fig.pptx
@@ -8,6 +8,7 @@
     <p:sldId id="258" r:id="rId2"/>
     <p:sldId id="259" r:id="rId3"/>
     <p:sldId id="260" r:id="rId4"/>
+    <p:sldId id="261" r:id="rId5"/>
   </p:sldIdLst>
   <p:sldSz cx="9144000" cy="6858000" type="screen4x3"/>
   <p:notesSz cx="6858000" cy="9144000"/>
@@ -3947,47 +3948,6 @@
       </p:sp>
       <p:sp>
         <p:nvSpPr>
-          <p:cNvPr id="16" name="テキスト ボックス 15">
-            <a:extLst>
-              <a:ext uri="{FF2B5EF4-FFF2-40B4-BE49-F238E27FC236}">
-                <a16:creationId xmlns:a16="http://schemas.microsoft.com/office/drawing/2014/main" id="{3A914155-5739-924F-A171-3327894E69FC}"/>
-              </a:ext>
-            </a:extLst>
-          </p:cNvPr>
-          <p:cNvSpPr txBox="1"/>
-          <p:nvPr/>
-        </p:nvSpPr>
-        <p:spPr>
-          <a:xfrm>
-            <a:off x="7596336" y="1484784"/>
-            <a:ext cx="792088" cy="523220"/>
-          </a:xfrm>
-          <a:prstGeom prst="rect">
-            <a:avLst/>
-          </a:prstGeom>
-          <a:noFill/>
-          <a:ln>
-            <a:solidFill>
-              <a:schemeClr val="tx1"/>
-            </a:solidFill>
-          </a:ln>
-        </p:spPr>
-        <p:txBody>
-          <a:bodyPr wrap="square" rtlCol="0">
-            <a:spAutoFit/>
-          </a:bodyPr>
-          <a:lstStyle/>
-          <a:p>
-            <a:r>
-              <a:rPr kumimoji="1" lang="en-US" altLang="ja-JP" sz="2800" dirty="0"/>
-              <a:t>034</a:t>
-            </a:r>
-            <a:endParaRPr kumimoji="1" lang="ja-JP" altLang="en-US" sz="2800" dirty="0"/>
-          </a:p>
-        </p:txBody>
-      </p:sp>
-      <p:sp>
-        <p:nvSpPr>
           <p:cNvPr id="17" name="テキスト ボックス 16">
             <a:extLst>
               <a:ext uri="{FF2B5EF4-FFF2-40B4-BE49-F238E27FC236}">
@@ -4236,10 +4196,2205 @@
           </a:p>
         </p:txBody>
       </p:sp>
+      <p:pic>
+        <p:nvPicPr>
+          <p:cNvPr id="22" name="図 21">
+            <a:extLst>
+              <a:ext uri="{FF2B5EF4-FFF2-40B4-BE49-F238E27FC236}">
+                <a16:creationId xmlns:a16="http://schemas.microsoft.com/office/drawing/2014/main" id="{56B6C9CD-6C9C-F842-A29F-3D093AC04524}"/>
+              </a:ext>
+            </a:extLst>
+          </p:cNvPr>
+          <p:cNvPicPr>
+            <a:picLocks noChangeAspect="1"/>
+          </p:cNvPicPr>
+          <p:nvPr/>
+        </p:nvPicPr>
+        <p:blipFill>
+          <a:blip r:embed="rId2"/>
+          <a:stretch>
+            <a:fillRect/>
+          </a:stretch>
+        </p:blipFill>
+        <p:spPr>
+          <a:xfrm>
+            <a:off x="395536" y="3212976"/>
+            <a:ext cx="1152128" cy="1152128"/>
+          </a:xfrm>
+          <a:prstGeom prst="rect">
+            <a:avLst/>
+          </a:prstGeom>
+        </p:spPr>
+      </p:pic>
+      <p:sp>
+        <p:nvSpPr>
+          <p:cNvPr id="23" name="テキスト ボックス 22">
+            <a:extLst>
+              <a:ext uri="{FF2B5EF4-FFF2-40B4-BE49-F238E27FC236}">
+                <a16:creationId xmlns:a16="http://schemas.microsoft.com/office/drawing/2014/main" id="{7DE7C2B8-FD20-5240-9B7A-0109A717CFCA}"/>
+              </a:ext>
+            </a:extLst>
+          </p:cNvPr>
+          <p:cNvSpPr txBox="1"/>
+          <p:nvPr/>
+        </p:nvSpPr>
+        <p:spPr>
+          <a:xfrm>
+            <a:off x="179512" y="2759720"/>
+            <a:ext cx="1569660" cy="369332"/>
+          </a:xfrm>
+          <a:prstGeom prst="rect">
+            <a:avLst/>
+          </a:prstGeom>
+          <a:noFill/>
+        </p:spPr>
+        <p:txBody>
+          <a:bodyPr wrap="none" rtlCol="0">
+            <a:spAutoFit/>
+          </a:bodyPr>
+          <a:lstStyle/>
+          <a:p>
+            <a:r>
+              <a:rPr kumimoji="1" lang="ja-JP" altLang="en-US"/>
+              <a:t>人間が読める</a:t>
+            </a:r>
+          </a:p>
+        </p:txBody>
+      </p:sp>
+      <p:pic>
+        <p:nvPicPr>
+          <p:cNvPr id="24" name="図 23">
+            <a:extLst>
+              <a:ext uri="{FF2B5EF4-FFF2-40B4-BE49-F238E27FC236}">
+                <a16:creationId xmlns:a16="http://schemas.microsoft.com/office/drawing/2014/main" id="{9761F338-9792-9046-916C-3E0C4005BBE8}"/>
+              </a:ext>
+            </a:extLst>
+          </p:cNvPr>
+          <p:cNvPicPr>
+            <a:picLocks noChangeAspect="1"/>
+          </p:cNvPicPr>
+          <p:nvPr/>
+        </p:nvPicPr>
+        <p:blipFill>
+          <a:blip r:embed="rId3"/>
+          <a:stretch>
+            <a:fillRect/>
+          </a:stretch>
+        </p:blipFill>
+        <p:spPr>
+          <a:xfrm>
+            <a:off x="7596336" y="3140968"/>
+            <a:ext cx="938221" cy="1149780"/>
+          </a:xfrm>
+          <a:prstGeom prst="rect">
+            <a:avLst/>
+          </a:prstGeom>
+        </p:spPr>
+      </p:pic>
+      <p:sp>
+        <p:nvSpPr>
+          <p:cNvPr id="25" name="テキスト ボックス 24">
+            <a:extLst>
+              <a:ext uri="{FF2B5EF4-FFF2-40B4-BE49-F238E27FC236}">
+                <a16:creationId xmlns:a16="http://schemas.microsoft.com/office/drawing/2014/main" id="{C2CA0F89-9BF2-D743-ACB9-FFC2A36B8CC0}"/>
+              </a:ext>
+            </a:extLst>
+          </p:cNvPr>
+          <p:cNvSpPr txBox="1"/>
+          <p:nvPr/>
+        </p:nvSpPr>
+        <p:spPr>
+          <a:xfrm>
+            <a:off x="7236296" y="2759720"/>
+            <a:ext cx="1800493" cy="369332"/>
+          </a:xfrm>
+          <a:prstGeom prst="rect">
+            <a:avLst/>
+          </a:prstGeom>
+          <a:noFill/>
+        </p:spPr>
+        <p:txBody>
+          <a:bodyPr wrap="none" rtlCol="0">
+            <a:spAutoFit/>
+          </a:bodyPr>
+          <a:lstStyle/>
+          <a:p>
+            <a:r>
+              <a:rPr kumimoji="1" lang="ja-JP" altLang="en-US"/>
+              <a:t>計算機が読める</a:t>
+            </a:r>
+          </a:p>
+        </p:txBody>
+      </p:sp>
+      <p:pic>
+        <p:nvPicPr>
+          <p:cNvPr id="26" name="図 25">
+            <a:extLst>
+              <a:ext uri="{FF2B5EF4-FFF2-40B4-BE49-F238E27FC236}">
+                <a16:creationId xmlns:a16="http://schemas.microsoft.com/office/drawing/2014/main" id="{9AD12950-FE95-2D46-B7FD-0DC90E5CA6F8}"/>
+              </a:ext>
+            </a:extLst>
+          </p:cNvPr>
+          <p:cNvPicPr>
+            <a:picLocks noChangeAspect="1"/>
+          </p:cNvPicPr>
+          <p:nvPr/>
+        </p:nvPicPr>
+        <p:blipFill>
+          <a:blip r:embed="rId4"/>
+          <a:stretch>
+            <a:fillRect/>
+          </a:stretch>
+        </p:blipFill>
+        <p:spPr>
+          <a:xfrm>
+            <a:off x="3811280" y="3233296"/>
+            <a:ext cx="1224136" cy="1224136"/>
+          </a:xfrm>
+          <a:prstGeom prst="rect">
+            <a:avLst/>
+          </a:prstGeom>
+        </p:spPr>
+      </p:pic>
+      <p:sp>
+        <p:nvSpPr>
+          <p:cNvPr id="27" name="テキスト ボックス 26">
+            <a:extLst>
+              <a:ext uri="{FF2B5EF4-FFF2-40B4-BE49-F238E27FC236}">
+                <a16:creationId xmlns:a16="http://schemas.microsoft.com/office/drawing/2014/main" id="{1D9AC285-FDB2-AF40-A457-7518351164B8}"/>
+              </a:ext>
+            </a:extLst>
+          </p:cNvPr>
+          <p:cNvSpPr txBox="1"/>
+          <p:nvPr/>
+        </p:nvSpPr>
+        <p:spPr>
+          <a:xfrm>
+            <a:off x="3751208" y="2759720"/>
+            <a:ext cx="1338828" cy="369332"/>
+          </a:xfrm>
+          <a:prstGeom prst="rect">
+            <a:avLst/>
+          </a:prstGeom>
+          <a:noFill/>
+        </p:spPr>
+        <p:txBody>
+          <a:bodyPr wrap="none" rtlCol="0">
+            <a:spAutoFit/>
+          </a:bodyPr>
+          <a:lstStyle/>
+          <a:p>
+            <a:pPr algn="ctr"/>
+            <a:r>
+              <a:rPr kumimoji="1" lang="ja-JP" altLang="en-US"/>
+              <a:t>コンパイラ</a:t>
+            </a:r>
+            <a:endParaRPr kumimoji="1" lang="en-US" altLang="ja-JP"/>
+          </a:p>
+        </p:txBody>
+      </p:sp>
+      <p:grpSp>
+        <p:nvGrpSpPr>
+          <p:cNvPr id="37" name="グループ化 36">
+            <a:extLst>
+              <a:ext uri="{FF2B5EF4-FFF2-40B4-BE49-F238E27FC236}">
+                <a16:creationId xmlns:a16="http://schemas.microsoft.com/office/drawing/2014/main" id="{3E2DAEDE-A14E-544D-A927-0984ABFDB31E}"/>
+              </a:ext>
+            </a:extLst>
+          </p:cNvPr>
+          <p:cNvGrpSpPr/>
+          <p:nvPr/>
+        </p:nvGrpSpPr>
+        <p:grpSpPr>
+          <a:xfrm>
+            <a:off x="7380312" y="1628800"/>
+            <a:ext cx="1296144" cy="434281"/>
+            <a:chOff x="6012160" y="4945846"/>
+            <a:chExt cx="1296144" cy="434281"/>
+          </a:xfrm>
+        </p:grpSpPr>
+        <p:sp>
+          <p:nvSpPr>
+            <p:cNvPr id="28" name="正方形/長方形 27">
+              <a:extLst>
+                <a:ext uri="{FF2B5EF4-FFF2-40B4-BE49-F238E27FC236}">
+                  <a16:creationId xmlns:a16="http://schemas.microsoft.com/office/drawing/2014/main" id="{073E3798-4AB6-9A44-9F85-3D383DC7FD10}"/>
+                </a:ext>
+              </a:extLst>
+            </p:cNvPr>
+            <p:cNvSpPr/>
+            <p:nvPr/>
+          </p:nvSpPr>
+          <p:spPr>
+            <a:xfrm>
+              <a:off x="6012160" y="4945846"/>
+              <a:ext cx="432048" cy="434281"/>
+            </a:xfrm>
+            <a:prstGeom prst="rect">
+              <a:avLst/>
+            </a:prstGeom>
+            <a:solidFill>
+              <a:schemeClr val="accent2">
+                <a:lumMod val="20000"/>
+                <a:lumOff val="80000"/>
+              </a:schemeClr>
+            </a:solidFill>
+            <a:ln>
+              <a:solidFill>
+                <a:schemeClr val="tx1"/>
+              </a:solidFill>
+            </a:ln>
+          </p:spPr>
+          <p:style>
+            <a:lnRef idx="2">
+              <a:schemeClr val="accent1">
+                <a:shade val="50000"/>
+              </a:schemeClr>
+            </a:lnRef>
+            <a:fillRef idx="1">
+              <a:schemeClr val="accent1"/>
+            </a:fillRef>
+            <a:effectRef idx="0">
+              <a:schemeClr val="accent1"/>
+            </a:effectRef>
+            <a:fontRef idx="minor">
+              <a:schemeClr val="lt1"/>
+            </a:fontRef>
+          </p:style>
+          <p:txBody>
+            <a:bodyPr rot="0" spcFirstLastPara="0" vertOverflow="overflow" horzOverflow="overflow" vert="horz" wrap="square" lIns="91440" tIns="45720" rIns="91440" bIns="45720" numCol="1" spcCol="0" rtlCol="0" fromWordArt="0" anchor="ctr" anchorCtr="0" forceAA="0" compatLnSpc="1">
+              <a:prstTxWarp prst="textNoShape">
+                <a:avLst/>
+              </a:prstTxWarp>
+              <a:noAutofit/>
+            </a:bodyPr>
+            <a:lstStyle/>
+            <a:p>
+              <a:pPr algn="ctr"/>
+              <a:endParaRPr kumimoji="1" lang="ja-JP" altLang="en-US" sz="1000"/>
+            </a:p>
+          </p:txBody>
+        </p:sp>
+        <p:sp>
+          <p:nvSpPr>
+            <p:cNvPr id="29" name="テキスト ボックス 28">
+              <a:extLst>
+                <a:ext uri="{FF2B5EF4-FFF2-40B4-BE49-F238E27FC236}">
+                  <a16:creationId xmlns:a16="http://schemas.microsoft.com/office/drawing/2014/main" id="{8C10818A-8D53-3D4F-9D1D-5A405640A9E9}"/>
+                </a:ext>
+              </a:extLst>
+            </p:cNvPr>
+            <p:cNvSpPr txBox="1"/>
+            <p:nvPr/>
+          </p:nvSpPr>
+          <p:spPr>
+            <a:xfrm>
+              <a:off x="6014042" y="5003884"/>
+              <a:ext cx="430166" cy="369332"/>
+            </a:xfrm>
+            <a:prstGeom prst="rect">
+              <a:avLst/>
+            </a:prstGeom>
+            <a:noFill/>
+          </p:spPr>
+          <p:txBody>
+            <a:bodyPr wrap="square" rtlCol="0">
+              <a:spAutoFit/>
+            </a:bodyPr>
+            <a:lstStyle/>
+            <a:p>
+              <a:pPr algn="ctr"/>
+              <a:r>
+                <a:rPr kumimoji="1" lang="en-US" altLang="ja-JP" dirty="0"/>
+                <a:t>0</a:t>
+              </a:r>
+              <a:endParaRPr kumimoji="1" lang="ja-JP" altLang="en-US" dirty="0"/>
+            </a:p>
+          </p:txBody>
+        </p:sp>
+        <p:sp>
+          <p:nvSpPr>
+            <p:cNvPr id="31" name="正方形/長方形 30">
+              <a:extLst>
+                <a:ext uri="{FF2B5EF4-FFF2-40B4-BE49-F238E27FC236}">
+                  <a16:creationId xmlns:a16="http://schemas.microsoft.com/office/drawing/2014/main" id="{993C5E12-3FF0-2D4E-85F8-ED4BDDEC0555}"/>
+                </a:ext>
+              </a:extLst>
+            </p:cNvPr>
+            <p:cNvSpPr/>
+            <p:nvPr/>
+          </p:nvSpPr>
+          <p:spPr>
+            <a:xfrm>
+              <a:off x="6444208" y="4945846"/>
+              <a:ext cx="864096" cy="434281"/>
+            </a:xfrm>
+            <a:prstGeom prst="rect">
+              <a:avLst/>
+            </a:prstGeom>
+            <a:solidFill>
+              <a:schemeClr val="accent1">
+                <a:lumMod val="20000"/>
+                <a:lumOff val="80000"/>
+              </a:schemeClr>
+            </a:solidFill>
+            <a:ln>
+              <a:solidFill>
+                <a:schemeClr val="tx1"/>
+              </a:solidFill>
+            </a:ln>
+          </p:spPr>
+          <p:style>
+            <a:lnRef idx="2">
+              <a:schemeClr val="accent1">
+                <a:shade val="50000"/>
+              </a:schemeClr>
+            </a:lnRef>
+            <a:fillRef idx="1">
+              <a:schemeClr val="accent1"/>
+            </a:fillRef>
+            <a:effectRef idx="0">
+              <a:schemeClr val="accent1"/>
+            </a:effectRef>
+            <a:fontRef idx="minor">
+              <a:schemeClr val="lt1"/>
+            </a:fontRef>
+          </p:style>
+          <p:txBody>
+            <a:bodyPr rot="0" spcFirstLastPara="0" vertOverflow="overflow" horzOverflow="overflow" vert="horz" wrap="square" lIns="91440" tIns="45720" rIns="91440" bIns="45720" numCol="1" spcCol="0" rtlCol="0" fromWordArt="0" anchor="ctr" anchorCtr="0" forceAA="0" compatLnSpc="1">
+              <a:prstTxWarp prst="textNoShape">
+                <a:avLst/>
+              </a:prstTxWarp>
+              <a:noAutofit/>
+            </a:bodyPr>
+            <a:lstStyle/>
+            <a:p>
+              <a:pPr algn="ctr"/>
+              <a:endParaRPr kumimoji="1" lang="ja-JP" altLang="en-US" sz="1000"/>
+            </a:p>
+          </p:txBody>
+        </p:sp>
+        <p:sp>
+          <p:nvSpPr>
+            <p:cNvPr id="32" name="テキスト ボックス 31">
+              <a:extLst>
+                <a:ext uri="{FF2B5EF4-FFF2-40B4-BE49-F238E27FC236}">
+                  <a16:creationId xmlns:a16="http://schemas.microsoft.com/office/drawing/2014/main" id="{F81623B8-9420-C149-93CC-88E459C7A633}"/>
+                </a:ext>
+              </a:extLst>
+            </p:cNvPr>
+            <p:cNvSpPr txBox="1"/>
+            <p:nvPr/>
+          </p:nvSpPr>
+          <p:spPr>
+            <a:xfrm>
+              <a:off x="6444208" y="4996568"/>
+              <a:ext cx="432048" cy="369332"/>
+            </a:xfrm>
+            <a:prstGeom prst="rect">
+              <a:avLst/>
+            </a:prstGeom>
+            <a:noFill/>
+          </p:spPr>
+          <p:txBody>
+            <a:bodyPr wrap="square" rtlCol="0">
+              <a:spAutoFit/>
+            </a:bodyPr>
+            <a:lstStyle/>
+            <a:p>
+              <a:pPr algn="ctr"/>
+              <a:r>
+                <a:rPr kumimoji="1" lang="en-US" altLang="ja-JP" dirty="0"/>
+                <a:t>3</a:t>
+              </a:r>
+              <a:endParaRPr kumimoji="1" lang="ja-JP" altLang="en-US" dirty="0"/>
+            </a:p>
+          </p:txBody>
+        </p:sp>
+        <p:sp>
+          <p:nvSpPr>
+            <p:cNvPr id="33" name="テキスト ボックス 32">
+              <a:extLst>
+                <a:ext uri="{FF2B5EF4-FFF2-40B4-BE49-F238E27FC236}">
+                  <a16:creationId xmlns:a16="http://schemas.microsoft.com/office/drawing/2014/main" id="{86B4E21F-7A68-D743-8C09-43610B598C29}"/>
+                </a:ext>
+              </a:extLst>
+            </p:cNvPr>
+            <p:cNvSpPr txBox="1"/>
+            <p:nvPr/>
+          </p:nvSpPr>
+          <p:spPr>
+            <a:xfrm>
+              <a:off x="6876256" y="5003884"/>
+              <a:ext cx="432048" cy="369332"/>
+            </a:xfrm>
+            <a:prstGeom prst="rect">
+              <a:avLst/>
+            </a:prstGeom>
+            <a:noFill/>
+          </p:spPr>
+          <p:txBody>
+            <a:bodyPr wrap="square" rtlCol="0">
+              <a:spAutoFit/>
+            </a:bodyPr>
+            <a:lstStyle/>
+            <a:p>
+              <a:pPr algn="ctr"/>
+              <a:r>
+                <a:rPr kumimoji="1" lang="en-US" altLang="ja-JP" dirty="0"/>
+                <a:t>4</a:t>
+              </a:r>
+              <a:endParaRPr kumimoji="1" lang="ja-JP" altLang="en-US" dirty="0"/>
+            </a:p>
+          </p:txBody>
+        </p:sp>
+      </p:grpSp>
+      <p:sp>
+        <p:nvSpPr>
+          <p:cNvPr id="34" name="テキスト ボックス 33">
+            <a:extLst>
+              <a:ext uri="{FF2B5EF4-FFF2-40B4-BE49-F238E27FC236}">
+                <a16:creationId xmlns:a16="http://schemas.microsoft.com/office/drawing/2014/main" id="{264CE965-7B5F-6F4E-B631-C09D4A211EFF}"/>
+              </a:ext>
+            </a:extLst>
+          </p:cNvPr>
+          <p:cNvSpPr txBox="1"/>
+          <p:nvPr/>
+        </p:nvSpPr>
+        <p:spPr>
+          <a:xfrm>
+            <a:off x="7154708" y="1052736"/>
+            <a:ext cx="883255" cy="369332"/>
+          </a:xfrm>
+          <a:prstGeom prst="rect">
+            <a:avLst/>
+          </a:prstGeom>
+          <a:noFill/>
+        </p:spPr>
+        <p:txBody>
+          <a:bodyPr wrap="none" rtlCol="0">
+            <a:spAutoFit/>
+          </a:bodyPr>
+          <a:lstStyle/>
+          <a:p>
+            <a:r>
+              <a:rPr kumimoji="1" lang="en-US" altLang="ja-JP" dirty="0"/>
+              <a:t>opcode</a:t>
+            </a:r>
+            <a:endParaRPr kumimoji="1" lang="ja-JP" altLang="en-US" dirty="0"/>
+          </a:p>
+        </p:txBody>
+      </p:sp>
+      <p:sp>
+        <p:nvSpPr>
+          <p:cNvPr id="35" name="テキスト ボックス 34">
+            <a:extLst>
+              <a:ext uri="{FF2B5EF4-FFF2-40B4-BE49-F238E27FC236}">
+                <a16:creationId xmlns:a16="http://schemas.microsoft.com/office/drawing/2014/main" id="{75B1D616-B39F-A647-BD94-A4E5CC4A09F9}"/>
+              </a:ext>
+            </a:extLst>
+          </p:cNvPr>
+          <p:cNvSpPr txBox="1"/>
+          <p:nvPr/>
+        </p:nvSpPr>
+        <p:spPr>
+          <a:xfrm>
+            <a:off x="7760672" y="2317512"/>
+            <a:ext cx="973408" cy="369332"/>
+          </a:xfrm>
+          <a:prstGeom prst="rect">
+            <a:avLst/>
+          </a:prstGeom>
+          <a:noFill/>
+        </p:spPr>
+        <p:txBody>
+          <a:bodyPr wrap="none" rtlCol="0">
+            <a:spAutoFit/>
+          </a:bodyPr>
+          <a:lstStyle/>
+          <a:p>
+            <a:r>
+              <a:rPr kumimoji="1" lang="en-US" altLang="ja-JP"/>
+              <a:t>operand</a:t>
+            </a:r>
+            <a:endParaRPr kumimoji="1" lang="ja-JP" altLang="en-US" dirty="0"/>
+          </a:p>
+        </p:txBody>
+      </p:sp>
+      <p:cxnSp>
+        <p:nvCxnSpPr>
+          <p:cNvPr id="39" name="直線矢印コネクタ 38">
+            <a:extLst>
+              <a:ext uri="{FF2B5EF4-FFF2-40B4-BE49-F238E27FC236}">
+                <a16:creationId xmlns:a16="http://schemas.microsoft.com/office/drawing/2014/main" id="{9645E6BC-A090-A24A-B9E5-F8C6D87157CE}"/>
+              </a:ext>
+            </a:extLst>
+          </p:cNvPr>
+          <p:cNvCxnSpPr>
+            <a:stCxn id="34" idx="2"/>
+            <a:endCxn id="28" idx="0"/>
+          </p:cNvCxnSpPr>
+          <p:nvPr/>
+        </p:nvCxnSpPr>
+        <p:spPr>
+          <a:xfrm>
+            <a:off x="7596336" y="1422068"/>
+            <a:ext cx="0" cy="206732"/>
+          </a:xfrm>
+          <a:prstGeom prst="straightConnector1">
+            <a:avLst/>
+          </a:prstGeom>
+          <a:ln w="12700">
+            <a:solidFill>
+              <a:schemeClr val="tx1"/>
+            </a:solidFill>
+            <a:tailEnd type="triangle"/>
+          </a:ln>
+        </p:spPr>
+        <p:style>
+          <a:lnRef idx="1">
+            <a:schemeClr val="accent1"/>
+          </a:lnRef>
+          <a:fillRef idx="0">
+            <a:schemeClr val="accent1"/>
+          </a:fillRef>
+          <a:effectRef idx="0">
+            <a:schemeClr val="accent1"/>
+          </a:effectRef>
+          <a:fontRef idx="minor">
+            <a:schemeClr val="tx1"/>
+          </a:fontRef>
+        </p:style>
+      </p:cxnSp>
+      <p:cxnSp>
+        <p:nvCxnSpPr>
+          <p:cNvPr id="42" name="直線矢印コネクタ 41">
+            <a:extLst>
+              <a:ext uri="{FF2B5EF4-FFF2-40B4-BE49-F238E27FC236}">
+                <a16:creationId xmlns:a16="http://schemas.microsoft.com/office/drawing/2014/main" id="{E9FC6AF8-8242-AD42-8871-55DED612FB12}"/>
+              </a:ext>
+            </a:extLst>
+          </p:cNvPr>
+          <p:cNvCxnSpPr>
+            <a:cxnSpLocks/>
+            <a:stCxn id="35" idx="0"/>
+          </p:cNvCxnSpPr>
+          <p:nvPr/>
+        </p:nvCxnSpPr>
+        <p:spPr>
+          <a:xfrm flipV="1">
+            <a:off x="8247376" y="2062480"/>
+            <a:ext cx="0" cy="255032"/>
+          </a:xfrm>
+          <a:prstGeom prst="straightConnector1">
+            <a:avLst/>
+          </a:prstGeom>
+          <a:ln w="12700">
+            <a:solidFill>
+              <a:schemeClr val="tx1"/>
+            </a:solidFill>
+            <a:tailEnd type="triangle"/>
+          </a:ln>
+        </p:spPr>
+        <p:style>
+          <a:lnRef idx="1">
+            <a:schemeClr val="accent1"/>
+          </a:lnRef>
+          <a:fillRef idx="0">
+            <a:schemeClr val="accent1"/>
+          </a:fillRef>
+          <a:effectRef idx="0">
+            <a:schemeClr val="accent1"/>
+          </a:effectRef>
+          <a:fontRef idx="minor">
+            <a:schemeClr val="tx1"/>
+          </a:fontRef>
+        </p:style>
+      </p:cxnSp>
+      <p:sp>
+        <p:nvSpPr>
+          <p:cNvPr id="46" name="角丸四角形 45">
+            <a:extLst>
+              <a:ext uri="{FF2B5EF4-FFF2-40B4-BE49-F238E27FC236}">
+                <a16:creationId xmlns:a16="http://schemas.microsoft.com/office/drawing/2014/main" id="{560D22F2-5413-B04B-BA71-1B0EBE17E9FF}"/>
+              </a:ext>
+            </a:extLst>
+          </p:cNvPr>
+          <p:cNvSpPr/>
+          <p:nvPr/>
+        </p:nvSpPr>
+        <p:spPr>
+          <a:xfrm>
+            <a:off x="2367280" y="152400"/>
+            <a:ext cx="4368800" cy="2570480"/>
+          </a:xfrm>
+          <a:prstGeom prst="roundRect">
+            <a:avLst>
+              <a:gd name="adj" fmla="val 10629"/>
+            </a:avLst>
+          </a:prstGeom>
+          <a:noFill/>
+          <a:ln>
+            <a:solidFill>
+              <a:schemeClr val="tx1"/>
+            </a:solidFill>
+            <a:prstDash val="dash"/>
+          </a:ln>
+        </p:spPr>
+        <p:style>
+          <a:lnRef idx="2">
+            <a:schemeClr val="accent1">
+              <a:shade val="50000"/>
+            </a:schemeClr>
+          </a:lnRef>
+          <a:fillRef idx="1">
+            <a:schemeClr val="accent1"/>
+          </a:fillRef>
+          <a:effectRef idx="0">
+            <a:schemeClr val="accent1"/>
+          </a:effectRef>
+          <a:fontRef idx="minor">
+            <a:schemeClr val="lt1"/>
+          </a:fontRef>
+        </p:style>
+        <p:txBody>
+          <a:bodyPr rtlCol="0" anchor="ctr"/>
+          <a:lstStyle/>
+          <a:p>
+            <a:pPr algn="ctr"/>
+            <a:endParaRPr kumimoji="1" lang="ja-JP" altLang="en-US"/>
+          </a:p>
+        </p:txBody>
+      </p:sp>
+      <p:sp>
+        <p:nvSpPr>
+          <p:cNvPr id="16" name="テキスト ボックス 15">
+            <a:extLst>
+              <a:ext uri="{FF2B5EF4-FFF2-40B4-BE49-F238E27FC236}">
+                <a16:creationId xmlns:a16="http://schemas.microsoft.com/office/drawing/2014/main" id="{0A9FCB8A-4783-6340-8C8C-2A33F543951F}"/>
+              </a:ext>
+            </a:extLst>
+          </p:cNvPr>
+          <p:cNvSpPr txBox="1"/>
+          <p:nvPr/>
+        </p:nvSpPr>
+        <p:spPr>
+          <a:xfrm>
+            <a:off x="5181600" y="3332480"/>
+            <a:ext cx="800219" cy="830997"/>
+          </a:xfrm>
+          <a:prstGeom prst="rect">
+            <a:avLst/>
+          </a:prstGeom>
+          <a:noFill/>
+        </p:spPr>
+        <p:txBody>
+          <a:bodyPr wrap="none" rtlCol="0">
+            <a:spAutoFit/>
+          </a:bodyPr>
+          <a:lstStyle/>
+          <a:p>
+            <a:r>
+              <a:rPr kumimoji="1" lang="ja-JP" altLang="en-US" sz="1200"/>
+              <a:t>字句解析</a:t>
+            </a:r>
+            <a:endParaRPr kumimoji="1" lang="en-US" altLang="ja-JP" sz="1200"/>
+          </a:p>
+          <a:p>
+            <a:r>
+              <a:rPr lang="ja-JP" altLang="en-US" sz="1200"/>
+              <a:t>構文解析</a:t>
+            </a:r>
+            <a:endParaRPr lang="en-US" altLang="ja-JP" sz="1200"/>
+          </a:p>
+          <a:p>
+            <a:r>
+              <a:rPr kumimoji="1" lang="ja-JP" altLang="en-US" sz="1200"/>
+              <a:t>意味解析</a:t>
+            </a:r>
+            <a:endParaRPr kumimoji="1" lang="en-US" altLang="ja-JP" sz="1200"/>
+          </a:p>
+          <a:p>
+            <a:r>
+              <a:rPr lang="en-US" altLang="ja-JP" sz="1200"/>
+              <a:t>etc. </a:t>
+            </a:r>
+          </a:p>
+        </p:txBody>
+      </p:sp>
     </p:spTree>
     <p:extLst>
       <p:ext uri="{BB962C8B-B14F-4D97-AF65-F5344CB8AC3E}">
         <p14:creationId xmlns:p14="http://schemas.microsoft.com/office/powerpoint/2010/main" val="2270764916"/>
+      </p:ext>
+    </p:extLst>
+  </p:cSld>
+  <p:clrMapOvr>
+    <a:masterClrMapping/>
+  </p:clrMapOvr>
+</p:sld>
+</file>
+
+<file path=ppt/slides/slide4.xml><?xml version="1.0" encoding="utf-8"?>
+<p:sld xmlns:a="http://schemas.openxmlformats.org/drawingml/2006/main" xmlns:r="http://schemas.openxmlformats.org/officeDocument/2006/relationships" xmlns:p="http://schemas.openxmlformats.org/presentationml/2006/main">
+  <p:cSld>
+    <p:spTree>
+      <p:nvGrpSpPr>
+        <p:cNvPr id="1" name=""/>
+        <p:cNvGrpSpPr/>
+        <p:nvPr/>
+      </p:nvGrpSpPr>
+      <p:grpSpPr>
+        <a:xfrm>
+          <a:off x="0" y="0"/>
+          <a:ext cx="0" cy="0"/>
+          <a:chOff x="0" y="0"/>
+          <a:chExt cx="0" cy="0"/>
+        </a:xfrm>
+      </p:grpSpPr>
+      <p:sp>
+        <p:nvSpPr>
+          <p:cNvPr id="2" name="テキスト ボックス 1">
+            <a:extLst>
+              <a:ext uri="{FF2B5EF4-FFF2-40B4-BE49-F238E27FC236}">
+                <a16:creationId xmlns:a16="http://schemas.microsoft.com/office/drawing/2014/main" id="{1DFCB677-7F68-814C-97B9-0C423D451526}"/>
+              </a:ext>
+            </a:extLst>
+          </p:cNvPr>
+          <p:cNvSpPr txBox="1"/>
+          <p:nvPr/>
+        </p:nvSpPr>
+        <p:spPr>
+          <a:xfrm>
+            <a:off x="426904" y="1556792"/>
+            <a:ext cx="792088" cy="523220"/>
+          </a:xfrm>
+          <a:prstGeom prst="rect">
+            <a:avLst/>
+          </a:prstGeom>
+          <a:noFill/>
+          <a:ln>
+            <a:solidFill>
+              <a:schemeClr val="tx1"/>
+            </a:solidFill>
+          </a:ln>
+        </p:spPr>
+        <p:txBody>
+          <a:bodyPr wrap="square" rtlCol="0">
+            <a:spAutoFit/>
+          </a:bodyPr>
+          <a:lstStyle/>
+          <a:p>
+            <a:r>
+              <a:rPr kumimoji="1" lang="en-US" altLang="ja-JP" sz="2800" dirty="0"/>
+              <a:t>3+4</a:t>
+            </a:r>
+            <a:endParaRPr kumimoji="1" lang="ja-JP" altLang="en-US" sz="2800" dirty="0"/>
+          </a:p>
+        </p:txBody>
+      </p:sp>
+      <p:sp>
+        <p:nvSpPr>
+          <p:cNvPr id="3" name="テキスト ボックス 2">
+            <a:extLst>
+              <a:ext uri="{FF2B5EF4-FFF2-40B4-BE49-F238E27FC236}">
+                <a16:creationId xmlns:a16="http://schemas.microsoft.com/office/drawing/2014/main" id="{27E3FA99-667A-B24C-BDDB-A27884FA6E84}"/>
+              </a:ext>
+            </a:extLst>
+          </p:cNvPr>
+          <p:cNvSpPr txBox="1"/>
+          <p:nvPr/>
+        </p:nvSpPr>
+        <p:spPr>
+          <a:xfrm>
+            <a:off x="282888" y="260648"/>
+            <a:ext cx="1331640" cy="369332"/>
+          </a:xfrm>
+          <a:prstGeom prst="rect">
+            <a:avLst/>
+          </a:prstGeom>
+          <a:noFill/>
+        </p:spPr>
+        <p:txBody>
+          <a:bodyPr wrap="square" rtlCol="0">
+            <a:spAutoFit/>
+          </a:bodyPr>
+          <a:lstStyle/>
+          <a:p>
+            <a:r>
+              <a:rPr lang="ja-JP" altLang="en-US" dirty="0"/>
+              <a:t>プログラム</a:t>
+            </a:r>
+            <a:endParaRPr kumimoji="1" lang="ja-JP" altLang="en-US" dirty="0"/>
+          </a:p>
+        </p:txBody>
+      </p:sp>
+      <p:grpSp>
+        <p:nvGrpSpPr>
+          <p:cNvPr id="4" name="グループ化 3">
+            <a:extLst>
+              <a:ext uri="{FF2B5EF4-FFF2-40B4-BE49-F238E27FC236}">
+                <a16:creationId xmlns:a16="http://schemas.microsoft.com/office/drawing/2014/main" id="{5DB8316E-5B88-9445-843E-3122C6ECE2EE}"/>
+              </a:ext>
+            </a:extLst>
+          </p:cNvPr>
+          <p:cNvGrpSpPr/>
+          <p:nvPr/>
+        </p:nvGrpSpPr>
+        <p:grpSpPr>
+          <a:xfrm>
+            <a:off x="2659152" y="1249328"/>
+            <a:ext cx="1368152" cy="1221259"/>
+            <a:chOff x="971600" y="1256565"/>
+            <a:chExt cx="2124720" cy="1896598"/>
+          </a:xfrm>
+        </p:grpSpPr>
+        <p:sp>
+          <p:nvSpPr>
+            <p:cNvPr id="5" name="楕円 3">
+              <a:extLst>
+                <a:ext uri="{FF2B5EF4-FFF2-40B4-BE49-F238E27FC236}">
+                  <a16:creationId xmlns:a16="http://schemas.microsoft.com/office/drawing/2014/main" id="{42423B10-1B09-8C49-BEF2-AC9364FC686D}"/>
+                </a:ext>
+              </a:extLst>
+            </p:cNvPr>
+            <p:cNvSpPr/>
+            <p:nvPr/>
+          </p:nvSpPr>
+          <p:spPr>
+            <a:xfrm>
+              <a:off x="1691680" y="1256565"/>
+              <a:ext cx="720080" cy="732275"/>
+            </a:xfrm>
+            <a:prstGeom prst="ellipse">
+              <a:avLst/>
+            </a:prstGeom>
+            <a:noFill/>
+            <a:ln>
+              <a:solidFill>
+                <a:schemeClr val="tx1"/>
+              </a:solidFill>
+            </a:ln>
+          </p:spPr>
+          <p:style>
+            <a:lnRef idx="2">
+              <a:schemeClr val="accent1">
+                <a:shade val="50000"/>
+              </a:schemeClr>
+            </a:lnRef>
+            <a:fillRef idx="1">
+              <a:schemeClr val="accent1"/>
+            </a:fillRef>
+            <a:effectRef idx="0">
+              <a:schemeClr val="accent1"/>
+            </a:effectRef>
+            <a:fontRef idx="minor">
+              <a:schemeClr val="lt1"/>
+            </a:fontRef>
+          </p:style>
+          <p:txBody>
+            <a:bodyPr rot="0" spcFirstLastPara="0" vertOverflow="overflow" horzOverflow="overflow" vert="horz" wrap="square" lIns="91440" tIns="45720" rIns="91440" bIns="45720" numCol="1" spcCol="0" rtlCol="0" fromWordArt="0" anchor="ctr" anchorCtr="0" forceAA="0" compatLnSpc="1">
+              <a:prstTxWarp prst="textNoShape">
+                <a:avLst/>
+              </a:prstTxWarp>
+              <a:noAutofit/>
+            </a:bodyPr>
+            <a:lstStyle/>
+            <a:p>
+              <a:pPr algn="ctr"/>
+              <a:r>
+                <a:rPr lang="en-US" altLang="ja-JP" sz="2800" dirty="0">
+                  <a:solidFill>
+                    <a:schemeClr val="tx1"/>
+                  </a:solidFill>
+                </a:rPr>
+                <a:t>+</a:t>
+              </a:r>
+              <a:endParaRPr kumimoji="1" lang="ja-JP" altLang="en-US" sz="2800" dirty="0">
+                <a:solidFill>
+                  <a:schemeClr val="tx1"/>
+                </a:solidFill>
+              </a:endParaRPr>
+            </a:p>
+          </p:txBody>
+        </p:sp>
+        <p:sp>
+          <p:nvSpPr>
+            <p:cNvPr id="6" name="楕円 4">
+              <a:extLst>
+                <a:ext uri="{FF2B5EF4-FFF2-40B4-BE49-F238E27FC236}">
+                  <a16:creationId xmlns:a16="http://schemas.microsoft.com/office/drawing/2014/main" id="{6B58145B-C3E9-D443-98DC-318B8BCB7B91}"/>
+                </a:ext>
+              </a:extLst>
+            </p:cNvPr>
+            <p:cNvSpPr/>
+            <p:nvPr/>
+          </p:nvSpPr>
+          <p:spPr>
+            <a:xfrm>
+              <a:off x="971600" y="2420888"/>
+              <a:ext cx="720080" cy="732275"/>
+            </a:xfrm>
+            <a:prstGeom prst="ellipse">
+              <a:avLst/>
+            </a:prstGeom>
+            <a:noFill/>
+            <a:ln>
+              <a:solidFill>
+                <a:schemeClr val="tx1"/>
+              </a:solidFill>
+            </a:ln>
+          </p:spPr>
+          <p:style>
+            <a:lnRef idx="2">
+              <a:schemeClr val="accent1">
+                <a:shade val="50000"/>
+              </a:schemeClr>
+            </a:lnRef>
+            <a:fillRef idx="1">
+              <a:schemeClr val="accent1"/>
+            </a:fillRef>
+            <a:effectRef idx="0">
+              <a:schemeClr val="accent1"/>
+            </a:effectRef>
+            <a:fontRef idx="minor">
+              <a:schemeClr val="lt1"/>
+            </a:fontRef>
+          </p:style>
+          <p:txBody>
+            <a:bodyPr rot="0" spcFirstLastPara="0" vertOverflow="overflow" horzOverflow="overflow" vert="horz" wrap="square" lIns="91440" tIns="45720" rIns="91440" bIns="45720" numCol="1" spcCol="0" rtlCol="0" fromWordArt="0" anchor="ctr" anchorCtr="0" forceAA="0" compatLnSpc="1">
+              <a:prstTxWarp prst="textNoShape">
+                <a:avLst/>
+              </a:prstTxWarp>
+              <a:noAutofit/>
+            </a:bodyPr>
+            <a:lstStyle/>
+            <a:p>
+              <a:pPr algn="ctr"/>
+              <a:r>
+                <a:rPr lang="en-US" altLang="ja-JP" sz="2800" dirty="0">
+                  <a:solidFill>
+                    <a:schemeClr val="tx1"/>
+                  </a:solidFill>
+                </a:rPr>
+                <a:t>3</a:t>
+              </a:r>
+              <a:endParaRPr kumimoji="1" lang="ja-JP" altLang="en-US" sz="2800" dirty="0">
+                <a:solidFill>
+                  <a:schemeClr val="tx1"/>
+                </a:solidFill>
+              </a:endParaRPr>
+            </a:p>
+          </p:txBody>
+        </p:sp>
+        <p:sp>
+          <p:nvSpPr>
+            <p:cNvPr id="7" name="楕円 5">
+              <a:extLst>
+                <a:ext uri="{FF2B5EF4-FFF2-40B4-BE49-F238E27FC236}">
+                  <a16:creationId xmlns:a16="http://schemas.microsoft.com/office/drawing/2014/main" id="{8FBA8151-C4E7-754C-89FC-1B55318C95F1}"/>
+                </a:ext>
+              </a:extLst>
+            </p:cNvPr>
+            <p:cNvSpPr/>
+            <p:nvPr/>
+          </p:nvSpPr>
+          <p:spPr>
+            <a:xfrm>
+              <a:off x="2376240" y="2420888"/>
+              <a:ext cx="720080" cy="732275"/>
+            </a:xfrm>
+            <a:prstGeom prst="ellipse">
+              <a:avLst/>
+            </a:prstGeom>
+            <a:noFill/>
+            <a:ln>
+              <a:solidFill>
+                <a:schemeClr val="tx1"/>
+              </a:solidFill>
+            </a:ln>
+          </p:spPr>
+          <p:style>
+            <a:lnRef idx="2">
+              <a:schemeClr val="accent1">
+                <a:shade val="50000"/>
+              </a:schemeClr>
+            </a:lnRef>
+            <a:fillRef idx="1">
+              <a:schemeClr val="accent1"/>
+            </a:fillRef>
+            <a:effectRef idx="0">
+              <a:schemeClr val="accent1"/>
+            </a:effectRef>
+            <a:fontRef idx="minor">
+              <a:schemeClr val="lt1"/>
+            </a:fontRef>
+          </p:style>
+          <p:txBody>
+            <a:bodyPr rot="0" spcFirstLastPara="0" vertOverflow="overflow" horzOverflow="overflow" vert="horz" wrap="square" lIns="91440" tIns="45720" rIns="91440" bIns="45720" numCol="1" spcCol="0" rtlCol="0" fromWordArt="0" anchor="ctr" anchorCtr="0" forceAA="0" compatLnSpc="1">
+              <a:prstTxWarp prst="textNoShape">
+                <a:avLst/>
+              </a:prstTxWarp>
+              <a:noAutofit/>
+            </a:bodyPr>
+            <a:lstStyle/>
+            <a:p>
+              <a:pPr algn="ctr"/>
+              <a:r>
+                <a:rPr lang="en-US" altLang="ja-JP" sz="2800" dirty="0">
+                  <a:solidFill>
+                    <a:schemeClr val="tx1"/>
+                  </a:solidFill>
+                </a:rPr>
+                <a:t>4</a:t>
+              </a:r>
+              <a:endParaRPr kumimoji="1" lang="ja-JP" altLang="en-US" sz="2800" dirty="0">
+                <a:solidFill>
+                  <a:schemeClr val="tx1"/>
+                </a:solidFill>
+              </a:endParaRPr>
+            </a:p>
+          </p:txBody>
+        </p:sp>
+        <p:cxnSp>
+          <p:nvCxnSpPr>
+            <p:cNvPr id="8" name="直線矢印コネクタ 7">
+              <a:extLst>
+                <a:ext uri="{FF2B5EF4-FFF2-40B4-BE49-F238E27FC236}">
+                  <a16:creationId xmlns:a16="http://schemas.microsoft.com/office/drawing/2014/main" id="{C46EE50A-594F-C341-8B75-5A8AC11B3866}"/>
+                </a:ext>
+              </a:extLst>
+            </p:cNvPr>
+            <p:cNvCxnSpPr>
+              <a:stCxn id="5" idx="4"/>
+              <a:endCxn id="6" idx="0"/>
+            </p:cNvCxnSpPr>
+            <p:nvPr/>
+          </p:nvCxnSpPr>
+          <p:spPr>
+            <a:xfrm flipH="1">
+              <a:off x="1331640" y="1988840"/>
+              <a:ext cx="720080" cy="432048"/>
+            </a:xfrm>
+            <a:prstGeom prst="straightConnector1">
+              <a:avLst/>
+            </a:prstGeom>
+            <a:ln w="12700">
+              <a:solidFill>
+                <a:schemeClr val="tx1"/>
+              </a:solidFill>
+              <a:tailEnd type="triangle"/>
+            </a:ln>
+          </p:spPr>
+          <p:style>
+            <a:lnRef idx="1">
+              <a:schemeClr val="accent1"/>
+            </a:lnRef>
+            <a:fillRef idx="0">
+              <a:schemeClr val="accent1"/>
+            </a:fillRef>
+            <a:effectRef idx="0">
+              <a:schemeClr val="accent1"/>
+            </a:effectRef>
+            <a:fontRef idx="minor">
+              <a:schemeClr val="tx1"/>
+            </a:fontRef>
+          </p:style>
+        </p:cxnSp>
+        <p:cxnSp>
+          <p:nvCxnSpPr>
+            <p:cNvPr id="9" name="直線矢印コネクタ 8">
+              <a:extLst>
+                <a:ext uri="{FF2B5EF4-FFF2-40B4-BE49-F238E27FC236}">
+                  <a16:creationId xmlns:a16="http://schemas.microsoft.com/office/drawing/2014/main" id="{7CF5578E-ED95-EB4A-BFA8-4EA30FE08E31}"/>
+                </a:ext>
+              </a:extLst>
+            </p:cNvPr>
+            <p:cNvCxnSpPr>
+              <a:stCxn id="5" idx="4"/>
+              <a:endCxn id="7" idx="0"/>
+            </p:cNvCxnSpPr>
+            <p:nvPr/>
+          </p:nvCxnSpPr>
+          <p:spPr>
+            <a:xfrm>
+              <a:off x="2051720" y="1988840"/>
+              <a:ext cx="684560" cy="432048"/>
+            </a:xfrm>
+            <a:prstGeom prst="straightConnector1">
+              <a:avLst/>
+            </a:prstGeom>
+            <a:ln w="12700">
+              <a:solidFill>
+                <a:schemeClr val="tx1"/>
+              </a:solidFill>
+              <a:tailEnd type="triangle"/>
+            </a:ln>
+          </p:spPr>
+          <p:style>
+            <a:lnRef idx="1">
+              <a:schemeClr val="accent1"/>
+            </a:lnRef>
+            <a:fillRef idx="0">
+              <a:schemeClr val="accent1"/>
+            </a:fillRef>
+            <a:effectRef idx="0">
+              <a:schemeClr val="accent1"/>
+            </a:effectRef>
+            <a:fontRef idx="minor">
+              <a:schemeClr val="tx1"/>
+            </a:fontRef>
+          </p:style>
+        </p:cxnSp>
+      </p:grpSp>
+      <p:sp>
+        <p:nvSpPr>
+          <p:cNvPr id="10" name="テキスト ボックス 9">
+            <a:extLst>
+              <a:ext uri="{FF2B5EF4-FFF2-40B4-BE49-F238E27FC236}">
+                <a16:creationId xmlns:a16="http://schemas.microsoft.com/office/drawing/2014/main" id="{A0A8E349-7CB7-B246-81FB-1E73D6BEFE14}"/>
+              </a:ext>
+            </a:extLst>
+          </p:cNvPr>
+          <p:cNvSpPr txBox="1"/>
+          <p:nvPr/>
+        </p:nvSpPr>
+        <p:spPr>
+          <a:xfrm>
+            <a:off x="2730272" y="220008"/>
+            <a:ext cx="1440160" cy="369332"/>
+          </a:xfrm>
+          <a:prstGeom prst="rect">
+            <a:avLst/>
+          </a:prstGeom>
+          <a:noFill/>
+        </p:spPr>
+        <p:txBody>
+          <a:bodyPr wrap="square" rtlCol="0">
+            <a:spAutoFit/>
+          </a:bodyPr>
+          <a:lstStyle/>
+          <a:p>
+            <a:r>
+              <a:rPr lang="ja-JP" altLang="en-US" dirty="0"/>
+              <a:t>抽象構文木</a:t>
+            </a:r>
+            <a:endParaRPr kumimoji="1" lang="ja-JP" altLang="en-US" dirty="0"/>
+          </a:p>
+        </p:txBody>
+      </p:sp>
+      <p:sp>
+        <p:nvSpPr>
+          <p:cNvPr id="11" name="テキスト ボックス 10">
+            <a:extLst>
+              <a:ext uri="{FF2B5EF4-FFF2-40B4-BE49-F238E27FC236}">
+                <a16:creationId xmlns:a16="http://schemas.microsoft.com/office/drawing/2014/main" id="{D78DF1E8-CD2D-A844-96DA-CB60C357DD21}"/>
+              </a:ext>
+            </a:extLst>
+          </p:cNvPr>
+          <p:cNvSpPr txBox="1"/>
+          <p:nvPr/>
+        </p:nvSpPr>
+        <p:spPr>
+          <a:xfrm>
+            <a:off x="2309272" y="682536"/>
+            <a:ext cx="2283048" cy="338554"/>
+          </a:xfrm>
+          <a:prstGeom prst="rect">
+            <a:avLst/>
+          </a:prstGeom>
+          <a:noFill/>
+        </p:spPr>
+        <p:txBody>
+          <a:bodyPr wrap="square" rtlCol="0">
+            <a:spAutoFit/>
+          </a:bodyPr>
+          <a:lstStyle/>
+          <a:p>
+            <a:r>
+              <a:rPr kumimoji="1" lang="en-US" altLang="ja-JP" sz="1600" dirty="0"/>
+              <a:t>Abstract Syntax Tree, AST</a:t>
+            </a:r>
+            <a:endParaRPr kumimoji="1" lang="ja-JP" altLang="en-US" sz="1600" dirty="0"/>
+          </a:p>
+        </p:txBody>
+      </p:sp>
+      <p:sp>
+        <p:nvSpPr>
+          <p:cNvPr id="12" name="テキスト ボックス 11">
+            <a:extLst>
+              <a:ext uri="{FF2B5EF4-FFF2-40B4-BE49-F238E27FC236}">
+                <a16:creationId xmlns:a16="http://schemas.microsoft.com/office/drawing/2014/main" id="{1A677677-59C0-5542-BEB0-7FABEDAB14CB}"/>
+              </a:ext>
+            </a:extLst>
+          </p:cNvPr>
+          <p:cNvSpPr txBox="1"/>
+          <p:nvPr/>
+        </p:nvSpPr>
+        <p:spPr>
+          <a:xfrm>
+            <a:off x="4891400" y="260648"/>
+            <a:ext cx="1570360" cy="369332"/>
+          </a:xfrm>
+          <a:prstGeom prst="rect">
+            <a:avLst/>
+          </a:prstGeom>
+          <a:noFill/>
+        </p:spPr>
+        <p:txBody>
+          <a:bodyPr wrap="square" rtlCol="0">
+            <a:spAutoFit/>
+          </a:bodyPr>
+          <a:lstStyle/>
+          <a:p>
+            <a:r>
+              <a:rPr lang="ja-JP" altLang="en-US" dirty="0"/>
+              <a:t>バイトコード</a:t>
+            </a:r>
+            <a:endParaRPr kumimoji="1" lang="ja-JP" altLang="en-US" dirty="0"/>
+          </a:p>
+        </p:txBody>
+      </p:sp>
+      <p:sp>
+        <p:nvSpPr>
+          <p:cNvPr id="13" name="テキスト ボックス 12">
+            <a:extLst>
+              <a:ext uri="{FF2B5EF4-FFF2-40B4-BE49-F238E27FC236}">
+                <a16:creationId xmlns:a16="http://schemas.microsoft.com/office/drawing/2014/main" id="{7D5576F3-3794-5C45-893D-DD9423CCE12B}"/>
+              </a:ext>
+            </a:extLst>
+          </p:cNvPr>
+          <p:cNvSpPr txBox="1"/>
+          <p:nvPr/>
+        </p:nvSpPr>
+        <p:spPr>
+          <a:xfrm>
+            <a:off x="4923656" y="1343433"/>
+            <a:ext cx="1517784" cy="830997"/>
+          </a:xfrm>
+          <a:prstGeom prst="rect">
+            <a:avLst/>
+          </a:prstGeom>
+          <a:noFill/>
+          <a:ln>
+            <a:solidFill>
+              <a:schemeClr val="tx1"/>
+            </a:solidFill>
+          </a:ln>
+        </p:spPr>
+        <p:txBody>
+          <a:bodyPr wrap="square" rtlCol="0">
+            <a:spAutoFit/>
+          </a:bodyPr>
+          <a:lstStyle/>
+          <a:p>
+            <a:r>
+              <a:rPr kumimoji="1" lang="en-US" altLang="ja-JP" sz="1600" dirty="0"/>
+              <a:t>LOAD_CONST 3</a:t>
+            </a:r>
+          </a:p>
+          <a:p>
+            <a:r>
+              <a:rPr kumimoji="1" lang="en-US" altLang="ja-JP" sz="1600" dirty="0"/>
+              <a:t>LOAD_CONST 4</a:t>
+            </a:r>
+          </a:p>
+          <a:p>
+            <a:r>
+              <a:rPr lang="en-US" altLang="ja-JP" sz="1600" dirty="0"/>
+              <a:t>BINARY_ADD</a:t>
+            </a:r>
+            <a:endParaRPr kumimoji="1" lang="ja-JP" altLang="en-US" sz="1600" dirty="0"/>
+          </a:p>
+        </p:txBody>
+      </p:sp>
+      <p:sp>
+        <p:nvSpPr>
+          <p:cNvPr id="14" name="テキスト ボックス 13">
+            <a:extLst>
+              <a:ext uri="{FF2B5EF4-FFF2-40B4-BE49-F238E27FC236}">
+                <a16:creationId xmlns:a16="http://schemas.microsoft.com/office/drawing/2014/main" id="{60EE1F90-646B-2B43-B32D-068B4276E9EF}"/>
+              </a:ext>
+            </a:extLst>
+          </p:cNvPr>
+          <p:cNvSpPr txBox="1"/>
+          <p:nvPr/>
+        </p:nvSpPr>
+        <p:spPr>
+          <a:xfrm>
+            <a:off x="4932040" y="692696"/>
+            <a:ext cx="1306200" cy="338554"/>
+          </a:xfrm>
+          <a:prstGeom prst="rect">
+            <a:avLst/>
+          </a:prstGeom>
+          <a:noFill/>
+        </p:spPr>
+        <p:txBody>
+          <a:bodyPr wrap="square" rtlCol="0">
+            <a:spAutoFit/>
+          </a:bodyPr>
+          <a:lstStyle/>
+          <a:p>
+            <a:pPr algn="ctr"/>
+            <a:r>
+              <a:rPr lang="en-US" altLang="ja-JP" sz="1600" dirty="0"/>
+              <a:t>Byte Code</a:t>
+            </a:r>
+            <a:endParaRPr kumimoji="1" lang="ja-JP" altLang="en-US" sz="1600" dirty="0"/>
+          </a:p>
+        </p:txBody>
+      </p:sp>
+      <p:sp>
+        <p:nvSpPr>
+          <p:cNvPr id="17" name="テキスト ボックス 16">
+            <a:extLst>
+              <a:ext uri="{FF2B5EF4-FFF2-40B4-BE49-F238E27FC236}">
+                <a16:creationId xmlns:a16="http://schemas.microsoft.com/office/drawing/2014/main" id="{990D0F61-1DD1-2B48-829E-8E5532D8377D}"/>
+              </a:ext>
+            </a:extLst>
+          </p:cNvPr>
+          <p:cNvSpPr txBox="1"/>
+          <p:nvPr/>
+        </p:nvSpPr>
+        <p:spPr>
+          <a:xfrm>
+            <a:off x="66864" y="692696"/>
+            <a:ext cx="2016224" cy="338554"/>
+          </a:xfrm>
+          <a:prstGeom prst="rect">
+            <a:avLst/>
+          </a:prstGeom>
+          <a:noFill/>
+        </p:spPr>
+        <p:txBody>
+          <a:bodyPr wrap="square" rtlCol="0">
+            <a:spAutoFit/>
+          </a:bodyPr>
+          <a:lstStyle/>
+          <a:p>
+            <a:r>
+              <a:rPr kumimoji="1" lang="en-US" altLang="ja-JP" sz="1600" dirty="0"/>
+              <a:t>Programing Language</a:t>
+            </a:r>
+            <a:endParaRPr kumimoji="1" lang="ja-JP" altLang="en-US" sz="1600" dirty="0"/>
+          </a:p>
+        </p:txBody>
+      </p:sp>
+      <p:sp>
+        <p:nvSpPr>
+          <p:cNvPr id="18" name="下矢印 17">
+            <a:extLst>
+              <a:ext uri="{FF2B5EF4-FFF2-40B4-BE49-F238E27FC236}">
+                <a16:creationId xmlns:a16="http://schemas.microsoft.com/office/drawing/2014/main" id="{7FB2D858-4958-1547-992B-092074D9C0B4}"/>
+              </a:ext>
+            </a:extLst>
+          </p:cNvPr>
+          <p:cNvSpPr/>
+          <p:nvPr/>
+        </p:nvSpPr>
+        <p:spPr>
+          <a:xfrm rot="16200000">
+            <a:off x="1671811" y="1579325"/>
+            <a:ext cx="432440" cy="367053"/>
+          </a:xfrm>
+          <a:prstGeom prst="downArrow">
+            <a:avLst/>
+          </a:prstGeom>
+          <a:solidFill>
+            <a:srgbClr val="FF0000"/>
+          </a:solidFill>
+          <a:ln>
+            <a:solidFill>
+              <a:schemeClr val="tx1"/>
+            </a:solidFill>
+          </a:ln>
+        </p:spPr>
+        <p:style>
+          <a:lnRef idx="2">
+            <a:schemeClr val="accent1">
+              <a:shade val="50000"/>
+            </a:schemeClr>
+          </a:lnRef>
+          <a:fillRef idx="1">
+            <a:schemeClr val="accent1"/>
+          </a:fillRef>
+          <a:effectRef idx="0">
+            <a:schemeClr val="accent1"/>
+          </a:effectRef>
+          <a:fontRef idx="minor">
+            <a:schemeClr val="lt1"/>
+          </a:fontRef>
+        </p:style>
+        <p:txBody>
+          <a:bodyPr rot="0" spcFirstLastPara="0" vertOverflow="overflow" horzOverflow="overflow" vert="horz" wrap="square" lIns="91440" tIns="45720" rIns="91440" bIns="45720" numCol="1" spcCol="0" rtlCol="0" fromWordArt="0" anchor="ctr" anchorCtr="0" forceAA="0" compatLnSpc="1">
+            <a:prstTxWarp prst="textNoShape">
+              <a:avLst/>
+            </a:prstTxWarp>
+            <a:noAutofit/>
+          </a:bodyPr>
+          <a:lstStyle/>
+          <a:p>
+            <a:pPr algn="ctr"/>
+            <a:endParaRPr kumimoji="1" lang="ja-JP" altLang="en-US"/>
+          </a:p>
+        </p:txBody>
+      </p:sp>
+      <p:sp>
+        <p:nvSpPr>
+          <p:cNvPr id="19" name="下矢印 18">
+            <a:extLst>
+              <a:ext uri="{FF2B5EF4-FFF2-40B4-BE49-F238E27FC236}">
+                <a16:creationId xmlns:a16="http://schemas.microsoft.com/office/drawing/2014/main" id="{23D32A86-0213-2A44-8676-C8BAE64033ED}"/>
+              </a:ext>
+            </a:extLst>
+          </p:cNvPr>
+          <p:cNvSpPr/>
+          <p:nvPr/>
+        </p:nvSpPr>
+        <p:spPr>
+          <a:xfrm rot="16200000">
+            <a:off x="4354651" y="1589485"/>
+            <a:ext cx="432440" cy="367053"/>
+          </a:xfrm>
+          <a:prstGeom prst="downArrow">
+            <a:avLst/>
+          </a:prstGeom>
+          <a:solidFill>
+            <a:srgbClr val="FF0000"/>
+          </a:solidFill>
+          <a:ln>
+            <a:solidFill>
+              <a:schemeClr val="tx1"/>
+            </a:solidFill>
+          </a:ln>
+        </p:spPr>
+        <p:style>
+          <a:lnRef idx="2">
+            <a:schemeClr val="accent1">
+              <a:shade val="50000"/>
+            </a:schemeClr>
+          </a:lnRef>
+          <a:fillRef idx="1">
+            <a:schemeClr val="accent1"/>
+          </a:fillRef>
+          <a:effectRef idx="0">
+            <a:schemeClr val="accent1"/>
+          </a:effectRef>
+          <a:fontRef idx="minor">
+            <a:schemeClr val="lt1"/>
+          </a:fontRef>
+        </p:style>
+        <p:txBody>
+          <a:bodyPr rot="0" spcFirstLastPara="0" vertOverflow="overflow" horzOverflow="overflow" vert="horz" wrap="square" lIns="91440" tIns="45720" rIns="91440" bIns="45720" numCol="1" spcCol="0" rtlCol="0" fromWordArt="0" anchor="ctr" anchorCtr="0" forceAA="0" compatLnSpc="1">
+            <a:prstTxWarp prst="textNoShape">
+              <a:avLst/>
+            </a:prstTxWarp>
+            <a:noAutofit/>
+          </a:bodyPr>
+          <a:lstStyle/>
+          <a:p>
+            <a:pPr algn="ctr"/>
+            <a:endParaRPr kumimoji="1" lang="ja-JP" altLang="en-US"/>
+          </a:p>
+        </p:txBody>
+      </p:sp>
+      <p:pic>
+        <p:nvPicPr>
+          <p:cNvPr id="21" name="図 20">
+            <a:extLst>
+              <a:ext uri="{FF2B5EF4-FFF2-40B4-BE49-F238E27FC236}">
+                <a16:creationId xmlns:a16="http://schemas.microsoft.com/office/drawing/2014/main" id="{54FEF573-0F30-7B4B-8C2C-F24EFEEAF645}"/>
+              </a:ext>
+            </a:extLst>
+          </p:cNvPr>
+          <p:cNvPicPr>
+            <a:picLocks noChangeAspect="1"/>
+          </p:cNvPicPr>
+          <p:nvPr/>
+        </p:nvPicPr>
+        <p:blipFill>
+          <a:blip r:embed="rId2"/>
+          <a:stretch>
+            <a:fillRect/>
+          </a:stretch>
+        </p:blipFill>
+        <p:spPr>
+          <a:xfrm>
+            <a:off x="354896" y="3212976"/>
+            <a:ext cx="1152128" cy="1152128"/>
+          </a:xfrm>
+          <a:prstGeom prst="rect">
+            <a:avLst/>
+          </a:prstGeom>
+        </p:spPr>
+      </p:pic>
+      <p:sp>
+        <p:nvSpPr>
+          <p:cNvPr id="22" name="テキスト ボックス 21">
+            <a:extLst>
+              <a:ext uri="{FF2B5EF4-FFF2-40B4-BE49-F238E27FC236}">
+                <a16:creationId xmlns:a16="http://schemas.microsoft.com/office/drawing/2014/main" id="{D567385F-DB5F-7342-AF90-01347D9293E0}"/>
+              </a:ext>
+            </a:extLst>
+          </p:cNvPr>
+          <p:cNvSpPr txBox="1"/>
+          <p:nvPr/>
+        </p:nvSpPr>
+        <p:spPr>
+          <a:xfrm>
+            <a:off x="138872" y="2759720"/>
+            <a:ext cx="1569660" cy="369332"/>
+          </a:xfrm>
+          <a:prstGeom prst="rect">
+            <a:avLst/>
+          </a:prstGeom>
+          <a:noFill/>
+        </p:spPr>
+        <p:txBody>
+          <a:bodyPr wrap="none" rtlCol="0">
+            <a:spAutoFit/>
+          </a:bodyPr>
+          <a:lstStyle/>
+          <a:p>
+            <a:r>
+              <a:rPr kumimoji="1" lang="ja-JP" altLang="en-US"/>
+              <a:t>人間が読める</a:t>
+            </a:r>
+          </a:p>
+        </p:txBody>
+      </p:sp>
+      <p:pic>
+        <p:nvPicPr>
+          <p:cNvPr id="23" name="図 22">
+            <a:extLst>
+              <a:ext uri="{FF2B5EF4-FFF2-40B4-BE49-F238E27FC236}">
+                <a16:creationId xmlns:a16="http://schemas.microsoft.com/office/drawing/2014/main" id="{4DCBE446-8D9A-4D4B-AFB5-E24FACE5CB97}"/>
+              </a:ext>
+            </a:extLst>
+          </p:cNvPr>
+          <p:cNvPicPr>
+            <a:picLocks noChangeAspect="1"/>
+          </p:cNvPicPr>
+          <p:nvPr/>
+        </p:nvPicPr>
+        <p:blipFill>
+          <a:blip r:embed="rId3"/>
+          <a:stretch>
+            <a:fillRect/>
+          </a:stretch>
+        </p:blipFill>
+        <p:spPr>
+          <a:xfrm>
+            <a:off x="7819857" y="1554480"/>
+            <a:ext cx="616136" cy="755068"/>
+          </a:xfrm>
+          <a:prstGeom prst="rect">
+            <a:avLst/>
+          </a:prstGeom>
+        </p:spPr>
+      </p:pic>
+      <p:pic>
+        <p:nvPicPr>
+          <p:cNvPr id="25" name="図 24">
+            <a:extLst>
+              <a:ext uri="{FF2B5EF4-FFF2-40B4-BE49-F238E27FC236}">
+                <a16:creationId xmlns:a16="http://schemas.microsoft.com/office/drawing/2014/main" id="{5CFED3BE-D253-4C49-83DE-9F7125DBC67F}"/>
+              </a:ext>
+            </a:extLst>
+          </p:cNvPr>
+          <p:cNvPicPr>
+            <a:picLocks noChangeAspect="1"/>
+          </p:cNvPicPr>
+          <p:nvPr/>
+        </p:nvPicPr>
+        <p:blipFill>
+          <a:blip r:embed="rId4"/>
+          <a:stretch>
+            <a:fillRect/>
+          </a:stretch>
+        </p:blipFill>
+        <p:spPr>
+          <a:xfrm>
+            <a:off x="3851920" y="3080896"/>
+            <a:ext cx="1224136" cy="1224136"/>
+          </a:xfrm>
+          <a:prstGeom prst="rect">
+            <a:avLst/>
+          </a:prstGeom>
+        </p:spPr>
+      </p:pic>
+      <p:sp>
+        <p:nvSpPr>
+          <p:cNvPr id="26" name="テキスト ボックス 25">
+            <a:extLst>
+              <a:ext uri="{FF2B5EF4-FFF2-40B4-BE49-F238E27FC236}">
+                <a16:creationId xmlns:a16="http://schemas.microsoft.com/office/drawing/2014/main" id="{49F985D4-3952-194E-BDE9-4EBCDBA7FE5E}"/>
+              </a:ext>
+            </a:extLst>
+          </p:cNvPr>
+          <p:cNvSpPr txBox="1"/>
+          <p:nvPr/>
+        </p:nvSpPr>
+        <p:spPr>
+          <a:xfrm>
+            <a:off x="3992201" y="2749560"/>
+            <a:ext cx="877163" cy="369332"/>
+          </a:xfrm>
+          <a:prstGeom prst="rect">
+            <a:avLst/>
+          </a:prstGeom>
+          <a:noFill/>
+        </p:spPr>
+        <p:txBody>
+          <a:bodyPr wrap="none" rtlCol="0">
+            <a:spAutoFit/>
+          </a:bodyPr>
+          <a:lstStyle/>
+          <a:p>
+            <a:pPr algn="ctr"/>
+            <a:r>
+              <a:rPr kumimoji="1" lang="ja-JP" altLang="en-US"/>
+              <a:t>パーサ</a:t>
+            </a:r>
+            <a:endParaRPr kumimoji="1" lang="en-US" altLang="ja-JP"/>
+          </a:p>
+        </p:txBody>
+      </p:sp>
+      <p:pic>
+        <p:nvPicPr>
+          <p:cNvPr id="39" name="図 38">
+            <a:extLst>
+              <a:ext uri="{FF2B5EF4-FFF2-40B4-BE49-F238E27FC236}">
+                <a16:creationId xmlns:a16="http://schemas.microsoft.com/office/drawing/2014/main" id="{0B6FA42C-A511-5844-A7B8-C626D0D93C31}"/>
+              </a:ext>
+            </a:extLst>
+          </p:cNvPr>
+          <p:cNvPicPr>
+            <a:picLocks noChangeAspect="1"/>
+          </p:cNvPicPr>
+          <p:nvPr/>
+        </p:nvPicPr>
+        <p:blipFill>
+          <a:blip r:embed="rId5"/>
+          <a:stretch>
+            <a:fillRect/>
+          </a:stretch>
+        </p:blipFill>
+        <p:spPr>
+          <a:xfrm flipH="1">
+            <a:off x="4998720" y="4744720"/>
+            <a:ext cx="1257300" cy="1257300"/>
+          </a:xfrm>
+          <a:prstGeom prst="rect">
+            <a:avLst/>
+          </a:prstGeom>
+        </p:spPr>
+      </p:pic>
+      <p:sp>
+        <p:nvSpPr>
+          <p:cNvPr id="40" name="円/楕円 39">
+            <a:extLst>
+              <a:ext uri="{FF2B5EF4-FFF2-40B4-BE49-F238E27FC236}">
+                <a16:creationId xmlns:a16="http://schemas.microsoft.com/office/drawing/2014/main" id="{6CA0D6BE-5D0B-2D47-AA88-091689CB3FE7}"/>
+              </a:ext>
+            </a:extLst>
+          </p:cNvPr>
+          <p:cNvSpPr/>
+          <p:nvPr/>
+        </p:nvSpPr>
+        <p:spPr>
+          <a:xfrm>
+            <a:off x="7955280" y="2824480"/>
+            <a:ext cx="335280" cy="203200"/>
+          </a:xfrm>
+          <a:prstGeom prst="ellipse">
+            <a:avLst/>
+          </a:prstGeom>
+          <a:noFill/>
+          <a:ln>
+            <a:solidFill>
+              <a:schemeClr val="tx1"/>
+            </a:solidFill>
+          </a:ln>
+        </p:spPr>
+        <p:style>
+          <a:lnRef idx="2">
+            <a:schemeClr val="accent1">
+              <a:shade val="50000"/>
+            </a:schemeClr>
+          </a:lnRef>
+          <a:fillRef idx="1">
+            <a:schemeClr val="accent1"/>
+          </a:fillRef>
+          <a:effectRef idx="0">
+            <a:schemeClr val="accent1"/>
+          </a:effectRef>
+          <a:fontRef idx="minor">
+            <a:schemeClr val="lt1"/>
+          </a:fontRef>
+        </p:style>
+        <p:txBody>
+          <a:bodyPr rtlCol="0" anchor="ctr"/>
+          <a:lstStyle/>
+          <a:p>
+            <a:pPr algn="ctr"/>
+            <a:endParaRPr kumimoji="1" lang="ja-JP" altLang="en-US"/>
+          </a:p>
+        </p:txBody>
+      </p:sp>
+      <p:sp>
+        <p:nvSpPr>
+          <p:cNvPr id="41" name="円/楕円 40">
+            <a:extLst>
+              <a:ext uri="{FF2B5EF4-FFF2-40B4-BE49-F238E27FC236}">
+                <a16:creationId xmlns:a16="http://schemas.microsoft.com/office/drawing/2014/main" id="{729D246F-F7EB-3D46-8067-E3AA4C3E306C}"/>
+              </a:ext>
+            </a:extLst>
+          </p:cNvPr>
+          <p:cNvSpPr/>
+          <p:nvPr/>
+        </p:nvSpPr>
+        <p:spPr>
+          <a:xfrm>
+            <a:off x="7731760" y="2418080"/>
+            <a:ext cx="619760" cy="233680"/>
+          </a:xfrm>
+          <a:prstGeom prst="ellipse">
+            <a:avLst/>
+          </a:prstGeom>
+          <a:noFill/>
+          <a:ln>
+            <a:solidFill>
+              <a:schemeClr val="tx1"/>
+            </a:solidFill>
+          </a:ln>
+        </p:spPr>
+        <p:style>
+          <a:lnRef idx="2">
+            <a:schemeClr val="accent1">
+              <a:shade val="50000"/>
+            </a:schemeClr>
+          </a:lnRef>
+          <a:fillRef idx="1">
+            <a:schemeClr val="accent1"/>
+          </a:fillRef>
+          <a:effectRef idx="0">
+            <a:schemeClr val="accent1"/>
+          </a:effectRef>
+          <a:fontRef idx="minor">
+            <a:schemeClr val="lt1"/>
+          </a:fontRef>
+        </p:style>
+        <p:txBody>
+          <a:bodyPr rtlCol="0" anchor="ctr"/>
+          <a:lstStyle/>
+          <a:p>
+            <a:pPr algn="ctr"/>
+            <a:endParaRPr kumimoji="1" lang="ja-JP" altLang="en-US"/>
+          </a:p>
+        </p:txBody>
+      </p:sp>
+      <p:sp>
+        <p:nvSpPr>
+          <p:cNvPr id="42" name="円/楕円 41">
+            <a:extLst>
+              <a:ext uri="{FF2B5EF4-FFF2-40B4-BE49-F238E27FC236}">
+                <a16:creationId xmlns:a16="http://schemas.microsoft.com/office/drawing/2014/main" id="{D4C13B6B-9C87-324F-B43D-1F44B277E7F7}"/>
+              </a:ext>
+            </a:extLst>
+          </p:cNvPr>
+          <p:cNvSpPr/>
+          <p:nvPr/>
+        </p:nvSpPr>
+        <p:spPr>
+          <a:xfrm>
+            <a:off x="7071360" y="1137920"/>
+            <a:ext cx="1798320" cy="1219200"/>
+          </a:xfrm>
+          <a:prstGeom prst="ellipse">
+            <a:avLst/>
+          </a:prstGeom>
+          <a:noFill/>
+          <a:ln>
+            <a:solidFill>
+              <a:schemeClr val="tx1"/>
+            </a:solidFill>
+          </a:ln>
+        </p:spPr>
+        <p:style>
+          <a:lnRef idx="2">
+            <a:schemeClr val="accent1">
+              <a:shade val="50000"/>
+            </a:schemeClr>
+          </a:lnRef>
+          <a:fillRef idx="1">
+            <a:schemeClr val="accent1"/>
+          </a:fillRef>
+          <a:effectRef idx="0">
+            <a:schemeClr val="accent1"/>
+          </a:effectRef>
+          <a:fontRef idx="minor">
+            <a:schemeClr val="lt1"/>
+          </a:fontRef>
+        </p:style>
+        <p:txBody>
+          <a:bodyPr rtlCol="0" anchor="ctr"/>
+          <a:lstStyle/>
+          <a:p>
+            <a:pPr algn="ctr"/>
+            <a:endParaRPr kumimoji="1" lang="ja-JP" altLang="en-US"/>
+          </a:p>
+        </p:txBody>
+      </p:sp>
+      <p:sp>
+        <p:nvSpPr>
+          <p:cNvPr id="43" name="下矢印 42">
+            <a:extLst>
+              <a:ext uri="{FF2B5EF4-FFF2-40B4-BE49-F238E27FC236}">
+                <a16:creationId xmlns:a16="http://schemas.microsoft.com/office/drawing/2014/main" id="{E6A3019A-8F85-7B44-B054-B42FF67E5BB8}"/>
+              </a:ext>
+            </a:extLst>
+          </p:cNvPr>
+          <p:cNvSpPr/>
+          <p:nvPr/>
+        </p:nvSpPr>
+        <p:spPr>
+          <a:xfrm rot="16200000">
+            <a:off x="6569532" y="1589484"/>
+            <a:ext cx="432440" cy="367053"/>
+          </a:xfrm>
+          <a:prstGeom prst="downArrow">
+            <a:avLst/>
+          </a:prstGeom>
+          <a:solidFill>
+            <a:srgbClr val="FF0000"/>
+          </a:solidFill>
+          <a:ln>
+            <a:solidFill>
+              <a:schemeClr val="tx1"/>
+            </a:solidFill>
+          </a:ln>
+        </p:spPr>
+        <p:style>
+          <a:lnRef idx="2">
+            <a:schemeClr val="accent1">
+              <a:shade val="50000"/>
+            </a:schemeClr>
+          </a:lnRef>
+          <a:fillRef idx="1">
+            <a:schemeClr val="accent1"/>
+          </a:fillRef>
+          <a:effectRef idx="0">
+            <a:schemeClr val="accent1"/>
+          </a:effectRef>
+          <a:fontRef idx="minor">
+            <a:schemeClr val="lt1"/>
+          </a:fontRef>
+        </p:style>
+        <p:txBody>
+          <a:bodyPr rot="0" spcFirstLastPara="0" vertOverflow="overflow" horzOverflow="overflow" vert="horz" wrap="square" lIns="91440" tIns="45720" rIns="91440" bIns="45720" numCol="1" spcCol="0" rtlCol="0" fromWordArt="0" anchor="ctr" anchorCtr="0" forceAA="0" compatLnSpc="1">
+            <a:prstTxWarp prst="textNoShape">
+              <a:avLst/>
+            </a:prstTxWarp>
+            <a:noAutofit/>
+          </a:bodyPr>
+          <a:lstStyle/>
+          <a:p>
+            <a:pPr algn="ctr"/>
+            <a:endParaRPr kumimoji="1" lang="ja-JP" altLang="en-US"/>
+          </a:p>
+        </p:txBody>
+      </p:sp>
+      <p:sp>
+        <p:nvSpPr>
+          <p:cNvPr id="44" name="テキスト ボックス 43">
+            <a:extLst>
+              <a:ext uri="{FF2B5EF4-FFF2-40B4-BE49-F238E27FC236}">
+                <a16:creationId xmlns:a16="http://schemas.microsoft.com/office/drawing/2014/main" id="{FA1AA040-A2ED-6F47-93C4-EF5FA0D893A5}"/>
+              </a:ext>
+            </a:extLst>
+          </p:cNvPr>
+          <p:cNvSpPr txBox="1"/>
+          <p:nvPr/>
+        </p:nvSpPr>
+        <p:spPr>
+          <a:xfrm>
+            <a:off x="7279000" y="250488"/>
+            <a:ext cx="1458600" cy="369332"/>
+          </a:xfrm>
+          <a:prstGeom prst="rect">
+            <a:avLst/>
+          </a:prstGeom>
+          <a:noFill/>
+        </p:spPr>
+        <p:txBody>
+          <a:bodyPr wrap="square" rtlCol="0">
+            <a:spAutoFit/>
+          </a:bodyPr>
+          <a:lstStyle/>
+          <a:p>
+            <a:r>
+              <a:rPr lang="ja-JP" altLang="en-US" dirty="0"/>
+              <a:t>仮想マシン</a:t>
+            </a:r>
+            <a:endParaRPr kumimoji="1" lang="ja-JP" altLang="en-US" dirty="0"/>
+          </a:p>
+        </p:txBody>
+      </p:sp>
+      <p:sp>
+        <p:nvSpPr>
+          <p:cNvPr id="45" name="テキスト ボックス 44">
+            <a:extLst>
+              <a:ext uri="{FF2B5EF4-FFF2-40B4-BE49-F238E27FC236}">
+                <a16:creationId xmlns:a16="http://schemas.microsoft.com/office/drawing/2014/main" id="{39AD1B94-DD00-024D-8B64-A7F5FF4D65A1}"/>
+              </a:ext>
+            </a:extLst>
+          </p:cNvPr>
+          <p:cNvSpPr txBox="1"/>
+          <p:nvPr/>
+        </p:nvSpPr>
+        <p:spPr>
+          <a:xfrm>
+            <a:off x="7004680" y="652056"/>
+            <a:ext cx="1966600" cy="338554"/>
+          </a:xfrm>
+          <a:prstGeom prst="rect">
+            <a:avLst/>
+          </a:prstGeom>
+          <a:noFill/>
+        </p:spPr>
+        <p:txBody>
+          <a:bodyPr wrap="square" rtlCol="0">
+            <a:spAutoFit/>
+          </a:bodyPr>
+          <a:lstStyle/>
+          <a:p>
+            <a:pPr algn="ctr"/>
+            <a:r>
+              <a:rPr lang="en-US" altLang="ja-JP" sz="1600" dirty="0"/>
+              <a:t>Virtual Machine, VM</a:t>
+            </a:r>
+            <a:endParaRPr kumimoji="1" lang="ja-JP" altLang="en-US" sz="1600" dirty="0"/>
+          </a:p>
+        </p:txBody>
+      </p:sp>
+      <p:sp>
+        <p:nvSpPr>
+          <p:cNvPr id="46" name="角丸四角形 45">
+            <a:extLst>
+              <a:ext uri="{FF2B5EF4-FFF2-40B4-BE49-F238E27FC236}">
+                <a16:creationId xmlns:a16="http://schemas.microsoft.com/office/drawing/2014/main" id="{D94F64F1-BDA4-3444-B465-3F057217992F}"/>
+              </a:ext>
+            </a:extLst>
+          </p:cNvPr>
+          <p:cNvSpPr/>
+          <p:nvPr/>
+        </p:nvSpPr>
+        <p:spPr>
+          <a:xfrm>
+            <a:off x="2286000" y="152400"/>
+            <a:ext cx="4277360" cy="2529840"/>
+          </a:xfrm>
+          <a:prstGeom prst="roundRect">
+            <a:avLst>
+              <a:gd name="adj" fmla="val 10629"/>
+            </a:avLst>
+          </a:prstGeom>
+          <a:noFill/>
+          <a:ln>
+            <a:solidFill>
+              <a:schemeClr val="tx1"/>
+            </a:solidFill>
+            <a:prstDash val="dash"/>
+          </a:ln>
+        </p:spPr>
+        <p:style>
+          <a:lnRef idx="2">
+            <a:schemeClr val="accent1">
+              <a:shade val="50000"/>
+            </a:schemeClr>
+          </a:lnRef>
+          <a:fillRef idx="1">
+            <a:schemeClr val="accent1"/>
+          </a:fillRef>
+          <a:effectRef idx="0">
+            <a:schemeClr val="accent1"/>
+          </a:effectRef>
+          <a:fontRef idx="minor">
+            <a:schemeClr val="lt1"/>
+          </a:fontRef>
+        </p:style>
+        <p:txBody>
+          <a:bodyPr rtlCol="0" anchor="ctr"/>
+          <a:lstStyle/>
+          <a:p>
+            <a:pPr algn="ctr"/>
+            <a:endParaRPr kumimoji="1" lang="ja-JP" altLang="en-US"/>
+          </a:p>
+        </p:txBody>
+      </p:sp>
+      <p:sp>
+        <p:nvSpPr>
+          <p:cNvPr id="47" name="角丸四角形 46">
+            <a:extLst>
+              <a:ext uri="{FF2B5EF4-FFF2-40B4-BE49-F238E27FC236}">
+                <a16:creationId xmlns:a16="http://schemas.microsoft.com/office/drawing/2014/main" id="{E3500BD1-E0D1-124A-B1E7-034A03F3BBF2}"/>
+              </a:ext>
+            </a:extLst>
+          </p:cNvPr>
+          <p:cNvSpPr/>
+          <p:nvPr/>
+        </p:nvSpPr>
+        <p:spPr>
+          <a:xfrm>
+            <a:off x="2235200" y="81280"/>
+            <a:ext cx="6776720" cy="4307840"/>
+          </a:xfrm>
+          <a:prstGeom prst="roundRect">
+            <a:avLst>
+              <a:gd name="adj" fmla="val 5867"/>
+            </a:avLst>
+          </a:prstGeom>
+          <a:noFill/>
+          <a:ln>
+            <a:solidFill>
+              <a:schemeClr val="tx1"/>
+            </a:solidFill>
+            <a:prstDash val="dash"/>
+          </a:ln>
+        </p:spPr>
+        <p:style>
+          <a:lnRef idx="2">
+            <a:schemeClr val="accent1">
+              <a:shade val="50000"/>
+            </a:schemeClr>
+          </a:lnRef>
+          <a:fillRef idx="1">
+            <a:schemeClr val="accent1"/>
+          </a:fillRef>
+          <a:effectRef idx="0">
+            <a:schemeClr val="accent1"/>
+          </a:effectRef>
+          <a:fontRef idx="minor">
+            <a:schemeClr val="lt1"/>
+          </a:fontRef>
+        </p:style>
+        <p:txBody>
+          <a:bodyPr rtlCol="0" anchor="ctr"/>
+          <a:lstStyle/>
+          <a:p>
+            <a:pPr algn="ctr"/>
+            <a:endParaRPr kumimoji="1" lang="ja-JP" altLang="en-US"/>
+          </a:p>
+        </p:txBody>
+      </p:sp>
+      <p:pic>
+        <p:nvPicPr>
+          <p:cNvPr id="48" name="図 47">
+            <a:extLst>
+              <a:ext uri="{FF2B5EF4-FFF2-40B4-BE49-F238E27FC236}">
+                <a16:creationId xmlns:a16="http://schemas.microsoft.com/office/drawing/2014/main" id="{0C4AA878-DF14-CA41-B9C7-64B371F2C2DA}"/>
+              </a:ext>
+            </a:extLst>
+          </p:cNvPr>
+          <p:cNvPicPr>
+            <a:picLocks noChangeAspect="1"/>
+          </p:cNvPicPr>
+          <p:nvPr/>
+        </p:nvPicPr>
+        <p:blipFill>
+          <a:blip r:embed="rId6"/>
+          <a:stretch>
+            <a:fillRect/>
+          </a:stretch>
+        </p:blipFill>
+        <p:spPr>
+          <a:xfrm>
+            <a:off x="7526020" y="3131820"/>
+            <a:ext cx="1143000" cy="1143000"/>
+          </a:xfrm>
+          <a:prstGeom prst="rect">
+            <a:avLst/>
+          </a:prstGeom>
+        </p:spPr>
+      </p:pic>
+      <p:sp>
+        <p:nvSpPr>
+          <p:cNvPr id="49" name="テキスト ボックス 48">
+            <a:extLst>
+              <a:ext uri="{FF2B5EF4-FFF2-40B4-BE49-F238E27FC236}">
+                <a16:creationId xmlns:a16="http://schemas.microsoft.com/office/drawing/2014/main" id="{31C90EC6-84B0-B44B-BE21-536941A88A21}"/>
+              </a:ext>
+            </a:extLst>
+          </p:cNvPr>
+          <p:cNvSpPr txBox="1"/>
+          <p:nvPr/>
+        </p:nvSpPr>
+        <p:spPr>
+          <a:xfrm>
+            <a:off x="4895633" y="4456440"/>
+            <a:ext cx="1569660" cy="369332"/>
+          </a:xfrm>
+          <a:prstGeom prst="rect">
+            <a:avLst/>
+          </a:prstGeom>
+          <a:noFill/>
+        </p:spPr>
+        <p:txBody>
+          <a:bodyPr wrap="none" rtlCol="0">
+            <a:spAutoFit/>
+          </a:bodyPr>
+          <a:lstStyle/>
+          <a:p>
+            <a:pPr algn="ctr"/>
+            <a:r>
+              <a:rPr kumimoji="1" lang="ja-JP" altLang="en-US"/>
+              <a:t>インタプリタ</a:t>
+            </a:r>
+            <a:endParaRPr kumimoji="1" lang="en-US" altLang="ja-JP"/>
+          </a:p>
+        </p:txBody>
+      </p:sp>
+      <p:sp>
+        <p:nvSpPr>
+          <p:cNvPr id="50" name="テキスト ボックス 49">
+            <a:extLst>
+              <a:ext uri="{FF2B5EF4-FFF2-40B4-BE49-F238E27FC236}">
+                <a16:creationId xmlns:a16="http://schemas.microsoft.com/office/drawing/2014/main" id="{7C442478-9AD0-3B42-ACD0-3957EBB4F559}"/>
+              </a:ext>
+            </a:extLst>
+          </p:cNvPr>
+          <p:cNvSpPr txBox="1"/>
+          <p:nvPr/>
+        </p:nvSpPr>
+        <p:spPr>
+          <a:xfrm>
+            <a:off x="7373987" y="1300480"/>
+            <a:ext cx="1261884" cy="276999"/>
+          </a:xfrm>
+          <a:prstGeom prst="rect">
+            <a:avLst/>
+          </a:prstGeom>
+          <a:noFill/>
+        </p:spPr>
+        <p:txBody>
+          <a:bodyPr wrap="none" rtlCol="0">
+            <a:spAutoFit/>
+          </a:bodyPr>
+          <a:lstStyle/>
+          <a:p>
+            <a:r>
+              <a:rPr kumimoji="1" lang="ja-JP" altLang="en-US" sz="1200"/>
+              <a:t>計算機が読める</a:t>
+            </a:r>
+          </a:p>
+        </p:txBody>
+      </p:sp>
+    </p:spTree>
+    <p:extLst>
+      <p:ext uri="{BB962C8B-B14F-4D97-AF65-F5344CB8AC3E}">
+        <p14:creationId xmlns:p14="http://schemas.microsoft.com/office/powerpoint/2010/main" val="1480700646"/>
       </p:ext>
     </p:extLst>
   </p:cSld>

--- a/howtowork/fig/fig.pptx
+++ b/howtowork/fig/fig.pptx
@@ -9,6 +9,8 @@
     <p:sldId id="259" r:id="rId3"/>
     <p:sldId id="260" r:id="rId4"/>
     <p:sldId id="261" r:id="rId5"/>
+    <p:sldId id="262" r:id="rId6"/>
+    <p:sldId id="263" r:id="rId7"/>
   </p:sldIdLst>
   <p:sldSz cx="9144000" cy="6858000" type="screen4x3"/>
   <p:notesSz cx="6858000" cy="9144000"/>
@@ -6404,6 +6406,4045 @@
 </p:sld>
 </file>
 
+<file path=ppt/slides/slide5.xml><?xml version="1.0" encoding="utf-8"?>
+<p:sld xmlns:a="http://schemas.openxmlformats.org/drawingml/2006/main" xmlns:r="http://schemas.openxmlformats.org/officeDocument/2006/relationships" xmlns:p="http://schemas.openxmlformats.org/presentationml/2006/main">
+  <p:cSld>
+    <p:spTree>
+      <p:nvGrpSpPr>
+        <p:cNvPr id="1" name=""/>
+        <p:cNvGrpSpPr/>
+        <p:nvPr/>
+      </p:nvGrpSpPr>
+      <p:grpSpPr>
+        <a:xfrm>
+          <a:off x="0" y="0"/>
+          <a:ext cx="0" cy="0"/>
+          <a:chOff x="0" y="0"/>
+          <a:chExt cx="0" cy="0"/>
+        </a:xfrm>
+      </p:grpSpPr>
+      <p:sp>
+        <p:nvSpPr>
+          <p:cNvPr id="2" name="テキスト ボックス 1">
+            <a:extLst>
+              <a:ext uri="{FF2B5EF4-FFF2-40B4-BE49-F238E27FC236}">
+                <a16:creationId xmlns:a16="http://schemas.microsoft.com/office/drawing/2014/main" id="{87F5FCB5-BD8E-D542-BA73-FF953FB68D15}"/>
+              </a:ext>
+            </a:extLst>
+          </p:cNvPr>
+          <p:cNvSpPr txBox="1"/>
+          <p:nvPr/>
+        </p:nvSpPr>
+        <p:spPr>
+          <a:xfrm>
+            <a:off x="3707904" y="116632"/>
+            <a:ext cx="1656184" cy="523220"/>
+          </a:xfrm>
+          <a:prstGeom prst="rect">
+            <a:avLst/>
+          </a:prstGeom>
+          <a:noFill/>
+        </p:spPr>
+        <p:txBody>
+          <a:bodyPr wrap="square" rtlCol="0">
+            <a:spAutoFit/>
+          </a:bodyPr>
+          <a:lstStyle/>
+          <a:p>
+            <a:r>
+              <a:rPr lang="ja-JP" altLang="en-US" sz="2800" dirty="0"/>
+              <a:t>スタック</a:t>
+            </a:r>
+            <a:endParaRPr kumimoji="1" lang="ja-JP" altLang="en-US" sz="2800" dirty="0"/>
+          </a:p>
+        </p:txBody>
+      </p:sp>
+      <p:sp>
+        <p:nvSpPr>
+          <p:cNvPr id="18" name="テキスト ボックス 17">
+            <a:extLst>
+              <a:ext uri="{FF2B5EF4-FFF2-40B4-BE49-F238E27FC236}">
+                <a16:creationId xmlns:a16="http://schemas.microsoft.com/office/drawing/2014/main" id="{14925096-7A7F-C84B-A0D6-3024B88276E1}"/>
+              </a:ext>
+            </a:extLst>
+          </p:cNvPr>
+          <p:cNvSpPr txBox="1"/>
+          <p:nvPr/>
+        </p:nvSpPr>
+        <p:spPr>
+          <a:xfrm>
+            <a:off x="323528" y="764704"/>
+            <a:ext cx="8212505" cy="369332"/>
+          </a:xfrm>
+          <a:prstGeom prst="rect">
+            <a:avLst/>
+          </a:prstGeom>
+          <a:noFill/>
+        </p:spPr>
+        <p:txBody>
+          <a:bodyPr wrap="none" rtlCol="0">
+            <a:spAutoFit/>
+          </a:bodyPr>
+          <a:lstStyle/>
+          <a:p>
+            <a:r>
+              <a:rPr kumimoji="1" lang="ja-JP" altLang="en-US"/>
+              <a:t>一番上に積む</a:t>
+            </a:r>
+            <a:r>
+              <a:rPr kumimoji="1" lang="en-US" altLang="ja-JP"/>
+              <a:t>(push)</a:t>
+            </a:r>
+            <a:r>
+              <a:rPr kumimoji="1" lang="ja-JP" altLang="en-US"/>
+              <a:t>か、一番上から取り出す</a:t>
+            </a:r>
+            <a:r>
+              <a:rPr lang="en-US" altLang="ja-JP"/>
+              <a:t>(pop)</a:t>
+            </a:r>
+            <a:r>
+              <a:rPr lang="ja-JP" altLang="en-US"/>
+              <a:t>ことしかできないデータ構造</a:t>
+            </a:r>
+            <a:endParaRPr kumimoji="1" lang="ja-JP" altLang="en-US"/>
+          </a:p>
+        </p:txBody>
+      </p:sp>
+      <p:sp>
+        <p:nvSpPr>
+          <p:cNvPr id="22" name="円弧 21">
+            <a:extLst>
+              <a:ext uri="{FF2B5EF4-FFF2-40B4-BE49-F238E27FC236}">
+                <a16:creationId xmlns:a16="http://schemas.microsoft.com/office/drawing/2014/main" id="{FF928BCE-15EF-F944-982C-B7B068A01D93}"/>
+              </a:ext>
+            </a:extLst>
+          </p:cNvPr>
+          <p:cNvSpPr/>
+          <p:nvPr/>
+        </p:nvSpPr>
+        <p:spPr>
+          <a:xfrm>
+            <a:off x="1547664" y="1844824"/>
+            <a:ext cx="1080120" cy="648072"/>
+          </a:xfrm>
+          <a:prstGeom prst="arc">
+            <a:avLst>
+              <a:gd name="adj1" fmla="val 16200000"/>
+              <a:gd name="adj2" fmla="val 53800"/>
+            </a:avLst>
+          </a:prstGeom>
+          <a:ln w="12700">
+            <a:solidFill>
+              <a:schemeClr val="tx1"/>
+            </a:solidFill>
+            <a:headEnd type="none" w="med" len="med"/>
+            <a:tailEnd type="triangle" w="med" len="med"/>
+          </a:ln>
+        </p:spPr>
+        <p:style>
+          <a:lnRef idx="1">
+            <a:schemeClr val="accent1"/>
+          </a:lnRef>
+          <a:fillRef idx="0">
+            <a:schemeClr val="accent1"/>
+          </a:fillRef>
+          <a:effectRef idx="0">
+            <a:schemeClr val="accent1"/>
+          </a:effectRef>
+          <a:fontRef idx="minor">
+            <a:schemeClr val="tx1"/>
+          </a:fontRef>
+        </p:style>
+        <p:txBody>
+          <a:bodyPr rtlCol="0" anchor="ctr"/>
+          <a:lstStyle/>
+          <a:p>
+            <a:pPr algn="ctr"/>
+            <a:endParaRPr kumimoji="1" lang="ja-JP" altLang="en-US"/>
+          </a:p>
+        </p:txBody>
+      </p:sp>
+      <p:sp>
+        <p:nvSpPr>
+          <p:cNvPr id="26" name="円弧 25">
+            <a:extLst>
+              <a:ext uri="{FF2B5EF4-FFF2-40B4-BE49-F238E27FC236}">
+                <a16:creationId xmlns:a16="http://schemas.microsoft.com/office/drawing/2014/main" id="{3DB0D402-B786-FA46-8AD6-F3362715B696}"/>
+              </a:ext>
+            </a:extLst>
+          </p:cNvPr>
+          <p:cNvSpPr/>
+          <p:nvPr/>
+        </p:nvSpPr>
+        <p:spPr>
+          <a:xfrm rot="16200000">
+            <a:off x="3059832" y="1628800"/>
+            <a:ext cx="648072" cy="1080120"/>
+          </a:xfrm>
+          <a:prstGeom prst="arc">
+            <a:avLst/>
+          </a:prstGeom>
+          <a:ln w="12700">
+            <a:solidFill>
+              <a:schemeClr val="tx1"/>
+            </a:solidFill>
+            <a:headEnd type="none" w="med" len="med"/>
+            <a:tailEnd type="triangle" w="med" len="med"/>
+          </a:ln>
+        </p:spPr>
+        <p:style>
+          <a:lnRef idx="1">
+            <a:schemeClr val="accent1"/>
+          </a:lnRef>
+          <a:fillRef idx="0">
+            <a:schemeClr val="accent1"/>
+          </a:fillRef>
+          <a:effectRef idx="0">
+            <a:schemeClr val="accent1"/>
+          </a:effectRef>
+          <a:fontRef idx="minor">
+            <a:schemeClr val="tx1"/>
+          </a:fontRef>
+        </p:style>
+        <p:txBody>
+          <a:bodyPr rtlCol="0" anchor="ctr"/>
+          <a:lstStyle/>
+          <a:p>
+            <a:pPr algn="ctr"/>
+            <a:endParaRPr kumimoji="1" lang="ja-JP" altLang="en-US"/>
+          </a:p>
+        </p:txBody>
+      </p:sp>
+      <p:sp>
+        <p:nvSpPr>
+          <p:cNvPr id="27" name="テキスト ボックス 26">
+            <a:extLst>
+              <a:ext uri="{FF2B5EF4-FFF2-40B4-BE49-F238E27FC236}">
+                <a16:creationId xmlns:a16="http://schemas.microsoft.com/office/drawing/2014/main" id="{B5C1D121-BD5D-BB49-82D0-B4E7BBF75857}"/>
+              </a:ext>
+            </a:extLst>
+          </p:cNvPr>
+          <p:cNvSpPr txBox="1"/>
+          <p:nvPr/>
+        </p:nvSpPr>
+        <p:spPr>
+          <a:xfrm>
+            <a:off x="1979712" y="1412776"/>
+            <a:ext cx="639919" cy="369332"/>
+          </a:xfrm>
+          <a:prstGeom prst="rect">
+            <a:avLst/>
+          </a:prstGeom>
+          <a:noFill/>
+        </p:spPr>
+        <p:txBody>
+          <a:bodyPr wrap="none" rtlCol="0">
+            <a:spAutoFit/>
+          </a:bodyPr>
+          <a:lstStyle/>
+          <a:p>
+            <a:r>
+              <a:rPr kumimoji="1" lang="en-US" altLang="ja-JP"/>
+              <a:t>push</a:t>
+            </a:r>
+            <a:endParaRPr kumimoji="1" lang="ja-JP" altLang="en-US"/>
+          </a:p>
+        </p:txBody>
+      </p:sp>
+      <p:sp>
+        <p:nvSpPr>
+          <p:cNvPr id="28" name="テキスト ボックス 27">
+            <a:extLst>
+              <a:ext uri="{FF2B5EF4-FFF2-40B4-BE49-F238E27FC236}">
+                <a16:creationId xmlns:a16="http://schemas.microsoft.com/office/drawing/2014/main" id="{34F28297-A428-1840-B0CD-37F28F78F582}"/>
+              </a:ext>
+            </a:extLst>
+          </p:cNvPr>
+          <p:cNvSpPr txBox="1"/>
+          <p:nvPr/>
+        </p:nvSpPr>
+        <p:spPr>
+          <a:xfrm>
+            <a:off x="2843808" y="1412776"/>
+            <a:ext cx="550151" cy="369332"/>
+          </a:xfrm>
+          <a:prstGeom prst="rect">
+            <a:avLst/>
+          </a:prstGeom>
+          <a:noFill/>
+        </p:spPr>
+        <p:txBody>
+          <a:bodyPr wrap="none" rtlCol="0">
+            <a:spAutoFit/>
+          </a:bodyPr>
+          <a:lstStyle/>
+          <a:p>
+            <a:r>
+              <a:rPr kumimoji="1" lang="en-US" altLang="ja-JP"/>
+              <a:t>pop</a:t>
+            </a:r>
+            <a:endParaRPr kumimoji="1" lang="ja-JP" altLang="en-US"/>
+          </a:p>
+        </p:txBody>
+      </p:sp>
+      <p:pic>
+        <p:nvPicPr>
+          <p:cNvPr id="51" name="図 50">
+            <a:extLst>
+              <a:ext uri="{FF2B5EF4-FFF2-40B4-BE49-F238E27FC236}">
+                <a16:creationId xmlns:a16="http://schemas.microsoft.com/office/drawing/2014/main" id="{38430679-1E12-1D45-B5E1-5C6EFFABAE54}"/>
+              </a:ext>
+            </a:extLst>
+          </p:cNvPr>
+          <p:cNvPicPr>
+            <a:picLocks noChangeAspect="1"/>
+          </p:cNvPicPr>
+          <p:nvPr/>
+        </p:nvPicPr>
+        <p:blipFill>
+          <a:blip r:embed="rId2"/>
+          <a:stretch>
+            <a:fillRect/>
+          </a:stretch>
+        </p:blipFill>
+        <p:spPr>
+          <a:xfrm>
+            <a:off x="2411760" y="3068960"/>
+            <a:ext cx="643508" cy="643508"/>
+          </a:xfrm>
+          <a:prstGeom prst="rect">
+            <a:avLst/>
+          </a:prstGeom>
+        </p:spPr>
+      </p:pic>
+      <p:pic>
+        <p:nvPicPr>
+          <p:cNvPr id="52" name="図 51">
+            <a:extLst>
+              <a:ext uri="{FF2B5EF4-FFF2-40B4-BE49-F238E27FC236}">
+                <a16:creationId xmlns:a16="http://schemas.microsoft.com/office/drawing/2014/main" id="{347EF517-D1B8-A440-AB03-A102A90A2A53}"/>
+              </a:ext>
+            </a:extLst>
+          </p:cNvPr>
+          <p:cNvPicPr>
+            <a:picLocks noChangeAspect="1"/>
+          </p:cNvPicPr>
+          <p:nvPr/>
+        </p:nvPicPr>
+        <p:blipFill>
+          <a:blip r:embed="rId2"/>
+          <a:stretch>
+            <a:fillRect/>
+          </a:stretch>
+        </p:blipFill>
+        <p:spPr>
+          <a:xfrm>
+            <a:off x="2411760" y="2636912"/>
+            <a:ext cx="643508" cy="643508"/>
+          </a:xfrm>
+          <a:prstGeom prst="rect">
+            <a:avLst/>
+          </a:prstGeom>
+        </p:spPr>
+      </p:pic>
+      <p:pic>
+        <p:nvPicPr>
+          <p:cNvPr id="53" name="図 52">
+            <a:extLst>
+              <a:ext uri="{FF2B5EF4-FFF2-40B4-BE49-F238E27FC236}">
+                <a16:creationId xmlns:a16="http://schemas.microsoft.com/office/drawing/2014/main" id="{DAA26080-5B19-6C4A-A78E-55F8BFC821E0}"/>
+              </a:ext>
+            </a:extLst>
+          </p:cNvPr>
+          <p:cNvPicPr>
+            <a:picLocks noChangeAspect="1"/>
+          </p:cNvPicPr>
+          <p:nvPr/>
+        </p:nvPicPr>
+        <p:blipFill>
+          <a:blip r:embed="rId2"/>
+          <a:stretch>
+            <a:fillRect/>
+          </a:stretch>
+        </p:blipFill>
+        <p:spPr>
+          <a:xfrm>
+            <a:off x="2411760" y="2204864"/>
+            <a:ext cx="643508" cy="643508"/>
+          </a:xfrm>
+          <a:prstGeom prst="rect">
+            <a:avLst/>
+          </a:prstGeom>
+        </p:spPr>
+      </p:pic>
+      <p:pic>
+        <p:nvPicPr>
+          <p:cNvPr id="54" name="図 53">
+            <a:extLst>
+              <a:ext uri="{FF2B5EF4-FFF2-40B4-BE49-F238E27FC236}">
+                <a16:creationId xmlns:a16="http://schemas.microsoft.com/office/drawing/2014/main" id="{B71A4B6B-4045-D946-A0CF-38D44CA93B6A}"/>
+              </a:ext>
+            </a:extLst>
+          </p:cNvPr>
+          <p:cNvPicPr>
+            <a:picLocks noChangeAspect="1"/>
+          </p:cNvPicPr>
+          <p:nvPr/>
+        </p:nvPicPr>
+        <p:blipFill>
+          <a:blip r:embed="rId2"/>
+          <a:stretch>
+            <a:fillRect/>
+          </a:stretch>
+        </p:blipFill>
+        <p:spPr>
+          <a:xfrm>
+            <a:off x="1403648" y="1556792"/>
+            <a:ext cx="643508" cy="643508"/>
+          </a:xfrm>
+          <a:prstGeom prst="rect">
+            <a:avLst/>
+          </a:prstGeom>
+        </p:spPr>
+      </p:pic>
+      <p:pic>
+        <p:nvPicPr>
+          <p:cNvPr id="55" name="図 54">
+            <a:extLst>
+              <a:ext uri="{FF2B5EF4-FFF2-40B4-BE49-F238E27FC236}">
+                <a16:creationId xmlns:a16="http://schemas.microsoft.com/office/drawing/2014/main" id="{56AA581A-77F8-9045-A2AE-746BC2CDC60E}"/>
+              </a:ext>
+            </a:extLst>
+          </p:cNvPr>
+          <p:cNvPicPr>
+            <a:picLocks noChangeAspect="1"/>
+          </p:cNvPicPr>
+          <p:nvPr/>
+        </p:nvPicPr>
+        <p:blipFill>
+          <a:blip r:embed="rId2"/>
+          <a:stretch>
+            <a:fillRect/>
+          </a:stretch>
+        </p:blipFill>
+        <p:spPr>
+          <a:xfrm>
+            <a:off x="3491880" y="1484784"/>
+            <a:ext cx="643508" cy="643508"/>
+          </a:xfrm>
+          <a:prstGeom prst="rect">
+            <a:avLst/>
+          </a:prstGeom>
+        </p:spPr>
+      </p:pic>
+      <p:pic>
+        <p:nvPicPr>
+          <p:cNvPr id="60" name="図 59">
+            <a:extLst>
+              <a:ext uri="{FF2B5EF4-FFF2-40B4-BE49-F238E27FC236}">
+                <a16:creationId xmlns:a16="http://schemas.microsoft.com/office/drawing/2014/main" id="{0EBA9F03-C019-9F49-A019-63FB411B42BC}"/>
+              </a:ext>
+            </a:extLst>
+          </p:cNvPr>
+          <p:cNvPicPr>
+            <a:picLocks noChangeAspect="1"/>
+          </p:cNvPicPr>
+          <p:nvPr/>
+        </p:nvPicPr>
+        <p:blipFill>
+          <a:blip r:embed="rId2"/>
+          <a:stretch>
+            <a:fillRect/>
+          </a:stretch>
+        </p:blipFill>
+        <p:spPr>
+          <a:xfrm>
+            <a:off x="1115616" y="5805264"/>
+            <a:ext cx="643508" cy="643508"/>
+          </a:xfrm>
+          <a:prstGeom prst="rect">
+            <a:avLst/>
+          </a:prstGeom>
+        </p:spPr>
+      </p:pic>
+      <p:pic>
+        <p:nvPicPr>
+          <p:cNvPr id="61" name="図 60">
+            <a:extLst>
+              <a:ext uri="{FF2B5EF4-FFF2-40B4-BE49-F238E27FC236}">
+                <a16:creationId xmlns:a16="http://schemas.microsoft.com/office/drawing/2014/main" id="{836FEA7D-EDDC-994E-AEB2-D1A976A03A01}"/>
+              </a:ext>
+            </a:extLst>
+          </p:cNvPr>
+          <p:cNvPicPr>
+            <a:picLocks noChangeAspect="1"/>
+          </p:cNvPicPr>
+          <p:nvPr/>
+        </p:nvPicPr>
+        <p:blipFill>
+          <a:blip r:embed="rId2"/>
+          <a:stretch>
+            <a:fillRect/>
+          </a:stretch>
+        </p:blipFill>
+        <p:spPr>
+          <a:xfrm>
+            <a:off x="1115616" y="5373216"/>
+            <a:ext cx="643508" cy="643508"/>
+          </a:xfrm>
+          <a:prstGeom prst="rect">
+            <a:avLst/>
+          </a:prstGeom>
+        </p:spPr>
+      </p:pic>
+      <p:pic>
+        <p:nvPicPr>
+          <p:cNvPr id="62" name="図 61">
+            <a:extLst>
+              <a:ext uri="{FF2B5EF4-FFF2-40B4-BE49-F238E27FC236}">
+                <a16:creationId xmlns:a16="http://schemas.microsoft.com/office/drawing/2014/main" id="{0C25B8A2-288B-9947-835A-656F315B7108}"/>
+              </a:ext>
+            </a:extLst>
+          </p:cNvPr>
+          <p:cNvPicPr>
+            <a:picLocks noChangeAspect="1"/>
+          </p:cNvPicPr>
+          <p:nvPr/>
+        </p:nvPicPr>
+        <p:blipFill>
+          <a:blip r:embed="rId2"/>
+          <a:stretch>
+            <a:fillRect/>
+          </a:stretch>
+        </p:blipFill>
+        <p:spPr>
+          <a:xfrm>
+            <a:off x="1115616" y="4941168"/>
+            <a:ext cx="643508" cy="643508"/>
+          </a:xfrm>
+          <a:prstGeom prst="rect">
+            <a:avLst/>
+          </a:prstGeom>
+        </p:spPr>
+      </p:pic>
+      <p:pic>
+        <p:nvPicPr>
+          <p:cNvPr id="63" name="図 62">
+            <a:extLst>
+              <a:ext uri="{FF2B5EF4-FFF2-40B4-BE49-F238E27FC236}">
+                <a16:creationId xmlns:a16="http://schemas.microsoft.com/office/drawing/2014/main" id="{BB475F5F-F3D2-6E41-A6C4-E8940BF0F49F}"/>
+              </a:ext>
+            </a:extLst>
+          </p:cNvPr>
+          <p:cNvPicPr>
+            <a:picLocks noChangeAspect="1"/>
+          </p:cNvPicPr>
+          <p:nvPr/>
+        </p:nvPicPr>
+        <p:blipFill>
+          <a:blip r:embed="rId2"/>
+          <a:stretch>
+            <a:fillRect/>
+          </a:stretch>
+        </p:blipFill>
+        <p:spPr>
+          <a:xfrm>
+            <a:off x="2555776" y="4725144"/>
+            <a:ext cx="643508" cy="643508"/>
+          </a:xfrm>
+          <a:prstGeom prst="rect">
+            <a:avLst/>
+          </a:prstGeom>
+        </p:spPr>
+      </p:pic>
+      <p:sp>
+        <p:nvSpPr>
+          <p:cNvPr id="64" name="テキスト ボックス 63">
+            <a:extLst>
+              <a:ext uri="{FF2B5EF4-FFF2-40B4-BE49-F238E27FC236}">
+                <a16:creationId xmlns:a16="http://schemas.microsoft.com/office/drawing/2014/main" id="{A3916311-B977-AD4B-9517-5288A5500547}"/>
+              </a:ext>
+            </a:extLst>
+          </p:cNvPr>
+          <p:cNvSpPr txBox="1"/>
+          <p:nvPr/>
+        </p:nvSpPr>
+        <p:spPr>
+          <a:xfrm>
+            <a:off x="107504" y="4149080"/>
+            <a:ext cx="4339650" cy="369332"/>
+          </a:xfrm>
+          <a:prstGeom prst="rect">
+            <a:avLst/>
+          </a:prstGeom>
+          <a:noFill/>
+        </p:spPr>
+        <p:txBody>
+          <a:bodyPr wrap="none" rtlCol="0">
+            <a:spAutoFit/>
+          </a:bodyPr>
+          <a:lstStyle/>
+          <a:p>
+            <a:r>
+              <a:rPr kumimoji="1" lang="ja-JP" altLang="en-US"/>
+              <a:t>途中にデータを挿入することはできない</a:t>
+            </a:r>
+          </a:p>
+        </p:txBody>
+      </p:sp>
+      <p:cxnSp>
+        <p:nvCxnSpPr>
+          <p:cNvPr id="66" name="直線矢印コネクタ 65">
+            <a:extLst>
+              <a:ext uri="{FF2B5EF4-FFF2-40B4-BE49-F238E27FC236}">
+                <a16:creationId xmlns:a16="http://schemas.microsoft.com/office/drawing/2014/main" id="{A4B294EE-EB3E-D74A-899F-C8571E78AE8C}"/>
+              </a:ext>
+            </a:extLst>
+          </p:cNvPr>
+          <p:cNvCxnSpPr>
+            <a:stCxn id="63" idx="1"/>
+          </p:cNvCxnSpPr>
+          <p:nvPr/>
+        </p:nvCxnSpPr>
+        <p:spPr>
+          <a:xfrm flipH="1">
+            <a:off x="1763688" y="5046898"/>
+            <a:ext cx="792088" cy="398326"/>
+          </a:xfrm>
+          <a:prstGeom prst="straightConnector1">
+            <a:avLst/>
+          </a:prstGeom>
+          <a:ln w="12700">
+            <a:solidFill>
+              <a:schemeClr val="tx1"/>
+            </a:solidFill>
+            <a:tailEnd type="triangle"/>
+          </a:ln>
+        </p:spPr>
+        <p:style>
+          <a:lnRef idx="1">
+            <a:schemeClr val="accent1"/>
+          </a:lnRef>
+          <a:fillRef idx="0">
+            <a:schemeClr val="accent1"/>
+          </a:fillRef>
+          <a:effectRef idx="0">
+            <a:schemeClr val="accent1"/>
+          </a:effectRef>
+          <a:fontRef idx="minor">
+            <a:schemeClr val="tx1"/>
+          </a:fontRef>
+        </p:style>
+      </p:cxnSp>
+      <p:pic>
+        <p:nvPicPr>
+          <p:cNvPr id="67" name="図 66">
+            <a:extLst>
+              <a:ext uri="{FF2B5EF4-FFF2-40B4-BE49-F238E27FC236}">
+                <a16:creationId xmlns:a16="http://schemas.microsoft.com/office/drawing/2014/main" id="{21229BCD-F222-0042-876E-EFCF08123722}"/>
+              </a:ext>
+            </a:extLst>
+          </p:cNvPr>
+          <p:cNvPicPr>
+            <a:picLocks noChangeAspect="1"/>
+          </p:cNvPicPr>
+          <p:nvPr/>
+        </p:nvPicPr>
+        <p:blipFill>
+          <a:blip r:embed="rId3"/>
+          <a:stretch>
+            <a:fillRect/>
+          </a:stretch>
+        </p:blipFill>
+        <p:spPr>
+          <a:xfrm>
+            <a:off x="1979712" y="5013176"/>
+            <a:ext cx="427484" cy="427484"/>
+          </a:xfrm>
+          <a:prstGeom prst="rect">
+            <a:avLst/>
+          </a:prstGeom>
+        </p:spPr>
+      </p:pic>
+      <p:sp>
+        <p:nvSpPr>
+          <p:cNvPr id="68" name="テキスト ボックス 67">
+            <a:extLst>
+              <a:ext uri="{FF2B5EF4-FFF2-40B4-BE49-F238E27FC236}">
+                <a16:creationId xmlns:a16="http://schemas.microsoft.com/office/drawing/2014/main" id="{1011C45A-043A-4342-ABEB-B73E90F6F823}"/>
+              </a:ext>
+            </a:extLst>
+          </p:cNvPr>
+          <p:cNvSpPr txBox="1"/>
+          <p:nvPr/>
+        </p:nvSpPr>
+        <p:spPr>
+          <a:xfrm>
+            <a:off x="4644008" y="4149080"/>
+            <a:ext cx="4339650" cy="369332"/>
+          </a:xfrm>
+          <a:prstGeom prst="rect">
+            <a:avLst/>
+          </a:prstGeom>
+          <a:noFill/>
+        </p:spPr>
+        <p:txBody>
+          <a:bodyPr wrap="none" rtlCol="0">
+            <a:spAutoFit/>
+          </a:bodyPr>
+          <a:lstStyle/>
+          <a:p>
+            <a:r>
+              <a:rPr kumimoji="1" lang="ja-JP" altLang="en-US"/>
+              <a:t>途中のデータを取り出すこともできない</a:t>
+            </a:r>
+          </a:p>
+        </p:txBody>
+      </p:sp>
+      <p:pic>
+        <p:nvPicPr>
+          <p:cNvPr id="69" name="図 68">
+            <a:extLst>
+              <a:ext uri="{FF2B5EF4-FFF2-40B4-BE49-F238E27FC236}">
+                <a16:creationId xmlns:a16="http://schemas.microsoft.com/office/drawing/2014/main" id="{76463F52-809A-F54F-A695-462C9D1948BF}"/>
+              </a:ext>
+            </a:extLst>
+          </p:cNvPr>
+          <p:cNvPicPr>
+            <a:picLocks noChangeAspect="1"/>
+          </p:cNvPicPr>
+          <p:nvPr/>
+        </p:nvPicPr>
+        <p:blipFill>
+          <a:blip r:embed="rId2"/>
+          <a:stretch>
+            <a:fillRect/>
+          </a:stretch>
+        </p:blipFill>
+        <p:spPr>
+          <a:xfrm>
+            <a:off x="5364088" y="5877272"/>
+            <a:ext cx="643508" cy="643508"/>
+          </a:xfrm>
+          <a:prstGeom prst="rect">
+            <a:avLst/>
+          </a:prstGeom>
+        </p:spPr>
+      </p:pic>
+      <p:pic>
+        <p:nvPicPr>
+          <p:cNvPr id="70" name="図 69">
+            <a:extLst>
+              <a:ext uri="{FF2B5EF4-FFF2-40B4-BE49-F238E27FC236}">
+                <a16:creationId xmlns:a16="http://schemas.microsoft.com/office/drawing/2014/main" id="{ADD0A86D-6BF9-7D46-81A5-F24AA69B0B8B}"/>
+              </a:ext>
+            </a:extLst>
+          </p:cNvPr>
+          <p:cNvPicPr>
+            <a:picLocks noChangeAspect="1"/>
+          </p:cNvPicPr>
+          <p:nvPr/>
+        </p:nvPicPr>
+        <p:blipFill>
+          <a:blip r:embed="rId2"/>
+          <a:stretch>
+            <a:fillRect/>
+          </a:stretch>
+        </p:blipFill>
+        <p:spPr>
+          <a:xfrm>
+            <a:off x="5364088" y="5445224"/>
+            <a:ext cx="643508" cy="643508"/>
+          </a:xfrm>
+          <a:prstGeom prst="rect">
+            <a:avLst/>
+          </a:prstGeom>
+        </p:spPr>
+      </p:pic>
+      <p:pic>
+        <p:nvPicPr>
+          <p:cNvPr id="71" name="図 70">
+            <a:extLst>
+              <a:ext uri="{FF2B5EF4-FFF2-40B4-BE49-F238E27FC236}">
+                <a16:creationId xmlns:a16="http://schemas.microsoft.com/office/drawing/2014/main" id="{96E32B8A-2745-3944-8FB8-A89A695D5625}"/>
+              </a:ext>
+            </a:extLst>
+          </p:cNvPr>
+          <p:cNvPicPr>
+            <a:picLocks noChangeAspect="1"/>
+          </p:cNvPicPr>
+          <p:nvPr/>
+        </p:nvPicPr>
+        <p:blipFill>
+          <a:blip r:embed="rId2"/>
+          <a:stretch>
+            <a:fillRect/>
+          </a:stretch>
+        </p:blipFill>
+        <p:spPr>
+          <a:xfrm>
+            <a:off x="5364088" y="5013176"/>
+            <a:ext cx="643508" cy="643508"/>
+          </a:xfrm>
+          <a:prstGeom prst="rect">
+            <a:avLst/>
+          </a:prstGeom>
+        </p:spPr>
+      </p:pic>
+      <p:cxnSp>
+        <p:nvCxnSpPr>
+          <p:cNvPr id="72" name="直線矢印コネクタ 71">
+            <a:extLst>
+              <a:ext uri="{FF2B5EF4-FFF2-40B4-BE49-F238E27FC236}">
+                <a16:creationId xmlns:a16="http://schemas.microsoft.com/office/drawing/2014/main" id="{FE7BBDF6-5B20-2A48-B473-27E37B2756E8}"/>
+              </a:ext>
+            </a:extLst>
+          </p:cNvPr>
+          <p:cNvCxnSpPr>
+            <a:cxnSpLocks/>
+          </p:cNvCxnSpPr>
+          <p:nvPr/>
+        </p:nvCxnSpPr>
+        <p:spPr>
+          <a:xfrm>
+            <a:off x="6012160" y="5740400"/>
+            <a:ext cx="792088" cy="0"/>
+          </a:xfrm>
+          <a:prstGeom prst="straightConnector1">
+            <a:avLst/>
+          </a:prstGeom>
+          <a:ln w="12700">
+            <a:solidFill>
+              <a:schemeClr val="tx1"/>
+            </a:solidFill>
+            <a:tailEnd type="triangle"/>
+          </a:ln>
+        </p:spPr>
+        <p:style>
+          <a:lnRef idx="1">
+            <a:schemeClr val="accent1"/>
+          </a:lnRef>
+          <a:fillRef idx="0">
+            <a:schemeClr val="accent1"/>
+          </a:fillRef>
+          <a:effectRef idx="0">
+            <a:schemeClr val="accent1"/>
+          </a:effectRef>
+          <a:fontRef idx="minor">
+            <a:schemeClr val="tx1"/>
+          </a:fontRef>
+        </p:style>
+      </p:cxnSp>
+      <p:pic>
+        <p:nvPicPr>
+          <p:cNvPr id="73" name="図 72">
+            <a:extLst>
+              <a:ext uri="{FF2B5EF4-FFF2-40B4-BE49-F238E27FC236}">
+                <a16:creationId xmlns:a16="http://schemas.microsoft.com/office/drawing/2014/main" id="{19DC47DA-CDE2-5E4F-852E-59B6ADC71372}"/>
+              </a:ext>
+            </a:extLst>
+          </p:cNvPr>
+          <p:cNvPicPr>
+            <a:picLocks noChangeAspect="1"/>
+          </p:cNvPicPr>
+          <p:nvPr/>
+        </p:nvPicPr>
+        <p:blipFill>
+          <a:blip r:embed="rId3"/>
+          <a:stretch>
+            <a:fillRect/>
+          </a:stretch>
+        </p:blipFill>
+        <p:spPr>
+          <a:xfrm>
+            <a:off x="6228184" y="5517232"/>
+            <a:ext cx="427484" cy="427484"/>
+          </a:xfrm>
+          <a:prstGeom prst="rect">
+            <a:avLst/>
+          </a:prstGeom>
+        </p:spPr>
+      </p:pic>
+      <p:pic>
+        <p:nvPicPr>
+          <p:cNvPr id="76" name="図 75">
+            <a:extLst>
+              <a:ext uri="{FF2B5EF4-FFF2-40B4-BE49-F238E27FC236}">
+                <a16:creationId xmlns:a16="http://schemas.microsoft.com/office/drawing/2014/main" id="{74C34AF1-8B4A-E341-A1C6-A945102E4836}"/>
+              </a:ext>
+            </a:extLst>
+          </p:cNvPr>
+          <p:cNvPicPr>
+            <a:picLocks noChangeAspect="1"/>
+          </p:cNvPicPr>
+          <p:nvPr/>
+        </p:nvPicPr>
+        <p:blipFill>
+          <a:blip r:embed="rId4"/>
+          <a:stretch>
+            <a:fillRect/>
+          </a:stretch>
+        </p:blipFill>
+        <p:spPr>
+          <a:xfrm>
+            <a:off x="5580112" y="1844824"/>
+            <a:ext cx="1800200" cy="2005173"/>
+          </a:xfrm>
+          <a:prstGeom prst="rect">
+            <a:avLst/>
+          </a:prstGeom>
+        </p:spPr>
+      </p:pic>
+      <p:sp>
+        <p:nvSpPr>
+          <p:cNvPr id="77" name="テキスト ボックス 76">
+            <a:extLst>
+              <a:ext uri="{FF2B5EF4-FFF2-40B4-BE49-F238E27FC236}">
+                <a16:creationId xmlns:a16="http://schemas.microsoft.com/office/drawing/2014/main" id="{549FE8BF-B547-0948-BAD3-7DCFC3A172DC}"/>
+              </a:ext>
+            </a:extLst>
+          </p:cNvPr>
+          <p:cNvSpPr txBox="1"/>
+          <p:nvPr/>
+        </p:nvSpPr>
+        <p:spPr>
+          <a:xfrm>
+            <a:off x="4788024" y="1484784"/>
+            <a:ext cx="3595856" cy="307777"/>
+          </a:xfrm>
+          <a:prstGeom prst="rect">
+            <a:avLst/>
+          </a:prstGeom>
+          <a:noFill/>
+        </p:spPr>
+        <p:txBody>
+          <a:bodyPr wrap="none" rtlCol="0">
+            <a:spAutoFit/>
+          </a:bodyPr>
+          <a:lstStyle/>
+          <a:p>
+            <a:r>
+              <a:rPr lang="en-US" altLang="ja-JP" sz="1400"/>
+              <a:t>※</a:t>
+            </a:r>
+            <a:r>
+              <a:rPr lang="ja-JP" altLang="en-US" sz="1400"/>
+              <a:t>荷物は重いので一度に一つしか持てない</a:t>
+            </a:r>
+            <a:endParaRPr kumimoji="1" lang="ja-JP" altLang="en-US" sz="1400"/>
+          </a:p>
+        </p:txBody>
+      </p:sp>
+    </p:spTree>
+    <p:extLst>
+      <p:ext uri="{BB962C8B-B14F-4D97-AF65-F5344CB8AC3E}">
+        <p14:creationId xmlns:p14="http://schemas.microsoft.com/office/powerpoint/2010/main" val="799497322"/>
+      </p:ext>
+    </p:extLst>
+  </p:cSld>
+  <p:clrMapOvr>
+    <a:masterClrMapping/>
+  </p:clrMapOvr>
+</p:sld>
+</file>
+
+<file path=ppt/slides/slide6.xml><?xml version="1.0" encoding="utf-8"?>
+<p:sld xmlns:a="http://schemas.openxmlformats.org/drawingml/2006/main" xmlns:r="http://schemas.openxmlformats.org/officeDocument/2006/relationships" xmlns:p="http://schemas.openxmlformats.org/presentationml/2006/main">
+  <p:cSld>
+    <p:spTree>
+      <p:nvGrpSpPr>
+        <p:cNvPr id="1" name=""/>
+        <p:cNvGrpSpPr/>
+        <p:nvPr/>
+      </p:nvGrpSpPr>
+      <p:grpSpPr>
+        <a:xfrm>
+          <a:off x="0" y="0"/>
+          <a:ext cx="0" cy="0"/>
+          <a:chOff x="0" y="0"/>
+          <a:chExt cx="0" cy="0"/>
+        </a:xfrm>
+      </p:grpSpPr>
+      <p:sp>
+        <p:nvSpPr>
+          <p:cNvPr id="23" name="平行四辺形 22">
+            <a:extLst>
+              <a:ext uri="{FF2B5EF4-FFF2-40B4-BE49-F238E27FC236}">
+                <a16:creationId xmlns:a16="http://schemas.microsoft.com/office/drawing/2014/main" id="{C1895D9F-BBF6-974D-9EFA-79E03B80AFA2}"/>
+              </a:ext>
+            </a:extLst>
+          </p:cNvPr>
+          <p:cNvSpPr/>
+          <p:nvPr/>
+        </p:nvSpPr>
+        <p:spPr>
+          <a:xfrm rot="221800">
+            <a:off x="5586246" y="1958830"/>
+            <a:ext cx="923836" cy="220087"/>
+          </a:xfrm>
+          <a:prstGeom prst="parallelogram">
+            <a:avLst>
+              <a:gd name="adj" fmla="val 139345"/>
+            </a:avLst>
+          </a:prstGeom>
+          <a:solidFill>
+            <a:schemeClr val="tx1">
+              <a:lumMod val="50000"/>
+              <a:lumOff val="50000"/>
+            </a:schemeClr>
+          </a:solidFill>
+          <a:ln>
+            <a:solidFill>
+              <a:schemeClr val="tx1"/>
+            </a:solidFill>
+          </a:ln>
+        </p:spPr>
+        <p:style>
+          <a:lnRef idx="2">
+            <a:schemeClr val="accent1">
+              <a:shade val="50000"/>
+            </a:schemeClr>
+          </a:lnRef>
+          <a:fillRef idx="1">
+            <a:schemeClr val="accent1"/>
+          </a:fillRef>
+          <a:effectRef idx="0">
+            <a:schemeClr val="accent1"/>
+          </a:effectRef>
+          <a:fontRef idx="minor">
+            <a:schemeClr val="lt1"/>
+          </a:fontRef>
+        </p:style>
+        <p:txBody>
+          <a:bodyPr rtlCol="0" anchor="ctr"/>
+          <a:lstStyle/>
+          <a:p>
+            <a:pPr algn="ctr"/>
+            <a:endParaRPr kumimoji="1" lang="ja-JP" altLang="en-US"/>
+          </a:p>
+        </p:txBody>
+      </p:sp>
+      <p:sp>
+        <p:nvSpPr>
+          <p:cNvPr id="2" name="正方形/長方形 1">
+            <a:extLst>
+              <a:ext uri="{FF2B5EF4-FFF2-40B4-BE49-F238E27FC236}">
+                <a16:creationId xmlns:a16="http://schemas.microsoft.com/office/drawing/2014/main" id="{E37AFF2C-953F-3C4D-A41B-0AFAA733D518}"/>
+              </a:ext>
+            </a:extLst>
+          </p:cNvPr>
+          <p:cNvSpPr/>
+          <p:nvPr/>
+        </p:nvSpPr>
+        <p:spPr>
+          <a:xfrm>
+            <a:off x="2339752" y="116632"/>
+            <a:ext cx="1627305" cy="369332"/>
+          </a:xfrm>
+          <a:prstGeom prst="rect">
+            <a:avLst/>
+          </a:prstGeom>
+        </p:spPr>
+        <p:txBody>
+          <a:bodyPr wrap="none">
+            <a:spAutoFit/>
+          </a:bodyPr>
+          <a:lstStyle/>
+          <a:p>
+            <a:r>
+              <a:rPr lang="en-US" altLang="ja-JP" dirty="0"/>
+              <a:t>LOAD_CONST 3</a:t>
+            </a:r>
+          </a:p>
+        </p:txBody>
+      </p:sp>
+      <p:grpSp>
+        <p:nvGrpSpPr>
+          <p:cNvPr id="6" name="グループ化 5">
+            <a:extLst>
+              <a:ext uri="{FF2B5EF4-FFF2-40B4-BE49-F238E27FC236}">
+                <a16:creationId xmlns:a16="http://schemas.microsoft.com/office/drawing/2014/main" id="{FD529063-7A61-FC4A-BA7E-E8EA67621803}"/>
+              </a:ext>
+            </a:extLst>
+          </p:cNvPr>
+          <p:cNvGrpSpPr/>
+          <p:nvPr/>
+        </p:nvGrpSpPr>
+        <p:grpSpPr>
+          <a:xfrm>
+            <a:off x="2627785" y="1196753"/>
+            <a:ext cx="643508" cy="643508"/>
+            <a:chOff x="1115616" y="1556792"/>
+            <a:chExt cx="643508" cy="643508"/>
+          </a:xfrm>
+        </p:grpSpPr>
+        <p:pic>
+          <p:nvPicPr>
+            <p:cNvPr id="3" name="図 2">
+              <a:extLst>
+                <a:ext uri="{FF2B5EF4-FFF2-40B4-BE49-F238E27FC236}">
+                  <a16:creationId xmlns:a16="http://schemas.microsoft.com/office/drawing/2014/main" id="{F71AA35C-5F36-EA48-9B8E-B0349E610306}"/>
+                </a:ext>
+              </a:extLst>
+            </p:cNvPr>
+            <p:cNvPicPr>
+              <a:picLocks noChangeAspect="1"/>
+            </p:cNvPicPr>
+            <p:nvPr/>
+          </p:nvPicPr>
+          <p:blipFill>
+            <a:blip r:embed="rId2"/>
+            <a:stretch>
+              <a:fillRect/>
+            </a:stretch>
+          </p:blipFill>
+          <p:spPr>
+            <a:xfrm>
+              <a:off x="1115616" y="1556792"/>
+              <a:ext cx="643508" cy="643508"/>
+            </a:xfrm>
+            <a:prstGeom prst="rect">
+              <a:avLst/>
+            </a:prstGeom>
+          </p:spPr>
+        </p:pic>
+        <p:sp>
+          <p:nvSpPr>
+            <p:cNvPr id="4" name="テキスト ボックス 3">
+              <a:extLst>
+                <a:ext uri="{FF2B5EF4-FFF2-40B4-BE49-F238E27FC236}">
+                  <a16:creationId xmlns:a16="http://schemas.microsoft.com/office/drawing/2014/main" id="{CE191332-AB7E-7149-98A9-5C9BD51BB6CB}"/>
+                </a:ext>
+              </a:extLst>
+            </p:cNvPr>
+            <p:cNvSpPr txBox="1"/>
+            <p:nvPr/>
+          </p:nvSpPr>
+          <p:spPr>
+            <a:xfrm>
+              <a:off x="1187624" y="1772816"/>
+              <a:ext cx="301686" cy="369332"/>
+            </a:xfrm>
+            <a:prstGeom prst="rect">
+              <a:avLst/>
+            </a:prstGeom>
+            <a:noFill/>
+          </p:spPr>
+          <p:txBody>
+            <a:bodyPr wrap="none" rtlCol="0">
+              <a:spAutoFit/>
+            </a:bodyPr>
+            <a:lstStyle/>
+            <a:p>
+              <a:r>
+                <a:rPr lang="en-US" altLang="ja-JP"/>
+                <a:t>3</a:t>
+              </a:r>
+              <a:endParaRPr kumimoji="1" lang="ja-JP" altLang="en-US"/>
+            </a:p>
+          </p:txBody>
+        </p:sp>
+      </p:grpSp>
+      <p:sp>
+        <p:nvSpPr>
+          <p:cNvPr id="7" name="円弧 6">
+            <a:extLst>
+              <a:ext uri="{FF2B5EF4-FFF2-40B4-BE49-F238E27FC236}">
+                <a16:creationId xmlns:a16="http://schemas.microsoft.com/office/drawing/2014/main" id="{D853533C-15AA-BD41-AB8D-091394DE3FBF}"/>
+              </a:ext>
+            </a:extLst>
+          </p:cNvPr>
+          <p:cNvSpPr/>
+          <p:nvPr/>
+        </p:nvSpPr>
+        <p:spPr>
+          <a:xfrm>
+            <a:off x="2627785" y="1556793"/>
+            <a:ext cx="1080120" cy="648072"/>
+          </a:xfrm>
+          <a:prstGeom prst="arc">
+            <a:avLst>
+              <a:gd name="adj1" fmla="val 16200000"/>
+              <a:gd name="adj2" fmla="val 53800"/>
+            </a:avLst>
+          </a:prstGeom>
+          <a:ln w="12700">
+            <a:solidFill>
+              <a:schemeClr val="tx1"/>
+            </a:solidFill>
+            <a:headEnd type="none" w="med" len="med"/>
+            <a:tailEnd type="triangle" w="med" len="med"/>
+          </a:ln>
+        </p:spPr>
+        <p:style>
+          <a:lnRef idx="1">
+            <a:schemeClr val="accent1"/>
+          </a:lnRef>
+          <a:fillRef idx="0">
+            <a:schemeClr val="accent1"/>
+          </a:fillRef>
+          <a:effectRef idx="0">
+            <a:schemeClr val="accent1"/>
+          </a:effectRef>
+          <a:fontRef idx="minor">
+            <a:schemeClr val="tx1"/>
+          </a:fontRef>
+        </p:style>
+        <p:txBody>
+          <a:bodyPr rtlCol="0" anchor="ctr"/>
+          <a:lstStyle/>
+          <a:p>
+            <a:pPr algn="ctr"/>
+            <a:endParaRPr kumimoji="1" lang="ja-JP" altLang="en-US"/>
+          </a:p>
+        </p:txBody>
+      </p:sp>
+      <p:sp>
+        <p:nvSpPr>
+          <p:cNvPr id="8" name="テキスト ボックス 7">
+            <a:extLst>
+              <a:ext uri="{FF2B5EF4-FFF2-40B4-BE49-F238E27FC236}">
+                <a16:creationId xmlns:a16="http://schemas.microsoft.com/office/drawing/2014/main" id="{9A8BE289-D2E3-0148-836D-D1D67A2E4308}"/>
+              </a:ext>
+            </a:extLst>
+          </p:cNvPr>
+          <p:cNvSpPr txBox="1"/>
+          <p:nvPr/>
+        </p:nvSpPr>
+        <p:spPr>
+          <a:xfrm>
+            <a:off x="3275857" y="1124745"/>
+            <a:ext cx="639919" cy="369332"/>
+          </a:xfrm>
+          <a:prstGeom prst="rect">
+            <a:avLst/>
+          </a:prstGeom>
+          <a:noFill/>
+        </p:spPr>
+        <p:txBody>
+          <a:bodyPr wrap="none" rtlCol="0">
+            <a:spAutoFit/>
+          </a:bodyPr>
+          <a:lstStyle/>
+          <a:p>
+            <a:r>
+              <a:rPr kumimoji="1" lang="en-US" altLang="ja-JP"/>
+              <a:t>push</a:t>
+            </a:r>
+            <a:endParaRPr kumimoji="1" lang="ja-JP" altLang="en-US"/>
+          </a:p>
+        </p:txBody>
+      </p:sp>
+      <p:sp>
+        <p:nvSpPr>
+          <p:cNvPr id="9" name="正方形/長方形 8">
+            <a:extLst>
+              <a:ext uri="{FF2B5EF4-FFF2-40B4-BE49-F238E27FC236}">
+                <a16:creationId xmlns:a16="http://schemas.microsoft.com/office/drawing/2014/main" id="{CC7F4A88-1CD7-7145-B998-842C297931F3}"/>
+              </a:ext>
+            </a:extLst>
+          </p:cNvPr>
+          <p:cNvSpPr/>
+          <p:nvPr/>
+        </p:nvSpPr>
+        <p:spPr>
+          <a:xfrm>
+            <a:off x="5248951" y="116634"/>
+            <a:ext cx="1627305" cy="369332"/>
+          </a:xfrm>
+          <a:prstGeom prst="rect">
+            <a:avLst/>
+          </a:prstGeom>
+        </p:spPr>
+        <p:txBody>
+          <a:bodyPr wrap="none">
+            <a:spAutoFit/>
+          </a:bodyPr>
+          <a:lstStyle/>
+          <a:p>
+            <a:r>
+              <a:rPr lang="en-US" altLang="ja-JP" dirty="0"/>
+              <a:t>LOAD_CONST 4</a:t>
+            </a:r>
+          </a:p>
+        </p:txBody>
+      </p:sp>
+      <p:grpSp>
+        <p:nvGrpSpPr>
+          <p:cNvPr id="11" name="グループ化 10">
+            <a:extLst>
+              <a:ext uri="{FF2B5EF4-FFF2-40B4-BE49-F238E27FC236}">
+                <a16:creationId xmlns:a16="http://schemas.microsoft.com/office/drawing/2014/main" id="{1490C833-1BB4-2E4B-A7FF-BF70E83F02BE}"/>
+              </a:ext>
+            </a:extLst>
+          </p:cNvPr>
+          <p:cNvGrpSpPr/>
+          <p:nvPr/>
+        </p:nvGrpSpPr>
+        <p:grpSpPr>
+          <a:xfrm>
+            <a:off x="4932040" y="836714"/>
+            <a:ext cx="643508" cy="643508"/>
+            <a:chOff x="1115616" y="1556792"/>
+            <a:chExt cx="643508" cy="643508"/>
+          </a:xfrm>
+        </p:grpSpPr>
+        <p:pic>
+          <p:nvPicPr>
+            <p:cNvPr id="12" name="図 11">
+              <a:extLst>
+                <a:ext uri="{FF2B5EF4-FFF2-40B4-BE49-F238E27FC236}">
+                  <a16:creationId xmlns:a16="http://schemas.microsoft.com/office/drawing/2014/main" id="{104F3E15-DC0E-C040-AF4F-F22A8A9E834A}"/>
+                </a:ext>
+              </a:extLst>
+            </p:cNvPr>
+            <p:cNvPicPr>
+              <a:picLocks noChangeAspect="1"/>
+            </p:cNvPicPr>
+            <p:nvPr/>
+          </p:nvPicPr>
+          <p:blipFill>
+            <a:blip r:embed="rId2"/>
+            <a:stretch>
+              <a:fillRect/>
+            </a:stretch>
+          </p:blipFill>
+          <p:spPr>
+            <a:xfrm>
+              <a:off x="1115616" y="1556792"/>
+              <a:ext cx="643508" cy="643508"/>
+            </a:xfrm>
+            <a:prstGeom prst="rect">
+              <a:avLst/>
+            </a:prstGeom>
+          </p:spPr>
+        </p:pic>
+        <p:sp>
+          <p:nvSpPr>
+            <p:cNvPr id="13" name="テキスト ボックス 12">
+              <a:extLst>
+                <a:ext uri="{FF2B5EF4-FFF2-40B4-BE49-F238E27FC236}">
+                  <a16:creationId xmlns:a16="http://schemas.microsoft.com/office/drawing/2014/main" id="{95EC62F4-AA06-C340-A550-FAF97F806F20}"/>
+                </a:ext>
+              </a:extLst>
+            </p:cNvPr>
+            <p:cNvSpPr txBox="1"/>
+            <p:nvPr/>
+          </p:nvSpPr>
+          <p:spPr>
+            <a:xfrm>
+              <a:off x="1187624" y="1772816"/>
+              <a:ext cx="301686" cy="369332"/>
+            </a:xfrm>
+            <a:prstGeom prst="rect">
+              <a:avLst/>
+            </a:prstGeom>
+            <a:noFill/>
+          </p:spPr>
+          <p:txBody>
+            <a:bodyPr wrap="none" rtlCol="0">
+              <a:spAutoFit/>
+            </a:bodyPr>
+            <a:lstStyle/>
+            <a:p>
+              <a:r>
+                <a:rPr lang="en-US" altLang="ja-JP"/>
+                <a:t>4</a:t>
+              </a:r>
+              <a:endParaRPr kumimoji="1" lang="ja-JP" altLang="en-US"/>
+            </a:p>
+          </p:txBody>
+        </p:sp>
+      </p:grpSp>
+      <p:sp>
+        <p:nvSpPr>
+          <p:cNvPr id="14" name="円弧 13">
+            <a:extLst>
+              <a:ext uri="{FF2B5EF4-FFF2-40B4-BE49-F238E27FC236}">
+                <a16:creationId xmlns:a16="http://schemas.microsoft.com/office/drawing/2014/main" id="{7CD20134-D511-634E-B7E2-5C2BA74322FB}"/>
+              </a:ext>
+            </a:extLst>
+          </p:cNvPr>
+          <p:cNvSpPr/>
+          <p:nvPr/>
+        </p:nvSpPr>
+        <p:spPr>
+          <a:xfrm>
+            <a:off x="5004048" y="1196754"/>
+            <a:ext cx="1080120" cy="648072"/>
+          </a:xfrm>
+          <a:prstGeom prst="arc">
+            <a:avLst>
+              <a:gd name="adj1" fmla="val 16200000"/>
+              <a:gd name="adj2" fmla="val 53800"/>
+            </a:avLst>
+          </a:prstGeom>
+          <a:ln w="12700">
+            <a:solidFill>
+              <a:schemeClr val="tx1"/>
+            </a:solidFill>
+            <a:headEnd type="none" w="med" len="med"/>
+            <a:tailEnd type="triangle" w="med" len="med"/>
+          </a:ln>
+        </p:spPr>
+        <p:style>
+          <a:lnRef idx="1">
+            <a:schemeClr val="accent1"/>
+          </a:lnRef>
+          <a:fillRef idx="0">
+            <a:schemeClr val="accent1"/>
+          </a:fillRef>
+          <a:effectRef idx="0">
+            <a:schemeClr val="accent1"/>
+          </a:effectRef>
+          <a:fontRef idx="minor">
+            <a:schemeClr val="tx1"/>
+          </a:fontRef>
+        </p:style>
+        <p:txBody>
+          <a:bodyPr rtlCol="0" anchor="ctr"/>
+          <a:lstStyle/>
+          <a:p>
+            <a:pPr algn="ctr"/>
+            <a:endParaRPr kumimoji="1" lang="ja-JP" altLang="en-US"/>
+          </a:p>
+        </p:txBody>
+      </p:sp>
+      <p:sp>
+        <p:nvSpPr>
+          <p:cNvPr id="15" name="テキスト ボックス 14">
+            <a:extLst>
+              <a:ext uri="{FF2B5EF4-FFF2-40B4-BE49-F238E27FC236}">
+                <a16:creationId xmlns:a16="http://schemas.microsoft.com/office/drawing/2014/main" id="{42B5EC41-5A68-D24B-A70A-C3135959DB29}"/>
+              </a:ext>
+            </a:extLst>
+          </p:cNvPr>
+          <p:cNvSpPr txBox="1"/>
+          <p:nvPr/>
+        </p:nvSpPr>
+        <p:spPr>
+          <a:xfrm>
+            <a:off x="5652120" y="836714"/>
+            <a:ext cx="639919" cy="369332"/>
+          </a:xfrm>
+          <a:prstGeom prst="rect">
+            <a:avLst/>
+          </a:prstGeom>
+          <a:noFill/>
+        </p:spPr>
+        <p:txBody>
+          <a:bodyPr wrap="none" rtlCol="0">
+            <a:spAutoFit/>
+          </a:bodyPr>
+          <a:lstStyle/>
+          <a:p>
+            <a:r>
+              <a:rPr kumimoji="1" lang="en-US" altLang="ja-JP"/>
+              <a:t>push</a:t>
+            </a:r>
+            <a:endParaRPr kumimoji="1" lang="ja-JP" altLang="en-US"/>
+          </a:p>
+        </p:txBody>
+      </p:sp>
+      <p:grpSp>
+        <p:nvGrpSpPr>
+          <p:cNvPr id="16" name="グループ化 15">
+            <a:extLst>
+              <a:ext uri="{FF2B5EF4-FFF2-40B4-BE49-F238E27FC236}">
+                <a16:creationId xmlns:a16="http://schemas.microsoft.com/office/drawing/2014/main" id="{5A3266B6-66C1-014A-ACCD-C695A70235B9}"/>
+              </a:ext>
+            </a:extLst>
+          </p:cNvPr>
+          <p:cNvGrpSpPr/>
+          <p:nvPr/>
+        </p:nvGrpSpPr>
+        <p:grpSpPr>
+          <a:xfrm>
+            <a:off x="5724128" y="1556794"/>
+            <a:ext cx="643508" cy="643508"/>
+            <a:chOff x="1115616" y="1556792"/>
+            <a:chExt cx="643508" cy="643508"/>
+          </a:xfrm>
+        </p:grpSpPr>
+        <p:pic>
+          <p:nvPicPr>
+            <p:cNvPr id="17" name="図 16">
+              <a:extLst>
+                <a:ext uri="{FF2B5EF4-FFF2-40B4-BE49-F238E27FC236}">
+                  <a16:creationId xmlns:a16="http://schemas.microsoft.com/office/drawing/2014/main" id="{0B28B5AB-03BE-AC49-8D25-761260F0C58E}"/>
+                </a:ext>
+              </a:extLst>
+            </p:cNvPr>
+            <p:cNvPicPr>
+              <a:picLocks noChangeAspect="1"/>
+            </p:cNvPicPr>
+            <p:nvPr/>
+          </p:nvPicPr>
+          <p:blipFill>
+            <a:blip r:embed="rId2"/>
+            <a:stretch>
+              <a:fillRect/>
+            </a:stretch>
+          </p:blipFill>
+          <p:spPr>
+            <a:xfrm>
+              <a:off x="1115616" y="1556792"/>
+              <a:ext cx="643508" cy="643508"/>
+            </a:xfrm>
+            <a:prstGeom prst="rect">
+              <a:avLst/>
+            </a:prstGeom>
+          </p:spPr>
+        </p:pic>
+        <p:sp>
+          <p:nvSpPr>
+            <p:cNvPr id="18" name="テキスト ボックス 17">
+              <a:extLst>
+                <a:ext uri="{FF2B5EF4-FFF2-40B4-BE49-F238E27FC236}">
+                  <a16:creationId xmlns:a16="http://schemas.microsoft.com/office/drawing/2014/main" id="{666DF90C-CBB4-8D47-96E3-05214563A27D}"/>
+                </a:ext>
+              </a:extLst>
+            </p:cNvPr>
+            <p:cNvSpPr txBox="1"/>
+            <p:nvPr/>
+          </p:nvSpPr>
+          <p:spPr>
+            <a:xfrm>
+              <a:off x="1187624" y="1772816"/>
+              <a:ext cx="301686" cy="369332"/>
+            </a:xfrm>
+            <a:prstGeom prst="rect">
+              <a:avLst/>
+            </a:prstGeom>
+            <a:noFill/>
+          </p:spPr>
+          <p:txBody>
+            <a:bodyPr wrap="none" rtlCol="0">
+              <a:spAutoFit/>
+            </a:bodyPr>
+            <a:lstStyle/>
+            <a:p>
+              <a:r>
+                <a:rPr lang="en-US" altLang="ja-JP"/>
+                <a:t>3</a:t>
+              </a:r>
+              <a:endParaRPr kumimoji="1" lang="ja-JP" altLang="en-US"/>
+            </a:p>
+          </p:txBody>
+        </p:sp>
+      </p:grpSp>
+      <p:sp>
+        <p:nvSpPr>
+          <p:cNvPr id="24" name="平行四辺形 23">
+            <a:extLst>
+              <a:ext uri="{FF2B5EF4-FFF2-40B4-BE49-F238E27FC236}">
+                <a16:creationId xmlns:a16="http://schemas.microsoft.com/office/drawing/2014/main" id="{E306A2A5-A92A-5F42-AD5A-6D8059F4AD73}"/>
+              </a:ext>
+            </a:extLst>
+          </p:cNvPr>
+          <p:cNvSpPr/>
+          <p:nvPr/>
+        </p:nvSpPr>
+        <p:spPr>
+          <a:xfrm rot="221800">
+            <a:off x="3209981" y="1946386"/>
+            <a:ext cx="923836" cy="220087"/>
+          </a:xfrm>
+          <a:prstGeom prst="parallelogram">
+            <a:avLst>
+              <a:gd name="adj" fmla="val 139345"/>
+            </a:avLst>
+          </a:prstGeom>
+          <a:solidFill>
+            <a:schemeClr val="tx1">
+              <a:lumMod val="50000"/>
+              <a:lumOff val="50000"/>
+            </a:schemeClr>
+          </a:solidFill>
+          <a:ln>
+            <a:solidFill>
+              <a:schemeClr val="tx1"/>
+            </a:solidFill>
+          </a:ln>
+        </p:spPr>
+        <p:style>
+          <a:lnRef idx="2">
+            <a:schemeClr val="accent1">
+              <a:shade val="50000"/>
+            </a:schemeClr>
+          </a:lnRef>
+          <a:fillRef idx="1">
+            <a:schemeClr val="accent1"/>
+          </a:fillRef>
+          <a:effectRef idx="0">
+            <a:schemeClr val="accent1"/>
+          </a:effectRef>
+          <a:fontRef idx="minor">
+            <a:schemeClr val="lt1"/>
+          </a:fontRef>
+        </p:style>
+        <p:txBody>
+          <a:bodyPr rtlCol="0" anchor="ctr"/>
+          <a:lstStyle/>
+          <a:p>
+            <a:pPr algn="ctr"/>
+            <a:endParaRPr kumimoji="1" lang="ja-JP" altLang="en-US"/>
+          </a:p>
+        </p:txBody>
+      </p:sp>
+      <p:sp>
+        <p:nvSpPr>
+          <p:cNvPr id="25" name="平行四辺形 24">
+            <a:extLst>
+              <a:ext uri="{FF2B5EF4-FFF2-40B4-BE49-F238E27FC236}">
+                <a16:creationId xmlns:a16="http://schemas.microsoft.com/office/drawing/2014/main" id="{B029BA53-C69A-B140-B4A3-438992AD1441}"/>
+              </a:ext>
+            </a:extLst>
+          </p:cNvPr>
+          <p:cNvSpPr/>
+          <p:nvPr/>
+        </p:nvSpPr>
+        <p:spPr>
+          <a:xfrm rot="221800">
+            <a:off x="7314438" y="1946386"/>
+            <a:ext cx="923836" cy="220087"/>
+          </a:xfrm>
+          <a:prstGeom prst="parallelogram">
+            <a:avLst>
+              <a:gd name="adj" fmla="val 139345"/>
+            </a:avLst>
+          </a:prstGeom>
+          <a:solidFill>
+            <a:schemeClr val="tx1">
+              <a:lumMod val="50000"/>
+              <a:lumOff val="50000"/>
+            </a:schemeClr>
+          </a:solidFill>
+          <a:ln>
+            <a:solidFill>
+              <a:schemeClr val="tx1"/>
+            </a:solidFill>
+          </a:ln>
+        </p:spPr>
+        <p:style>
+          <a:lnRef idx="2">
+            <a:schemeClr val="accent1">
+              <a:shade val="50000"/>
+            </a:schemeClr>
+          </a:lnRef>
+          <a:fillRef idx="1">
+            <a:schemeClr val="accent1"/>
+          </a:fillRef>
+          <a:effectRef idx="0">
+            <a:schemeClr val="accent1"/>
+          </a:effectRef>
+          <a:fontRef idx="minor">
+            <a:schemeClr val="lt1"/>
+          </a:fontRef>
+        </p:style>
+        <p:txBody>
+          <a:bodyPr rtlCol="0" anchor="ctr"/>
+          <a:lstStyle/>
+          <a:p>
+            <a:pPr algn="ctr"/>
+            <a:endParaRPr kumimoji="1" lang="ja-JP" altLang="en-US"/>
+          </a:p>
+        </p:txBody>
+      </p:sp>
+      <p:grpSp>
+        <p:nvGrpSpPr>
+          <p:cNvPr id="26" name="グループ化 25">
+            <a:extLst>
+              <a:ext uri="{FF2B5EF4-FFF2-40B4-BE49-F238E27FC236}">
+                <a16:creationId xmlns:a16="http://schemas.microsoft.com/office/drawing/2014/main" id="{1CDC40EB-71F3-6141-B986-BF6DBC0A6A0B}"/>
+              </a:ext>
+            </a:extLst>
+          </p:cNvPr>
+          <p:cNvGrpSpPr/>
+          <p:nvPr/>
+        </p:nvGrpSpPr>
+        <p:grpSpPr>
+          <a:xfrm>
+            <a:off x="7452320" y="1544350"/>
+            <a:ext cx="643508" cy="643508"/>
+            <a:chOff x="1115616" y="1556792"/>
+            <a:chExt cx="643508" cy="643508"/>
+          </a:xfrm>
+        </p:grpSpPr>
+        <p:pic>
+          <p:nvPicPr>
+            <p:cNvPr id="27" name="図 26">
+              <a:extLst>
+                <a:ext uri="{FF2B5EF4-FFF2-40B4-BE49-F238E27FC236}">
+                  <a16:creationId xmlns:a16="http://schemas.microsoft.com/office/drawing/2014/main" id="{8DD776B7-72E3-5843-BA62-E7106E0802C7}"/>
+                </a:ext>
+              </a:extLst>
+            </p:cNvPr>
+            <p:cNvPicPr>
+              <a:picLocks noChangeAspect="1"/>
+            </p:cNvPicPr>
+            <p:nvPr/>
+          </p:nvPicPr>
+          <p:blipFill>
+            <a:blip r:embed="rId2"/>
+            <a:stretch>
+              <a:fillRect/>
+            </a:stretch>
+          </p:blipFill>
+          <p:spPr>
+            <a:xfrm>
+              <a:off x="1115616" y="1556792"/>
+              <a:ext cx="643508" cy="643508"/>
+            </a:xfrm>
+            <a:prstGeom prst="rect">
+              <a:avLst/>
+            </a:prstGeom>
+          </p:spPr>
+        </p:pic>
+        <p:sp>
+          <p:nvSpPr>
+            <p:cNvPr id="28" name="テキスト ボックス 27">
+              <a:extLst>
+                <a:ext uri="{FF2B5EF4-FFF2-40B4-BE49-F238E27FC236}">
+                  <a16:creationId xmlns:a16="http://schemas.microsoft.com/office/drawing/2014/main" id="{36B48E0A-3082-AA44-9950-2BCC5E177452}"/>
+                </a:ext>
+              </a:extLst>
+            </p:cNvPr>
+            <p:cNvSpPr txBox="1"/>
+            <p:nvPr/>
+          </p:nvSpPr>
+          <p:spPr>
+            <a:xfrm>
+              <a:off x="1187624" y="1772816"/>
+              <a:ext cx="301686" cy="369332"/>
+            </a:xfrm>
+            <a:prstGeom prst="rect">
+              <a:avLst/>
+            </a:prstGeom>
+            <a:noFill/>
+          </p:spPr>
+          <p:txBody>
+            <a:bodyPr wrap="none" rtlCol="0">
+              <a:spAutoFit/>
+            </a:bodyPr>
+            <a:lstStyle/>
+            <a:p>
+              <a:r>
+                <a:rPr lang="en-US" altLang="ja-JP"/>
+                <a:t>3</a:t>
+              </a:r>
+              <a:endParaRPr kumimoji="1" lang="ja-JP" altLang="en-US"/>
+            </a:p>
+          </p:txBody>
+        </p:sp>
+      </p:grpSp>
+      <p:grpSp>
+        <p:nvGrpSpPr>
+          <p:cNvPr id="29" name="グループ化 28">
+            <a:extLst>
+              <a:ext uri="{FF2B5EF4-FFF2-40B4-BE49-F238E27FC236}">
+                <a16:creationId xmlns:a16="http://schemas.microsoft.com/office/drawing/2014/main" id="{C3B8DD39-1452-C945-85C1-27F9E7C65F0A}"/>
+              </a:ext>
+            </a:extLst>
+          </p:cNvPr>
+          <p:cNvGrpSpPr/>
+          <p:nvPr/>
+        </p:nvGrpSpPr>
+        <p:grpSpPr>
+          <a:xfrm>
+            <a:off x="7452321" y="1124746"/>
+            <a:ext cx="643508" cy="643508"/>
+            <a:chOff x="1115616" y="1556792"/>
+            <a:chExt cx="643508" cy="643508"/>
+          </a:xfrm>
+        </p:grpSpPr>
+        <p:pic>
+          <p:nvPicPr>
+            <p:cNvPr id="30" name="図 29">
+              <a:extLst>
+                <a:ext uri="{FF2B5EF4-FFF2-40B4-BE49-F238E27FC236}">
+                  <a16:creationId xmlns:a16="http://schemas.microsoft.com/office/drawing/2014/main" id="{7544C351-AA9C-3C49-9272-7A2B1DAA09AF}"/>
+                </a:ext>
+              </a:extLst>
+            </p:cNvPr>
+            <p:cNvPicPr>
+              <a:picLocks noChangeAspect="1"/>
+            </p:cNvPicPr>
+            <p:nvPr/>
+          </p:nvPicPr>
+          <p:blipFill>
+            <a:blip r:embed="rId2"/>
+            <a:stretch>
+              <a:fillRect/>
+            </a:stretch>
+          </p:blipFill>
+          <p:spPr>
+            <a:xfrm>
+              <a:off x="1115616" y="1556792"/>
+              <a:ext cx="643508" cy="643508"/>
+            </a:xfrm>
+            <a:prstGeom prst="rect">
+              <a:avLst/>
+            </a:prstGeom>
+          </p:spPr>
+        </p:pic>
+        <p:sp>
+          <p:nvSpPr>
+            <p:cNvPr id="31" name="テキスト ボックス 30">
+              <a:extLst>
+                <a:ext uri="{FF2B5EF4-FFF2-40B4-BE49-F238E27FC236}">
+                  <a16:creationId xmlns:a16="http://schemas.microsoft.com/office/drawing/2014/main" id="{96551A15-9773-6045-8E0A-19D3CE5B8887}"/>
+                </a:ext>
+              </a:extLst>
+            </p:cNvPr>
+            <p:cNvSpPr txBox="1"/>
+            <p:nvPr/>
+          </p:nvSpPr>
+          <p:spPr>
+            <a:xfrm>
+              <a:off x="1187624" y="1772816"/>
+              <a:ext cx="301686" cy="369332"/>
+            </a:xfrm>
+            <a:prstGeom prst="rect">
+              <a:avLst/>
+            </a:prstGeom>
+            <a:noFill/>
+          </p:spPr>
+          <p:txBody>
+            <a:bodyPr wrap="none" rtlCol="0">
+              <a:spAutoFit/>
+            </a:bodyPr>
+            <a:lstStyle/>
+            <a:p>
+              <a:r>
+                <a:rPr lang="en-US" altLang="ja-JP"/>
+                <a:t>4</a:t>
+              </a:r>
+              <a:endParaRPr kumimoji="1" lang="ja-JP" altLang="en-US"/>
+            </a:p>
+          </p:txBody>
+        </p:sp>
+      </p:grpSp>
+      <p:sp>
+        <p:nvSpPr>
+          <p:cNvPr id="32" name="平行四辺形 31">
+            <a:extLst>
+              <a:ext uri="{FF2B5EF4-FFF2-40B4-BE49-F238E27FC236}">
+                <a16:creationId xmlns:a16="http://schemas.microsoft.com/office/drawing/2014/main" id="{4D6A5026-F202-994F-B008-F5670EAD3608}"/>
+              </a:ext>
+            </a:extLst>
+          </p:cNvPr>
+          <p:cNvSpPr/>
+          <p:nvPr/>
+        </p:nvSpPr>
+        <p:spPr>
+          <a:xfrm rot="221800">
+            <a:off x="1049742" y="1958830"/>
+            <a:ext cx="923836" cy="220087"/>
+          </a:xfrm>
+          <a:prstGeom prst="parallelogram">
+            <a:avLst>
+              <a:gd name="adj" fmla="val 139345"/>
+            </a:avLst>
+          </a:prstGeom>
+          <a:solidFill>
+            <a:schemeClr val="tx1">
+              <a:lumMod val="50000"/>
+              <a:lumOff val="50000"/>
+            </a:schemeClr>
+          </a:solidFill>
+          <a:ln>
+            <a:solidFill>
+              <a:schemeClr val="tx1"/>
+            </a:solidFill>
+          </a:ln>
+        </p:spPr>
+        <p:style>
+          <a:lnRef idx="2">
+            <a:schemeClr val="accent1">
+              <a:shade val="50000"/>
+            </a:schemeClr>
+          </a:lnRef>
+          <a:fillRef idx="1">
+            <a:schemeClr val="accent1"/>
+          </a:fillRef>
+          <a:effectRef idx="0">
+            <a:schemeClr val="accent1"/>
+          </a:effectRef>
+          <a:fontRef idx="minor">
+            <a:schemeClr val="lt1"/>
+          </a:fontRef>
+        </p:style>
+        <p:txBody>
+          <a:bodyPr rtlCol="0" anchor="ctr"/>
+          <a:lstStyle/>
+          <a:p>
+            <a:pPr algn="ctr"/>
+            <a:endParaRPr kumimoji="1" lang="ja-JP" altLang="en-US"/>
+          </a:p>
+        </p:txBody>
+      </p:sp>
+      <p:sp>
+        <p:nvSpPr>
+          <p:cNvPr id="33" name="下矢印 32">
+            <a:extLst>
+              <a:ext uri="{FF2B5EF4-FFF2-40B4-BE49-F238E27FC236}">
+                <a16:creationId xmlns:a16="http://schemas.microsoft.com/office/drawing/2014/main" id="{0D582025-53E7-FE47-99B9-3021DE80D6E6}"/>
+              </a:ext>
+            </a:extLst>
+          </p:cNvPr>
+          <p:cNvSpPr/>
+          <p:nvPr/>
+        </p:nvSpPr>
+        <p:spPr>
+          <a:xfrm rot="16200000">
+            <a:off x="2123245" y="1394829"/>
+            <a:ext cx="330131" cy="390914"/>
+          </a:xfrm>
+          <a:prstGeom prst="downArrow">
+            <a:avLst/>
+          </a:prstGeom>
+          <a:solidFill>
+            <a:srgbClr val="FF0000"/>
+          </a:solidFill>
+          <a:ln>
+            <a:solidFill>
+              <a:schemeClr val="tx1"/>
+            </a:solidFill>
+          </a:ln>
+        </p:spPr>
+        <p:style>
+          <a:lnRef idx="2">
+            <a:schemeClr val="accent1">
+              <a:shade val="50000"/>
+            </a:schemeClr>
+          </a:lnRef>
+          <a:fillRef idx="1">
+            <a:schemeClr val="accent1"/>
+          </a:fillRef>
+          <a:effectRef idx="0">
+            <a:schemeClr val="accent1"/>
+          </a:effectRef>
+          <a:fontRef idx="minor">
+            <a:schemeClr val="lt1"/>
+          </a:fontRef>
+        </p:style>
+        <p:txBody>
+          <a:bodyPr rot="0" spcFirstLastPara="0" vertOverflow="overflow" horzOverflow="overflow" vert="horz" wrap="square" lIns="91440" tIns="45720" rIns="91440" bIns="45720" numCol="1" spcCol="0" rtlCol="0" fromWordArt="0" anchor="ctr" anchorCtr="0" forceAA="0" compatLnSpc="1">
+            <a:prstTxWarp prst="textNoShape">
+              <a:avLst/>
+            </a:prstTxWarp>
+            <a:noAutofit/>
+          </a:bodyPr>
+          <a:lstStyle/>
+          <a:p>
+            <a:pPr algn="ctr"/>
+            <a:endParaRPr kumimoji="1" lang="ja-JP" altLang="en-US"/>
+          </a:p>
+        </p:txBody>
+      </p:sp>
+      <p:sp>
+        <p:nvSpPr>
+          <p:cNvPr id="34" name="下矢印 33">
+            <a:extLst>
+              <a:ext uri="{FF2B5EF4-FFF2-40B4-BE49-F238E27FC236}">
+                <a16:creationId xmlns:a16="http://schemas.microsoft.com/office/drawing/2014/main" id="{2D3235BF-DBC8-9D4F-9580-7BF164E3E297}"/>
+              </a:ext>
+            </a:extLst>
+          </p:cNvPr>
+          <p:cNvSpPr/>
+          <p:nvPr/>
+        </p:nvSpPr>
+        <p:spPr>
+          <a:xfrm rot="16200000">
+            <a:off x="4427501" y="1394830"/>
+            <a:ext cx="330131" cy="390914"/>
+          </a:xfrm>
+          <a:prstGeom prst="downArrow">
+            <a:avLst/>
+          </a:prstGeom>
+          <a:solidFill>
+            <a:srgbClr val="FF0000"/>
+          </a:solidFill>
+          <a:ln>
+            <a:solidFill>
+              <a:schemeClr val="tx1"/>
+            </a:solidFill>
+          </a:ln>
+        </p:spPr>
+        <p:style>
+          <a:lnRef idx="2">
+            <a:schemeClr val="accent1">
+              <a:shade val="50000"/>
+            </a:schemeClr>
+          </a:lnRef>
+          <a:fillRef idx="1">
+            <a:schemeClr val="accent1"/>
+          </a:fillRef>
+          <a:effectRef idx="0">
+            <a:schemeClr val="accent1"/>
+          </a:effectRef>
+          <a:fontRef idx="minor">
+            <a:schemeClr val="lt1"/>
+          </a:fontRef>
+        </p:style>
+        <p:txBody>
+          <a:bodyPr rot="0" spcFirstLastPara="0" vertOverflow="overflow" horzOverflow="overflow" vert="horz" wrap="square" lIns="91440" tIns="45720" rIns="91440" bIns="45720" numCol="1" spcCol="0" rtlCol="0" fromWordArt="0" anchor="ctr" anchorCtr="0" forceAA="0" compatLnSpc="1">
+            <a:prstTxWarp prst="textNoShape">
+              <a:avLst/>
+            </a:prstTxWarp>
+            <a:noAutofit/>
+          </a:bodyPr>
+          <a:lstStyle/>
+          <a:p>
+            <a:pPr algn="ctr"/>
+            <a:endParaRPr kumimoji="1" lang="ja-JP" altLang="en-US"/>
+          </a:p>
+        </p:txBody>
+      </p:sp>
+      <p:sp>
+        <p:nvSpPr>
+          <p:cNvPr id="35" name="下矢印 34">
+            <a:extLst>
+              <a:ext uri="{FF2B5EF4-FFF2-40B4-BE49-F238E27FC236}">
+                <a16:creationId xmlns:a16="http://schemas.microsoft.com/office/drawing/2014/main" id="{027F4D1D-8B81-6A42-BCCE-A2BFBFDF924A}"/>
+              </a:ext>
+            </a:extLst>
+          </p:cNvPr>
+          <p:cNvSpPr/>
+          <p:nvPr/>
+        </p:nvSpPr>
+        <p:spPr>
+          <a:xfrm rot="16200000">
+            <a:off x="6731757" y="1322821"/>
+            <a:ext cx="330131" cy="390914"/>
+          </a:xfrm>
+          <a:prstGeom prst="downArrow">
+            <a:avLst/>
+          </a:prstGeom>
+          <a:solidFill>
+            <a:srgbClr val="FF0000"/>
+          </a:solidFill>
+          <a:ln>
+            <a:solidFill>
+              <a:schemeClr val="tx1"/>
+            </a:solidFill>
+          </a:ln>
+        </p:spPr>
+        <p:style>
+          <a:lnRef idx="2">
+            <a:schemeClr val="accent1">
+              <a:shade val="50000"/>
+            </a:schemeClr>
+          </a:lnRef>
+          <a:fillRef idx="1">
+            <a:schemeClr val="accent1"/>
+          </a:fillRef>
+          <a:effectRef idx="0">
+            <a:schemeClr val="accent1"/>
+          </a:effectRef>
+          <a:fontRef idx="minor">
+            <a:schemeClr val="lt1"/>
+          </a:fontRef>
+        </p:style>
+        <p:txBody>
+          <a:bodyPr rot="0" spcFirstLastPara="0" vertOverflow="overflow" horzOverflow="overflow" vert="horz" wrap="square" lIns="91440" tIns="45720" rIns="91440" bIns="45720" numCol="1" spcCol="0" rtlCol="0" fromWordArt="0" anchor="ctr" anchorCtr="0" forceAA="0" compatLnSpc="1">
+            <a:prstTxWarp prst="textNoShape">
+              <a:avLst/>
+            </a:prstTxWarp>
+            <a:noAutofit/>
+          </a:bodyPr>
+          <a:lstStyle/>
+          <a:p>
+            <a:pPr algn="ctr"/>
+            <a:endParaRPr kumimoji="1" lang="ja-JP" altLang="en-US"/>
+          </a:p>
+        </p:txBody>
+      </p:sp>
+      <p:sp>
+        <p:nvSpPr>
+          <p:cNvPr id="36" name="平行四辺形 35">
+            <a:extLst>
+              <a:ext uri="{FF2B5EF4-FFF2-40B4-BE49-F238E27FC236}">
+                <a16:creationId xmlns:a16="http://schemas.microsoft.com/office/drawing/2014/main" id="{5CAD2CD7-BFB5-C540-B0F2-23BE72420E9B}"/>
+              </a:ext>
+            </a:extLst>
+          </p:cNvPr>
+          <p:cNvSpPr/>
+          <p:nvPr/>
+        </p:nvSpPr>
+        <p:spPr>
+          <a:xfrm rot="221800">
+            <a:off x="1265767" y="4682689"/>
+            <a:ext cx="923836" cy="220087"/>
+          </a:xfrm>
+          <a:prstGeom prst="parallelogram">
+            <a:avLst>
+              <a:gd name="adj" fmla="val 139345"/>
+            </a:avLst>
+          </a:prstGeom>
+          <a:solidFill>
+            <a:schemeClr val="tx1">
+              <a:lumMod val="50000"/>
+              <a:lumOff val="50000"/>
+            </a:schemeClr>
+          </a:solidFill>
+          <a:ln>
+            <a:solidFill>
+              <a:schemeClr val="tx1"/>
+            </a:solidFill>
+          </a:ln>
+        </p:spPr>
+        <p:style>
+          <a:lnRef idx="2">
+            <a:schemeClr val="accent1">
+              <a:shade val="50000"/>
+            </a:schemeClr>
+          </a:lnRef>
+          <a:fillRef idx="1">
+            <a:schemeClr val="accent1"/>
+          </a:fillRef>
+          <a:effectRef idx="0">
+            <a:schemeClr val="accent1"/>
+          </a:effectRef>
+          <a:fontRef idx="minor">
+            <a:schemeClr val="lt1"/>
+          </a:fontRef>
+        </p:style>
+        <p:txBody>
+          <a:bodyPr rtlCol="0" anchor="ctr"/>
+          <a:lstStyle/>
+          <a:p>
+            <a:pPr algn="ctr"/>
+            <a:endParaRPr kumimoji="1" lang="ja-JP" altLang="en-US"/>
+          </a:p>
+        </p:txBody>
+      </p:sp>
+      <p:grpSp>
+        <p:nvGrpSpPr>
+          <p:cNvPr id="37" name="グループ化 36">
+            <a:extLst>
+              <a:ext uri="{FF2B5EF4-FFF2-40B4-BE49-F238E27FC236}">
+                <a16:creationId xmlns:a16="http://schemas.microsoft.com/office/drawing/2014/main" id="{C2A84C6F-DC93-B246-BCD6-F5BE5BACE200}"/>
+              </a:ext>
+            </a:extLst>
+          </p:cNvPr>
+          <p:cNvGrpSpPr/>
+          <p:nvPr/>
+        </p:nvGrpSpPr>
+        <p:grpSpPr>
+          <a:xfrm>
+            <a:off x="1403649" y="4280653"/>
+            <a:ext cx="643508" cy="643508"/>
+            <a:chOff x="1115616" y="1556792"/>
+            <a:chExt cx="643508" cy="643508"/>
+          </a:xfrm>
+        </p:grpSpPr>
+        <p:pic>
+          <p:nvPicPr>
+            <p:cNvPr id="38" name="図 37">
+              <a:extLst>
+                <a:ext uri="{FF2B5EF4-FFF2-40B4-BE49-F238E27FC236}">
+                  <a16:creationId xmlns:a16="http://schemas.microsoft.com/office/drawing/2014/main" id="{E836FB05-D9D0-4E45-A19D-46061F006978}"/>
+                </a:ext>
+              </a:extLst>
+            </p:cNvPr>
+            <p:cNvPicPr>
+              <a:picLocks noChangeAspect="1"/>
+            </p:cNvPicPr>
+            <p:nvPr/>
+          </p:nvPicPr>
+          <p:blipFill>
+            <a:blip r:embed="rId2"/>
+            <a:stretch>
+              <a:fillRect/>
+            </a:stretch>
+          </p:blipFill>
+          <p:spPr>
+            <a:xfrm>
+              <a:off x="1115616" y="1556792"/>
+              <a:ext cx="643508" cy="643508"/>
+            </a:xfrm>
+            <a:prstGeom prst="rect">
+              <a:avLst/>
+            </a:prstGeom>
+          </p:spPr>
+        </p:pic>
+        <p:sp>
+          <p:nvSpPr>
+            <p:cNvPr id="39" name="テキスト ボックス 38">
+              <a:extLst>
+                <a:ext uri="{FF2B5EF4-FFF2-40B4-BE49-F238E27FC236}">
+                  <a16:creationId xmlns:a16="http://schemas.microsoft.com/office/drawing/2014/main" id="{CA98F282-27C4-2349-99F0-9D909DC527E6}"/>
+                </a:ext>
+              </a:extLst>
+            </p:cNvPr>
+            <p:cNvSpPr txBox="1"/>
+            <p:nvPr/>
+          </p:nvSpPr>
+          <p:spPr>
+            <a:xfrm>
+              <a:off x="1187624" y="1772816"/>
+              <a:ext cx="301686" cy="369332"/>
+            </a:xfrm>
+            <a:prstGeom prst="rect">
+              <a:avLst/>
+            </a:prstGeom>
+            <a:noFill/>
+          </p:spPr>
+          <p:txBody>
+            <a:bodyPr wrap="none" rtlCol="0">
+              <a:spAutoFit/>
+            </a:bodyPr>
+            <a:lstStyle/>
+            <a:p>
+              <a:r>
+                <a:rPr lang="en-US" altLang="ja-JP"/>
+                <a:t>3</a:t>
+              </a:r>
+              <a:endParaRPr kumimoji="1" lang="ja-JP" altLang="en-US"/>
+            </a:p>
+          </p:txBody>
+        </p:sp>
+      </p:grpSp>
+      <p:grpSp>
+        <p:nvGrpSpPr>
+          <p:cNvPr id="40" name="グループ化 39">
+            <a:extLst>
+              <a:ext uri="{FF2B5EF4-FFF2-40B4-BE49-F238E27FC236}">
+                <a16:creationId xmlns:a16="http://schemas.microsoft.com/office/drawing/2014/main" id="{376B8040-B7CC-B240-8891-2CDE7CFA3368}"/>
+              </a:ext>
+            </a:extLst>
+          </p:cNvPr>
+          <p:cNvGrpSpPr/>
+          <p:nvPr/>
+        </p:nvGrpSpPr>
+        <p:grpSpPr>
+          <a:xfrm>
+            <a:off x="1403650" y="3861049"/>
+            <a:ext cx="643508" cy="643508"/>
+            <a:chOff x="1115616" y="1556792"/>
+            <a:chExt cx="643508" cy="643508"/>
+          </a:xfrm>
+        </p:grpSpPr>
+        <p:pic>
+          <p:nvPicPr>
+            <p:cNvPr id="41" name="図 40">
+              <a:extLst>
+                <a:ext uri="{FF2B5EF4-FFF2-40B4-BE49-F238E27FC236}">
+                  <a16:creationId xmlns:a16="http://schemas.microsoft.com/office/drawing/2014/main" id="{56880837-2B33-D54C-8E18-57FD3E348DD2}"/>
+                </a:ext>
+              </a:extLst>
+            </p:cNvPr>
+            <p:cNvPicPr>
+              <a:picLocks noChangeAspect="1"/>
+            </p:cNvPicPr>
+            <p:nvPr/>
+          </p:nvPicPr>
+          <p:blipFill>
+            <a:blip r:embed="rId2"/>
+            <a:stretch>
+              <a:fillRect/>
+            </a:stretch>
+          </p:blipFill>
+          <p:spPr>
+            <a:xfrm>
+              <a:off x="1115616" y="1556792"/>
+              <a:ext cx="643508" cy="643508"/>
+            </a:xfrm>
+            <a:prstGeom prst="rect">
+              <a:avLst/>
+            </a:prstGeom>
+          </p:spPr>
+        </p:pic>
+        <p:sp>
+          <p:nvSpPr>
+            <p:cNvPr id="42" name="テキスト ボックス 41">
+              <a:extLst>
+                <a:ext uri="{FF2B5EF4-FFF2-40B4-BE49-F238E27FC236}">
+                  <a16:creationId xmlns:a16="http://schemas.microsoft.com/office/drawing/2014/main" id="{FE7D71CF-4E85-1C40-8E99-2F6A6C10F3EB}"/>
+                </a:ext>
+              </a:extLst>
+            </p:cNvPr>
+            <p:cNvSpPr txBox="1"/>
+            <p:nvPr/>
+          </p:nvSpPr>
+          <p:spPr>
+            <a:xfrm>
+              <a:off x="1187624" y="1772816"/>
+              <a:ext cx="301686" cy="369332"/>
+            </a:xfrm>
+            <a:prstGeom prst="rect">
+              <a:avLst/>
+            </a:prstGeom>
+            <a:noFill/>
+          </p:spPr>
+          <p:txBody>
+            <a:bodyPr wrap="none" rtlCol="0">
+              <a:spAutoFit/>
+            </a:bodyPr>
+            <a:lstStyle/>
+            <a:p>
+              <a:r>
+                <a:rPr lang="en-US" altLang="ja-JP"/>
+                <a:t>4</a:t>
+              </a:r>
+              <a:endParaRPr kumimoji="1" lang="ja-JP" altLang="en-US"/>
+            </a:p>
+          </p:txBody>
+        </p:sp>
+      </p:grpSp>
+      <p:sp>
+        <p:nvSpPr>
+          <p:cNvPr id="43" name="正方形/長方形 42">
+            <a:extLst>
+              <a:ext uri="{FF2B5EF4-FFF2-40B4-BE49-F238E27FC236}">
+                <a16:creationId xmlns:a16="http://schemas.microsoft.com/office/drawing/2014/main" id="{6F197152-0488-794B-8C10-440F8685D456}"/>
+              </a:ext>
+            </a:extLst>
+          </p:cNvPr>
+          <p:cNvSpPr/>
+          <p:nvPr/>
+        </p:nvSpPr>
+        <p:spPr>
+          <a:xfrm>
+            <a:off x="3707904" y="2636912"/>
+            <a:ext cx="1417183" cy="369332"/>
+          </a:xfrm>
+          <a:prstGeom prst="rect">
+            <a:avLst/>
+          </a:prstGeom>
+        </p:spPr>
+        <p:txBody>
+          <a:bodyPr wrap="none">
+            <a:spAutoFit/>
+          </a:bodyPr>
+          <a:lstStyle/>
+          <a:p>
+            <a:r>
+              <a:rPr lang="en-US" altLang="ja-JP" dirty="0"/>
+              <a:t>BINARY_ADD</a:t>
+            </a:r>
+          </a:p>
+        </p:txBody>
+      </p:sp>
+      <p:sp>
+        <p:nvSpPr>
+          <p:cNvPr id="44" name="下矢印 43">
+            <a:extLst>
+              <a:ext uri="{FF2B5EF4-FFF2-40B4-BE49-F238E27FC236}">
+                <a16:creationId xmlns:a16="http://schemas.microsoft.com/office/drawing/2014/main" id="{C882B91A-F767-774B-92AA-13650528CD29}"/>
+              </a:ext>
+            </a:extLst>
+          </p:cNvPr>
+          <p:cNvSpPr/>
+          <p:nvPr/>
+        </p:nvSpPr>
+        <p:spPr>
+          <a:xfrm rot="16200000">
+            <a:off x="2586167" y="3902664"/>
+            <a:ext cx="330131" cy="390914"/>
+          </a:xfrm>
+          <a:prstGeom prst="downArrow">
+            <a:avLst/>
+          </a:prstGeom>
+          <a:solidFill>
+            <a:srgbClr val="FF0000"/>
+          </a:solidFill>
+          <a:ln>
+            <a:solidFill>
+              <a:schemeClr val="tx1"/>
+            </a:solidFill>
+          </a:ln>
+        </p:spPr>
+        <p:style>
+          <a:lnRef idx="2">
+            <a:schemeClr val="accent1">
+              <a:shade val="50000"/>
+            </a:schemeClr>
+          </a:lnRef>
+          <a:fillRef idx="1">
+            <a:schemeClr val="accent1"/>
+          </a:fillRef>
+          <a:effectRef idx="0">
+            <a:schemeClr val="accent1"/>
+          </a:effectRef>
+          <a:fontRef idx="minor">
+            <a:schemeClr val="lt1"/>
+          </a:fontRef>
+        </p:style>
+        <p:txBody>
+          <a:bodyPr rot="0" spcFirstLastPara="0" vertOverflow="overflow" horzOverflow="overflow" vert="horz" wrap="square" lIns="91440" tIns="45720" rIns="91440" bIns="45720" numCol="1" spcCol="0" rtlCol="0" fromWordArt="0" anchor="ctr" anchorCtr="0" forceAA="0" compatLnSpc="1">
+            <a:prstTxWarp prst="textNoShape">
+              <a:avLst/>
+            </a:prstTxWarp>
+            <a:noAutofit/>
+          </a:bodyPr>
+          <a:lstStyle/>
+          <a:p>
+            <a:pPr algn="ctr"/>
+            <a:endParaRPr kumimoji="1" lang="ja-JP" altLang="en-US"/>
+          </a:p>
+        </p:txBody>
+      </p:sp>
+      <p:sp>
+        <p:nvSpPr>
+          <p:cNvPr id="45" name="平行四辺形 44">
+            <a:extLst>
+              <a:ext uri="{FF2B5EF4-FFF2-40B4-BE49-F238E27FC236}">
+                <a16:creationId xmlns:a16="http://schemas.microsoft.com/office/drawing/2014/main" id="{31136394-7A60-7C49-A1A5-1EB2FD15AE3D}"/>
+              </a:ext>
+            </a:extLst>
+          </p:cNvPr>
+          <p:cNvSpPr/>
+          <p:nvPr/>
+        </p:nvSpPr>
+        <p:spPr>
+          <a:xfrm rot="221800">
+            <a:off x="3065965" y="4682689"/>
+            <a:ext cx="923836" cy="220087"/>
+          </a:xfrm>
+          <a:prstGeom prst="parallelogram">
+            <a:avLst>
+              <a:gd name="adj" fmla="val 139345"/>
+            </a:avLst>
+          </a:prstGeom>
+          <a:solidFill>
+            <a:schemeClr val="tx1">
+              <a:lumMod val="50000"/>
+              <a:lumOff val="50000"/>
+            </a:schemeClr>
+          </a:solidFill>
+          <a:ln>
+            <a:solidFill>
+              <a:schemeClr val="tx1"/>
+            </a:solidFill>
+          </a:ln>
+        </p:spPr>
+        <p:style>
+          <a:lnRef idx="2">
+            <a:schemeClr val="accent1">
+              <a:shade val="50000"/>
+            </a:schemeClr>
+          </a:lnRef>
+          <a:fillRef idx="1">
+            <a:schemeClr val="accent1"/>
+          </a:fillRef>
+          <a:effectRef idx="0">
+            <a:schemeClr val="accent1"/>
+          </a:effectRef>
+          <a:fontRef idx="minor">
+            <a:schemeClr val="lt1"/>
+          </a:fontRef>
+        </p:style>
+        <p:txBody>
+          <a:bodyPr rtlCol="0" anchor="ctr"/>
+          <a:lstStyle/>
+          <a:p>
+            <a:pPr algn="ctr"/>
+            <a:endParaRPr kumimoji="1" lang="ja-JP" altLang="en-US"/>
+          </a:p>
+        </p:txBody>
+      </p:sp>
+      <p:grpSp>
+        <p:nvGrpSpPr>
+          <p:cNvPr id="46" name="グループ化 45">
+            <a:extLst>
+              <a:ext uri="{FF2B5EF4-FFF2-40B4-BE49-F238E27FC236}">
+                <a16:creationId xmlns:a16="http://schemas.microsoft.com/office/drawing/2014/main" id="{FE926CB1-9BFE-7440-9C2D-885CAAFCD7AE}"/>
+              </a:ext>
+            </a:extLst>
+          </p:cNvPr>
+          <p:cNvGrpSpPr/>
+          <p:nvPr/>
+        </p:nvGrpSpPr>
+        <p:grpSpPr>
+          <a:xfrm>
+            <a:off x="3203847" y="4280653"/>
+            <a:ext cx="643508" cy="643508"/>
+            <a:chOff x="1115616" y="1556792"/>
+            <a:chExt cx="643508" cy="643508"/>
+          </a:xfrm>
+        </p:grpSpPr>
+        <p:pic>
+          <p:nvPicPr>
+            <p:cNvPr id="47" name="図 46">
+              <a:extLst>
+                <a:ext uri="{FF2B5EF4-FFF2-40B4-BE49-F238E27FC236}">
+                  <a16:creationId xmlns:a16="http://schemas.microsoft.com/office/drawing/2014/main" id="{2BBACBFD-371A-AD48-A57C-DFB754727A96}"/>
+                </a:ext>
+              </a:extLst>
+            </p:cNvPr>
+            <p:cNvPicPr>
+              <a:picLocks noChangeAspect="1"/>
+            </p:cNvPicPr>
+            <p:nvPr/>
+          </p:nvPicPr>
+          <p:blipFill>
+            <a:blip r:embed="rId2"/>
+            <a:stretch>
+              <a:fillRect/>
+            </a:stretch>
+          </p:blipFill>
+          <p:spPr>
+            <a:xfrm>
+              <a:off x="1115616" y="1556792"/>
+              <a:ext cx="643508" cy="643508"/>
+            </a:xfrm>
+            <a:prstGeom prst="rect">
+              <a:avLst/>
+            </a:prstGeom>
+          </p:spPr>
+        </p:pic>
+        <p:sp>
+          <p:nvSpPr>
+            <p:cNvPr id="48" name="テキスト ボックス 47">
+              <a:extLst>
+                <a:ext uri="{FF2B5EF4-FFF2-40B4-BE49-F238E27FC236}">
+                  <a16:creationId xmlns:a16="http://schemas.microsoft.com/office/drawing/2014/main" id="{0DF3F823-FC3D-6E4D-985D-C343541C22D4}"/>
+                </a:ext>
+              </a:extLst>
+            </p:cNvPr>
+            <p:cNvSpPr txBox="1"/>
+            <p:nvPr/>
+          </p:nvSpPr>
+          <p:spPr>
+            <a:xfrm>
+              <a:off x="1187624" y="1772816"/>
+              <a:ext cx="301686" cy="369332"/>
+            </a:xfrm>
+            <a:prstGeom prst="rect">
+              <a:avLst/>
+            </a:prstGeom>
+            <a:noFill/>
+          </p:spPr>
+          <p:txBody>
+            <a:bodyPr wrap="none" rtlCol="0">
+              <a:spAutoFit/>
+            </a:bodyPr>
+            <a:lstStyle/>
+            <a:p>
+              <a:r>
+                <a:rPr lang="en-US" altLang="ja-JP"/>
+                <a:t>3</a:t>
+              </a:r>
+              <a:endParaRPr kumimoji="1" lang="ja-JP" altLang="en-US"/>
+            </a:p>
+          </p:txBody>
+        </p:sp>
+      </p:grpSp>
+      <p:grpSp>
+        <p:nvGrpSpPr>
+          <p:cNvPr id="49" name="グループ化 48">
+            <a:extLst>
+              <a:ext uri="{FF2B5EF4-FFF2-40B4-BE49-F238E27FC236}">
+                <a16:creationId xmlns:a16="http://schemas.microsoft.com/office/drawing/2014/main" id="{C8BFA122-F15D-E04E-A86A-45176CBB07AA}"/>
+              </a:ext>
+            </a:extLst>
+          </p:cNvPr>
+          <p:cNvGrpSpPr/>
+          <p:nvPr/>
+        </p:nvGrpSpPr>
+        <p:grpSpPr>
+          <a:xfrm>
+            <a:off x="4139952" y="3573016"/>
+            <a:ext cx="643508" cy="643508"/>
+            <a:chOff x="1115616" y="1556792"/>
+            <a:chExt cx="643508" cy="643508"/>
+          </a:xfrm>
+        </p:grpSpPr>
+        <p:pic>
+          <p:nvPicPr>
+            <p:cNvPr id="50" name="図 49">
+              <a:extLst>
+                <a:ext uri="{FF2B5EF4-FFF2-40B4-BE49-F238E27FC236}">
+                  <a16:creationId xmlns:a16="http://schemas.microsoft.com/office/drawing/2014/main" id="{FA8C9EE9-CD8A-1541-B8D1-D69FE23B2CB5}"/>
+                </a:ext>
+              </a:extLst>
+            </p:cNvPr>
+            <p:cNvPicPr>
+              <a:picLocks noChangeAspect="1"/>
+            </p:cNvPicPr>
+            <p:nvPr/>
+          </p:nvPicPr>
+          <p:blipFill>
+            <a:blip r:embed="rId2"/>
+            <a:stretch>
+              <a:fillRect/>
+            </a:stretch>
+          </p:blipFill>
+          <p:spPr>
+            <a:xfrm>
+              <a:off x="1115616" y="1556792"/>
+              <a:ext cx="643508" cy="643508"/>
+            </a:xfrm>
+            <a:prstGeom prst="rect">
+              <a:avLst/>
+            </a:prstGeom>
+          </p:spPr>
+        </p:pic>
+        <p:sp>
+          <p:nvSpPr>
+            <p:cNvPr id="51" name="テキスト ボックス 50">
+              <a:extLst>
+                <a:ext uri="{FF2B5EF4-FFF2-40B4-BE49-F238E27FC236}">
+                  <a16:creationId xmlns:a16="http://schemas.microsoft.com/office/drawing/2014/main" id="{FBAEF10C-31DD-4642-B4F4-3BCB42B2AD92}"/>
+                </a:ext>
+              </a:extLst>
+            </p:cNvPr>
+            <p:cNvSpPr txBox="1"/>
+            <p:nvPr/>
+          </p:nvSpPr>
+          <p:spPr>
+            <a:xfrm>
+              <a:off x="1187624" y="1772816"/>
+              <a:ext cx="301686" cy="369332"/>
+            </a:xfrm>
+            <a:prstGeom prst="rect">
+              <a:avLst/>
+            </a:prstGeom>
+            <a:noFill/>
+          </p:spPr>
+          <p:txBody>
+            <a:bodyPr wrap="none" rtlCol="0">
+              <a:spAutoFit/>
+            </a:bodyPr>
+            <a:lstStyle/>
+            <a:p>
+              <a:r>
+                <a:rPr lang="en-US" altLang="ja-JP"/>
+                <a:t>4</a:t>
+              </a:r>
+              <a:endParaRPr kumimoji="1" lang="ja-JP" altLang="en-US"/>
+            </a:p>
+          </p:txBody>
+        </p:sp>
+      </p:grpSp>
+      <p:sp>
+        <p:nvSpPr>
+          <p:cNvPr id="52" name="円弧 51">
+            <a:extLst>
+              <a:ext uri="{FF2B5EF4-FFF2-40B4-BE49-F238E27FC236}">
+                <a16:creationId xmlns:a16="http://schemas.microsoft.com/office/drawing/2014/main" id="{9BA6DC74-5B84-594E-93B9-519C731F90B2}"/>
+              </a:ext>
+            </a:extLst>
+          </p:cNvPr>
+          <p:cNvSpPr/>
+          <p:nvPr/>
+        </p:nvSpPr>
+        <p:spPr>
+          <a:xfrm rot="16200000">
+            <a:off x="3707904" y="3789040"/>
+            <a:ext cx="648072" cy="1080120"/>
+          </a:xfrm>
+          <a:prstGeom prst="arc">
+            <a:avLst/>
+          </a:prstGeom>
+          <a:ln w="12700">
+            <a:solidFill>
+              <a:schemeClr val="tx1"/>
+            </a:solidFill>
+            <a:headEnd type="none" w="med" len="med"/>
+            <a:tailEnd type="triangle" w="med" len="med"/>
+          </a:ln>
+        </p:spPr>
+        <p:style>
+          <a:lnRef idx="1">
+            <a:schemeClr val="accent1"/>
+          </a:lnRef>
+          <a:fillRef idx="0">
+            <a:schemeClr val="accent1"/>
+          </a:fillRef>
+          <a:effectRef idx="0">
+            <a:schemeClr val="accent1"/>
+          </a:effectRef>
+          <a:fontRef idx="minor">
+            <a:schemeClr val="tx1"/>
+          </a:fontRef>
+        </p:style>
+        <p:txBody>
+          <a:bodyPr rtlCol="0" anchor="ctr"/>
+          <a:lstStyle/>
+          <a:p>
+            <a:pPr algn="ctr"/>
+            <a:endParaRPr kumimoji="1" lang="ja-JP" altLang="en-US"/>
+          </a:p>
+        </p:txBody>
+      </p:sp>
+      <p:sp>
+        <p:nvSpPr>
+          <p:cNvPr id="53" name="テキスト ボックス 52">
+            <a:extLst>
+              <a:ext uri="{FF2B5EF4-FFF2-40B4-BE49-F238E27FC236}">
+                <a16:creationId xmlns:a16="http://schemas.microsoft.com/office/drawing/2014/main" id="{76D8117B-8131-004C-A756-2F33BD017FEB}"/>
+              </a:ext>
+            </a:extLst>
+          </p:cNvPr>
+          <p:cNvSpPr txBox="1"/>
+          <p:nvPr/>
+        </p:nvSpPr>
+        <p:spPr>
+          <a:xfrm>
+            <a:off x="3491880" y="3573016"/>
+            <a:ext cx="550151" cy="369332"/>
+          </a:xfrm>
+          <a:prstGeom prst="rect">
+            <a:avLst/>
+          </a:prstGeom>
+          <a:noFill/>
+        </p:spPr>
+        <p:txBody>
+          <a:bodyPr wrap="none" rtlCol="0">
+            <a:spAutoFit/>
+          </a:bodyPr>
+          <a:lstStyle/>
+          <a:p>
+            <a:r>
+              <a:rPr kumimoji="1" lang="en-US" altLang="ja-JP"/>
+              <a:t>pop</a:t>
+            </a:r>
+            <a:endParaRPr kumimoji="1" lang="ja-JP" altLang="en-US"/>
+          </a:p>
+        </p:txBody>
+      </p:sp>
+      <p:sp>
+        <p:nvSpPr>
+          <p:cNvPr id="54" name="下矢印 53">
+            <a:extLst>
+              <a:ext uri="{FF2B5EF4-FFF2-40B4-BE49-F238E27FC236}">
+                <a16:creationId xmlns:a16="http://schemas.microsoft.com/office/drawing/2014/main" id="{6E763444-705D-0B41-8C59-3C584D0C55D8}"/>
+              </a:ext>
+            </a:extLst>
+          </p:cNvPr>
+          <p:cNvSpPr/>
+          <p:nvPr/>
+        </p:nvSpPr>
+        <p:spPr>
+          <a:xfrm rot="16200000">
+            <a:off x="5250464" y="3902666"/>
+            <a:ext cx="330131" cy="390914"/>
+          </a:xfrm>
+          <a:prstGeom prst="downArrow">
+            <a:avLst/>
+          </a:prstGeom>
+          <a:solidFill>
+            <a:srgbClr val="FF0000"/>
+          </a:solidFill>
+          <a:ln>
+            <a:solidFill>
+              <a:schemeClr val="tx1"/>
+            </a:solidFill>
+          </a:ln>
+        </p:spPr>
+        <p:style>
+          <a:lnRef idx="2">
+            <a:schemeClr val="accent1">
+              <a:shade val="50000"/>
+            </a:schemeClr>
+          </a:lnRef>
+          <a:fillRef idx="1">
+            <a:schemeClr val="accent1"/>
+          </a:fillRef>
+          <a:effectRef idx="0">
+            <a:schemeClr val="accent1"/>
+          </a:effectRef>
+          <a:fontRef idx="minor">
+            <a:schemeClr val="lt1"/>
+          </a:fontRef>
+        </p:style>
+        <p:txBody>
+          <a:bodyPr rot="0" spcFirstLastPara="0" vertOverflow="overflow" horzOverflow="overflow" vert="horz" wrap="square" lIns="91440" tIns="45720" rIns="91440" bIns="45720" numCol="1" spcCol="0" rtlCol="0" fromWordArt="0" anchor="ctr" anchorCtr="0" forceAA="0" compatLnSpc="1">
+            <a:prstTxWarp prst="textNoShape">
+              <a:avLst/>
+            </a:prstTxWarp>
+            <a:noAutofit/>
+          </a:bodyPr>
+          <a:lstStyle/>
+          <a:p>
+            <a:pPr algn="ctr"/>
+            <a:endParaRPr kumimoji="1" lang="ja-JP" altLang="en-US"/>
+          </a:p>
+        </p:txBody>
+      </p:sp>
+      <p:sp>
+        <p:nvSpPr>
+          <p:cNvPr id="55" name="平行四辺形 54">
+            <a:extLst>
+              <a:ext uri="{FF2B5EF4-FFF2-40B4-BE49-F238E27FC236}">
+                <a16:creationId xmlns:a16="http://schemas.microsoft.com/office/drawing/2014/main" id="{C86C5F8E-AB4F-DE41-ACFB-42925F01B429}"/>
+              </a:ext>
+            </a:extLst>
+          </p:cNvPr>
+          <p:cNvSpPr/>
+          <p:nvPr/>
+        </p:nvSpPr>
+        <p:spPr>
+          <a:xfrm rot="221800">
+            <a:off x="5586245" y="4682689"/>
+            <a:ext cx="923836" cy="220087"/>
+          </a:xfrm>
+          <a:prstGeom prst="parallelogram">
+            <a:avLst>
+              <a:gd name="adj" fmla="val 139345"/>
+            </a:avLst>
+          </a:prstGeom>
+          <a:solidFill>
+            <a:schemeClr val="tx1">
+              <a:lumMod val="50000"/>
+              <a:lumOff val="50000"/>
+            </a:schemeClr>
+          </a:solidFill>
+          <a:ln>
+            <a:solidFill>
+              <a:schemeClr val="tx1"/>
+            </a:solidFill>
+          </a:ln>
+        </p:spPr>
+        <p:style>
+          <a:lnRef idx="2">
+            <a:schemeClr val="accent1">
+              <a:shade val="50000"/>
+            </a:schemeClr>
+          </a:lnRef>
+          <a:fillRef idx="1">
+            <a:schemeClr val="accent1"/>
+          </a:fillRef>
+          <a:effectRef idx="0">
+            <a:schemeClr val="accent1"/>
+          </a:effectRef>
+          <a:fontRef idx="minor">
+            <a:schemeClr val="lt1"/>
+          </a:fontRef>
+        </p:style>
+        <p:txBody>
+          <a:bodyPr rtlCol="0" anchor="ctr"/>
+          <a:lstStyle/>
+          <a:p>
+            <a:pPr algn="ctr"/>
+            <a:endParaRPr kumimoji="1" lang="ja-JP" altLang="en-US"/>
+          </a:p>
+        </p:txBody>
+      </p:sp>
+      <p:grpSp>
+        <p:nvGrpSpPr>
+          <p:cNvPr id="56" name="グループ化 55">
+            <a:extLst>
+              <a:ext uri="{FF2B5EF4-FFF2-40B4-BE49-F238E27FC236}">
+                <a16:creationId xmlns:a16="http://schemas.microsoft.com/office/drawing/2014/main" id="{781E3F5E-07A8-A848-A491-FC37C030B573}"/>
+              </a:ext>
+            </a:extLst>
+          </p:cNvPr>
+          <p:cNvGrpSpPr/>
+          <p:nvPr/>
+        </p:nvGrpSpPr>
+        <p:grpSpPr>
+          <a:xfrm>
+            <a:off x="6660232" y="4005064"/>
+            <a:ext cx="643508" cy="643508"/>
+            <a:chOff x="1115616" y="1556792"/>
+            <a:chExt cx="643508" cy="643508"/>
+          </a:xfrm>
+        </p:grpSpPr>
+        <p:pic>
+          <p:nvPicPr>
+            <p:cNvPr id="57" name="図 56">
+              <a:extLst>
+                <a:ext uri="{FF2B5EF4-FFF2-40B4-BE49-F238E27FC236}">
+                  <a16:creationId xmlns:a16="http://schemas.microsoft.com/office/drawing/2014/main" id="{0E04EBB6-0EAE-DF43-8621-7178A9595195}"/>
+                </a:ext>
+              </a:extLst>
+            </p:cNvPr>
+            <p:cNvPicPr>
+              <a:picLocks noChangeAspect="1"/>
+            </p:cNvPicPr>
+            <p:nvPr/>
+          </p:nvPicPr>
+          <p:blipFill>
+            <a:blip r:embed="rId2"/>
+            <a:stretch>
+              <a:fillRect/>
+            </a:stretch>
+          </p:blipFill>
+          <p:spPr>
+            <a:xfrm>
+              <a:off x="1115616" y="1556792"/>
+              <a:ext cx="643508" cy="643508"/>
+            </a:xfrm>
+            <a:prstGeom prst="rect">
+              <a:avLst/>
+            </a:prstGeom>
+          </p:spPr>
+        </p:pic>
+        <p:sp>
+          <p:nvSpPr>
+            <p:cNvPr id="58" name="テキスト ボックス 57">
+              <a:extLst>
+                <a:ext uri="{FF2B5EF4-FFF2-40B4-BE49-F238E27FC236}">
+                  <a16:creationId xmlns:a16="http://schemas.microsoft.com/office/drawing/2014/main" id="{B0874767-1AA5-754F-B26D-0E898391F1B9}"/>
+                </a:ext>
+              </a:extLst>
+            </p:cNvPr>
+            <p:cNvSpPr txBox="1"/>
+            <p:nvPr/>
+          </p:nvSpPr>
+          <p:spPr>
+            <a:xfrm>
+              <a:off x="1187624" y="1772816"/>
+              <a:ext cx="301686" cy="369332"/>
+            </a:xfrm>
+            <a:prstGeom prst="rect">
+              <a:avLst/>
+            </a:prstGeom>
+            <a:noFill/>
+          </p:spPr>
+          <p:txBody>
+            <a:bodyPr wrap="none" rtlCol="0">
+              <a:spAutoFit/>
+            </a:bodyPr>
+            <a:lstStyle/>
+            <a:p>
+              <a:r>
+                <a:rPr lang="en-US" altLang="ja-JP"/>
+                <a:t>3</a:t>
+              </a:r>
+              <a:endParaRPr kumimoji="1" lang="ja-JP" altLang="en-US"/>
+            </a:p>
+          </p:txBody>
+        </p:sp>
+      </p:grpSp>
+      <p:grpSp>
+        <p:nvGrpSpPr>
+          <p:cNvPr id="59" name="グループ化 58">
+            <a:extLst>
+              <a:ext uri="{FF2B5EF4-FFF2-40B4-BE49-F238E27FC236}">
+                <a16:creationId xmlns:a16="http://schemas.microsoft.com/office/drawing/2014/main" id="{D8D31A4F-47C4-E241-8F66-A5BB6BB945D4}"/>
+              </a:ext>
+            </a:extLst>
+          </p:cNvPr>
+          <p:cNvGrpSpPr/>
+          <p:nvPr/>
+        </p:nvGrpSpPr>
+        <p:grpSpPr>
+          <a:xfrm>
+            <a:off x="6660232" y="3501008"/>
+            <a:ext cx="643508" cy="643508"/>
+            <a:chOff x="1115616" y="1556792"/>
+            <a:chExt cx="643508" cy="643508"/>
+          </a:xfrm>
+        </p:grpSpPr>
+        <p:pic>
+          <p:nvPicPr>
+            <p:cNvPr id="60" name="図 59">
+              <a:extLst>
+                <a:ext uri="{FF2B5EF4-FFF2-40B4-BE49-F238E27FC236}">
+                  <a16:creationId xmlns:a16="http://schemas.microsoft.com/office/drawing/2014/main" id="{4477C95C-62F0-9540-8D87-8AE04A67AF7D}"/>
+                </a:ext>
+              </a:extLst>
+            </p:cNvPr>
+            <p:cNvPicPr>
+              <a:picLocks noChangeAspect="1"/>
+            </p:cNvPicPr>
+            <p:nvPr/>
+          </p:nvPicPr>
+          <p:blipFill>
+            <a:blip r:embed="rId2"/>
+            <a:stretch>
+              <a:fillRect/>
+            </a:stretch>
+          </p:blipFill>
+          <p:spPr>
+            <a:xfrm>
+              <a:off x="1115616" y="1556792"/>
+              <a:ext cx="643508" cy="643508"/>
+            </a:xfrm>
+            <a:prstGeom prst="rect">
+              <a:avLst/>
+            </a:prstGeom>
+          </p:spPr>
+        </p:pic>
+        <p:sp>
+          <p:nvSpPr>
+            <p:cNvPr id="61" name="テキスト ボックス 60">
+              <a:extLst>
+                <a:ext uri="{FF2B5EF4-FFF2-40B4-BE49-F238E27FC236}">
+                  <a16:creationId xmlns:a16="http://schemas.microsoft.com/office/drawing/2014/main" id="{1E2746D6-44D0-C045-80DE-66AF82E5F768}"/>
+                </a:ext>
+              </a:extLst>
+            </p:cNvPr>
+            <p:cNvSpPr txBox="1"/>
+            <p:nvPr/>
+          </p:nvSpPr>
+          <p:spPr>
+            <a:xfrm>
+              <a:off x="1187624" y="1772816"/>
+              <a:ext cx="301686" cy="369332"/>
+            </a:xfrm>
+            <a:prstGeom prst="rect">
+              <a:avLst/>
+            </a:prstGeom>
+            <a:noFill/>
+          </p:spPr>
+          <p:txBody>
+            <a:bodyPr wrap="none" rtlCol="0">
+              <a:spAutoFit/>
+            </a:bodyPr>
+            <a:lstStyle/>
+            <a:p>
+              <a:r>
+                <a:rPr lang="en-US" altLang="ja-JP"/>
+                <a:t>4</a:t>
+              </a:r>
+              <a:endParaRPr kumimoji="1" lang="ja-JP" altLang="en-US"/>
+            </a:p>
+          </p:txBody>
+        </p:sp>
+      </p:grpSp>
+      <p:sp>
+        <p:nvSpPr>
+          <p:cNvPr id="62" name="円弧 61">
+            <a:extLst>
+              <a:ext uri="{FF2B5EF4-FFF2-40B4-BE49-F238E27FC236}">
+                <a16:creationId xmlns:a16="http://schemas.microsoft.com/office/drawing/2014/main" id="{E13BAB88-FE33-4445-8FDA-AC80DD0BF746}"/>
+              </a:ext>
+            </a:extLst>
+          </p:cNvPr>
+          <p:cNvSpPr/>
+          <p:nvPr/>
+        </p:nvSpPr>
+        <p:spPr>
+          <a:xfrm rot="16200000">
+            <a:off x="6228184" y="4221088"/>
+            <a:ext cx="648072" cy="1080120"/>
+          </a:xfrm>
+          <a:prstGeom prst="arc">
+            <a:avLst/>
+          </a:prstGeom>
+          <a:ln w="12700">
+            <a:solidFill>
+              <a:schemeClr val="tx1"/>
+            </a:solidFill>
+            <a:headEnd type="none" w="med" len="med"/>
+            <a:tailEnd type="triangle" w="med" len="med"/>
+          </a:ln>
+        </p:spPr>
+        <p:style>
+          <a:lnRef idx="1">
+            <a:schemeClr val="accent1"/>
+          </a:lnRef>
+          <a:fillRef idx="0">
+            <a:schemeClr val="accent1"/>
+          </a:fillRef>
+          <a:effectRef idx="0">
+            <a:schemeClr val="accent1"/>
+          </a:effectRef>
+          <a:fontRef idx="minor">
+            <a:schemeClr val="tx1"/>
+          </a:fontRef>
+        </p:style>
+        <p:txBody>
+          <a:bodyPr rtlCol="0" anchor="ctr"/>
+          <a:lstStyle/>
+          <a:p>
+            <a:pPr algn="ctr"/>
+            <a:endParaRPr kumimoji="1" lang="ja-JP" altLang="en-US"/>
+          </a:p>
+        </p:txBody>
+      </p:sp>
+      <p:sp>
+        <p:nvSpPr>
+          <p:cNvPr id="63" name="テキスト ボックス 62">
+            <a:extLst>
+              <a:ext uri="{FF2B5EF4-FFF2-40B4-BE49-F238E27FC236}">
+                <a16:creationId xmlns:a16="http://schemas.microsoft.com/office/drawing/2014/main" id="{F9246CAD-10CA-1649-8112-6D7FD85DFD40}"/>
+              </a:ext>
+            </a:extLst>
+          </p:cNvPr>
+          <p:cNvSpPr txBox="1"/>
+          <p:nvPr/>
+        </p:nvSpPr>
+        <p:spPr>
+          <a:xfrm>
+            <a:off x="6012160" y="4005064"/>
+            <a:ext cx="550151" cy="369332"/>
+          </a:xfrm>
+          <a:prstGeom prst="rect">
+            <a:avLst/>
+          </a:prstGeom>
+          <a:noFill/>
+        </p:spPr>
+        <p:txBody>
+          <a:bodyPr wrap="none" rtlCol="0">
+            <a:spAutoFit/>
+          </a:bodyPr>
+          <a:lstStyle/>
+          <a:p>
+            <a:r>
+              <a:rPr kumimoji="1" lang="en-US" altLang="ja-JP"/>
+              <a:t>pop</a:t>
+            </a:r>
+            <a:endParaRPr kumimoji="1" lang="ja-JP" altLang="en-US"/>
+          </a:p>
+        </p:txBody>
+      </p:sp>
+      <p:grpSp>
+        <p:nvGrpSpPr>
+          <p:cNvPr id="75" name="グループ化 74">
+            <a:extLst>
+              <a:ext uri="{FF2B5EF4-FFF2-40B4-BE49-F238E27FC236}">
+                <a16:creationId xmlns:a16="http://schemas.microsoft.com/office/drawing/2014/main" id="{4942FF79-E6E5-414B-84E5-3FE786E68788}"/>
+              </a:ext>
+            </a:extLst>
+          </p:cNvPr>
+          <p:cNvGrpSpPr/>
+          <p:nvPr/>
+        </p:nvGrpSpPr>
+        <p:grpSpPr>
+          <a:xfrm>
+            <a:off x="2267744" y="5733256"/>
+            <a:ext cx="643508" cy="643508"/>
+            <a:chOff x="1115616" y="1556792"/>
+            <a:chExt cx="643508" cy="643508"/>
+          </a:xfrm>
+        </p:grpSpPr>
+        <p:pic>
+          <p:nvPicPr>
+            <p:cNvPr id="76" name="図 75">
+              <a:extLst>
+                <a:ext uri="{FF2B5EF4-FFF2-40B4-BE49-F238E27FC236}">
+                  <a16:creationId xmlns:a16="http://schemas.microsoft.com/office/drawing/2014/main" id="{2939E8EF-0BEC-0743-B1B7-57573B55ABF1}"/>
+                </a:ext>
+              </a:extLst>
+            </p:cNvPr>
+            <p:cNvPicPr>
+              <a:picLocks noChangeAspect="1"/>
+            </p:cNvPicPr>
+            <p:nvPr/>
+          </p:nvPicPr>
+          <p:blipFill>
+            <a:blip r:embed="rId2"/>
+            <a:stretch>
+              <a:fillRect/>
+            </a:stretch>
+          </p:blipFill>
+          <p:spPr>
+            <a:xfrm>
+              <a:off x="1115616" y="1556792"/>
+              <a:ext cx="643508" cy="643508"/>
+            </a:xfrm>
+            <a:prstGeom prst="rect">
+              <a:avLst/>
+            </a:prstGeom>
+          </p:spPr>
+        </p:pic>
+        <p:sp>
+          <p:nvSpPr>
+            <p:cNvPr id="77" name="テキスト ボックス 76">
+              <a:extLst>
+                <a:ext uri="{FF2B5EF4-FFF2-40B4-BE49-F238E27FC236}">
+                  <a16:creationId xmlns:a16="http://schemas.microsoft.com/office/drawing/2014/main" id="{D11D2DCC-EE17-774A-9963-00EF32FA4789}"/>
+                </a:ext>
+              </a:extLst>
+            </p:cNvPr>
+            <p:cNvSpPr txBox="1"/>
+            <p:nvPr/>
+          </p:nvSpPr>
+          <p:spPr>
+            <a:xfrm>
+              <a:off x="1187624" y="1772816"/>
+              <a:ext cx="301686" cy="369332"/>
+            </a:xfrm>
+            <a:prstGeom prst="rect">
+              <a:avLst/>
+            </a:prstGeom>
+            <a:noFill/>
+          </p:spPr>
+          <p:txBody>
+            <a:bodyPr wrap="none" rtlCol="0">
+              <a:spAutoFit/>
+            </a:bodyPr>
+            <a:lstStyle/>
+            <a:p>
+              <a:r>
+                <a:rPr lang="en-US" altLang="ja-JP"/>
+                <a:t>4</a:t>
+              </a:r>
+              <a:endParaRPr kumimoji="1" lang="ja-JP" altLang="en-US"/>
+            </a:p>
+          </p:txBody>
+        </p:sp>
+      </p:grpSp>
+      <p:grpSp>
+        <p:nvGrpSpPr>
+          <p:cNvPr id="78" name="グループ化 77">
+            <a:extLst>
+              <a:ext uri="{FF2B5EF4-FFF2-40B4-BE49-F238E27FC236}">
+                <a16:creationId xmlns:a16="http://schemas.microsoft.com/office/drawing/2014/main" id="{26855C25-A22C-2548-B478-0214E536C76E}"/>
+              </a:ext>
+            </a:extLst>
+          </p:cNvPr>
+          <p:cNvGrpSpPr/>
+          <p:nvPr/>
+        </p:nvGrpSpPr>
+        <p:grpSpPr>
+          <a:xfrm>
+            <a:off x="1187624" y="5733256"/>
+            <a:ext cx="643508" cy="643508"/>
+            <a:chOff x="1115616" y="1556792"/>
+            <a:chExt cx="643508" cy="643508"/>
+          </a:xfrm>
+        </p:grpSpPr>
+        <p:pic>
+          <p:nvPicPr>
+            <p:cNvPr id="79" name="図 78">
+              <a:extLst>
+                <a:ext uri="{FF2B5EF4-FFF2-40B4-BE49-F238E27FC236}">
+                  <a16:creationId xmlns:a16="http://schemas.microsoft.com/office/drawing/2014/main" id="{3823C464-C193-3645-B812-728E64FDDEB1}"/>
+                </a:ext>
+              </a:extLst>
+            </p:cNvPr>
+            <p:cNvPicPr>
+              <a:picLocks noChangeAspect="1"/>
+            </p:cNvPicPr>
+            <p:nvPr/>
+          </p:nvPicPr>
+          <p:blipFill>
+            <a:blip r:embed="rId2"/>
+            <a:stretch>
+              <a:fillRect/>
+            </a:stretch>
+          </p:blipFill>
+          <p:spPr>
+            <a:xfrm>
+              <a:off x="1115616" y="1556792"/>
+              <a:ext cx="643508" cy="643508"/>
+            </a:xfrm>
+            <a:prstGeom prst="rect">
+              <a:avLst/>
+            </a:prstGeom>
+          </p:spPr>
+        </p:pic>
+        <p:sp>
+          <p:nvSpPr>
+            <p:cNvPr id="80" name="テキスト ボックス 79">
+              <a:extLst>
+                <a:ext uri="{FF2B5EF4-FFF2-40B4-BE49-F238E27FC236}">
+                  <a16:creationId xmlns:a16="http://schemas.microsoft.com/office/drawing/2014/main" id="{15E2C860-A977-A64E-80CE-54D6DD64FF37}"/>
+                </a:ext>
+              </a:extLst>
+            </p:cNvPr>
+            <p:cNvSpPr txBox="1"/>
+            <p:nvPr/>
+          </p:nvSpPr>
+          <p:spPr>
+            <a:xfrm>
+              <a:off x="1187624" y="1772816"/>
+              <a:ext cx="301686" cy="369332"/>
+            </a:xfrm>
+            <a:prstGeom prst="rect">
+              <a:avLst/>
+            </a:prstGeom>
+            <a:noFill/>
+          </p:spPr>
+          <p:txBody>
+            <a:bodyPr wrap="none" rtlCol="0">
+              <a:spAutoFit/>
+            </a:bodyPr>
+            <a:lstStyle/>
+            <a:p>
+              <a:r>
+                <a:rPr lang="en-US" altLang="ja-JP"/>
+                <a:t>3</a:t>
+              </a:r>
+              <a:endParaRPr kumimoji="1" lang="ja-JP" altLang="en-US"/>
+            </a:p>
+          </p:txBody>
+        </p:sp>
+      </p:grpSp>
+      <p:sp>
+        <p:nvSpPr>
+          <p:cNvPr id="81" name="テキスト ボックス 80">
+            <a:extLst>
+              <a:ext uri="{FF2B5EF4-FFF2-40B4-BE49-F238E27FC236}">
+                <a16:creationId xmlns:a16="http://schemas.microsoft.com/office/drawing/2014/main" id="{77BC498D-4973-6C47-BC34-0508C85E5DD9}"/>
+              </a:ext>
+            </a:extLst>
+          </p:cNvPr>
+          <p:cNvSpPr txBox="1"/>
+          <p:nvPr/>
+        </p:nvSpPr>
+        <p:spPr>
+          <a:xfrm>
+            <a:off x="1907704" y="5877272"/>
+            <a:ext cx="300082" cy="369332"/>
+          </a:xfrm>
+          <a:prstGeom prst="rect">
+            <a:avLst/>
+          </a:prstGeom>
+          <a:noFill/>
+        </p:spPr>
+        <p:txBody>
+          <a:bodyPr wrap="none" rtlCol="0">
+            <a:spAutoFit/>
+          </a:bodyPr>
+          <a:lstStyle/>
+          <a:p>
+            <a:r>
+              <a:rPr kumimoji="1" lang="en-US" altLang="ja-JP"/>
+              <a:t>+</a:t>
+            </a:r>
+            <a:endParaRPr kumimoji="1" lang="ja-JP" altLang="en-US"/>
+          </a:p>
+        </p:txBody>
+      </p:sp>
+      <p:sp>
+        <p:nvSpPr>
+          <p:cNvPr id="82" name="テキスト ボックス 81">
+            <a:extLst>
+              <a:ext uri="{FF2B5EF4-FFF2-40B4-BE49-F238E27FC236}">
+                <a16:creationId xmlns:a16="http://schemas.microsoft.com/office/drawing/2014/main" id="{661CAA3B-9C97-6646-A9F2-ABD1DEE3AE70}"/>
+              </a:ext>
+            </a:extLst>
+          </p:cNvPr>
+          <p:cNvSpPr txBox="1"/>
+          <p:nvPr/>
+        </p:nvSpPr>
+        <p:spPr>
+          <a:xfrm>
+            <a:off x="2987824" y="5877272"/>
+            <a:ext cx="300082" cy="369332"/>
+          </a:xfrm>
+          <a:prstGeom prst="rect">
+            <a:avLst/>
+          </a:prstGeom>
+          <a:noFill/>
+        </p:spPr>
+        <p:txBody>
+          <a:bodyPr wrap="none" rtlCol="0">
+            <a:spAutoFit/>
+          </a:bodyPr>
+          <a:lstStyle/>
+          <a:p>
+            <a:r>
+              <a:rPr kumimoji="1" lang="en-US" altLang="ja-JP"/>
+              <a:t>=</a:t>
+            </a:r>
+            <a:endParaRPr kumimoji="1" lang="ja-JP" altLang="en-US"/>
+          </a:p>
+        </p:txBody>
+      </p:sp>
+      <p:grpSp>
+        <p:nvGrpSpPr>
+          <p:cNvPr id="84" name="グループ化 83">
+            <a:extLst>
+              <a:ext uri="{FF2B5EF4-FFF2-40B4-BE49-F238E27FC236}">
+                <a16:creationId xmlns:a16="http://schemas.microsoft.com/office/drawing/2014/main" id="{EE2F76BF-B938-DE4C-AB4E-DCA9725B211B}"/>
+              </a:ext>
+            </a:extLst>
+          </p:cNvPr>
+          <p:cNvGrpSpPr/>
+          <p:nvPr/>
+        </p:nvGrpSpPr>
+        <p:grpSpPr>
+          <a:xfrm>
+            <a:off x="3347864" y="5733256"/>
+            <a:ext cx="643508" cy="643508"/>
+            <a:chOff x="1115616" y="1556792"/>
+            <a:chExt cx="643508" cy="643508"/>
+          </a:xfrm>
+        </p:grpSpPr>
+        <p:pic>
+          <p:nvPicPr>
+            <p:cNvPr id="85" name="図 84">
+              <a:extLst>
+                <a:ext uri="{FF2B5EF4-FFF2-40B4-BE49-F238E27FC236}">
+                  <a16:creationId xmlns:a16="http://schemas.microsoft.com/office/drawing/2014/main" id="{1F4EE7F1-1C7E-F547-AA7A-6F76FFDF0486}"/>
+                </a:ext>
+              </a:extLst>
+            </p:cNvPr>
+            <p:cNvPicPr>
+              <a:picLocks noChangeAspect="1"/>
+            </p:cNvPicPr>
+            <p:nvPr/>
+          </p:nvPicPr>
+          <p:blipFill>
+            <a:blip r:embed="rId2"/>
+            <a:stretch>
+              <a:fillRect/>
+            </a:stretch>
+          </p:blipFill>
+          <p:spPr>
+            <a:xfrm>
+              <a:off x="1115616" y="1556792"/>
+              <a:ext cx="643508" cy="643508"/>
+            </a:xfrm>
+            <a:prstGeom prst="rect">
+              <a:avLst/>
+            </a:prstGeom>
+          </p:spPr>
+        </p:pic>
+        <p:sp>
+          <p:nvSpPr>
+            <p:cNvPr id="86" name="テキスト ボックス 85">
+              <a:extLst>
+                <a:ext uri="{FF2B5EF4-FFF2-40B4-BE49-F238E27FC236}">
+                  <a16:creationId xmlns:a16="http://schemas.microsoft.com/office/drawing/2014/main" id="{8E25A59F-082E-494E-AD83-2FAF92174C2C}"/>
+                </a:ext>
+              </a:extLst>
+            </p:cNvPr>
+            <p:cNvSpPr txBox="1"/>
+            <p:nvPr/>
+          </p:nvSpPr>
+          <p:spPr>
+            <a:xfrm>
+              <a:off x="1187624" y="1772816"/>
+              <a:ext cx="301686" cy="369332"/>
+            </a:xfrm>
+            <a:prstGeom prst="rect">
+              <a:avLst/>
+            </a:prstGeom>
+            <a:noFill/>
+          </p:spPr>
+          <p:txBody>
+            <a:bodyPr wrap="none" rtlCol="0">
+              <a:spAutoFit/>
+            </a:bodyPr>
+            <a:lstStyle/>
+            <a:p>
+              <a:r>
+                <a:rPr lang="en-US" altLang="ja-JP"/>
+                <a:t>7</a:t>
+              </a:r>
+              <a:endParaRPr kumimoji="1" lang="ja-JP" altLang="en-US"/>
+            </a:p>
+          </p:txBody>
+        </p:sp>
+      </p:grpSp>
+      <p:sp>
+        <p:nvSpPr>
+          <p:cNvPr id="87" name="下矢印 86">
+            <a:extLst>
+              <a:ext uri="{FF2B5EF4-FFF2-40B4-BE49-F238E27FC236}">
+                <a16:creationId xmlns:a16="http://schemas.microsoft.com/office/drawing/2014/main" id="{6981AD0F-2C41-6542-A495-B9E4FB5937FD}"/>
+              </a:ext>
+            </a:extLst>
+          </p:cNvPr>
+          <p:cNvSpPr/>
+          <p:nvPr/>
+        </p:nvSpPr>
+        <p:spPr>
+          <a:xfrm rot="16200000">
+            <a:off x="4530384" y="5558848"/>
+            <a:ext cx="330131" cy="390914"/>
+          </a:xfrm>
+          <a:prstGeom prst="downArrow">
+            <a:avLst/>
+          </a:prstGeom>
+          <a:solidFill>
+            <a:srgbClr val="FF0000"/>
+          </a:solidFill>
+          <a:ln>
+            <a:solidFill>
+              <a:schemeClr val="tx1"/>
+            </a:solidFill>
+          </a:ln>
+        </p:spPr>
+        <p:style>
+          <a:lnRef idx="2">
+            <a:schemeClr val="accent1">
+              <a:shade val="50000"/>
+            </a:schemeClr>
+          </a:lnRef>
+          <a:fillRef idx="1">
+            <a:schemeClr val="accent1"/>
+          </a:fillRef>
+          <a:effectRef idx="0">
+            <a:schemeClr val="accent1"/>
+          </a:effectRef>
+          <a:fontRef idx="minor">
+            <a:schemeClr val="lt1"/>
+          </a:fontRef>
+        </p:style>
+        <p:txBody>
+          <a:bodyPr rot="0" spcFirstLastPara="0" vertOverflow="overflow" horzOverflow="overflow" vert="horz" wrap="square" lIns="91440" tIns="45720" rIns="91440" bIns="45720" numCol="1" spcCol="0" rtlCol="0" fromWordArt="0" anchor="ctr" anchorCtr="0" forceAA="0" compatLnSpc="1">
+            <a:prstTxWarp prst="textNoShape">
+              <a:avLst/>
+            </a:prstTxWarp>
+            <a:noAutofit/>
+          </a:bodyPr>
+          <a:lstStyle/>
+          <a:p>
+            <a:pPr algn="ctr"/>
+            <a:endParaRPr kumimoji="1" lang="ja-JP" altLang="en-US"/>
+          </a:p>
+        </p:txBody>
+      </p:sp>
+      <p:grpSp>
+        <p:nvGrpSpPr>
+          <p:cNvPr id="88" name="グループ化 87">
+            <a:extLst>
+              <a:ext uri="{FF2B5EF4-FFF2-40B4-BE49-F238E27FC236}">
+                <a16:creationId xmlns:a16="http://schemas.microsoft.com/office/drawing/2014/main" id="{3F71E4FA-9010-134C-BCDC-A40130D47A01}"/>
+              </a:ext>
+            </a:extLst>
+          </p:cNvPr>
+          <p:cNvGrpSpPr/>
+          <p:nvPr/>
+        </p:nvGrpSpPr>
+        <p:grpSpPr>
+          <a:xfrm>
+            <a:off x="5148066" y="5445224"/>
+            <a:ext cx="643508" cy="643508"/>
+            <a:chOff x="1115616" y="1556792"/>
+            <a:chExt cx="643508" cy="643508"/>
+          </a:xfrm>
+        </p:grpSpPr>
+        <p:pic>
+          <p:nvPicPr>
+            <p:cNvPr id="89" name="図 88">
+              <a:extLst>
+                <a:ext uri="{FF2B5EF4-FFF2-40B4-BE49-F238E27FC236}">
+                  <a16:creationId xmlns:a16="http://schemas.microsoft.com/office/drawing/2014/main" id="{4D846BEA-0062-2947-9030-6857196AF5F3}"/>
+                </a:ext>
+              </a:extLst>
+            </p:cNvPr>
+            <p:cNvPicPr>
+              <a:picLocks noChangeAspect="1"/>
+            </p:cNvPicPr>
+            <p:nvPr/>
+          </p:nvPicPr>
+          <p:blipFill>
+            <a:blip r:embed="rId2"/>
+            <a:stretch>
+              <a:fillRect/>
+            </a:stretch>
+          </p:blipFill>
+          <p:spPr>
+            <a:xfrm>
+              <a:off x="1115616" y="1556792"/>
+              <a:ext cx="643508" cy="643508"/>
+            </a:xfrm>
+            <a:prstGeom prst="rect">
+              <a:avLst/>
+            </a:prstGeom>
+          </p:spPr>
+        </p:pic>
+        <p:sp>
+          <p:nvSpPr>
+            <p:cNvPr id="90" name="テキスト ボックス 89">
+              <a:extLst>
+                <a:ext uri="{FF2B5EF4-FFF2-40B4-BE49-F238E27FC236}">
+                  <a16:creationId xmlns:a16="http://schemas.microsoft.com/office/drawing/2014/main" id="{80BB4D69-C834-8246-9147-72E1F14C6DEA}"/>
+                </a:ext>
+              </a:extLst>
+            </p:cNvPr>
+            <p:cNvSpPr txBox="1"/>
+            <p:nvPr/>
+          </p:nvSpPr>
+          <p:spPr>
+            <a:xfrm>
+              <a:off x="1187624" y="1772816"/>
+              <a:ext cx="301686" cy="369332"/>
+            </a:xfrm>
+            <a:prstGeom prst="rect">
+              <a:avLst/>
+            </a:prstGeom>
+            <a:noFill/>
+          </p:spPr>
+          <p:txBody>
+            <a:bodyPr wrap="none" rtlCol="0">
+              <a:spAutoFit/>
+            </a:bodyPr>
+            <a:lstStyle/>
+            <a:p>
+              <a:r>
+                <a:rPr lang="en-US" altLang="ja-JP"/>
+                <a:t>7</a:t>
+              </a:r>
+              <a:endParaRPr kumimoji="1" lang="ja-JP" altLang="en-US"/>
+            </a:p>
+          </p:txBody>
+        </p:sp>
+      </p:grpSp>
+      <p:sp>
+        <p:nvSpPr>
+          <p:cNvPr id="91" name="円弧 90">
+            <a:extLst>
+              <a:ext uri="{FF2B5EF4-FFF2-40B4-BE49-F238E27FC236}">
+                <a16:creationId xmlns:a16="http://schemas.microsoft.com/office/drawing/2014/main" id="{4B92213D-3416-4342-BC20-C47CB48C8799}"/>
+              </a:ext>
+            </a:extLst>
+          </p:cNvPr>
+          <p:cNvSpPr/>
+          <p:nvPr/>
+        </p:nvSpPr>
+        <p:spPr>
+          <a:xfrm>
+            <a:off x="5148066" y="5805264"/>
+            <a:ext cx="1080120" cy="648072"/>
+          </a:xfrm>
+          <a:prstGeom prst="arc">
+            <a:avLst>
+              <a:gd name="adj1" fmla="val 16200000"/>
+              <a:gd name="adj2" fmla="val 53800"/>
+            </a:avLst>
+          </a:prstGeom>
+          <a:ln w="12700">
+            <a:solidFill>
+              <a:schemeClr val="tx1"/>
+            </a:solidFill>
+            <a:headEnd type="none" w="med" len="med"/>
+            <a:tailEnd type="triangle" w="med" len="med"/>
+          </a:ln>
+        </p:spPr>
+        <p:style>
+          <a:lnRef idx="1">
+            <a:schemeClr val="accent1"/>
+          </a:lnRef>
+          <a:fillRef idx="0">
+            <a:schemeClr val="accent1"/>
+          </a:fillRef>
+          <a:effectRef idx="0">
+            <a:schemeClr val="accent1"/>
+          </a:effectRef>
+          <a:fontRef idx="minor">
+            <a:schemeClr val="tx1"/>
+          </a:fontRef>
+        </p:style>
+        <p:txBody>
+          <a:bodyPr rtlCol="0" anchor="ctr"/>
+          <a:lstStyle/>
+          <a:p>
+            <a:pPr algn="ctr"/>
+            <a:endParaRPr kumimoji="1" lang="ja-JP" altLang="en-US"/>
+          </a:p>
+        </p:txBody>
+      </p:sp>
+      <p:sp>
+        <p:nvSpPr>
+          <p:cNvPr id="92" name="テキスト ボックス 91">
+            <a:extLst>
+              <a:ext uri="{FF2B5EF4-FFF2-40B4-BE49-F238E27FC236}">
+                <a16:creationId xmlns:a16="http://schemas.microsoft.com/office/drawing/2014/main" id="{521E4C86-731E-DE47-B411-50971A691F73}"/>
+              </a:ext>
+            </a:extLst>
+          </p:cNvPr>
+          <p:cNvSpPr txBox="1"/>
+          <p:nvPr/>
+        </p:nvSpPr>
+        <p:spPr>
+          <a:xfrm>
+            <a:off x="5796138" y="5373216"/>
+            <a:ext cx="639919" cy="369332"/>
+          </a:xfrm>
+          <a:prstGeom prst="rect">
+            <a:avLst/>
+          </a:prstGeom>
+          <a:noFill/>
+        </p:spPr>
+        <p:txBody>
+          <a:bodyPr wrap="none" rtlCol="0">
+            <a:spAutoFit/>
+          </a:bodyPr>
+          <a:lstStyle/>
+          <a:p>
+            <a:r>
+              <a:rPr kumimoji="1" lang="en-US" altLang="ja-JP"/>
+              <a:t>push</a:t>
+            </a:r>
+            <a:endParaRPr kumimoji="1" lang="ja-JP" altLang="en-US"/>
+          </a:p>
+        </p:txBody>
+      </p:sp>
+      <p:sp>
+        <p:nvSpPr>
+          <p:cNvPr id="93" name="平行四辺形 92">
+            <a:extLst>
+              <a:ext uri="{FF2B5EF4-FFF2-40B4-BE49-F238E27FC236}">
+                <a16:creationId xmlns:a16="http://schemas.microsoft.com/office/drawing/2014/main" id="{8132291A-DE32-9A43-8260-03CA43ED03FE}"/>
+              </a:ext>
+            </a:extLst>
+          </p:cNvPr>
+          <p:cNvSpPr/>
+          <p:nvPr/>
+        </p:nvSpPr>
+        <p:spPr>
+          <a:xfrm rot="221800">
+            <a:off x="5730262" y="6194857"/>
+            <a:ext cx="923836" cy="220087"/>
+          </a:xfrm>
+          <a:prstGeom prst="parallelogram">
+            <a:avLst>
+              <a:gd name="adj" fmla="val 139345"/>
+            </a:avLst>
+          </a:prstGeom>
+          <a:solidFill>
+            <a:schemeClr val="tx1">
+              <a:lumMod val="50000"/>
+              <a:lumOff val="50000"/>
+            </a:schemeClr>
+          </a:solidFill>
+          <a:ln>
+            <a:solidFill>
+              <a:schemeClr val="tx1"/>
+            </a:solidFill>
+          </a:ln>
+        </p:spPr>
+        <p:style>
+          <a:lnRef idx="2">
+            <a:schemeClr val="accent1">
+              <a:shade val="50000"/>
+            </a:schemeClr>
+          </a:lnRef>
+          <a:fillRef idx="1">
+            <a:schemeClr val="accent1"/>
+          </a:fillRef>
+          <a:effectRef idx="0">
+            <a:schemeClr val="accent1"/>
+          </a:effectRef>
+          <a:fontRef idx="minor">
+            <a:schemeClr val="lt1"/>
+          </a:fontRef>
+        </p:style>
+        <p:txBody>
+          <a:bodyPr rtlCol="0" anchor="ctr"/>
+          <a:lstStyle/>
+          <a:p>
+            <a:pPr algn="ctr"/>
+            <a:endParaRPr kumimoji="1" lang="ja-JP" altLang="en-US"/>
+          </a:p>
+        </p:txBody>
+      </p:sp>
+      <p:sp>
+        <p:nvSpPr>
+          <p:cNvPr id="94" name="下矢印 93">
+            <a:extLst>
+              <a:ext uri="{FF2B5EF4-FFF2-40B4-BE49-F238E27FC236}">
+                <a16:creationId xmlns:a16="http://schemas.microsoft.com/office/drawing/2014/main" id="{DB73EE37-FBE9-414F-9C31-0415D531B2C1}"/>
+              </a:ext>
+            </a:extLst>
+          </p:cNvPr>
+          <p:cNvSpPr/>
+          <p:nvPr/>
+        </p:nvSpPr>
+        <p:spPr>
+          <a:xfrm rot="3600000">
+            <a:off x="3794643" y="5202414"/>
+            <a:ext cx="330131" cy="390914"/>
+          </a:xfrm>
+          <a:prstGeom prst="downArrow">
+            <a:avLst/>
+          </a:prstGeom>
+          <a:solidFill>
+            <a:srgbClr val="FF0000"/>
+          </a:solidFill>
+          <a:ln>
+            <a:solidFill>
+              <a:schemeClr val="tx1"/>
+            </a:solidFill>
+          </a:ln>
+        </p:spPr>
+        <p:style>
+          <a:lnRef idx="2">
+            <a:schemeClr val="accent1">
+              <a:shade val="50000"/>
+            </a:schemeClr>
+          </a:lnRef>
+          <a:fillRef idx="1">
+            <a:schemeClr val="accent1"/>
+          </a:fillRef>
+          <a:effectRef idx="0">
+            <a:schemeClr val="accent1"/>
+          </a:effectRef>
+          <a:fontRef idx="minor">
+            <a:schemeClr val="lt1"/>
+          </a:fontRef>
+        </p:style>
+        <p:txBody>
+          <a:bodyPr rot="0" spcFirstLastPara="0" vertOverflow="overflow" horzOverflow="overflow" vert="horz" wrap="square" lIns="91440" tIns="45720" rIns="91440" bIns="45720" numCol="1" spcCol="0" rtlCol="0" fromWordArt="0" anchor="ctr" anchorCtr="0" forceAA="0" compatLnSpc="1">
+            <a:prstTxWarp prst="textNoShape">
+              <a:avLst/>
+            </a:prstTxWarp>
+            <a:noAutofit/>
+          </a:bodyPr>
+          <a:lstStyle/>
+          <a:p>
+            <a:pPr algn="ctr"/>
+            <a:endParaRPr kumimoji="1" lang="ja-JP" altLang="en-US"/>
+          </a:p>
+        </p:txBody>
+      </p:sp>
+      <p:sp>
+        <p:nvSpPr>
+          <p:cNvPr id="95" name="角丸四角形 94">
+            <a:extLst>
+              <a:ext uri="{FF2B5EF4-FFF2-40B4-BE49-F238E27FC236}">
+                <a16:creationId xmlns:a16="http://schemas.microsoft.com/office/drawing/2014/main" id="{E99A371D-8447-CA4D-89F2-E806424C1F9A}"/>
+              </a:ext>
+            </a:extLst>
+          </p:cNvPr>
+          <p:cNvSpPr/>
+          <p:nvPr/>
+        </p:nvSpPr>
+        <p:spPr>
+          <a:xfrm>
+            <a:off x="971600" y="2996952"/>
+            <a:ext cx="7200800" cy="3744416"/>
+          </a:xfrm>
+          <a:prstGeom prst="roundRect">
+            <a:avLst/>
+          </a:prstGeom>
+          <a:noFill/>
+          <a:ln>
+            <a:solidFill>
+              <a:schemeClr val="tx1"/>
+            </a:solidFill>
+            <a:prstDash val="dash"/>
+          </a:ln>
+        </p:spPr>
+        <p:style>
+          <a:lnRef idx="2">
+            <a:schemeClr val="accent1">
+              <a:shade val="50000"/>
+            </a:schemeClr>
+          </a:lnRef>
+          <a:fillRef idx="1">
+            <a:schemeClr val="accent1"/>
+          </a:fillRef>
+          <a:effectRef idx="0">
+            <a:schemeClr val="accent1"/>
+          </a:effectRef>
+          <a:fontRef idx="minor">
+            <a:schemeClr val="lt1"/>
+          </a:fontRef>
+        </p:style>
+        <p:txBody>
+          <a:bodyPr rtlCol="0" anchor="ctr"/>
+          <a:lstStyle/>
+          <a:p>
+            <a:pPr algn="ctr"/>
+            <a:endParaRPr kumimoji="1" lang="ja-JP" altLang="en-US"/>
+          </a:p>
+        </p:txBody>
+      </p:sp>
+      <p:sp>
+        <p:nvSpPr>
+          <p:cNvPr id="96" name="下矢印 95">
+            <a:extLst>
+              <a:ext uri="{FF2B5EF4-FFF2-40B4-BE49-F238E27FC236}">
+                <a16:creationId xmlns:a16="http://schemas.microsoft.com/office/drawing/2014/main" id="{F9102CED-BE6C-8E42-BD43-75E3375F48E5}"/>
+              </a:ext>
+            </a:extLst>
+          </p:cNvPr>
+          <p:cNvSpPr/>
+          <p:nvPr/>
+        </p:nvSpPr>
+        <p:spPr>
+          <a:xfrm rot="16200000">
+            <a:off x="6762632" y="5630856"/>
+            <a:ext cx="330131" cy="390914"/>
+          </a:xfrm>
+          <a:prstGeom prst="downArrow">
+            <a:avLst/>
+          </a:prstGeom>
+          <a:solidFill>
+            <a:srgbClr val="FF0000"/>
+          </a:solidFill>
+          <a:ln>
+            <a:solidFill>
+              <a:schemeClr val="tx1"/>
+            </a:solidFill>
+          </a:ln>
+        </p:spPr>
+        <p:style>
+          <a:lnRef idx="2">
+            <a:schemeClr val="accent1">
+              <a:shade val="50000"/>
+            </a:schemeClr>
+          </a:lnRef>
+          <a:fillRef idx="1">
+            <a:schemeClr val="accent1"/>
+          </a:fillRef>
+          <a:effectRef idx="0">
+            <a:schemeClr val="accent1"/>
+          </a:effectRef>
+          <a:fontRef idx="minor">
+            <a:schemeClr val="lt1"/>
+          </a:fontRef>
+        </p:style>
+        <p:txBody>
+          <a:bodyPr rot="0" spcFirstLastPara="0" vertOverflow="overflow" horzOverflow="overflow" vert="horz" wrap="square" lIns="91440" tIns="45720" rIns="91440" bIns="45720" numCol="1" spcCol="0" rtlCol="0" fromWordArt="0" anchor="ctr" anchorCtr="0" forceAA="0" compatLnSpc="1">
+            <a:prstTxWarp prst="textNoShape">
+              <a:avLst/>
+            </a:prstTxWarp>
+            <a:noAutofit/>
+          </a:bodyPr>
+          <a:lstStyle/>
+          <a:p>
+            <a:pPr algn="ctr"/>
+            <a:endParaRPr kumimoji="1" lang="ja-JP" altLang="en-US"/>
+          </a:p>
+        </p:txBody>
+      </p:sp>
+      <p:sp>
+        <p:nvSpPr>
+          <p:cNvPr id="97" name="平行四辺形 96">
+            <a:extLst>
+              <a:ext uri="{FF2B5EF4-FFF2-40B4-BE49-F238E27FC236}">
+                <a16:creationId xmlns:a16="http://schemas.microsoft.com/office/drawing/2014/main" id="{94BDF500-5C66-3B4E-953E-ACD0A32AA09A}"/>
+              </a:ext>
+            </a:extLst>
+          </p:cNvPr>
+          <p:cNvSpPr/>
+          <p:nvPr/>
+        </p:nvSpPr>
+        <p:spPr>
+          <a:xfrm rot="221800">
+            <a:off x="7170422" y="6194857"/>
+            <a:ext cx="923836" cy="220087"/>
+          </a:xfrm>
+          <a:prstGeom prst="parallelogram">
+            <a:avLst>
+              <a:gd name="adj" fmla="val 139345"/>
+            </a:avLst>
+          </a:prstGeom>
+          <a:solidFill>
+            <a:schemeClr val="tx1">
+              <a:lumMod val="50000"/>
+              <a:lumOff val="50000"/>
+            </a:schemeClr>
+          </a:solidFill>
+          <a:ln>
+            <a:solidFill>
+              <a:schemeClr val="tx1"/>
+            </a:solidFill>
+          </a:ln>
+        </p:spPr>
+        <p:style>
+          <a:lnRef idx="2">
+            <a:schemeClr val="accent1">
+              <a:shade val="50000"/>
+            </a:schemeClr>
+          </a:lnRef>
+          <a:fillRef idx="1">
+            <a:schemeClr val="accent1"/>
+          </a:fillRef>
+          <a:effectRef idx="0">
+            <a:schemeClr val="accent1"/>
+          </a:effectRef>
+          <a:fontRef idx="minor">
+            <a:schemeClr val="lt1"/>
+          </a:fontRef>
+        </p:style>
+        <p:txBody>
+          <a:bodyPr rtlCol="0" anchor="ctr"/>
+          <a:lstStyle/>
+          <a:p>
+            <a:pPr algn="ctr"/>
+            <a:endParaRPr kumimoji="1" lang="ja-JP" altLang="en-US"/>
+          </a:p>
+        </p:txBody>
+      </p:sp>
+      <p:grpSp>
+        <p:nvGrpSpPr>
+          <p:cNvPr id="98" name="グループ化 97">
+            <a:extLst>
+              <a:ext uri="{FF2B5EF4-FFF2-40B4-BE49-F238E27FC236}">
+                <a16:creationId xmlns:a16="http://schemas.microsoft.com/office/drawing/2014/main" id="{1F578EB2-E7CF-8D4A-B17A-F34B81AE4C10}"/>
+              </a:ext>
+            </a:extLst>
+          </p:cNvPr>
+          <p:cNvGrpSpPr/>
+          <p:nvPr/>
+        </p:nvGrpSpPr>
+        <p:grpSpPr>
+          <a:xfrm>
+            <a:off x="7308304" y="5792821"/>
+            <a:ext cx="643508" cy="643508"/>
+            <a:chOff x="1115616" y="1556792"/>
+            <a:chExt cx="643508" cy="643508"/>
+          </a:xfrm>
+        </p:grpSpPr>
+        <p:pic>
+          <p:nvPicPr>
+            <p:cNvPr id="99" name="図 98">
+              <a:extLst>
+                <a:ext uri="{FF2B5EF4-FFF2-40B4-BE49-F238E27FC236}">
+                  <a16:creationId xmlns:a16="http://schemas.microsoft.com/office/drawing/2014/main" id="{2DFFBC65-2160-8342-9F7B-B6D8F5D3523E}"/>
+                </a:ext>
+              </a:extLst>
+            </p:cNvPr>
+            <p:cNvPicPr>
+              <a:picLocks noChangeAspect="1"/>
+            </p:cNvPicPr>
+            <p:nvPr/>
+          </p:nvPicPr>
+          <p:blipFill>
+            <a:blip r:embed="rId2"/>
+            <a:stretch>
+              <a:fillRect/>
+            </a:stretch>
+          </p:blipFill>
+          <p:spPr>
+            <a:xfrm>
+              <a:off x="1115616" y="1556792"/>
+              <a:ext cx="643508" cy="643508"/>
+            </a:xfrm>
+            <a:prstGeom prst="rect">
+              <a:avLst/>
+            </a:prstGeom>
+          </p:spPr>
+        </p:pic>
+        <p:sp>
+          <p:nvSpPr>
+            <p:cNvPr id="100" name="テキスト ボックス 99">
+              <a:extLst>
+                <a:ext uri="{FF2B5EF4-FFF2-40B4-BE49-F238E27FC236}">
+                  <a16:creationId xmlns:a16="http://schemas.microsoft.com/office/drawing/2014/main" id="{DC4F42FC-F405-9E4B-9919-8371C72251E5}"/>
+                </a:ext>
+              </a:extLst>
+            </p:cNvPr>
+            <p:cNvSpPr txBox="1"/>
+            <p:nvPr/>
+          </p:nvSpPr>
+          <p:spPr>
+            <a:xfrm>
+              <a:off x="1187624" y="1772816"/>
+              <a:ext cx="301686" cy="369332"/>
+            </a:xfrm>
+            <a:prstGeom prst="rect">
+              <a:avLst/>
+            </a:prstGeom>
+            <a:noFill/>
+          </p:spPr>
+          <p:txBody>
+            <a:bodyPr wrap="none" rtlCol="0">
+              <a:spAutoFit/>
+            </a:bodyPr>
+            <a:lstStyle/>
+            <a:p>
+              <a:r>
+                <a:rPr lang="en-US" altLang="ja-JP"/>
+                <a:t>7</a:t>
+              </a:r>
+              <a:endParaRPr kumimoji="1" lang="ja-JP" altLang="en-US"/>
+            </a:p>
+          </p:txBody>
+        </p:sp>
+      </p:grpSp>
+    </p:spTree>
+    <p:extLst>
+      <p:ext uri="{BB962C8B-B14F-4D97-AF65-F5344CB8AC3E}">
+        <p14:creationId xmlns:p14="http://schemas.microsoft.com/office/powerpoint/2010/main" val="2042378213"/>
+      </p:ext>
+    </p:extLst>
+  </p:cSld>
+  <p:clrMapOvr>
+    <a:masterClrMapping/>
+  </p:clrMapOvr>
+</p:sld>
+</file>
+
 <file path=ppt/theme/theme1.xml><?xml version="1.0" encoding="utf-8"?>
 <a:theme xmlns:a="http://schemas.openxmlformats.org/drawingml/2006/main" name="Office テーマ">
   <a:themeElements>

--- a/howtowork/fig/fig.pptx
+++ b/howtowork/fig/fig.pptx
@@ -11,6 +11,8 @@
     <p:sldId id="261" r:id="rId5"/>
     <p:sldId id="262" r:id="rId6"/>
     <p:sldId id="263" r:id="rId7"/>
+    <p:sldId id="266" r:id="rId8"/>
+    <p:sldId id="265" r:id="rId9"/>
   </p:sldIdLst>
   <p:sldSz cx="9144000" cy="6858000" type="screen4x3"/>
   <p:notesSz cx="6858000" cy="9144000"/>
@@ -7368,6 +7370,62 @@
       </p:grpSpPr>
       <p:sp>
         <p:nvSpPr>
+          <p:cNvPr id="109" name="平行四辺形 108">
+            <a:extLst>
+              <a:ext uri="{FF2B5EF4-FFF2-40B4-BE49-F238E27FC236}">
+                <a16:creationId xmlns:a16="http://schemas.microsoft.com/office/drawing/2014/main" id="{99B0448B-DC3C-0F47-B1CF-F99E36C89818}"/>
+              </a:ext>
+            </a:extLst>
+          </p:cNvPr>
+          <p:cNvSpPr/>
+          <p:nvPr/>
+        </p:nvSpPr>
+        <p:spPr>
+          <a:xfrm rot="221800">
+            <a:off x="3525115" y="4694543"/>
+            <a:ext cx="1549317" cy="222713"/>
+          </a:xfrm>
+          <a:prstGeom prst="parallelogram">
+            <a:avLst>
+              <a:gd name="adj" fmla="val 139345"/>
+            </a:avLst>
+          </a:prstGeom>
+          <a:solidFill>
+            <a:srgbClr val="FFC000"/>
+          </a:solidFill>
+          <a:ln>
+            <a:solidFill>
+              <a:schemeClr val="tx1"/>
+            </a:solidFill>
+          </a:ln>
+        </p:spPr>
+        <p:style>
+          <a:lnRef idx="2">
+            <a:schemeClr val="accent1">
+              <a:shade val="50000"/>
+            </a:schemeClr>
+          </a:lnRef>
+          <a:fillRef idx="1">
+            <a:schemeClr val="accent1"/>
+          </a:fillRef>
+          <a:effectRef idx="0">
+            <a:schemeClr val="accent1"/>
+          </a:effectRef>
+          <a:fontRef idx="minor">
+            <a:schemeClr val="lt1"/>
+          </a:fontRef>
+        </p:style>
+        <p:txBody>
+          <a:bodyPr rtlCol="0" anchor="ctr"/>
+          <a:lstStyle/>
+          <a:p>
+            <a:pPr algn="ctr"/>
+            <a:endParaRPr kumimoji="1" lang="ja-JP" altLang="en-US"/>
+          </a:p>
+        </p:txBody>
+      </p:sp>
+      <p:sp>
+        <p:nvSpPr>
           <p:cNvPr id="23" name="平行四辺形 22">
             <a:extLst>
               <a:ext uri="{FF2B5EF4-FFF2-40B4-BE49-F238E27FC236}">
@@ -8743,7 +8801,7 @@
         </p:nvSpPr>
         <p:spPr>
           <a:xfrm rot="16200000">
-            <a:off x="2586167" y="3902664"/>
+            <a:off x="2352488" y="3943304"/>
             <a:ext cx="330131" cy="390914"/>
           </a:xfrm>
           <a:prstGeom prst="downArrow">
@@ -8802,7 +8860,7 @@
         </p:nvSpPr>
         <p:spPr>
           <a:xfrm rot="221800">
-            <a:off x="3065965" y="4682689"/>
+            <a:off x="2690045" y="4652209"/>
             <a:ext cx="923836" cy="220087"/>
           </a:xfrm>
           <a:prstGeom prst="parallelogram">
@@ -8861,7 +8919,7 @@
         </p:nvGrpSpPr>
         <p:grpSpPr>
           <a:xfrm>
-            <a:off x="3203847" y="4280653"/>
+            <a:off x="2827927" y="4250173"/>
             <a:ext cx="643508" cy="643508"/>
             <a:chOff x="1115616" y="1556792"/>
             <a:chExt cx="643508" cy="643508"/>
@@ -8948,7 +9006,7 @@
         </p:nvGrpSpPr>
         <p:grpSpPr>
           <a:xfrm>
-            <a:off x="4139952" y="3573016"/>
+            <a:off x="3692024" y="4283824"/>
             <a:ext cx="643508" cy="643508"/>
             <a:chOff x="1115616" y="1556792"/>
             <a:chExt cx="643508" cy="643508"/>
@@ -9023,57 +9081,6 @@
       </p:grpSp>
       <p:sp>
         <p:nvSpPr>
-          <p:cNvPr id="52" name="円弧 51">
-            <a:extLst>
-              <a:ext uri="{FF2B5EF4-FFF2-40B4-BE49-F238E27FC236}">
-                <a16:creationId xmlns:a16="http://schemas.microsoft.com/office/drawing/2014/main" id="{9BA6DC74-5B84-594E-93B9-519C731F90B2}"/>
-              </a:ext>
-            </a:extLst>
-          </p:cNvPr>
-          <p:cNvSpPr/>
-          <p:nvPr/>
-        </p:nvSpPr>
-        <p:spPr>
-          <a:xfrm rot="16200000">
-            <a:off x="3707904" y="3789040"/>
-            <a:ext cx="648072" cy="1080120"/>
-          </a:xfrm>
-          <a:prstGeom prst="arc">
-            <a:avLst/>
-          </a:prstGeom>
-          <a:ln w="12700">
-            <a:solidFill>
-              <a:schemeClr val="tx1"/>
-            </a:solidFill>
-            <a:headEnd type="none" w="med" len="med"/>
-            <a:tailEnd type="triangle" w="med" len="med"/>
-          </a:ln>
-        </p:spPr>
-        <p:style>
-          <a:lnRef idx="1">
-            <a:schemeClr val="accent1"/>
-          </a:lnRef>
-          <a:fillRef idx="0">
-            <a:schemeClr val="accent1"/>
-          </a:fillRef>
-          <a:effectRef idx="0">
-            <a:schemeClr val="accent1"/>
-          </a:effectRef>
-          <a:fontRef idx="minor">
-            <a:schemeClr val="tx1"/>
-          </a:fontRef>
-        </p:style>
-        <p:txBody>
-          <a:bodyPr rtlCol="0" anchor="ctr"/>
-          <a:lstStyle/>
-          <a:p>
-            <a:pPr algn="ctr"/>
-            <a:endParaRPr kumimoji="1" lang="ja-JP" altLang="en-US"/>
-          </a:p>
-        </p:txBody>
-      </p:sp>
-      <p:sp>
-        <p:nvSpPr>
           <p:cNvPr id="53" name="テキスト ボックス 52">
             <a:extLst>
               <a:ext uri="{FF2B5EF4-FFF2-40B4-BE49-F238E27FC236}">
@@ -9086,7 +9093,7 @@
         </p:nvSpPr>
         <p:spPr>
           <a:xfrm>
-            <a:off x="3491880" y="3573016"/>
+            <a:off x="3331984" y="3614544"/>
             <a:ext cx="550151" cy="369332"/>
           </a:xfrm>
           <a:prstGeom prst="rect">
@@ -9122,7 +9129,7 @@
         </p:nvSpPr>
         <p:spPr>
           <a:xfrm rot="16200000">
-            <a:off x="5250464" y="3902666"/>
+            <a:off x="5098067" y="3963626"/>
             <a:ext cx="330131" cy="390914"/>
           </a:xfrm>
           <a:prstGeom prst="downArrow">
@@ -9167,326 +9174,6 @@
           </a:p>
         </p:txBody>
       </p:sp>
-      <p:sp>
-        <p:nvSpPr>
-          <p:cNvPr id="55" name="平行四辺形 54">
-            <a:extLst>
-              <a:ext uri="{FF2B5EF4-FFF2-40B4-BE49-F238E27FC236}">
-                <a16:creationId xmlns:a16="http://schemas.microsoft.com/office/drawing/2014/main" id="{C86C5F8E-AB4F-DE41-ACFB-42925F01B429}"/>
-              </a:ext>
-            </a:extLst>
-          </p:cNvPr>
-          <p:cNvSpPr/>
-          <p:nvPr/>
-        </p:nvSpPr>
-        <p:spPr>
-          <a:xfrm rot="221800">
-            <a:off x="5586245" y="4682689"/>
-            <a:ext cx="923836" cy="220087"/>
-          </a:xfrm>
-          <a:prstGeom prst="parallelogram">
-            <a:avLst>
-              <a:gd name="adj" fmla="val 139345"/>
-            </a:avLst>
-          </a:prstGeom>
-          <a:solidFill>
-            <a:schemeClr val="tx1">
-              <a:lumMod val="50000"/>
-              <a:lumOff val="50000"/>
-            </a:schemeClr>
-          </a:solidFill>
-          <a:ln>
-            <a:solidFill>
-              <a:schemeClr val="tx1"/>
-            </a:solidFill>
-          </a:ln>
-        </p:spPr>
-        <p:style>
-          <a:lnRef idx="2">
-            <a:schemeClr val="accent1">
-              <a:shade val="50000"/>
-            </a:schemeClr>
-          </a:lnRef>
-          <a:fillRef idx="1">
-            <a:schemeClr val="accent1"/>
-          </a:fillRef>
-          <a:effectRef idx="0">
-            <a:schemeClr val="accent1"/>
-          </a:effectRef>
-          <a:fontRef idx="minor">
-            <a:schemeClr val="lt1"/>
-          </a:fontRef>
-        </p:style>
-        <p:txBody>
-          <a:bodyPr rtlCol="0" anchor="ctr"/>
-          <a:lstStyle/>
-          <a:p>
-            <a:pPr algn="ctr"/>
-            <a:endParaRPr kumimoji="1" lang="ja-JP" altLang="en-US"/>
-          </a:p>
-        </p:txBody>
-      </p:sp>
-      <p:grpSp>
-        <p:nvGrpSpPr>
-          <p:cNvPr id="56" name="グループ化 55">
-            <a:extLst>
-              <a:ext uri="{FF2B5EF4-FFF2-40B4-BE49-F238E27FC236}">
-                <a16:creationId xmlns:a16="http://schemas.microsoft.com/office/drawing/2014/main" id="{781E3F5E-07A8-A848-A491-FC37C030B573}"/>
-              </a:ext>
-            </a:extLst>
-          </p:cNvPr>
-          <p:cNvGrpSpPr/>
-          <p:nvPr/>
-        </p:nvGrpSpPr>
-        <p:grpSpPr>
-          <a:xfrm>
-            <a:off x="6660232" y="4005064"/>
-            <a:ext cx="643508" cy="643508"/>
-            <a:chOff x="1115616" y="1556792"/>
-            <a:chExt cx="643508" cy="643508"/>
-          </a:xfrm>
-        </p:grpSpPr>
-        <p:pic>
-          <p:nvPicPr>
-            <p:cNvPr id="57" name="図 56">
-              <a:extLst>
-                <a:ext uri="{FF2B5EF4-FFF2-40B4-BE49-F238E27FC236}">
-                  <a16:creationId xmlns:a16="http://schemas.microsoft.com/office/drawing/2014/main" id="{0E04EBB6-0EAE-DF43-8621-7178A9595195}"/>
-                </a:ext>
-              </a:extLst>
-            </p:cNvPr>
-            <p:cNvPicPr>
-              <a:picLocks noChangeAspect="1"/>
-            </p:cNvPicPr>
-            <p:nvPr/>
-          </p:nvPicPr>
-          <p:blipFill>
-            <a:blip r:embed="rId2"/>
-            <a:stretch>
-              <a:fillRect/>
-            </a:stretch>
-          </p:blipFill>
-          <p:spPr>
-            <a:xfrm>
-              <a:off x="1115616" y="1556792"/>
-              <a:ext cx="643508" cy="643508"/>
-            </a:xfrm>
-            <a:prstGeom prst="rect">
-              <a:avLst/>
-            </a:prstGeom>
-          </p:spPr>
-        </p:pic>
-        <p:sp>
-          <p:nvSpPr>
-            <p:cNvPr id="58" name="テキスト ボックス 57">
-              <a:extLst>
-                <a:ext uri="{FF2B5EF4-FFF2-40B4-BE49-F238E27FC236}">
-                  <a16:creationId xmlns:a16="http://schemas.microsoft.com/office/drawing/2014/main" id="{B0874767-1AA5-754F-B26D-0E898391F1B9}"/>
-                </a:ext>
-              </a:extLst>
-            </p:cNvPr>
-            <p:cNvSpPr txBox="1"/>
-            <p:nvPr/>
-          </p:nvSpPr>
-          <p:spPr>
-            <a:xfrm>
-              <a:off x="1187624" y="1772816"/>
-              <a:ext cx="301686" cy="369332"/>
-            </a:xfrm>
-            <a:prstGeom prst="rect">
-              <a:avLst/>
-            </a:prstGeom>
-            <a:noFill/>
-          </p:spPr>
-          <p:txBody>
-            <a:bodyPr wrap="none" rtlCol="0">
-              <a:spAutoFit/>
-            </a:bodyPr>
-            <a:lstStyle/>
-            <a:p>
-              <a:r>
-                <a:rPr lang="en-US" altLang="ja-JP"/>
-                <a:t>3</a:t>
-              </a:r>
-              <a:endParaRPr kumimoji="1" lang="ja-JP" altLang="en-US"/>
-            </a:p>
-          </p:txBody>
-        </p:sp>
-      </p:grpSp>
-      <p:grpSp>
-        <p:nvGrpSpPr>
-          <p:cNvPr id="59" name="グループ化 58">
-            <a:extLst>
-              <a:ext uri="{FF2B5EF4-FFF2-40B4-BE49-F238E27FC236}">
-                <a16:creationId xmlns:a16="http://schemas.microsoft.com/office/drawing/2014/main" id="{D8D31A4F-47C4-E241-8F66-A5BB6BB945D4}"/>
-              </a:ext>
-            </a:extLst>
-          </p:cNvPr>
-          <p:cNvGrpSpPr/>
-          <p:nvPr/>
-        </p:nvGrpSpPr>
-        <p:grpSpPr>
-          <a:xfrm>
-            <a:off x="6660232" y="3501008"/>
-            <a:ext cx="643508" cy="643508"/>
-            <a:chOff x="1115616" y="1556792"/>
-            <a:chExt cx="643508" cy="643508"/>
-          </a:xfrm>
-        </p:grpSpPr>
-        <p:pic>
-          <p:nvPicPr>
-            <p:cNvPr id="60" name="図 59">
-              <a:extLst>
-                <a:ext uri="{FF2B5EF4-FFF2-40B4-BE49-F238E27FC236}">
-                  <a16:creationId xmlns:a16="http://schemas.microsoft.com/office/drawing/2014/main" id="{4477C95C-62F0-9540-8D87-8AE04A67AF7D}"/>
-                </a:ext>
-              </a:extLst>
-            </p:cNvPr>
-            <p:cNvPicPr>
-              <a:picLocks noChangeAspect="1"/>
-            </p:cNvPicPr>
-            <p:nvPr/>
-          </p:nvPicPr>
-          <p:blipFill>
-            <a:blip r:embed="rId2"/>
-            <a:stretch>
-              <a:fillRect/>
-            </a:stretch>
-          </p:blipFill>
-          <p:spPr>
-            <a:xfrm>
-              <a:off x="1115616" y="1556792"/>
-              <a:ext cx="643508" cy="643508"/>
-            </a:xfrm>
-            <a:prstGeom prst="rect">
-              <a:avLst/>
-            </a:prstGeom>
-          </p:spPr>
-        </p:pic>
-        <p:sp>
-          <p:nvSpPr>
-            <p:cNvPr id="61" name="テキスト ボックス 60">
-              <a:extLst>
-                <a:ext uri="{FF2B5EF4-FFF2-40B4-BE49-F238E27FC236}">
-                  <a16:creationId xmlns:a16="http://schemas.microsoft.com/office/drawing/2014/main" id="{1E2746D6-44D0-C045-80DE-66AF82E5F768}"/>
-                </a:ext>
-              </a:extLst>
-            </p:cNvPr>
-            <p:cNvSpPr txBox="1"/>
-            <p:nvPr/>
-          </p:nvSpPr>
-          <p:spPr>
-            <a:xfrm>
-              <a:off x="1187624" y="1772816"/>
-              <a:ext cx="301686" cy="369332"/>
-            </a:xfrm>
-            <a:prstGeom prst="rect">
-              <a:avLst/>
-            </a:prstGeom>
-            <a:noFill/>
-          </p:spPr>
-          <p:txBody>
-            <a:bodyPr wrap="none" rtlCol="0">
-              <a:spAutoFit/>
-            </a:bodyPr>
-            <a:lstStyle/>
-            <a:p>
-              <a:r>
-                <a:rPr lang="en-US" altLang="ja-JP"/>
-                <a:t>4</a:t>
-              </a:r>
-              <a:endParaRPr kumimoji="1" lang="ja-JP" altLang="en-US"/>
-            </a:p>
-          </p:txBody>
-        </p:sp>
-      </p:grpSp>
-      <p:sp>
-        <p:nvSpPr>
-          <p:cNvPr id="62" name="円弧 61">
-            <a:extLst>
-              <a:ext uri="{FF2B5EF4-FFF2-40B4-BE49-F238E27FC236}">
-                <a16:creationId xmlns:a16="http://schemas.microsoft.com/office/drawing/2014/main" id="{E13BAB88-FE33-4445-8FDA-AC80DD0BF746}"/>
-              </a:ext>
-            </a:extLst>
-          </p:cNvPr>
-          <p:cNvSpPr/>
-          <p:nvPr/>
-        </p:nvSpPr>
-        <p:spPr>
-          <a:xfrm rot="16200000">
-            <a:off x="6228184" y="4221088"/>
-            <a:ext cx="648072" cy="1080120"/>
-          </a:xfrm>
-          <a:prstGeom prst="arc">
-            <a:avLst/>
-          </a:prstGeom>
-          <a:ln w="12700">
-            <a:solidFill>
-              <a:schemeClr val="tx1"/>
-            </a:solidFill>
-            <a:headEnd type="none" w="med" len="med"/>
-            <a:tailEnd type="triangle" w="med" len="med"/>
-          </a:ln>
-        </p:spPr>
-        <p:style>
-          <a:lnRef idx="1">
-            <a:schemeClr val="accent1"/>
-          </a:lnRef>
-          <a:fillRef idx="0">
-            <a:schemeClr val="accent1"/>
-          </a:fillRef>
-          <a:effectRef idx="0">
-            <a:schemeClr val="accent1"/>
-          </a:effectRef>
-          <a:fontRef idx="minor">
-            <a:schemeClr val="tx1"/>
-          </a:fontRef>
-        </p:style>
-        <p:txBody>
-          <a:bodyPr rtlCol="0" anchor="ctr"/>
-          <a:lstStyle/>
-          <a:p>
-            <a:pPr algn="ctr"/>
-            <a:endParaRPr kumimoji="1" lang="ja-JP" altLang="en-US"/>
-          </a:p>
-        </p:txBody>
-      </p:sp>
-      <p:sp>
-        <p:nvSpPr>
-          <p:cNvPr id="63" name="テキスト ボックス 62">
-            <a:extLst>
-              <a:ext uri="{FF2B5EF4-FFF2-40B4-BE49-F238E27FC236}">
-                <a16:creationId xmlns:a16="http://schemas.microsoft.com/office/drawing/2014/main" id="{F9246CAD-10CA-1649-8112-6D7FD85DFD40}"/>
-              </a:ext>
-            </a:extLst>
-          </p:cNvPr>
-          <p:cNvSpPr txBox="1"/>
-          <p:nvPr/>
-        </p:nvSpPr>
-        <p:spPr>
-          <a:xfrm>
-            <a:off x="6012160" y="4005064"/>
-            <a:ext cx="550151" cy="369332"/>
-          </a:xfrm>
-          <a:prstGeom prst="rect">
-            <a:avLst/>
-          </a:prstGeom>
-          <a:noFill/>
-        </p:spPr>
-        <p:txBody>
-          <a:bodyPr wrap="none" rtlCol="0">
-            <a:spAutoFit/>
-          </a:bodyPr>
-          <a:lstStyle/>
-          <a:p>
-            <a:r>
-              <a:rPr kumimoji="1" lang="en-US" altLang="ja-JP"/>
-              <a:t>pop</a:t>
-            </a:r>
-            <a:endParaRPr kumimoji="1" lang="ja-JP" altLang="en-US"/>
-          </a:p>
-        </p:txBody>
-      </p:sp>
       <p:grpSp>
         <p:nvGrpSpPr>
           <p:cNvPr id="75" name="グループ化 74">
@@ -9501,7 +9188,7 @@
         </p:nvGrpSpPr>
         <p:grpSpPr>
           <a:xfrm>
-            <a:off x="2267744" y="5733256"/>
+            <a:off x="2277904" y="5733256"/>
             <a:ext cx="643508" cy="643508"/>
             <a:chOff x="1115616" y="1556792"/>
             <a:chExt cx="643508" cy="643508"/>
@@ -9588,7 +9275,7 @@
         </p:nvGrpSpPr>
         <p:grpSpPr>
           <a:xfrm>
-            <a:off x="1187624" y="5733256"/>
+            <a:off x="1279064" y="5733256"/>
             <a:ext cx="643508" cy="643508"/>
             <a:chOff x="1115616" y="1556792"/>
             <a:chExt cx="643508" cy="643508"/>
@@ -9675,7 +9362,7 @@
         </p:nvSpPr>
         <p:spPr>
           <a:xfrm>
-            <a:off x="1907704" y="5877272"/>
+            <a:off x="1928024" y="5877272"/>
             <a:ext cx="300082" cy="369332"/>
           </a:xfrm>
           <a:prstGeom prst="rect">
@@ -10128,12 +9815,15 @@
           <p:nvPr/>
         </p:nvSpPr>
         <p:spPr>
-          <a:xfrm rot="3600000">
-            <a:off x="3794643" y="5202414"/>
-            <a:ext cx="330131" cy="390914"/>
+          <a:xfrm rot="4248037">
+            <a:off x="4507508" y="4586861"/>
+            <a:ext cx="253274" cy="1403229"/>
           </a:xfrm>
           <a:prstGeom prst="downArrow">
-            <a:avLst/>
+            <a:avLst>
+              <a:gd name="adj1" fmla="val 50000"/>
+              <a:gd name="adj2" fmla="val 61829"/>
+            </a:avLst>
           </a:prstGeom>
           <a:solidFill>
             <a:srgbClr val="FF0000"/>
@@ -10432,10 +10122,7645 @@
           </p:txBody>
         </p:sp>
       </p:grpSp>
+      <p:sp>
+        <p:nvSpPr>
+          <p:cNvPr id="105" name="フリーフォーム 104">
+            <a:extLst>
+              <a:ext uri="{FF2B5EF4-FFF2-40B4-BE49-F238E27FC236}">
+                <a16:creationId xmlns:a16="http://schemas.microsoft.com/office/drawing/2014/main" id="{4CC9EFE4-FB20-8245-A23B-4074B6D47B60}"/>
+              </a:ext>
+            </a:extLst>
+          </p:cNvPr>
+          <p:cNvSpPr/>
+          <p:nvPr/>
+        </p:nvSpPr>
+        <p:spPr>
+          <a:xfrm>
+            <a:off x="3331984" y="3974584"/>
+            <a:ext cx="568960" cy="264176"/>
+          </a:xfrm>
+          <a:custGeom>
+            <a:avLst/>
+            <a:gdLst>
+              <a:gd name="connsiteX0" fmla="*/ 0 w 568960"/>
+              <a:gd name="connsiteY0" fmla="*/ 264176 h 264176"/>
+              <a:gd name="connsiteX1" fmla="*/ 304800 w 568960"/>
+              <a:gd name="connsiteY1" fmla="*/ 16 h 264176"/>
+              <a:gd name="connsiteX2" fmla="*/ 568960 w 568960"/>
+              <a:gd name="connsiteY2" fmla="*/ 254016 h 264176"/>
+            </a:gdLst>
+            <a:ahLst/>
+            <a:cxnLst>
+              <a:cxn ang="0">
+                <a:pos x="connsiteX0" y="connsiteY0"/>
+              </a:cxn>
+              <a:cxn ang="0">
+                <a:pos x="connsiteX1" y="connsiteY1"/>
+              </a:cxn>
+              <a:cxn ang="0">
+                <a:pos x="connsiteX2" y="connsiteY2"/>
+              </a:cxn>
+            </a:cxnLst>
+            <a:rect l="l" t="t" r="r" b="b"/>
+            <a:pathLst>
+              <a:path w="568960" h="264176">
+                <a:moveTo>
+                  <a:pt x="0" y="264176"/>
+                </a:moveTo>
+                <a:cubicBezTo>
+                  <a:pt x="104986" y="132942"/>
+                  <a:pt x="209973" y="1709"/>
+                  <a:pt x="304800" y="16"/>
+                </a:cubicBezTo>
+                <a:cubicBezTo>
+                  <a:pt x="399627" y="-1677"/>
+                  <a:pt x="484293" y="126169"/>
+                  <a:pt x="568960" y="254016"/>
+                </a:cubicBezTo>
+              </a:path>
+            </a:pathLst>
+          </a:custGeom>
+          <a:noFill/>
+          <a:ln>
+            <a:solidFill>
+              <a:schemeClr val="tx1"/>
+            </a:solidFill>
+            <a:headEnd type="none" w="med" len="med"/>
+            <a:tailEnd type="triangle" w="med" len="med"/>
+          </a:ln>
+        </p:spPr>
+        <p:style>
+          <a:lnRef idx="2">
+            <a:schemeClr val="accent1">
+              <a:shade val="50000"/>
+            </a:schemeClr>
+          </a:lnRef>
+          <a:fillRef idx="1">
+            <a:schemeClr val="accent1"/>
+          </a:fillRef>
+          <a:effectRef idx="0">
+            <a:schemeClr val="accent1"/>
+          </a:effectRef>
+          <a:fontRef idx="minor">
+            <a:schemeClr val="lt1"/>
+          </a:fontRef>
+        </p:style>
+        <p:txBody>
+          <a:bodyPr rtlCol="0" anchor="ctr"/>
+          <a:lstStyle/>
+          <a:p>
+            <a:pPr algn="ctr"/>
+            <a:endParaRPr kumimoji="1" lang="ja-JP" altLang="en-US"/>
+          </a:p>
+        </p:txBody>
+      </p:sp>
+      <p:sp>
+        <p:nvSpPr>
+          <p:cNvPr id="110" name="平行四辺形 109">
+            <a:extLst>
+              <a:ext uri="{FF2B5EF4-FFF2-40B4-BE49-F238E27FC236}">
+                <a16:creationId xmlns:a16="http://schemas.microsoft.com/office/drawing/2014/main" id="{3A49A7E2-A507-0840-A250-5CD27E6DD4E0}"/>
+              </a:ext>
+            </a:extLst>
+          </p:cNvPr>
+          <p:cNvSpPr/>
+          <p:nvPr/>
+        </p:nvSpPr>
+        <p:spPr>
+          <a:xfrm rot="221800">
+            <a:off x="6400396" y="4664063"/>
+            <a:ext cx="1549317" cy="222713"/>
+          </a:xfrm>
+          <a:prstGeom prst="parallelogram">
+            <a:avLst>
+              <a:gd name="adj" fmla="val 139345"/>
+            </a:avLst>
+          </a:prstGeom>
+          <a:solidFill>
+            <a:srgbClr val="FFC000"/>
+          </a:solidFill>
+          <a:ln>
+            <a:solidFill>
+              <a:schemeClr val="tx1"/>
+            </a:solidFill>
+          </a:ln>
+        </p:spPr>
+        <p:style>
+          <a:lnRef idx="2">
+            <a:schemeClr val="accent1">
+              <a:shade val="50000"/>
+            </a:schemeClr>
+          </a:lnRef>
+          <a:fillRef idx="1">
+            <a:schemeClr val="accent1"/>
+          </a:fillRef>
+          <a:effectRef idx="0">
+            <a:schemeClr val="accent1"/>
+          </a:effectRef>
+          <a:fontRef idx="minor">
+            <a:schemeClr val="lt1"/>
+          </a:fontRef>
+        </p:style>
+        <p:txBody>
+          <a:bodyPr rtlCol="0" anchor="ctr"/>
+          <a:lstStyle/>
+          <a:p>
+            <a:pPr algn="ctr"/>
+            <a:endParaRPr kumimoji="1" lang="ja-JP" altLang="en-US"/>
+          </a:p>
+        </p:txBody>
+      </p:sp>
+      <p:sp>
+        <p:nvSpPr>
+          <p:cNvPr id="111" name="平行四辺形 110">
+            <a:extLst>
+              <a:ext uri="{FF2B5EF4-FFF2-40B4-BE49-F238E27FC236}">
+                <a16:creationId xmlns:a16="http://schemas.microsoft.com/office/drawing/2014/main" id="{6B4B7281-632D-D645-B736-052907EBCAAF}"/>
+              </a:ext>
+            </a:extLst>
+          </p:cNvPr>
+          <p:cNvSpPr/>
+          <p:nvPr/>
+        </p:nvSpPr>
+        <p:spPr>
+          <a:xfrm rot="221800">
+            <a:off x="5565326" y="4621729"/>
+            <a:ext cx="923836" cy="220087"/>
+          </a:xfrm>
+          <a:prstGeom prst="parallelogram">
+            <a:avLst>
+              <a:gd name="adj" fmla="val 139345"/>
+            </a:avLst>
+          </a:prstGeom>
+          <a:solidFill>
+            <a:schemeClr val="tx1">
+              <a:lumMod val="50000"/>
+              <a:lumOff val="50000"/>
+            </a:schemeClr>
+          </a:solidFill>
+          <a:ln>
+            <a:solidFill>
+              <a:schemeClr val="tx1"/>
+            </a:solidFill>
+          </a:ln>
+        </p:spPr>
+        <p:style>
+          <a:lnRef idx="2">
+            <a:schemeClr val="accent1">
+              <a:shade val="50000"/>
+            </a:schemeClr>
+          </a:lnRef>
+          <a:fillRef idx="1">
+            <a:schemeClr val="accent1"/>
+          </a:fillRef>
+          <a:effectRef idx="0">
+            <a:schemeClr val="accent1"/>
+          </a:effectRef>
+          <a:fontRef idx="minor">
+            <a:schemeClr val="lt1"/>
+          </a:fontRef>
+        </p:style>
+        <p:txBody>
+          <a:bodyPr rtlCol="0" anchor="ctr"/>
+          <a:lstStyle/>
+          <a:p>
+            <a:pPr algn="ctr"/>
+            <a:endParaRPr kumimoji="1" lang="ja-JP" altLang="en-US"/>
+          </a:p>
+        </p:txBody>
+      </p:sp>
+      <p:grpSp>
+        <p:nvGrpSpPr>
+          <p:cNvPr id="112" name="グループ化 111">
+            <a:extLst>
+              <a:ext uri="{FF2B5EF4-FFF2-40B4-BE49-F238E27FC236}">
+                <a16:creationId xmlns:a16="http://schemas.microsoft.com/office/drawing/2014/main" id="{20A7889E-7BE2-9940-9215-9DB6FF4593AC}"/>
+              </a:ext>
+            </a:extLst>
+          </p:cNvPr>
+          <p:cNvGrpSpPr/>
+          <p:nvPr/>
+        </p:nvGrpSpPr>
+        <p:grpSpPr>
+          <a:xfrm>
+            <a:off x="7186568" y="4280653"/>
+            <a:ext cx="643508" cy="643508"/>
+            <a:chOff x="1115616" y="1556792"/>
+            <a:chExt cx="643508" cy="643508"/>
+          </a:xfrm>
+        </p:grpSpPr>
+        <p:pic>
+          <p:nvPicPr>
+            <p:cNvPr id="113" name="図 112">
+              <a:extLst>
+                <a:ext uri="{FF2B5EF4-FFF2-40B4-BE49-F238E27FC236}">
+                  <a16:creationId xmlns:a16="http://schemas.microsoft.com/office/drawing/2014/main" id="{78F68A13-7450-9D47-BE41-659AF3D37252}"/>
+                </a:ext>
+              </a:extLst>
+            </p:cNvPr>
+            <p:cNvPicPr>
+              <a:picLocks noChangeAspect="1"/>
+            </p:cNvPicPr>
+            <p:nvPr/>
+          </p:nvPicPr>
+          <p:blipFill>
+            <a:blip r:embed="rId2"/>
+            <a:stretch>
+              <a:fillRect/>
+            </a:stretch>
+          </p:blipFill>
+          <p:spPr>
+            <a:xfrm>
+              <a:off x="1115616" y="1556792"/>
+              <a:ext cx="643508" cy="643508"/>
+            </a:xfrm>
+            <a:prstGeom prst="rect">
+              <a:avLst/>
+            </a:prstGeom>
+          </p:spPr>
+        </p:pic>
+        <p:sp>
+          <p:nvSpPr>
+            <p:cNvPr id="114" name="テキスト ボックス 113">
+              <a:extLst>
+                <a:ext uri="{FF2B5EF4-FFF2-40B4-BE49-F238E27FC236}">
+                  <a16:creationId xmlns:a16="http://schemas.microsoft.com/office/drawing/2014/main" id="{8A7933AD-1347-504B-8806-B58D598365B2}"/>
+                </a:ext>
+              </a:extLst>
+            </p:cNvPr>
+            <p:cNvSpPr txBox="1"/>
+            <p:nvPr/>
+          </p:nvSpPr>
+          <p:spPr>
+            <a:xfrm>
+              <a:off x="1187624" y="1772816"/>
+              <a:ext cx="301686" cy="369332"/>
+            </a:xfrm>
+            <a:prstGeom prst="rect">
+              <a:avLst/>
+            </a:prstGeom>
+            <a:noFill/>
+          </p:spPr>
+          <p:txBody>
+            <a:bodyPr wrap="none" rtlCol="0">
+              <a:spAutoFit/>
+            </a:bodyPr>
+            <a:lstStyle/>
+            <a:p>
+              <a:r>
+                <a:rPr lang="en-US" altLang="ja-JP"/>
+                <a:t>3</a:t>
+              </a:r>
+              <a:endParaRPr kumimoji="1" lang="ja-JP" altLang="en-US"/>
+            </a:p>
+          </p:txBody>
+        </p:sp>
+      </p:grpSp>
+      <p:grpSp>
+        <p:nvGrpSpPr>
+          <p:cNvPr id="115" name="グループ化 114">
+            <a:extLst>
+              <a:ext uri="{FF2B5EF4-FFF2-40B4-BE49-F238E27FC236}">
+                <a16:creationId xmlns:a16="http://schemas.microsoft.com/office/drawing/2014/main" id="{EE1F8E04-D227-E54A-BD66-8CFFF4113F64}"/>
+              </a:ext>
+            </a:extLst>
+          </p:cNvPr>
+          <p:cNvGrpSpPr/>
+          <p:nvPr/>
+        </p:nvGrpSpPr>
+        <p:grpSpPr>
+          <a:xfrm>
+            <a:off x="6567305" y="4253344"/>
+            <a:ext cx="643508" cy="643508"/>
+            <a:chOff x="1115616" y="1556792"/>
+            <a:chExt cx="643508" cy="643508"/>
+          </a:xfrm>
+        </p:grpSpPr>
+        <p:pic>
+          <p:nvPicPr>
+            <p:cNvPr id="116" name="図 115">
+              <a:extLst>
+                <a:ext uri="{FF2B5EF4-FFF2-40B4-BE49-F238E27FC236}">
+                  <a16:creationId xmlns:a16="http://schemas.microsoft.com/office/drawing/2014/main" id="{074340AF-F544-0243-B7E1-78E1F2BE10FB}"/>
+                </a:ext>
+              </a:extLst>
+            </p:cNvPr>
+            <p:cNvPicPr>
+              <a:picLocks noChangeAspect="1"/>
+            </p:cNvPicPr>
+            <p:nvPr/>
+          </p:nvPicPr>
+          <p:blipFill>
+            <a:blip r:embed="rId2"/>
+            <a:stretch>
+              <a:fillRect/>
+            </a:stretch>
+          </p:blipFill>
+          <p:spPr>
+            <a:xfrm>
+              <a:off x="1115616" y="1556792"/>
+              <a:ext cx="643508" cy="643508"/>
+            </a:xfrm>
+            <a:prstGeom prst="rect">
+              <a:avLst/>
+            </a:prstGeom>
+          </p:spPr>
+        </p:pic>
+        <p:sp>
+          <p:nvSpPr>
+            <p:cNvPr id="117" name="テキスト ボックス 116">
+              <a:extLst>
+                <a:ext uri="{FF2B5EF4-FFF2-40B4-BE49-F238E27FC236}">
+                  <a16:creationId xmlns:a16="http://schemas.microsoft.com/office/drawing/2014/main" id="{24DD6C8A-3D12-E84B-B204-0683FC9DF28D}"/>
+                </a:ext>
+              </a:extLst>
+            </p:cNvPr>
+            <p:cNvSpPr txBox="1"/>
+            <p:nvPr/>
+          </p:nvSpPr>
+          <p:spPr>
+            <a:xfrm>
+              <a:off x="1187624" y="1772816"/>
+              <a:ext cx="301686" cy="369332"/>
+            </a:xfrm>
+            <a:prstGeom prst="rect">
+              <a:avLst/>
+            </a:prstGeom>
+            <a:noFill/>
+          </p:spPr>
+          <p:txBody>
+            <a:bodyPr wrap="none" rtlCol="0">
+              <a:spAutoFit/>
+            </a:bodyPr>
+            <a:lstStyle/>
+            <a:p>
+              <a:r>
+                <a:rPr lang="en-US" altLang="ja-JP"/>
+                <a:t>4</a:t>
+              </a:r>
+              <a:endParaRPr kumimoji="1" lang="ja-JP" altLang="en-US"/>
+            </a:p>
+          </p:txBody>
+        </p:sp>
+      </p:grpSp>
+      <p:sp>
+        <p:nvSpPr>
+          <p:cNvPr id="118" name="テキスト ボックス 117">
+            <a:extLst>
+              <a:ext uri="{FF2B5EF4-FFF2-40B4-BE49-F238E27FC236}">
+                <a16:creationId xmlns:a16="http://schemas.microsoft.com/office/drawing/2014/main" id="{3E4A5890-F81A-B543-8287-53D887D21E9F}"/>
+              </a:ext>
+            </a:extLst>
+          </p:cNvPr>
+          <p:cNvSpPr txBox="1"/>
+          <p:nvPr/>
+        </p:nvSpPr>
+        <p:spPr>
+          <a:xfrm>
+            <a:off x="6522225" y="3543424"/>
+            <a:ext cx="550151" cy="369332"/>
+          </a:xfrm>
+          <a:prstGeom prst="rect">
+            <a:avLst/>
+          </a:prstGeom>
+          <a:noFill/>
+        </p:spPr>
+        <p:txBody>
+          <a:bodyPr wrap="none" rtlCol="0">
+            <a:spAutoFit/>
+          </a:bodyPr>
+          <a:lstStyle/>
+          <a:p>
+            <a:r>
+              <a:rPr kumimoji="1" lang="en-US" altLang="ja-JP"/>
+              <a:t>pop</a:t>
+            </a:r>
+            <a:endParaRPr kumimoji="1" lang="ja-JP" altLang="en-US"/>
+          </a:p>
+        </p:txBody>
+      </p:sp>
+      <p:sp>
+        <p:nvSpPr>
+          <p:cNvPr id="119" name="フリーフォーム 118">
+            <a:extLst>
+              <a:ext uri="{FF2B5EF4-FFF2-40B4-BE49-F238E27FC236}">
+                <a16:creationId xmlns:a16="http://schemas.microsoft.com/office/drawing/2014/main" id="{BA002D5C-4CF9-F940-A402-97EF446AF28F}"/>
+              </a:ext>
+            </a:extLst>
+          </p:cNvPr>
+          <p:cNvSpPr/>
+          <p:nvPr/>
+        </p:nvSpPr>
+        <p:spPr>
+          <a:xfrm>
+            <a:off x="6207265" y="3944104"/>
+            <a:ext cx="1138416" cy="363736"/>
+          </a:xfrm>
+          <a:custGeom>
+            <a:avLst/>
+            <a:gdLst>
+              <a:gd name="connsiteX0" fmla="*/ 0 w 568960"/>
+              <a:gd name="connsiteY0" fmla="*/ 264176 h 264176"/>
+              <a:gd name="connsiteX1" fmla="*/ 304800 w 568960"/>
+              <a:gd name="connsiteY1" fmla="*/ 16 h 264176"/>
+              <a:gd name="connsiteX2" fmla="*/ 568960 w 568960"/>
+              <a:gd name="connsiteY2" fmla="*/ 254016 h 264176"/>
+            </a:gdLst>
+            <a:ahLst/>
+            <a:cxnLst>
+              <a:cxn ang="0">
+                <a:pos x="connsiteX0" y="connsiteY0"/>
+              </a:cxn>
+              <a:cxn ang="0">
+                <a:pos x="connsiteX1" y="connsiteY1"/>
+              </a:cxn>
+              <a:cxn ang="0">
+                <a:pos x="connsiteX2" y="connsiteY2"/>
+              </a:cxn>
+            </a:cxnLst>
+            <a:rect l="l" t="t" r="r" b="b"/>
+            <a:pathLst>
+              <a:path w="568960" h="264176">
+                <a:moveTo>
+                  <a:pt x="0" y="264176"/>
+                </a:moveTo>
+                <a:cubicBezTo>
+                  <a:pt x="104986" y="132942"/>
+                  <a:pt x="209973" y="1709"/>
+                  <a:pt x="304800" y="16"/>
+                </a:cubicBezTo>
+                <a:cubicBezTo>
+                  <a:pt x="399627" y="-1677"/>
+                  <a:pt x="484293" y="126169"/>
+                  <a:pt x="568960" y="254016"/>
+                </a:cubicBezTo>
+              </a:path>
+            </a:pathLst>
+          </a:custGeom>
+          <a:noFill/>
+          <a:ln>
+            <a:solidFill>
+              <a:schemeClr val="tx1"/>
+            </a:solidFill>
+            <a:headEnd type="none" w="med" len="med"/>
+            <a:tailEnd type="triangle" w="med" len="med"/>
+          </a:ln>
+        </p:spPr>
+        <p:style>
+          <a:lnRef idx="2">
+            <a:schemeClr val="accent1">
+              <a:shade val="50000"/>
+            </a:schemeClr>
+          </a:lnRef>
+          <a:fillRef idx="1">
+            <a:schemeClr val="accent1"/>
+          </a:fillRef>
+          <a:effectRef idx="0">
+            <a:schemeClr val="accent1"/>
+          </a:effectRef>
+          <a:fontRef idx="minor">
+            <a:schemeClr val="lt1"/>
+          </a:fontRef>
+        </p:style>
+        <p:txBody>
+          <a:bodyPr rtlCol="0" anchor="ctr"/>
+          <a:lstStyle/>
+          <a:p>
+            <a:pPr algn="ctr"/>
+            <a:endParaRPr kumimoji="1" lang="ja-JP" altLang="en-US"/>
+          </a:p>
+        </p:txBody>
+      </p:sp>
     </p:spTree>
     <p:extLst>
       <p:ext uri="{BB962C8B-B14F-4D97-AF65-F5344CB8AC3E}">
         <p14:creationId xmlns:p14="http://schemas.microsoft.com/office/powerpoint/2010/main" val="2042378213"/>
+      </p:ext>
+    </p:extLst>
+  </p:cSld>
+  <p:clrMapOvr>
+    <a:masterClrMapping/>
+  </p:clrMapOvr>
+</p:sld>
+</file>
+
+<file path=ppt/slides/slide7.xml><?xml version="1.0" encoding="utf-8"?>
+<p:sld xmlns:a="http://schemas.openxmlformats.org/drawingml/2006/main" xmlns:r="http://schemas.openxmlformats.org/officeDocument/2006/relationships" xmlns:p="http://schemas.openxmlformats.org/presentationml/2006/main">
+  <p:cSld>
+    <p:spTree>
+      <p:nvGrpSpPr>
+        <p:cNvPr id="1" name=""/>
+        <p:cNvGrpSpPr/>
+        <p:nvPr/>
+      </p:nvGrpSpPr>
+      <p:grpSpPr>
+        <a:xfrm>
+          <a:off x="0" y="0"/>
+          <a:ext cx="0" cy="0"/>
+          <a:chOff x="0" y="0"/>
+          <a:chExt cx="0" cy="0"/>
+        </a:xfrm>
+      </p:grpSpPr>
+      <p:sp>
+        <p:nvSpPr>
+          <p:cNvPr id="2" name="正方形/長方形 1">
+            <a:extLst>
+              <a:ext uri="{FF2B5EF4-FFF2-40B4-BE49-F238E27FC236}">
+                <a16:creationId xmlns:a16="http://schemas.microsoft.com/office/drawing/2014/main" id="{EA25943D-24BF-074C-81D7-5D597BE0718D}"/>
+              </a:ext>
+            </a:extLst>
+          </p:cNvPr>
+          <p:cNvSpPr/>
+          <p:nvPr/>
+        </p:nvSpPr>
+        <p:spPr>
+          <a:xfrm>
+            <a:off x="5292080" y="548680"/>
+            <a:ext cx="2406428" cy="584775"/>
+          </a:xfrm>
+          <a:prstGeom prst="rect">
+            <a:avLst/>
+          </a:prstGeom>
+          <a:solidFill>
+            <a:schemeClr val="tx1"/>
+          </a:solidFill>
+        </p:spPr>
+        <p:txBody>
+          <a:bodyPr wrap="none">
+            <a:spAutoFit/>
+          </a:bodyPr>
+          <a:lstStyle/>
+          <a:p>
+            <a:pPr algn="ctr"/>
+            <a:r>
+              <a:rPr lang="en" altLang="ja-JP" sz="3200" b="0">
+                <a:solidFill>
+                  <a:srgbClr val="CE9178"/>
+                </a:solidFill>
+                <a:effectLst/>
+                <a:latin typeface="Menlo" panose="020B0609030804020204" pitchFamily="49" charset="0"/>
+              </a:rPr>
+              <a:t>a b * c +</a:t>
+            </a:r>
+            <a:endParaRPr lang="en" altLang="ja-JP" sz="3200" b="0">
+              <a:solidFill>
+                <a:srgbClr val="D4D4D4"/>
+              </a:solidFill>
+              <a:effectLst/>
+              <a:latin typeface="Menlo" panose="020B0609030804020204" pitchFamily="49" charset="0"/>
+            </a:endParaRPr>
+          </a:p>
+        </p:txBody>
+      </p:sp>
+      <p:sp>
+        <p:nvSpPr>
+          <p:cNvPr id="3" name="正方形/長方形 2">
+            <a:extLst>
+              <a:ext uri="{FF2B5EF4-FFF2-40B4-BE49-F238E27FC236}">
+                <a16:creationId xmlns:a16="http://schemas.microsoft.com/office/drawing/2014/main" id="{33FE43B7-C766-D049-867B-8D52E47AB067}"/>
+              </a:ext>
+            </a:extLst>
+          </p:cNvPr>
+          <p:cNvSpPr/>
+          <p:nvPr/>
+        </p:nvSpPr>
+        <p:spPr>
+          <a:xfrm>
+            <a:off x="1763688" y="548680"/>
+            <a:ext cx="2406428" cy="584775"/>
+          </a:xfrm>
+          <a:prstGeom prst="rect">
+            <a:avLst/>
+          </a:prstGeom>
+          <a:solidFill>
+            <a:schemeClr val="tx1"/>
+          </a:solidFill>
+        </p:spPr>
+        <p:txBody>
+          <a:bodyPr wrap="none">
+            <a:spAutoFit/>
+          </a:bodyPr>
+          <a:lstStyle/>
+          <a:p>
+            <a:pPr algn="ctr"/>
+            <a:r>
+              <a:rPr lang="en" altLang="ja-JP" sz="3200" b="0">
+                <a:solidFill>
+                  <a:srgbClr val="CE9178"/>
+                </a:solidFill>
+                <a:effectLst/>
+                <a:latin typeface="Menlo" panose="020B0609030804020204" pitchFamily="49" charset="0"/>
+              </a:rPr>
+              <a:t>a * b + c</a:t>
+            </a:r>
+            <a:endParaRPr lang="en" altLang="ja-JP" sz="3200" b="0">
+              <a:solidFill>
+                <a:srgbClr val="D4D4D4"/>
+              </a:solidFill>
+              <a:effectLst/>
+              <a:latin typeface="Menlo" panose="020B0609030804020204" pitchFamily="49" charset="0"/>
+            </a:endParaRPr>
+          </a:p>
+        </p:txBody>
+      </p:sp>
+      <p:sp>
+        <p:nvSpPr>
+          <p:cNvPr id="4" name="テキスト ボックス 3">
+            <a:extLst>
+              <a:ext uri="{FF2B5EF4-FFF2-40B4-BE49-F238E27FC236}">
+                <a16:creationId xmlns:a16="http://schemas.microsoft.com/office/drawing/2014/main" id="{6592541B-6A7D-0841-B419-3C394ED8DD42}"/>
+              </a:ext>
+            </a:extLst>
+          </p:cNvPr>
+          <p:cNvSpPr txBox="1"/>
+          <p:nvPr/>
+        </p:nvSpPr>
+        <p:spPr>
+          <a:xfrm>
+            <a:off x="2411760" y="116632"/>
+            <a:ext cx="1107996" cy="369332"/>
+          </a:xfrm>
+          <a:prstGeom prst="rect">
+            <a:avLst/>
+          </a:prstGeom>
+          <a:noFill/>
+        </p:spPr>
+        <p:txBody>
+          <a:bodyPr wrap="none" rtlCol="0">
+            <a:spAutoFit/>
+          </a:bodyPr>
+          <a:lstStyle/>
+          <a:p>
+            <a:pPr algn="ctr"/>
+            <a:r>
+              <a:rPr kumimoji="1" lang="ja-JP" altLang="en-US"/>
+              <a:t>中置記法</a:t>
+            </a:r>
+          </a:p>
+        </p:txBody>
+      </p:sp>
+      <p:sp>
+        <p:nvSpPr>
+          <p:cNvPr id="5" name="テキスト ボックス 4">
+            <a:extLst>
+              <a:ext uri="{FF2B5EF4-FFF2-40B4-BE49-F238E27FC236}">
+                <a16:creationId xmlns:a16="http://schemas.microsoft.com/office/drawing/2014/main" id="{D7647127-6996-074B-8B80-14800D58553D}"/>
+              </a:ext>
+            </a:extLst>
+          </p:cNvPr>
+          <p:cNvSpPr txBox="1"/>
+          <p:nvPr/>
+        </p:nvSpPr>
+        <p:spPr>
+          <a:xfrm>
+            <a:off x="5436096" y="116632"/>
+            <a:ext cx="2031325" cy="369332"/>
+          </a:xfrm>
+          <a:prstGeom prst="rect">
+            <a:avLst/>
+          </a:prstGeom>
+          <a:noFill/>
+        </p:spPr>
+        <p:txBody>
+          <a:bodyPr wrap="none" rtlCol="0">
+            <a:spAutoFit/>
+          </a:bodyPr>
+          <a:lstStyle/>
+          <a:p>
+            <a:pPr algn="ctr"/>
+            <a:r>
+              <a:rPr kumimoji="1" lang="ja-JP" altLang="en-US"/>
+              <a:t>逆ポーランド記法</a:t>
+            </a:r>
+          </a:p>
+        </p:txBody>
+      </p:sp>
+      <p:sp>
+        <p:nvSpPr>
+          <p:cNvPr id="6" name="下矢印 5">
+            <a:extLst>
+              <a:ext uri="{FF2B5EF4-FFF2-40B4-BE49-F238E27FC236}">
+                <a16:creationId xmlns:a16="http://schemas.microsoft.com/office/drawing/2014/main" id="{4E5A14CA-125C-4D49-8CEB-25859DF5E2F3}"/>
+              </a:ext>
+            </a:extLst>
+          </p:cNvPr>
+          <p:cNvSpPr/>
+          <p:nvPr/>
+        </p:nvSpPr>
+        <p:spPr>
+          <a:xfrm rot="16200000">
+            <a:off x="4530385" y="662304"/>
+            <a:ext cx="330131" cy="390914"/>
+          </a:xfrm>
+          <a:prstGeom prst="downArrow">
+            <a:avLst/>
+          </a:prstGeom>
+          <a:solidFill>
+            <a:srgbClr val="FF0000"/>
+          </a:solidFill>
+          <a:ln>
+            <a:solidFill>
+              <a:schemeClr val="tx1"/>
+            </a:solidFill>
+          </a:ln>
+        </p:spPr>
+        <p:style>
+          <a:lnRef idx="2">
+            <a:schemeClr val="accent1">
+              <a:shade val="50000"/>
+            </a:schemeClr>
+          </a:lnRef>
+          <a:fillRef idx="1">
+            <a:schemeClr val="accent1"/>
+          </a:fillRef>
+          <a:effectRef idx="0">
+            <a:schemeClr val="accent1"/>
+          </a:effectRef>
+          <a:fontRef idx="minor">
+            <a:schemeClr val="lt1"/>
+          </a:fontRef>
+        </p:style>
+        <p:txBody>
+          <a:bodyPr rot="0" spcFirstLastPara="0" vertOverflow="overflow" horzOverflow="overflow" vert="horz" wrap="square" lIns="91440" tIns="45720" rIns="91440" bIns="45720" numCol="1" spcCol="0" rtlCol="0" fromWordArt="0" anchor="ctr" anchorCtr="0" forceAA="0" compatLnSpc="1">
+            <a:prstTxWarp prst="textNoShape">
+              <a:avLst/>
+            </a:prstTxWarp>
+            <a:noAutofit/>
+          </a:bodyPr>
+          <a:lstStyle/>
+          <a:p>
+            <a:pPr algn="ctr"/>
+            <a:endParaRPr kumimoji="1" lang="ja-JP" altLang="en-US"/>
+          </a:p>
+        </p:txBody>
+      </p:sp>
+      <p:sp>
+        <p:nvSpPr>
+          <p:cNvPr id="7" name="平行四辺形 6">
+            <a:extLst>
+              <a:ext uri="{FF2B5EF4-FFF2-40B4-BE49-F238E27FC236}">
+                <a16:creationId xmlns:a16="http://schemas.microsoft.com/office/drawing/2014/main" id="{2B41D401-B276-FD47-8339-3BC7B4B3D640}"/>
+              </a:ext>
+            </a:extLst>
+          </p:cNvPr>
+          <p:cNvSpPr/>
+          <p:nvPr/>
+        </p:nvSpPr>
+        <p:spPr>
+          <a:xfrm rot="221800">
+            <a:off x="6930108" y="3406705"/>
+            <a:ext cx="1549317" cy="222713"/>
+          </a:xfrm>
+          <a:prstGeom prst="parallelogram">
+            <a:avLst>
+              <a:gd name="adj" fmla="val 139345"/>
+            </a:avLst>
+          </a:prstGeom>
+          <a:solidFill>
+            <a:srgbClr val="FFC000"/>
+          </a:solidFill>
+          <a:ln>
+            <a:solidFill>
+              <a:schemeClr val="tx1"/>
+            </a:solidFill>
+          </a:ln>
+        </p:spPr>
+        <p:style>
+          <a:lnRef idx="2">
+            <a:schemeClr val="accent1">
+              <a:shade val="50000"/>
+            </a:schemeClr>
+          </a:lnRef>
+          <a:fillRef idx="1">
+            <a:schemeClr val="accent1"/>
+          </a:fillRef>
+          <a:effectRef idx="0">
+            <a:schemeClr val="accent1"/>
+          </a:effectRef>
+          <a:fontRef idx="minor">
+            <a:schemeClr val="lt1"/>
+          </a:fontRef>
+        </p:style>
+        <p:txBody>
+          <a:bodyPr rtlCol="0" anchor="ctr"/>
+          <a:lstStyle/>
+          <a:p>
+            <a:pPr algn="ctr"/>
+            <a:endParaRPr kumimoji="1" lang="ja-JP" altLang="en-US"/>
+          </a:p>
+        </p:txBody>
+      </p:sp>
+      <p:grpSp>
+        <p:nvGrpSpPr>
+          <p:cNvPr id="8" name="グループ化 7">
+            <a:extLst>
+              <a:ext uri="{FF2B5EF4-FFF2-40B4-BE49-F238E27FC236}">
+                <a16:creationId xmlns:a16="http://schemas.microsoft.com/office/drawing/2014/main" id="{073AAC02-F5FB-194B-9710-9E2022A8E30D}"/>
+              </a:ext>
+            </a:extLst>
+          </p:cNvPr>
+          <p:cNvGrpSpPr/>
+          <p:nvPr/>
+        </p:nvGrpSpPr>
+        <p:grpSpPr>
+          <a:xfrm>
+            <a:off x="371812" y="2708920"/>
+            <a:ext cx="643508" cy="643508"/>
+            <a:chOff x="1115616" y="1556792"/>
+            <a:chExt cx="643508" cy="643508"/>
+          </a:xfrm>
+        </p:grpSpPr>
+        <p:pic>
+          <p:nvPicPr>
+            <p:cNvPr id="9" name="図 8">
+              <a:extLst>
+                <a:ext uri="{FF2B5EF4-FFF2-40B4-BE49-F238E27FC236}">
+                  <a16:creationId xmlns:a16="http://schemas.microsoft.com/office/drawing/2014/main" id="{BC5826E4-2EE9-8344-80E5-71E3C7780028}"/>
+                </a:ext>
+              </a:extLst>
+            </p:cNvPr>
+            <p:cNvPicPr>
+              <a:picLocks noChangeAspect="1"/>
+            </p:cNvPicPr>
+            <p:nvPr/>
+          </p:nvPicPr>
+          <p:blipFill>
+            <a:blip r:embed="rId2"/>
+            <a:stretch>
+              <a:fillRect/>
+            </a:stretch>
+          </p:blipFill>
+          <p:spPr>
+            <a:xfrm>
+              <a:off x="1115616" y="1556792"/>
+              <a:ext cx="643508" cy="643508"/>
+            </a:xfrm>
+            <a:prstGeom prst="rect">
+              <a:avLst/>
+            </a:prstGeom>
+          </p:spPr>
+        </p:pic>
+        <p:sp>
+          <p:nvSpPr>
+            <p:cNvPr id="10" name="テキスト ボックス 9">
+              <a:extLst>
+                <a:ext uri="{FF2B5EF4-FFF2-40B4-BE49-F238E27FC236}">
+                  <a16:creationId xmlns:a16="http://schemas.microsoft.com/office/drawing/2014/main" id="{4C1A3AE2-B8A6-784B-910A-FF588B058177}"/>
+                </a:ext>
+              </a:extLst>
+            </p:cNvPr>
+            <p:cNvSpPr txBox="1"/>
+            <p:nvPr/>
+          </p:nvSpPr>
+          <p:spPr>
+            <a:xfrm>
+              <a:off x="1187624" y="1772816"/>
+              <a:ext cx="295274" cy="369332"/>
+            </a:xfrm>
+            <a:prstGeom prst="rect">
+              <a:avLst/>
+            </a:prstGeom>
+            <a:noFill/>
+          </p:spPr>
+          <p:txBody>
+            <a:bodyPr wrap="none" rtlCol="0">
+              <a:spAutoFit/>
+            </a:bodyPr>
+            <a:lstStyle/>
+            <a:p>
+              <a:r>
+                <a:rPr kumimoji="1" lang="en-US" altLang="ja-JP"/>
+                <a:t>a</a:t>
+              </a:r>
+              <a:endParaRPr kumimoji="1" lang="ja-JP" altLang="en-US"/>
+            </a:p>
+          </p:txBody>
+        </p:sp>
+      </p:grpSp>
+      <p:sp>
+        <p:nvSpPr>
+          <p:cNvPr id="11" name="円弧 10">
+            <a:extLst>
+              <a:ext uri="{FF2B5EF4-FFF2-40B4-BE49-F238E27FC236}">
+                <a16:creationId xmlns:a16="http://schemas.microsoft.com/office/drawing/2014/main" id="{E72F9327-E4FC-4745-BA08-203D9243E616}"/>
+              </a:ext>
+            </a:extLst>
+          </p:cNvPr>
+          <p:cNvSpPr/>
+          <p:nvPr/>
+        </p:nvSpPr>
+        <p:spPr>
+          <a:xfrm>
+            <a:off x="371812" y="3068960"/>
+            <a:ext cx="1080120" cy="648072"/>
+          </a:xfrm>
+          <a:prstGeom prst="arc">
+            <a:avLst>
+              <a:gd name="adj1" fmla="val 16200000"/>
+              <a:gd name="adj2" fmla="val 53800"/>
+            </a:avLst>
+          </a:prstGeom>
+          <a:ln w="12700">
+            <a:solidFill>
+              <a:schemeClr val="tx1"/>
+            </a:solidFill>
+            <a:headEnd type="none" w="med" len="med"/>
+            <a:tailEnd type="triangle" w="med" len="med"/>
+          </a:ln>
+        </p:spPr>
+        <p:style>
+          <a:lnRef idx="1">
+            <a:schemeClr val="accent1"/>
+          </a:lnRef>
+          <a:fillRef idx="0">
+            <a:schemeClr val="accent1"/>
+          </a:fillRef>
+          <a:effectRef idx="0">
+            <a:schemeClr val="accent1"/>
+          </a:effectRef>
+          <a:fontRef idx="minor">
+            <a:schemeClr val="tx1"/>
+          </a:fontRef>
+        </p:style>
+        <p:txBody>
+          <a:bodyPr rtlCol="0" anchor="ctr"/>
+          <a:lstStyle/>
+          <a:p>
+            <a:pPr algn="ctr"/>
+            <a:endParaRPr kumimoji="1" lang="ja-JP" altLang="en-US"/>
+          </a:p>
+        </p:txBody>
+      </p:sp>
+      <p:sp>
+        <p:nvSpPr>
+          <p:cNvPr id="12" name="テキスト ボックス 11">
+            <a:extLst>
+              <a:ext uri="{FF2B5EF4-FFF2-40B4-BE49-F238E27FC236}">
+                <a16:creationId xmlns:a16="http://schemas.microsoft.com/office/drawing/2014/main" id="{1B9E43CC-BA61-1E4F-B9F9-6CD84FBCC592}"/>
+              </a:ext>
+            </a:extLst>
+          </p:cNvPr>
+          <p:cNvSpPr txBox="1"/>
+          <p:nvPr/>
+        </p:nvSpPr>
+        <p:spPr>
+          <a:xfrm>
+            <a:off x="1019884" y="2636912"/>
+            <a:ext cx="639919" cy="369332"/>
+          </a:xfrm>
+          <a:prstGeom prst="rect">
+            <a:avLst/>
+          </a:prstGeom>
+          <a:noFill/>
+        </p:spPr>
+        <p:txBody>
+          <a:bodyPr wrap="none" rtlCol="0">
+            <a:spAutoFit/>
+          </a:bodyPr>
+          <a:lstStyle/>
+          <a:p>
+            <a:r>
+              <a:rPr kumimoji="1" lang="en-US" altLang="ja-JP"/>
+              <a:t>push</a:t>
+            </a:r>
+            <a:endParaRPr kumimoji="1" lang="ja-JP" altLang="en-US"/>
+          </a:p>
+        </p:txBody>
+      </p:sp>
+      <p:sp>
+        <p:nvSpPr>
+          <p:cNvPr id="13" name="平行四辺形 12">
+            <a:extLst>
+              <a:ext uri="{FF2B5EF4-FFF2-40B4-BE49-F238E27FC236}">
+                <a16:creationId xmlns:a16="http://schemas.microsoft.com/office/drawing/2014/main" id="{B2A4231C-C50D-654B-93BA-9E5A38C804AF}"/>
+              </a:ext>
+            </a:extLst>
+          </p:cNvPr>
+          <p:cNvSpPr/>
+          <p:nvPr/>
+        </p:nvSpPr>
+        <p:spPr>
+          <a:xfrm rot="221800">
+            <a:off x="954008" y="3458553"/>
+            <a:ext cx="923836" cy="220087"/>
+          </a:xfrm>
+          <a:prstGeom prst="parallelogram">
+            <a:avLst>
+              <a:gd name="adj" fmla="val 139345"/>
+            </a:avLst>
+          </a:prstGeom>
+          <a:solidFill>
+            <a:schemeClr val="tx1">
+              <a:lumMod val="50000"/>
+              <a:lumOff val="50000"/>
+            </a:schemeClr>
+          </a:solidFill>
+          <a:ln>
+            <a:solidFill>
+              <a:schemeClr val="tx1"/>
+            </a:solidFill>
+          </a:ln>
+        </p:spPr>
+        <p:style>
+          <a:lnRef idx="2">
+            <a:schemeClr val="accent1">
+              <a:shade val="50000"/>
+            </a:schemeClr>
+          </a:lnRef>
+          <a:fillRef idx="1">
+            <a:schemeClr val="accent1"/>
+          </a:fillRef>
+          <a:effectRef idx="0">
+            <a:schemeClr val="accent1"/>
+          </a:effectRef>
+          <a:fontRef idx="minor">
+            <a:schemeClr val="lt1"/>
+          </a:fontRef>
+        </p:style>
+        <p:txBody>
+          <a:bodyPr rtlCol="0" anchor="ctr"/>
+          <a:lstStyle/>
+          <a:p>
+            <a:pPr algn="ctr"/>
+            <a:endParaRPr kumimoji="1" lang="ja-JP" altLang="en-US"/>
+          </a:p>
+        </p:txBody>
+      </p:sp>
+      <p:grpSp>
+        <p:nvGrpSpPr>
+          <p:cNvPr id="14" name="グループ化 13">
+            <a:extLst>
+              <a:ext uri="{FF2B5EF4-FFF2-40B4-BE49-F238E27FC236}">
+                <a16:creationId xmlns:a16="http://schemas.microsoft.com/office/drawing/2014/main" id="{E15E5DFF-C78D-8C41-A33F-65ED440842F2}"/>
+              </a:ext>
+            </a:extLst>
+          </p:cNvPr>
+          <p:cNvGrpSpPr/>
+          <p:nvPr/>
+        </p:nvGrpSpPr>
+        <p:grpSpPr>
+          <a:xfrm>
+            <a:off x="2172012" y="2420888"/>
+            <a:ext cx="643508" cy="643508"/>
+            <a:chOff x="1115616" y="1556792"/>
+            <a:chExt cx="643508" cy="643508"/>
+          </a:xfrm>
+        </p:grpSpPr>
+        <p:pic>
+          <p:nvPicPr>
+            <p:cNvPr id="15" name="図 14">
+              <a:extLst>
+                <a:ext uri="{FF2B5EF4-FFF2-40B4-BE49-F238E27FC236}">
+                  <a16:creationId xmlns:a16="http://schemas.microsoft.com/office/drawing/2014/main" id="{EC9BC17D-BA70-ED49-AE4F-B69F89D8C505}"/>
+                </a:ext>
+              </a:extLst>
+            </p:cNvPr>
+            <p:cNvPicPr>
+              <a:picLocks noChangeAspect="1"/>
+            </p:cNvPicPr>
+            <p:nvPr/>
+          </p:nvPicPr>
+          <p:blipFill>
+            <a:blip r:embed="rId2"/>
+            <a:stretch>
+              <a:fillRect/>
+            </a:stretch>
+          </p:blipFill>
+          <p:spPr>
+            <a:xfrm>
+              <a:off x="1115616" y="1556792"/>
+              <a:ext cx="643508" cy="643508"/>
+            </a:xfrm>
+            <a:prstGeom prst="rect">
+              <a:avLst/>
+            </a:prstGeom>
+          </p:spPr>
+        </p:pic>
+        <p:sp>
+          <p:nvSpPr>
+            <p:cNvPr id="16" name="テキスト ボックス 15">
+              <a:extLst>
+                <a:ext uri="{FF2B5EF4-FFF2-40B4-BE49-F238E27FC236}">
+                  <a16:creationId xmlns:a16="http://schemas.microsoft.com/office/drawing/2014/main" id="{639C2505-8741-B94B-9992-9BFBB5EC75B8}"/>
+                </a:ext>
+              </a:extLst>
+            </p:cNvPr>
+            <p:cNvSpPr txBox="1"/>
+            <p:nvPr/>
+          </p:nvSpPr>
+          <p:spPr>
+            <a:xfrm>
+              <a:off x="1187624" y="1772816"/>
+              <a:ext cx="306494" cy="369332"/>
+            </a:xfrm>
+            <a:prstGeom prst="rect">
+              <a:avLst/>
+            </a:prstGeom>
+            <a:noFill/>
+          </p:spPr>
+          <p:txBody>
+            <a:bodyPr wrap="none" rtlCol="0">
+              <a:spAutoFit/>
+            </a:bodyPr>
+            <a:lstStyle/>
+            <a:p>
+              <a:r>
+                <a:rPr kumimoji="1" lang="en-US" altLang="ja-JP"/>
+                <a:t>b</a:t>
+              </a:r>
+              <a:endParaRPr kumimoji="1" lang="ja-JP" altLang="en-US"/>
+            </a:p>
+          </p:txBody>
+        </p:sp>
+      </p:grpSp>
+      <p:sp>
+        <p:nvSpPr>
+          <p:cNvPr id="17" name="円弧 16">
+            <a:extLst>
+              <a:ext uri="{FF2B5EF4-FFF2-40B4-BE49-F238E27FC236}">
+                <a16:creationId xmlns:a16="http://schemas.microsoft.com/office/drawing/2014/main" id="{286A0016-355A-5544-BF4A-07FC725E8F33}"/>
+              </a:ext>
+            </a:extLst>
+          </p:cNvPr>
+          <p:cNvSpPr/>
+          <p:nvPr/>
+        </p:nvSpPr>
+        <p:spPr>
+          <a:xfrm>
+            <a:off x="2172012" y="2780928"/>
+            <a:ext cx="1080120" cy="648072"/>
+          </a:xfrm>
+          <a:prstGeom prst="arc">
+            <a:avLst>
+              <a:gd name="adj1" fmla="val 16200000"/>
+              <a:gd name="adj2" fmla="val 53800"/>
+            </a:avLst>
+          </a:prstGeom>
+          <a:ln w="12700">
+            <a:solidFill>
+              <a:schemeClr val="tx1"/>
+            </a:solidFill>
+            <a:headEnd type="none" w="med" len="med"/>
+            <a:tailEnd type="triangle" w="med" len="med"/>
+          </a:ln>
+        </p:spPr>
+        <p:style>
+          <a:lnRef idx="1">
+            <a:schemeClr val="accent1"/>
+          </a:lnRef>
+          <a:fillRef idx="0">
+            <a:schemeClr val="accent1"/>
+          </a:fillRef>
+          <a:effectRef idx="0">
+            <a:schemeClr val="accent1"/>
+          </a:effectRef>
+          <a:fontRef idx="minor">
+            <a:schemeClr val="tx1"/>
+          </a:fontRef>
+        </p:style>
+        <p:txBody>
+          <a:bodyPr rtlCol="0" anchor="ctr"/>
+          <a:lstStyle/>
+          <a:p>
+            <a:pPr algn="ctr"/>
+            <a:endParaRPr kumimoji="1" lang="ja-JP" altLang="en-US"/>
+          </a:p>
+        </p:txBody>
+      </p:sp>
+      <p:sp>
+        <p:nvSpPr>
+          <p:cNvPr id="18" name="テキスト ボックス 17">
+            <a:extLst>
+              <a:ext uri="{FF2B5EF4-FFF2-40B4-BE49-F238E27FC236}">
+                <a16:creationId xmlns:a16="http://schemas.microsoft.com/office/drawing/2014/main" id="{1E367E60-8E08-344A-BB24-04775AB8B8E6}"/>
+              </a:ext>
+            </a:extLst>
+          </p:cNvPr>
+          <p:cNvSpPr txBox="1"/>
+          <p:nvPr/>
+        </p:nvSpPr>
+        <p:spPr>
+          <a:xfrm>
+            <a:off x="2820084" y="2204864"/>
+            <a:ext cx="639919" cy="369332"/>
+          </a:xfrm>
+          <a:prstGeom prst="rect">
+            <a:avLst/>
+          </a:prstGeom>
+          <a:noFill/>
+        </p:spPr>
+        <p:txBody>
+          <a:bodyPr wrap="none" rtlCol="0">
+            <a:spAutoFit/>
+          </a:bodyPr>
+          <a:lstStyle/>
+          <a:p>
+            <a:r>
+              <a:rPr kumimoji="1" lang="en-US" altLang="ja-JP"/>
+              <a:t>push</a:t>
+            </a:r>
+            <a:endParaRPr kumimoji="1" lang="ja-JP" altLang="en-US"/>
+          </a:p>
+        </p:txBody>
+      </p:sp>
+      <p:sp>
+        <p:nvSpPr>
+          <p:cNvPr id="19" name="平行四辺形 18">
+            <a:extLst>
+              <a:ext uri="{FF2B5EF4-FFF2-40B4-BE49-F238E27FC236}">
+                <a16:creationId xmlns:a16="http://schemas.microsoft.com/office/drawing/2014/main" id="{900661AE-3FBD-334B-AD66-E56BC50FCA37}"/>
+              </a:ext>
+            </a:extLst>
+          </p:cNvPr>
+          <p:cNvSpPr/>
+          <p:nvPr/>
+        </p:nvSpPr>
+        <p:spPr>
+          <a:xfrm rot="221800">
+            <a:off x="2826217" y="3458553"/>
+            <a:ext cx="923836" cy="220087"/>
+          </a:xfrm>
+          <a:prstGeom prst="parallelogram">
+            <a:avLst>
+              <a:gd name="adj" fmla="val 139345"/>
+            </a:avLst>
+          </a:prstGeom>
+          <a:solidFill>
+            <a:schemeClr val="tx1">
+              <a:lumMod val="50000"/>
+              <a:lumOff val="50000"/>
+            </a:schemeClr>
+          </a:solidFill>
+          <a:ln>
+            <a:solidFill>
+              <a:schemeClr val="tx1"/>
+            </a:solidFill>
+          </a:ln>
+        </p:spPr>
+        <p:style>
+          <a:lnRef idx="2">
+            <a:schemeClr val="accent1">
+              <a:shade val="50000"/>
+            </a:schemeClr>
+          </a:lnRef>
+          <a:fillRef idx="1">
+            <a:schemeClr val="accent1"/>
+          </a:fillRef>
+          <a:effectRef idx="0">
+            <a:schemeClr val="accent1"/>
+          </a:effectRef>
+          <a:fontRef idx="minor">
+            <a:schemeClr val="lt1"/>
+          </a:fontRef>
+        </p:style>
+        <p:txBody>
+          <a:bodyPr rtlCol="0" anchor="ctr"/>
+          <a:lstStyle/>
+          <a:p>
+            <a:pPr algn="ctr"/>
+            <a:endParaRPr kumimoji="1" lang="ja-JP" altLang="en-US"/>
+          </a:p>
+        </p:txBody>
+      </p:sp>
+      <p:grpSp>
+        <p:nvGrpSpPr>
+          <p:cNvPr id="20" name="グループ化 19">
+            <a:extLst>
+              <a:ext uri="{FF2B5EF4-FFF2-40B4-BE49-F238E27FC236}">
+                <a16:creationId xmlns:a16="http://schemas.microsoft.com/office/drawing/2014/main" id="{3A613DA3-935D-584E-BDF9-6D001616843D}"/>
+              </a:ext>
+            </a:extLst>
+          </p:cNvPr>
+          <p:cNvGrpSpPr/>
+          <p:nvPr/>
+        </p:nvGrpSpPr>
+        <p:grpSpPr>
+          <a:xfrm>
+            <a:off x="2964100" y="3068960"/>
+            <a:ext cx="643508" cy="643508"/>
+            <a:chOff x="1115616" y="1556792"/>
+            <a:chExt cx="643508" cy="643508"/>
+          </a:xfrm>
+        </p:grpSpPr>
+        <p:pic>
+          <p:nvPicPr>
+            <p:cNvPr id="21" name="図 20">
+              <a:extLst>
+                <a:ext uri="{FF2B5EF4-FFF2-40B4-BE49-F238E27FC236}">
+                  <a16:creationId xmlns:a16="http://schemas.microsoft.com/office/drawing/2014/main" id="{13B64115-B1A1-BC43-BFD0-DD7CC4D298E7}"/>
+                </a:ext>
+              </a:extLst>
+            </p:cNvPr>
+            <p:cNvPicPr>
+              <a:picLocks noChangeAspect="1"/>
+            </p:cNvPicPr>
+            <p:nvPr/>
+          </p:nvPicPr>
+          <p:blipFill>
+            <a:blip r:embed="rId2"/>
+            <a:stretch>
+              <a:fillRect/>
+            </a:stretch>
+          </p:blipFill>
+          <p:spPr>
+            <a:xfrm>
+              <a:off x="1115616" y="1556792"/>
+              <a:ext cx="643508" cy="643508"/>
+            </a:xfrm>
+            <a:prstGeom prst="rect">
+              <a:avLst/>
+            </a:prstGeom>
+          </p:spPr>
+        </p:pic>
+        <p:sp>
+          <p:nvSpPr>
+            <p:cNvPr id="22" name="テキスト ボックス 21">
+              <a:extLst>
+                <a:ext uri="{FF2B5EF4-FFF2-40B4-BE49-F238E27FC236}">
+                  <a16:creationId xmlns:a16="http://schemas.microsoft.com/office/drawing/2014/main" id="{3ABAF259-7DA3-8942-97DA-58EDE3C0A04B}"/>
+                </a:ext>
+              </a:extLst>
+            </p:cNvPr>
+            <p:cNvSpPr txBox="1"/>
+            <p:nvPr/>
+          </p:nvSpPr>
+          <p:spPr>
+            <a:xfrm>
+              <a:off x="1187624" y="1772816"/>
+              <a:ext cx="306494" cy="369332"/>
+            </a:xfrm>
+            <a:prstGeom prst="rect">
+              <a:avLst/>
+            </a:prstGeom>
+            <a:noFill/>
+          </p:spPr>
+          <p:txBody>
+            <a:bodyPr wrap="none" rtlCol="0">
+              <a:spAutoFit/>
+            </a:bodyPr>
+            <a:lstStyle/>
+            <a:p>
+              <a:r>
+                <a:rPr lang="en-US" altLang="ja-JP"/>
+                <a:t>a</a:t>
+              </a:r>
+              <a:endParaRPr kumimoji="1" lang="ja-JP" altLang="en-US"/>
+            </a:p>
+          </p:txBody>
+        </p:sp>
+      </p:grpSp>
+      <p:grpSp>
+        <p:nvGrpSpPr>
+          <p:cNvPr id="23" name="グループ化 22">
+            <a:extLst>
+              <a:ext uri="{FF2B5EF4-FFF2-40B4-BE49-F238E27FC236}">
+                <a16:creationId xmlns:a16="http://schemas.microsoft.com/office/drawing/2014/main" id="{1BB02689-2813-A643-BA51-A186CB04A570}"/>
+              </a:ext>
+            </a:extLst>
+          </p:cNvPr>
+          <p:cNvGrpSpPr/>
+          <p:nvPr/>
+        </p:nvGrpSpPr>
+        <p:grpSpPr>
+          <a:xfrm>
+            <a:off x="7716629" y="2996950"/>
+            <a:ext cx="643508" cy="643508"/>
+            <a:chOff x="1115616" y="1556792"/>
+            <a:chExt cx="643508" cy="643508"/>
+          </a:xfrm>
+        </p:grpSpPr>
+        <p:pic>
+          <p:nvPicPr>
+            <p:cNvPr id="24" name="図 23">
+              <a:extLst>
+                <a:ext uri="{FF2B5EF4-FFF2-40B4-BE49-F238E27FC236}">
+                  <a16:creationId xmlns:a16="http://schemas.microsoft.com/office/drawing/2014/main" id="{B0A3CB36-9C31-814D-83C8-4753D309DD27}"/>
+                </a:ext>
+              </a:extLst>
+            </p:cNvPr>
+            <p:cNvPicPr>
+              <a:picLocks noChangeAspect="1"/>
+            </p:cNvPicPr>
+            <p:nvPr/>
+          </p:nvPicPr>
+          <p:blipFill>
+            <a:blip r:embed="rId2"/>
+            <a:stretch>
+              <a:fillRect/>
+            </a:stretch>
+          </p:blipFill>
+          <p:spPr>
+            <a:xfrm>
+              <a:off x="1115616" y="1556792"/>
+              <a:ext cx="643508" cy="643508"/>
+            </a:xfrm>
+            <a:prstGeom prst="rect">
+              <a:avLst/>
+            </a:prstGeom>
+          </p:spPr>
+        </p:pic>
+        <p:sp>
+          <p:nvSpPr>
+            <p:cNvPr id="25" name="テキスト ボックス 24">
+              <a:extLst>
+                <a:ext uri="{FF2B5EF4-FFF2-40B4-BE49-F238E27FC236}">
+                  <a16:creationId xmlns:a16="http://schemas.microsoft.com/office/drawing/2014/main" id="{16AC3E35-4160-0049-8236-262A1C47AB3C}"/>
+                </a:ext>
+              </a:extLst>
+            </p:cNvPr>
+            <p:cNvSpPr txBox="1"/>
+            <p:nvPr/>
+          </p:nvSpPr>
+          <p:spPr>
+            <a:xfrm>
+              <a:off x="1187624" y="1772816"/>
+              <a:ext cx="306494" cy="369332"/>
+            </a:xfrm>
+            <a:prstGeom prst="rect">
+              <a:avLst/>
+            </a:prstGeom>
+            <a:noFill/>
+          </p:spPr>
+          <p:txBody>
+            <a:bodyPr wrap="none" rtlCol="0">
+              <a:spAutoFit/>
+            </a:bodyPr>
+            <a:lstStyle/>
+            <a:p>
+              <a:r>
+                <a:rPr kumimoji="1" lang="en-US" altLang="ja-JP"/>
+                <a:t>a</a:t>
+              </a:r>
+              <a:endParaRPr kumimoji="1" lang="ja-JP" altLang="en-US"/>
+            </a:p>
+          </p:txBody>
+        </p:sp>
+      </p:grpSp>
+      <p:sp>
+        <p:nvSpPr>
+          <p:cNvPr id="26" name="平行四辺形 25">
+            <a:extLst>
+              <a:ext uri="{FF2B5EF4-FFF2-40B4-BE49-F238E27FC236}">
+                <a16:creationId xmlns:a16="http://schemas.microsoft.com/office/drawing/2014/main" id="{43A62703-81F4-944B-BF03-34B1D9B916D6}"/>
+              </a:ext>
+            </a:extLst>
+          </p:cNvPr>
+          <p:cNvSpPr/>
+          <p:nvPr/>
+        </p:nvSpPr>
+        <p:spPr>
+          <a:xfrm rot="221800">
+            <a:off x="5682814" y="3386543"/>
+            <a:ext cx="923836" cy="220087"/>
+          </a:xfrm>
+          <a:prstGeom prst="parallelogram">
+            <a:avLst>
+              <a:gd name="adj" fmla="val 139345"/>
+            </a:avLst>
+          </a:prstGeom>
+          <a:solidFill>
+            <a:schemeClr val="tx1">
+              <a:lumMod val="50000"/>
+              <a:lumOff val="50000"/>
+            </a:schemeClr>
+          </a:solidFill>
+          <a:ln>
+            <a:solidFill>
+              <a:schemeClr val="tx1"/>
+            </a:solidFill>
+          </a:ln>
+        </p:spPr>
+        <p:style>
+          <a:lnRef idx="2">
+            <a:schemeClr val="accent1">
+              <a:shade val="50000"/>
+            </a:schemeClr>
+          </a:lnRef>
+          <a:fillRef idx="1">
+            <a:schemeClr val="accent1"/>
+          </a:fillRef>
+          <a:effectRef idx="0">
+            <a:schemeClr val="accent1"/>
+          </a:effectRef>
+          <a:fontRef idx="minor">
+            <a:schemeClr val="lt1"/>
+          </a:fontRef>
+        </p:style>
+        <p:txBody>
+          <a:bodyPr rtlCol="0" anchor="ctr"/>
+          <a:lstStyle/>
+          <a:p>
+            <a:pPr algn="ctr"/>
+            <a:endParaRPr kumimoji="1" lang="ja-JP" altLang="en-US"/>
+          </a:p>
+        </p:txBody>
+      </p:sp>
+      <p:grpSp>
+        <p:nvGrpSpPr>
+          <p:cNvPr id="27" name="グループ化 26">
+            <a:extLst>
+              <a:ext uri="{FF2B5EF4-FFF2-40B4-BE49-F238E27FC236}">
+                <a16:creationId xmlns:a16="http://schemas.microsoft.com/office/drawing/2014/main" id="{7B129329-120B-C34C-B4B2-151C9718D2DC}"/>
+              </a:ext>
+            </a:extLst>
+          </p:cNvPr>
+          <p:cNvGrpSpPr/>
+          <p:nvPr/>
+        </p:nvGrpSpPr>
+        <p:grpSpPr>
+          <a:xfrm>
+            <a:off x="7068557" y="2996950"/>
+            <a:ext cx="643508" cy="643508"/>
+            <a:chOff x="1115616" y="1556792"/>
+            <a:chExt cx="643508" cy="643508"/>
+          </a:xfrm>
+        </p:grpSpPr>
+        <p:pic>
+          <p:nvPicPr>
+            <p:cNvPr id="28" name="図 27">
+              <a:extLst>
+                <a:ext uri="{FF2B5EF4-FFF2-40B4-BE49-F238E27FC236}">
+                  <a16:creationId xmlns:a16="http://schemas.microsoft.com/office/drawing/2014/main" id="{2105614D-6BF6-2848-9FE3-29FD6D4B6203}"/>
+                </a:ext>
+              </a:extLst>
+            </p:cNvPr>
+            <p:cNvPicPr>
+              <a:picLocks noChangeAspect="1"/>
+            </p:cNvPicPr>
+            <p:nvPr/>
+          </p:nvPicPr>
+          <p:blipFill>
+            <a:blip r:embed="rId2"/>
+            <a:stretch>
+              <a:fillRect/>
+            </a:stretch>
+          </p:blipFill>
+          <p:spPr>
+            <a:xfrm>
+              <a:off x="1115616" y="1556792"/>
+              <a:ext cx="643508" cy="643508"/>
+            </a:xfrm>
+            <a:prstGeom prst="rect">
+              <a:avLst/>
+            </a:prstGeom>
+          </p:spPr>
+        </p:pic>
+        <p:sp>
+          <p:nvSpPr>
+            <p:cNvPr id="29" name="テキスト ボックス 28">
+              <a:extLst>
+                <a:ext uri="{FF2B5EF4-FFF2-40B4-BE49-F238E27FC236}">
+                  <a16:creationId xmlns:a16="http://schemas.microsoft.com/office/drawing/2014/main" id="{83309BB6-DC59-154C-B1AD-15FDABD435C2}"/>
+                </a:ext>
+              </a:extLst>
+            </p:cNvPr>
+            <p:cNvSpPr txBox="1"/>
+            <p:nvPr/>
+          </p:nvSpPr>
+          <p:spPr>
+            <a:xfrm>
+              <a:off x="1187624" y="1772816"/>
+              <a:ext cx="306494" cy="369332"/>
+            </a:xfrm>
+            <a:prstGeom prst="rect">
+              <a:avLst/>
+            </a:prstGeom>
+            <a:noFill/>
+          </p:spPr>
+          <p:txBody>
+            <a:bodyPr wrap="none" rtlCol="0">
+              <a:spAutoFit/>
+            </a:bodyPr>
+            <a:lstStyle/>
+            <a:p>
+              <a:r>
+                <a:rPr lang="en-US" altLang="ja-JP"/>
+                <a:t>b</a:t>
+              </a:r>
+              <a:endParaRPr kumimoji="1" lang="ja-JP" altLang="en-US"/>
+            </a:p>
+          </p:txBody>
+        </p:sp>
+      </p:grpSp>
+      <p:grpSp>
+        <p:nvGrpSpPr>
+          <p:cNvPr id="30" name="グループ化 29">
+            <a:extLst>
+              <a:ext uri="{FF2B5EF4-FFF2-40B4-BE49-F238E27FC236}">
+                <a16:creationId xmlns:a16="http://schemas.microsoft.com/office/drawing/2014/main" id="{FF0F9943-FB2B-FD41-B96B-74CAD3837BD6}"/>
+              </a:ext>
+            </a:extLst>
+          </p:cNvPr>
+          <p:cNvGrpSpPr/>
+          <p:nvPr/>
+        </p:nvGrpSpPr>
+        <p:grpSpPr>
+          <a:xfrm>
+            <a:off x="5820697" y="2996950"/>
+            <a:ext cx="643508" cy="643508"/>
+            <a:chOff x="1115616" y="1556792"/>
+            <a:chExt cx="643508" cy="643508"/>
+          </a:xfrm>
+        </p:grpSpPr>
+        <p:pic>
+          <p:nvPicPr>
+            <p:cNvPr id="31" name="図 30">
+              <a:extLst>
+                <a:ext uri="{FF2B5EF4-FFF2-40B4-BE49-F238E27FC236}">
+                  <a16:creationId xmlns:a16="http://schemas.microsoft.com/office/drawing/2014/main" id="{597BD01E-5372-C945-85C5-2495C44F2980}"/>
+                </a:ext>
+              </a:extLst>
+            </p:cNvPr>
+            <p:cNvPicPr>
+              <a:picLocks noChangeAspect="1"/>
+            </p:cNvPicPr>
+            <p:nvPr/>
+          </p:nvPicPr>
+          <p:blipFill>
+            <a:blip r:embed="rId2"/>
+            <a:stretch>
+              <a:fillRect/>
+            </a:stretch>
+          </p:blipFill>
+          <p:spPr>
+            <a:xfrm>
+              <a:off x="1115616" y="1556792"/>
+              <a:ext cx="643508" cy="643508"/>
+            </a:xfrm>
+            <a:prstGeom prst="rect">
+              <a:avLst/>
+            </a:prstGeom>
+          </p:spPr>
+        </p:pic>
+        <p:sp>
+          <p:nvSpPr>
+            <p:cNvPr id="32" name="テキスト ボックス 31">
+              <a:extLst>
+                <a:ext uri="{FF2B5EF4-FFF2-40B4-BE49-F238E27FC236}">
+                  <a16:creationId xmlns:a16="http://schemas.microsoft.com/office/drawing/2014/main" id="{6304F373-CCA6-F143-B494-F1F5E407322B}"/>
+                </a:ext>
+              </a:extLst>
+            </p:cNvPr>
+            <p:cNvSpPr txBox="1"/>
+            <p:nvPr/>
+          </p:nvSpPr>
+          <p:spPr>
+            <a:xfrm>
+              <a:off x="1115616" y="1772816"/>
+              <a:ext cx="417102" cy="369332"/>
+            </a:xfrm>
+            <a:prstGeom prst="rect">
+              <a:avLst/>
+            </a:prstGeom>
+            <a:noFill/>
+          </p:spPr>
+          <p:txBody>
+            <a:bodyPr wrap="none" rtlCol="0">
+              <a:spAutoFit/>
+            </a:bodyPr>
+            <a:lstStyle/>
+            <a:p>
+              <a:r>
+                <a:rPr kumimoji="1" lang="en-US" altLang="ja-JP"/>
+                <a:t>ab</a:t>
+              </a:r>
+              <a:endParaRPr kumimoji="1" lang="ja-JP" altLang="en-US"/>
+            </a:p>
+          </p:txBody>
+        </p:sp>
+      </p:grpSp>
+      <p:cxnSp>
+        <p:nvCxnSpPr>
+          <p:cNvPr id="33" name="直線矢印コネクタ 32">
+            <a:extLst>
+              <a:ext uri="{FF2B5EF4-FFF2-40B4-BE49-F238E27FC236}">
+                <a16:creationId xmlns:a16="http://schemas.microsoft.com/office/drawing/2014/main" id="{91B4116A-D52D-4947-A599-47C856A3997B}"/>
+              </a:ext>
+            </a:extLst>
+          </p:cNvPr>
+          <p:cNvCxnSpPr/>
+          <p:nvPr/>
+        </p:nvCxnSpPr>
+        <p:spPr>
+          <a:xfrm flipH="1">
+            <a:off x="6612785" y="3356992"/>
+            <a:ext cx="288032" cy="0"/>
+          </a:xfrm>
+          <a:prstGeom prst="straightConnector1">
+            <a:avLst/>
+          </a:prstGeom>
+          <a:ln w="12700">
+            <a:solidFill>
+              <a:schemeClr val="tx1"/>
+            </a:solidFill>
+            <a:tailEnd type="triangle"/>
+          </a:ln>
+        </p:spPr>
+        <p:style>
+          <a:lnRef idx="1">
+            <a:schemeClr val="accent1"/>
+          </a:lnRef>
+          <a:fillRef idx="0">
+            <a:schemeClr val="accent1"/>
+          </a:fillRef>
+          <a:effectRef idx="0">
+            <a:schemeClr val="accent1"/>
+          </a:effectRef>
+          <a:fontRef idx="minor">
+            <a:schemeClr val="tx1"/>
+          </a:fontRef>
+        </p:style>
+      </p:cxnSp>
+      <p:sp>
+        <p:nvSpPr>
+          <p:cNvPr id="35" name="平行四辺形 34">
+            <a:extLst>
+              <a:ext uri="{FF2B5EF4-FFF2-40B4-BE49-F238E27FC236}">
+                <a16:creationId xmlns:a16="http://schemas.microsoft.com/office/drawing/2014/main" id="{66A35190-35CA-8844-BE2A-6ED5C0CF7B46}"/>
+              </a:ext>
+            </a:extLst>
+          </p:cNvPr>
+          <p:cNvSpPr/>
+          <p:nvPr/>
+        </p:nvSpPr>
+        <p:spPr>
+          <a:xfrm rot="221800">
+            <a:off x="1458066" y="5906825"/>
+            <a:ext cx="923836" cy="220087"/>
+          </a:xfrm>
+          <a:prstGeom prst="parallelogram">
+            <a:avLst>
+              <a:gd name="adj" fmla="val 139345"/>
+            </a:avLst>
+          </a:prstGeom>
+          <a:solidFill>
+            <a:schemeClr val="tx1">
+              <a:lumMod val="50000"/>
+              <a:lumOff val="50000"/>
+            </a:schemeClr>
+          </a:solidFill>
+          <a:ln>
+            <a:solidFill>
+              <a:schemeClr val="tx1"/>
+            </a:solidFill>
+          </a:ln>
+        </p:spPr>
+        <p:style>
+          <a:lnRef idx="2">
+            <a:schemeClr val="accent1">
+              <a:shade val="50000"/>
+            </a:schemeClr>
+          </a:lnRef>
+          <a:fillRef idx="1">
+            <a:schemeClr val="accent1"/>
+          </a:fillRef>
+          <a:effectRef idx="0">
+            <a:schemeClr val="accent1"/>
+          </a:effectRef>
+          <a:fontRef idx="minor">
+            <a:schemeClr val="lt1"/>
+          </a:fontRef>
+        </p:style>
+        <p:txBody>
+          <a:bodyPr rtlCol="0" anchor="ctr"/>
+          <a:lstStyle/>
+          <a:p>
+            <a:pPr algn="ctr"/>
+            <a:endParaRPr kumimoji="1" lang="ja-JP" altLang="en-US"/>
+          </a:p>
+        </p:txBody>
+      </p:sp>
+      <p:grpSp>
+        <p:nvGrpSpPr>
+          <p:cNvPr id="36" name="グループ化 35">
+            <a:extLst>
+              <a:ext uri="{FF2B5EF4-FFF2-40B4-BE49-F238E27FC236}">
+                <a16:creationId xmlns:a16="http://schemas.microsoft.com/office/drawing/2014/main" id="{96FB933F-7F5B-6247-BDFF-CAA56FC39855}"/>
+              </a:ext>
+            </a:extLst>
+          </p:cNvPr>
+          <p:cNvGrpSpPr/>
+          <p:nvPr/>
+        </p:nvGrpSpPr>
+        <p:grpSpPr>
+          <a:xfrm>
+            <a:off x="1595949" y="5517232"/>
+            <a:ext cx="643508" cy="643508"/>
+            <a:chOff x="1115616" y="1556792"/>
+            <a:chExt cx="643508" cy="643508"/>
+          </a:xfrm>
+        </p:grpSpPr>
+        <p:pic>
+          <p:nvPicPr>
+            <p:cNvPr id="37" name="図 36">
+              <a:extLst>
+                <a:ext uri="{FF2B5EF4-FFF2-40B4-BE49-F238E27FC236}">
+                  <a16:creationId xmlns:a16="http://schemas.microsoft.com/office/drawing/2014/main" id="{66733B04-D2B8-4B45-9EAB-6AAAD76A56E0}"/>
+                </a:ext>
+              </a:extLst>
+            </p:cNvPr>
+            <p:cNvPicPr>
+              <a:picLocks noChangeAspect="1"/>
+            </p:cNvPicPr>
+            <p:nvPr/>
+          </p:nvPicPr>
+          <p:blipFill>
+            <a:blip r:embed="rId2"/>
+            <a:stretch>
+              <a:fillRect/>
+            </a:stretch>
+          </p:blipFill>
+          <p:spPr>
+            <a:xfrm>
+              <a:off x="1115616" y="1556792"/>
+              <a:ext cx="643508" cy="643508"/>
+            </a:xfrm>
+            <a:prstGeom prst="rect">
+              <a:avLst/>
+            </a:prstGeom>
+          </p:spPr>
+        </p:pic>
+        <p:sp>
+          <p:nvSpPr>
+            <p:cNvPr id="38" name="テキスト ボックス 37">
+              <a:extLst>
+                <a:ext uri="{FF2B5EF4-FFF2-40B4-BE49-F238E27FC236}">
+                  <a16:creationId xmlns:a16="http://schemas.microsoft.com/office/drawing/2014/main" id="{86B8FC0A-C0C6-6945-B9F3-83DA1B310325}"/>
+                </a:ext>
+              </a:extLst>
+            </p:cNvPr>
+            <p:cNvSpPr txBox="1"/>
+            <p:nvPr/>
+          </p:nvSpPr>
+          <p:spPr>
+            <a:xfrm>
+              <a:off x="1115616" y="1772816"/>
+              <a:ext cx="417102" cy="369332"/>
+            </a:xfrm>
+            <a:prstGeom prst="rect">
+              <a:avLst/>
+            </a:prstGeom>
+            <a:noFill/>
+          </p:spPr>
+          <p:txBody>
+            <a:bodyPr wrap="none" rtlCol="0">
+              <a:spAutoFit/>
+            </a:bodyPr>
+            <a:lstStyle/>
+            <a:p>
+              <a:r>
+                <a:rPr kumimoji="1" lang="en-US" altLang="ja-JP"/>
+                <a:t>ab</a:t>
+              </a:r>
+              <a:endParaRPr kumimoji="1" lang="ja-JP" altLang="en-US"/>
+            </a:p>
+          </p:txBody>
+        </p:sp>
+      </p:grpSp>
+      <p:grpSp>
+        <p:nvGrpSpPr>
+          <p:cNvPr id="39" name="グループ化 38">
+            <a:extLst>
+              <a:ext uri="{FF2B5EF4-FFF2-40B4-BE49-F238E27FC236}">
+                <a16:creationId xmlns:a16="http://schemas.microsoft.com/office/drawing/2014/main" id="{8FA04A22-CCF7-C248-82D3-C4673C072ADF}"/>
+              </a:ext>
+            </a:extLst>
+          </p:cNvPr>
+          <p:cNvGrpSpPr/>
+          <p:nvPr/>
+        </p:nvGrpSpPr>
+        <p:grpSpPr>
+          <a:xfrm>
+            <a:off x="803860" y="4869162"/>
+            <a:ext cx="643508" cy="643508"/>
+            <a:chOff x="1115616" y="1556792"/>
+            <a:chExt cx="643508" cy="643508"/>
+          </a:xfrm>
+        </p:grpSpPr>
+        <p:pic>
+          <p:nvPicPr>
+            <p:cNvPr id="40" name="図 39">
+              <a:extLst>
+                <a:ext uri="{FF2B5EF4-FFF2-40B4-BE49-F238E27FC236}">
+                  <a16:creationId xmlns:a16="http://schemas.microsoft.com/office/drawing/2014/main" id="{3493F693-D790-9944-B837-4DA4EC1CAAF6}"/>
+                </a:ext>
+              </a:extLst>
+            </p:cNvPr>
+            <p:cNvPicPr>
+              <a:picLocks noChangeAspect="1"/>
+            </p:cNvPicPr>
+            <p:nvPr/>
+          </p:nvPicPr>
+          <p:blipFill>
+            <a:blip r:embed="rId2"/>
+            <a:stretch>
+              <a:fillRect/>
+            </a:stretch>
+          </p:blipFill>
+          <p:spPr>
+            <a:xfrm>
+              <a:off x="1115616" y="1556792"/>
+              <a:ext cx="643508" cy="643508"/>
+            </a:xfrm>
+            <a:prstGeom prst="rect">
+              <a:avLst/>
+            </a:prstGeom>
+          </p:spPr>
+        </p:pic>
+        <p:sp>
+          <p:nvSpPr>
+            <p:cNvPr id="41" name="テキスト ボックス 40">
+              <a:extLst>
+                <a:ext uri="{FF2B5EF4-FFF2-40B4-BE49-F238E27FC236}">
+                  <a16:creationId xmlns:a16="http://schemas.microsoft.com/office/drawing/2014/main" id="{53C59666-0CF2-A14A-A94F-94AF93E2C55C}"/>
+                </a:ext>
+              </a:extLst>
+            </p:cNvPr>
+            <p:cNvSpPr txBox="1"/>
+            <p:nvPr/>
+          </p:nvSpPr>
+          <p:spPr>
+            <a:xfrm>
+              <a:off x="1187624" y="1772816"/>
+              <a:ext cx="282450" cy="369332"/>
+            </a:xfrm>
+            <a:prstGeom prst="rect">
+              <a:avLst/>
+            </a:prstGeom>
+            <a:noFill/>
+          </p:spPr>
+          <p:txBody>
+            <a:bodyPr wrap="none" rtlCol="0">
+              <a:spAutoFit/>
+            </a:bodyPr>
+            <a:lstStyle/>
+            <a:p>
+              <a:r>
+                <a:rPr lang="en-US" altLang="ja-JP"/>
+                <a:t>c</a:t>
+              </a:r>
+              <a:endParaRPr kumimoji="1" lang="ja-JP" altLang="en-US"/>
+            </a:p>
+          </p:txBody>
+        </p:sp>
+      </p:grpSp>
+      <p:sp>
+        <p:nvSpPr>
+          <p:cNvPr id="42" name="テキスト ボックス 41">
+            <a:extLst>
+              <a:ext uri="{FF2B5EF4-FFF2-40B4-BE49-F238E27FC236}">
+                <a16:creationId xmlns:a16="http://schemas.microsoft.com/office/drawing/2014/main" id="{41453E42-0436-C442-A161-1B6ACDA61DEF}"/>
+              </a:ext>
+            </a:extLst>
+          </p:cNvPr>
+          <p:cNvSpPr txBox="1"/>
+          <p:nvPr/>
+        </p:nvSpPr>
+        <p:spPr>
+          <a:xfrm>
+            <a:off x="1523940" y="4797154"/>
+            <a:ext cx="639919" cy="369332"/>
+          </a:xfrm>
+          <a:prstGeom prst="rect">
+            <a:avLst/>
+          </a:prstGeom>
+          <a:noFill/>
+        </p:spPr>
+        <p:txBody>
+          <a:bodyPr wrap="none" rtlCol="0">
+            <a:spAutoFit/>
+          </a:bodyPr>
+          <a:lstStyle/>
+          <a:p>
+            <a:r>
+              <a:rPr kumimoji="1" lang="en-US" altLang="ja-JP"/>
+              <a:t>push</a:t>
+            </a:r>
+            <a:endParaRPr kumimoji="1" lang="ja-JP" altLang="en-US"/>
+          </a:p>
+        </p:txBody>
+      </p:sp>
+      <p:sp>
+        <p:nvSpPr>
+          <p:cNvPr id="43" name="円弧 42">
+            <a:extLst>
+              <a:ext uri="{FF2B5EF4-FFF2-40B4-BE49-F238E27FC236}">
+                <a16:creationId xmlns:a16="http://schemas.microsoft.com/office/drawing/2014/main" id="{8F86A651-38E9-AC4E-9A09-8405D8A2DC46}"/>
+              </a:ext>
+            </a:extLst>
+          </p:cNvPr>
+          <p:cNvSpPr/>
+          <p:nvPr/>
+        </p:nvSpPr>
+        <p:spPr>
+          <a:xfrm>
+            <a:off x="803860" y="5229202"/>
+            <a:ext cx="1080120" cy="648072"/>
+          </a:xfrm>
+          <a:prstGeom prst="arc">
+            <a:avLst>
+              <a:gd name="adj1" fmla="val 16200000"/>
+              <a:gd name="adj2" fmla="val 53800"/>
+            </a:avLst>
+          </a:prstGeom>
+          <a:ln w="12700">
+            <a:solidFill>
+              <a:schemeClr val="tx1"/>
+            </a:solidFill>
+            <a:headEnd type="none" w="med" len="med"/>
+            <a:tailEnd type="triangle" w="med" len="med"/>
+          </a:ln>
+        </p:spPr>
+        <p:style>
+          <a:lnRef idx="1">
+            <a:schemeClr val="accent1"/>
+          </a:lnRef>
+          <a:fillRef idx="0">
+            <a:schemeClr val="accent1"/>
+          </a:fillRef>
+          <a:effectRef idx="0">
+            <a:schemeClr val="accent1"/>
+          </a:effectRef>
+          <a:fontRef idx="minor">
+            <a:schemeClr val="tx1"/>
+          </a:fontRef>
+        </p:style>
+        <p:txBody>
+          <a:bodyPr rtlCol="0" anchor="ctr"/>
+          <a:lstStyle/>
+          <a:p>
+            <a:pPr algn="ctr"/>
+            <a:endParaRPr kumimoji="1" lang="ja-JP" altLang="en-US"/>
+          </a:p>
+        </p:txBody>
+      </p:sp>
+      <p:sp>
+        <p:nvSpPr>
+          <p:cNvPr id="44" name="平行四辺形 43">
+            <a:extLst>
+              <a:ext uri="{FF2B5EF4-FFF2-40B4-BE49-F238E27FC236}">
+                <a16:creationId xmlns:a16="http://schemas.microsoft.com/office/drawing/2014/main" id="{D5508FFC-213B-924B-B3DD-46CB71086854}"/>
+              </a:ext>
+            </a:extLst>
+          </p:cNvPr>
+          <p:cNvSpPr/>
+          <p:nvPr/>
+        </p:nvSpPr>
+        <p:spPr>
+          <a:xfrm rot="221800">
+            <a:off x="2970236" y="5906827"/>
+            <a:ext cx="923836" cy="220087"/>
+          </a:xfrm>
+          <a:prstGeom prst="parallelogram">
+            <a:avLst>
+              <a:gd name="adj" fmla="val 139345"/>
+            </a:avLst>
+          </a:prstGeom>
+          <a:solidFill>
+            <a:schemeClr val="tx1">
+              <a:lumMod val="50000"/>
+              <a:lumOff val="50000"/>
+            </a:schemeClr>
+          </a:solidFill>
+          <a:ln>
+            <a:solidFill>
+              <a:schemeClr val="tx1"/>
+            </a:solidFill>
+          </a:ln>
+        </p:spPr>
+        <p:style>
+          <a:lnRef idx="2">
+            <a:schemeClr val="accent1">
+              <a:shade val="50000"/>
+            </a:schemeClr>
+          </a:lnRef>
+          <a:fillRef idx="1">
+            <a:schemeClr val="accent1"/>
+          </a:fillRef>
+          <a:effectRef idx="0">
+            <a:schemeClr val="accent1"/>
+          </a:effectRef>
+          <a:fontRef idx="minor">
+            <a:schemeClr val="lt1"/>
+          </a:fontRef>
+        </p:style>
+        <p:txBody>
+          <a:bodyPr rtlCol="0" anchor="ctr"/>
+          <a:lstStyle/>
+          <a:p>
+            <a:pPr algn="ctr"/>
+            <a:endParaRPr kumimoji="1" lang="ja-JP" altLang="en-US"/>
+          </a:p>
+        </p:txBody>
+      </p:sp>
+      <p:grpSp>
+        <p:nvGrpSpPr>
+          <p:cNvPr id="45" name="グループ化 44">
+            <a:extLst>
+              <a:ext uri="{FF2B5EF4-FFF2-40B4-BE49-F238E27FC236}">
+                <a16:creationId xmlns:a16="http://schemas.microsoft.com/office/drawing/2014/main" id="{B824F04C-3E75-0B41-812B-AF44F216FD54}"/>
+              </a:ext>
+            </a:extLst>
+          </p:cNvPr>
+          <p:cNvGrpSpPr/>
+          <p:nvPr/>
+        </p:nvGrpSpPr>
+        <p:grpSpPr>
+          <a:xfrm>
+            <a:off x="3108119" y="5517234"/>
+            <a:ext cx="643508" cy="643508"/>
+            <a:chOff x="1115616" y="1556792"/>
+            <a:chExt cx="643508" cy="643508"/>
+          </a:xfrm>
+        </p:grpSpPr>
+        <p:pic>
+          <p:nvPicPr>
+            <p:cNvPr id="46" name="図 45">
+              <a:extLst>
+                <a:ext uri="{FF2B5EF4-FFF2-40B4-BE49-F238E27FC236}">
+                  <a16:creationId xmlns:a16="http://schemas.microsoft.com/office/drawing/2014/main" id="{BF454879-4590-2D40-A352-36D28BB3032C}"/>
+                </a:ext>
+              </a:extLst>
+            </p:cNvPr>
+            <p:cNvPicPr>
+              <a:picLocks noChangeAspect="1"/>
+            </p:cNvPicPr>
+            <p:nvPr/>
+          </p:nvPicPr>
+          <p:blipFill>
+            <a:blip r:embed="rId2"/>
+            <a:stretch>
+              <a:fillRect/>
+            </a:stretch>
+          </p:blipFill>
+          <p:spPr>
+            <a:xfrm>
+              <a:off x="1115616" y="1556792"/>
+              <a:ext cx="643508" cy="643508"/>
+            </a:xfrm>
+            <a:prstGeom prst="rect">
+              <a:avLst/>
+            </a:prstGeom>
+          </p:spPr>
+        </p:pic>
+        <p:sp>
+          <p:nvSpPr>
+            <p:cNvPr id="47" name="テキスト ボックス 46">
+              <a:extLst>
+                <a:ext uri="{FF2B5EF4-FFF2-40B4-BE49-F238E27FC236}">
+                  <a16:creationId xmlns:a16="http://schemas.microsoft.com/office/drawing/2014/main" id="{B3A92499-045D-1E4B-9358-E92C76C77B64}"/>
+                </a:ext>
+              </a:extLst>
+            </p:cNvPr>
+            <p:cNvSpPr txBox="1"/>
+            <p:nvPr/>
+          </p:nvSpPr>
+          <p:spPr>
+            <a:xfrm>
+              <a:off x="1115616" y="1772816"/>
+              <a:ext cx="417102" cy="369332"/>
+            </a:xfrm>
+            <a:prstGeom prst="rect">
+              <a:avLst/>
+            </a:prstGeom>
+            <a:noFill/>
+          </p:spPr>
+          <p:txBody>
+            <a:bodyPr wrap="none" rtlCol="0">
+              <a:spAutoFit/>
+            </a:bodyPr>
+            <a:lstStyle/>
+            <a:p>
+              <a:r>
+                <a:rPr kumimoji="1" lang="en-US" altLang="ja-JP"/>
+                <a:t>ab</a:t>
+              </a:r>
+              <a:endParaRPr kumimoji="1" lang="ja-JP" altLang="en-US"/>
+            </a:p>
+          </p:txBody>
+        </p:sp>
+      </p:grpSp>
+      <p:grpSp>
+        <p:nvGrpSpPr>
+          <p:cNvPr id="48" name="グループ化 47">
+            <a:extLst>
+              <a:ext uri="{FF2B5EF4-FFF2-40B4-BE49-F238E27FC236}">
+                <a16:creationId xmlns:a16="http://schemas.microsoft.com/office/drawing/2014/main" id="{B5CD7055-D703-1A4C-ACD5-046BF5EB04D4}"/>
+              </a:ext>
+            </a:extLst>
+          </p:cNvPr>
+          <p:cNvGrpSpPr/>
+          <p:nvPr/>
+        </p:nvGrpSpPr>
+        <p:grpSpPr>
+          <a:xfrm>
+            <a:off x="3108117" y="5085186"/>
+            <a:ext cx="643508" cy="643508"/>
+            <a:chOff x="1115616" y="1556792"/>
+            <a:chExt cx="643508" cy="643508"/>
+          </a:xfrm>
+        </p:grpSpPr>
+        <p:pic>
+          <p:nvPicPr>
+            <p:cNvPr id="49" name="図 48">
+              <a:extLst>
+                <a:ext uri="{FF2B5EF4-FFF2-40B4-BE49-F238E27FC236}">
+                  <a16:creationId xmlns:a16="http://schemas.microsoft.com/office/drawing/2014/main" id="{444BA05A-9FC8-F94D-AB78-0FC5022DB0EA}"/>
+                </a:ext>
+              </a:extLst>
+            </p:cNvPr>
+            <p:cNvPicPr>
+              <a:picLocks noChangeAspect="1"/>
+            </p:cNvPicPr>
+            <p:nvPr/>
+          </p:nvPicPr>
+          <p:blipFill>
+            <a:blip r:embed="rId2"/>
+            <a:stretch>
+              <a:fillRect/>
+            </a:stretch>
+          </p:blipFill>
+          <p:spPr>
+            <a:xfrm>
+              <a:off x="1115616" y="1556792"/>
+              <a:ext cx="643508" cy="643508"/>
+            </a:xfrm>
+            <a:prstGeom prst="rect">
+              <a:avLst/>
+            </a:prstGeom>
+          </p:spPr>
+        </p:pic>
+        <p:sp>
+          <p:nvSpPr>
+            <p:cNvPr id="50" name="テキスト ボックス 49">
+              <a:extLst>
+                <a:ext uri="{FF2B5EF4-FFF2-40B4-BE49-F238E27FC236}">
+                  <a16:creationId xmlns:a16="http://schemas.microsoft.com/office/drawing/2014/main" id="{D4098A32-5472-2543-9B14-51E78DDF1E4E}"/>
+                </a:ext>
+              </a:extLst>
+            </p:cNvPr>
+            <p:cNvSpPr txBox="1"/>
+            <p:nvPr/>
+          </p:nvSpPr>
+          <p:spPr>
+            <a:xfrm>
+              <a:off x="1187624" y="1772816"/>
+              <a:ext cx="282450" cy="369332"/>
+            </a:xfrm>
+            <a:prstGeom prst="rect">
+              <a:avLst/>
+            </a:prstGeom>
+            <a:noFill/>
+          </p:spPr>
+          <p:txBody>
+            <a:bodyPr wrap="none" rtlCol="0">
+              <a:spAutoFit/>
+            </a:bodyPr>
+            <a:lstStyle/>
+            <a:p>
+              <a:r>
+                <a:rPr lang="en-US" altLang="ja-JP"/>
+                <a:t>c</a:t>
+              </a:r>
+              <a:endParaRPr kumimoji="1" lang="ja-JP" altLang="en-US"/>
+            </a:p>
+          </p:txBody>
+        </p:sp>
+      </p:grpSp>
+      <p:sp>
+        <p:nvSpPr>
+          <p:cNvPr id="51" name="平行四辺形 50">
+            <a:extLst>
+              <a:ext uri="{FF2B5EF4-FFF2-40B4-BE49-F238E27FC236}">
+                <a16:creationId xmlns:a16="http://schemas.microsoft.com/office/drawing/2014/main" id="{0F1CBDC5-DC14-6D42-8A62-C5E1F8E192D4}"/>
+              </a:ext>
+            </a:extLst>
+          </p:cNvPr>
+          <p:cNvSpPr/>
+          <p:nvPr/>
+        </p:nvSpPr>
+        <p:spPr>
+          <a:xfrm rot="221800">
+            <a:off x="4266378" y="3458552"/>
+            <a:ext cx="923836" cy="220087"/>
+          </a:xfrm>
+          <a:prstGeom prst="parallelogram">
+            <a:avLst>
+              <a:gd name="adj" fmla="val 139345"/>
+            </a:avLst>
+          </a:prstGeom>
+          <a:solidFill>
+            <a:schemeClr val="tx1">
+              <a:lumMod val="50000"/>
+              <a:lumOff val="50000"/>
+            </a:schemeClr>
+          </a:solidFill>
+          <a:ln>
+            <a:solidFill>
+              <a:schemeClr val="tx1"/>
+            </a:solidFill>
+          </a:ln>
+        </p:spPr>
+        <p:style>
+          <a:lnRef idx="2">
+            <a:schemeClr val="accent1">
+              <a:shade val="50000"/>
+            </a:schemeClr>
+          </a:lnRef>
+          <a:fillRef idx="1">
+            <a:schemeClr val="accent1"/>
+          </a:fillRef>
+          <a:effectRef idx="0">
+            <a:schemeClr val="accent1"/>
+          </a:effectRef>
+          <a:fontRef idx="minor">
+            <a:schemeClr val="lt1"/>
+          </a:fontRef>
+        </p:style>
+        <p:txBody>
+          <a:bodyPr rtlCol="0" anchor="ctr"/>
+          <a:lstStyle/>
+          <a:p>
+            <a:pPr algn="ctr"/>
+            <a:endParaRPr kumimoji="1" lang="ja-JP" altLang="en-US"/>
+          </a:p>
+        </p:txBody>
+      </p:sp>
+      <p:grpSp>
+        <p:nvGrpSpPr>
+          <p:cNvPr id="52" name="グループ化 51">
+            <a:extLst>
+              <a:ext uri="{FF2B5EF4-FFF2-40B4-BE49-F238E27FC236}">
+                <a16:creationId xmlns:a16="http://schemas.microsoft.com/office/drawing/2014/main" id="{FA52BBB2-7C68-4344-AFAF-455AAAA7D368}"/>
+              </a:ext>
+            </a:extLst>
+          </p:cNvPr>
+          <p:cNvGrpSpPr/>
+          <p:nvPr/>
+        </p:nvGrpSpPr>
+        <p:grpSpPr>
+          <a:xfrm>
+            <a:off x="4404261" y="3068959"/>
+            <a:ext cx="643508" cy="643508"/>
+            <a:chOff x="1115616" y="1556792"/>
+            <a:chExt cx="643508" cy="643508"/>
+          </a:xfrm>
+        </p:grpSpPr>
+        <p:pic>
+          <p:nvPicPr>
+            <p:cNvPr id="53" name="図 52">
+              <a:extLst>
+                <a:ext uri="{FF2B5EF4-FFF2-40B4-BE49-F238E27FC236}">
+                  <a16:creationId xmlns:a16="http://schemas.microsoft.com/office/drawing/2014/main" id="{748AF613-42AB-0847-A995-1046829225B4}"/>
+                </a:ext>
+              </a:extLst>
+            </p:cNvPr>
+            <p:cNvPicPr>
+              <a:picLocks noChangeAspect="1"/>
+            </p:cNvPicPr>
+            <p:nvPr/>
+          </p:nvPicPr>
+          <p:blipFill>
+            <a:blip r:embed="rId2"/>
+            <a:stretch>
+              <a:fillRect/>
+            </a:stretch>
+          </p:blipFill>
+          <p:spPr>
+            <a:xfrm>
+              <a:off x="1115616" y="1556792"/>
+              <a:ext cx="643508" cy="643508"/>
+            </a:xfrm>
+            <a:prstGeom prst="rect">
+              <a:avLst/>
+            </a:prstGeom>
+          </p:spPr>
+        </p:pic>
+        <p:sp>
+          <p:nvSpPr>
+            <p:cNvPr id="54" name="テキスト ボックス 53">
+              <a:extLst>
+                <a:ext uri="{FF2B5EF4-FFF2-40B4-BE49-F238E27FC236}">
+                  <a16:creationId xmlns:a16="http://schemas.microsoft.com/office/drawing/2014/main" id="{D8856BC5-8E48-1644-8BB6-DC9B8C84C4E0}"/>
+                </a:ext>
+              </a:extLst>
+            </p:cNvPr>
+            <p:cNvSpPr txBox="1"/>
+            <p:nvPr/>
+          </p:nvSpPr>
+          <p:spPr>
+            <a:xfrm>
+              <a:off x="1187624" y="1772816"/>
+              <a:ext cx="306494" cy="369332"/>
+            </a:xfrm>
+            <a:prstGeom prst="rect">
+              <a:avLst/>
+            </a:prstGeom>
+            <a:noFill/>
+          </p:spPr>
+          <p:txBody>
+            <a:bodyPr wrap="none" rtlCol="0">
+              <a:spAutoFit/>
+            </a:bodyPr>
+            <a:lstStyle/>
+            <a:p>
+              <a:r>
+                <a:rPr lang="en-US" altLang="ja-JP"/>
+                <a:t>a</a:t>
+              </a:r>
+              <a:endParaRPr kumimoji="1" lang="ja-JP" altLang="en-US"/>
+            </a:p>
+          </p:txBody>
+        </p:sp>
+      </p:grpSp>
+      <p:grpSp>
+        <p:nvGrpSpPr>
+          <p:cNvPr id="55" name="グループ化 54">
+            <a:extLst>
+              <a:ext uri="{FF2B5EF4-FFF2-40B4-BE49-F238E27FC236}">
+                <a16:creationId xmlns:a16="http://schemas.microsoft.com/office/drawing/2014/main" id="{FA43ADA7-8A97-4042-A218-CCB801C1607C}"/>
+              </a:ext>
+            </a:extLst>
+          </p:cNvPr>
+          <p:cNvGrpSpPr/>
+          <p:nvPr/>
+        </p:nvGrpSpPr>
+        <p:grpSpPr>
+          <a:xfrm>
+            <a:off x="4404260" y="2636912"/>
+            <a:ext cx="643508" cy="643508"/>
+            <a:chOff x="1115616" y="1556792"/>
+            <a:chExt cx="643508" cy="643508"/>
+          </a:xfrm>
+        </p:grpSpPr>
+        <p:pic>
+          <p:nvPicPr>
+            <p:cNvPr id="56" name="図 55">
+              <a:extLst>
+                <a:ext uri="{FF2B5EF4-FFF2-40B4-BE49-F238E27FC236}">
+                  <a16:creationId xmlns:a16="http://schemas.microsoft.com/office/drawing/2014/main" id="{6F53DEB2-ADB5-8B41-B383-AA76A86F96FD}"/>
+                </a:ext>
+              </a:extLst>
+            </p:cNvPr>
+            <p:cNvPicPr>
+              <a:picLocks noChangeAspect="1"/>
+            </p:cNvPicPr>
+            <p:nvPr/>
+          </p:nvPicPr>
+          <p:blipFill>
+            <a:blip r:embed="rId2"/>
+            <a:stretch>
+              <a:fillRect/>
+            </a:stretch>
+          </p:blipFill>
+          <p:spPr>
+            <a:xfrm>
+              <a:off x="1115616" y="1556792"/>
+              <a:ext cx="643508" cy="643508"/>
+            </a:xfrm>
+            <a:prstGeom prst="rect">
+              <a:avLst/>
+            </a:prstGeom>
+          </p:spPr>
+        </p:pic>
+        <p:sp>
+          <p:nvSpPr>
+            <p:cNvPr id="57" name="テキスト ボックス 56">
+              <a:extLst>
+                <a:ext uri="{FF2B5EF4-FFF2-40B4-BE49-F238E27FC236}">
+                  <a16:creationId xmlns:a16="http://schemas.microsoft.com/office/drawing/2014/main" id="{6A73BA6B-344E-644D-9904-72A79E33B5D6}"/>
+                </a:ext>
+              </a:extLst>
+            </p:cNvPr>
+            <p:cNvSpPr txBox="1"/>
+            <p:nvPr/>
+          </p:nvSpPr>
+          <p:spPr>
+            <a:xfrm>
+              <a:off x="1187624" y="1772816"/>
+              <a:ext cx="306494" cy="369332"/>
+            </a:xfrm>
+            <a:prstGeom prst="rect">
+              <a:avLst/>
+            </a:prstGeom>
+            <a:noFill/>
+          </p:spPr>
+          <p:txBody>
+            <a:bodyPr wrap="none" rtlCol="0">
+              <a:spAutoFit/>
+            </a:bodyPr>
+            <a:lstStyle/>
+            <a:p>
+              <a:r>
+                <a:rPr kumimoji="1" lang="en-US" altLang="ja-JP"/>
+                <a:t>b</a:t>
+              </a:r>
+              <a:endParaRPr kumimoji="1" lang="ja-JP" altLang="en-US"/>
+            </a:p>
+          </p:txBody>
+        </p:sp>
+      </p:grpSp>
+      <p:sp>
+        <p:nvSpPr>
+          <p:cNvPr id="58" name="フリーフォーム 57">
+            <a:extLst>
+              <a:ext uri="{FF2B5EF4-FFF2-40B4-BE49-F238E27FC236}">
+                <a16:creationId xmlns:a16="http://schemas.microsoft.com/office/drawing/2014/main" id="{E1A97B66-A50F-1448-AADE-C774BAB9ADAA}"/>
+              </a:ext>
+            </a:extLst>
+          </p:cNvPr>
+          <p:cNvSpPr/>
+          <p:nvPr/>
+        </p:nvSpPr>
+        <p:spPr>
+          <a:xfrm>
+            <a:off x="6441345" y="2661085"/>
+            <a:ext cx="1127760" cy="345491"/>
+          </a:xfrm>
+          <a:custGeom>
+            <a:avLst/>
+            <a:gdLst>
+              <a:gd name="connsiteX0" fmla="*/ 0 w 1127760"/>
+              <a:gd name="connsiteY0" fmla="*/ 345491 h 345491"/>
+              <a:gd name="connsiteX1" fmla="*/ 518160 w 1127760"/>
+              <a:gd name="connsiteY1" fmla="*/ 51 h 345491"/>
+              <a:gd name="connsiteX2" fmla="*/ 1127760 w 1127760"/>
+              <a:gd name="connsiteY2" fmla="*/ 325171 h 345491"/>
+            </a:gdLst>
+            <a:ahLst/>
+            <a:cxnLst>
+              <a:cxn ang="0">
+                <a:pos x="connsiteX0" y="connsiteY0"/>
+              </a:cxn>
+              <a:cxn ang="0">
+                <a:pos x="connsiteX1" y="connsiteY1"/>
+              </a:cxn>
+              <a:cxn ang="0">
+                <a:pos x="connsiteX2" y="connsiteY2"/>
+              </a:cxn>
+            </a:cxnLst>
+            <a:rect l="l" t="t" r="r" b="b"/>
+            <a:pathLst>
+              <a:path w="1127760" h="345491">
+                <a:moveTo>
+                  <a:pt x="0" y="345491"/>
+                </a:moveTo>
+                <a:cubicBezTo>
+                  <a:pt x="165100" y="174464"/>
+                  <a:pt x="330200" y="3438"/>
+                  <a:pt x="518160" y="51"/>
+                </a:cubicBezTo>
+                <a:cubicBezTo>
+                  <a:pt x="706120" y="-3336"/>
+                  <a:pt x="916940" y="160917"/>
+                  <a:pt x="1127760" y="325171"/>
+                </a:cubicBezTo>
+              </a:path>
+            </a:pathLst>
+          </a:custGeom>
+          <a:noFill/>
+          <a:ln>
+            <a:solidFill>
+              <a:schemeClr val="tx1"/>
+            </a:solidFill>
+            <a:headEnd type="none" w="med" len="med"/>
+            <a:tailEnd type="triangle" w="med" len="med"/>
+          </a:ln>
+        </p:spPr>
+        <p:style>
+          <a:lnRef idx="2">
+            <a:schemeClr val="accent1">
+              <a:shade val="50000"/>
+            </a:schemeClr>
+          </a:lnRef>
+          <a:fillRef idx="1">
+            <a:schemeClr val="accent1"/>
+          </a:fillRef>
+          <a:effectRef idx="0">
+            <a:schemeClr val="accent1"/>
+          </a:effectRef>
+          <a:fontRef idx="minor">
+            <a:schemeClr val="lt1"/>
+          </a:fontRef>
+        </p:style>
+        <p:txBody>
+          <a:bodyPr rtlCol="0" anchor="ctr"/>
+          <a:lstStyle/>
+          <a:p>
+            <a:pPr algn="ctr"/>
+            <a:endParaRPr kumimoji="1" lang="ja-JP" altLang="en-US"/>
+          </a:p>
+        </p:txBody>
+      </p:sp>
+      <p:sp>
+        <p:nvSpPr>
+          <p:cNvPr id="59" name="平行四辺形 58">
+            <a:extLst>
+              <a:ext uri="{FF2B5EF4-FFF2-40B4-BE49-F238E27FC236}">
+                <a16:creationId xmlns:a16="http://schemas.microsoft.com/office/drawing/2014/main" id="{7AEA76B0-44ED-4A4B-B46A-E8656992F1A2}"/>
+              </a:ext>
+            </a:extLst>
+          </p:cNvPr>
+          <p:cNvSpPr/>
+          <p:nvPr/>
+        </p:nvSpPr>
+        <p:spPr>
+          <a:xfrm rot="221800">
+            <a:off x="5849990" y="5854979"/>
+            <a:ext cx="1549317" cy="222713"/>
+          </a:xfrm>
+          <a:prstGeom prst="parallelogram">
+            <a:avLst>
+              <a:gd name="adj" fmla="val 139345"/>
+            </a:avLst>
+          </a:prstGeom>
+          <a:solidFill>
+            <a:srgbClr val="FFC000"/>
+          </a:solidFill>
+          <a:ln>
+            <a:solidFill>
+              <a:schemeClr val="tx1"/>
+            </a:solidFill>
+          </a:ln>
+        </p:spPr>
+        <p:style>
+          <a:lnRef idx="2">
+            <a:schemeClr val="accent1">
+              <a:shade val="50000"/>
+            </a:schemeClr>
+          </a:lnRef>
+          <a:fillRef idx="1">
+            <a:schemeClr val="accent1"/>
+          </a:fillRef>
+          <a:effectRef idx="0">
+            <a:schemeClr val="accent1"/>
+          </a:effectRef>
+          <a:fontRef idx="minor">
+            <a:schemeClr val="lt1"/>
+          </a:fontRef>
+        </p:style>
+        <p:txBody>
+          <a:bodyPr rtlCol="0" anchor="ctr"/>
+          <a:lstStyle/>
+          <a:p>
+            <a:pPr algn="ctr"/>
+            <a:endParaRPr kumimoji="1" lang="ja-JP" altLang="en-US"/>
+          </a:p>
+        </p:txBody>
+      </p:sp>
+      <p:grpSp>
+        <p:nvGrpSpPr>
+          <p:cNvPr id="60" name="グループ化 59">
+            <a:extLst>
+              <a:ext uri="{FF2B5EF4-FFF2-40B4-BE49-F238E27FC236}">
+                <a16:creationId xmlns:a16="http://schemas.microsoft.com/office/drawing/2014/main" id="{C0DB0504-938A-3248-AC78-459C1BB31308}"/>
+              </a:ext>
+            </a:extLst>
+          </p:cNvPr>
+          <p:cNvGrpSpPr/>
+          <p:nvPr/>
+        </p:nvGrpSpPr>
+        <p:grpSpPr>
+          <a:xfrm>
+            <a:off x="6636511" y="5445224"/>
+            <a:ext cx="643508" cy="643508"/>
+            <a:chOff x="1115616" y="1556792"/>
+            <a:chExt cx="643508" cy="643508"/>
+          </a:xfrm>
+        </p:grpSpPr>
+        <p:pic>
+          <p:nvPicPr>
+            <p:cNvPr id="61" name="図 60">
+              <a:extLst>
+                <a:ext uri="{FF2B5EF4-FFF2-40B4-BE49-F238E27FC236}">
+                  <a16:creationId xmlns:a16="http://schemas.microsoft.com/office/drawing/2014/main" id="{971E7E4E-0ABB-1F44-B1BB-C25614548675}"/>
+                </a:ext>
+              </a:extLst>
+            </p:cNvPr>
+            <p:cNvPicPr>
+              <a:picLocks noChangeAspect="1"/>
+            </p:cNvPicPr>
+            <p:nvPr/>
+          </p:nvPicPr>
+          <p:blipFill>
+            <a:blip r:embed="rId2"/>
+            <a:stretch>
+              <a:fillRect/>
+            </a:stretch>
+          </p:blipFill>
+          <p:spPr>
+            <a:xfrm>
+              <a:off x="1115616" y="1556792"/>
+              <a:ext cx="643508" cy="643508"/>
+            </a:xfrm>
+            <a:prstGeom prst="rect">
+              <a:avLst/>
+            </a:prstGeom>
+          </p:spPr>
+        </p:pic>
+        <p:sp>
+          <p:nvSpPr>
+            <p:cNvPr id="62" name="テキスト ボックス 61">
+              <a:extLst>
+                <a:ext uri="{FF2B5EF4-FFF2-40B4-BE49-F238E27FC236}">
+                  <a16:creationId xmlns:a16="http://schemas.microsoft.com/office/drawing/2014/main" id="{F237372E-A156-D241-A3BE-A7F894C05701}"/>
+                </a:ext>
+              </a:extLst>
+            </p:cNvPr>
+            <p:cNvSpPr txBox="1"/>
+            <p:nvPr/>
+          </p:nvSpPr>
+          <p:spPr>
+            <a:xfrm>
+              <a:off x="1187624" y="1772816"/>
+              <a:ext cx="417102" cy="369332"/>
+            </a:xfrm>
+            <a:prstGeom prst="rect">
+              <a:avLst/>
+            </a:prstGeom>
+            <a:noFill/>
+          </p:spPr>
+          <p:txBody>
+            <a:bodyPr wrap="none" rtlCol="0">
+              <a:spAutoFit/>
+            </a:bodyPr>
+            <a:lstStyle/>
+            <a:p>
+              <a:r>
+                <a:rPr lang="en-US" altLang="ja-JP"/>
+                <a:t>ab</a:t>
+              </a:r>
+              <a:endParaRPr kumimoji="1" lang="ja-JP" altLang="en-US"/>
+            </a:p>
+          </p:txBody>
+        </p:sp>
+      </p:grpSp>
+      <p:sp>
+        <p:nvSpPr>
+          <p:cNvPr id="63" name="平行四辺形 62">
+            <a:extLst>
+              <a:ext uri="{FF2B5EF4-FFF2-40B4-BE49-F238E27FC236}">
+                <a16:creationId xmlns:a16="http://schemas.microsoft.com/office/drawing/2014/main" id="{CCC074EA-9711-4242-B125-E8B009958E7B}"/>
+              </a:ext>
+            </a:extLst>
+          </p:cNvPr>
+          <p:cNvSpPr/>
+          <p:nvPr/>
+        </p:nvSpPr>
+        <p:spPr>
+          <a:xfrm rot="221800">
+            <a:off x="4602696" y="5834817"/>
+            <a:ext cx="923836" cy="220087"/>
+          </a:xfrm>
+          <a:prstGeom prst="parallelogram">
+            <a:avLst>
+              <a:gd name="adj" fmla="val 139345"/>
+            </a:avLst>
+          </a:prstGeom>
+          <a:solidFill>
+            <a:schemeClr val="tx1">
+              <a:lumMod val="50000"/>
+              <a:lumOff val="50000"/>
+            </a:schemeClr>
+          </a:solidFill>
+          <a:ln>
+            <a:solidFill>
+              <a:schemeClr val="tx1"/>
+            </a:solidFill>
+          </a:ln>
+        </p:spPr>
+        <p:style>
+          <a:lnRef idx="2">
+            <a:schemeClr val="accent1">
+              <a:shade val="50000"/>
+            </a:schemeClr>
+          </a:lnRef>
+          <a:fillRef idx="1">
+            <a:schemeClr val="accent1"/>
+          </a:fillRef>
+          <a:effectRef idx="0">
+            <a:schemeClr val="accent1"/>
+          </a:effectRef>
+          <a:fontRef idx="minor">
+            <a:schemeClr val="lt1"/>
+          </a:fontRef>
+        </p:style>
+        <p:txBody>
+          <a:bodyPr rtlCol="0" anchor="ctr"/>
+          <a:lstStyle/>
+          <a:p>
+            <a:pPr algn="ctr"/>
+            <a:endParaRPr kumimoji="1" lang="ja-JP" altLang="en-US"/>
+          </a:p>
+        </p:txBody>
+      </p:sp>
+      <p:grpSp>
+        <p:nvGrpSpPr>
+          <p:cNvPr id="64" name="グループ化 63">
+            <a:extLst>
+              <a:ext uri="{FF2B5EF4-FFF2-40B4-BE49-F238E27FC236}">
+                <a16:creationId xmlns:a16="http://schemas.microsoft.com/office/drawing/2014/main" id="{A8D9811D-D1DA-8F48-9AC7-C1B3ADB759AE}"/>
+              </a:ext>
+            </a:extLst>
+          </p:cNvPr>
+          <p:cNvGrpSpPr/>
+          <p:nvPr/>
+        </p:nvGrpSpPr>
+        <p:grpSpPr>
+          <a:xfrm>
+            <a:off x="5988439" y="5445224"/>
+            <a:ext cx="643508" cy="643508"/>
+            <a:chOff x="1115616" y="1556792"/>
+            <a:chExt cx="643508" cy="643508"/>
+          </a:xfrm>
+        </p:grpSpPr>
+        <p:pic>
+          <p:nvPicPr>
+            <p:cNvPr id="65" name="図 64">
+              <a:extLst>
+                <a:ext uri="{FF2B5EF4-FFF2-40B4-BE49-F238E27FC236}">
+                  <a16:creationId xmlns:a16="http://schemas.microsoft.com/office/drawing/2014/main" id="{69B6E9F4-2E0C-B543-BE7B-18EB59928BF4}"/>
+                </a:ext>
+              </a:extLst>
+            </p:cNvPr>
+            <p:cNvPicPr>
+              <a:picLocks noChangeAspect="1"/>
+            </p:cNvPicPr>
+            <p:nvPr/>
+          </p:nvPicPr>
+          <p:blipFill>
+            <a:blip r:embed="rId2"/>
+            <a:stretch>
+              <a:fillRect/>
+            </a:stretch>
+          </p:blipFill>
+          <p:spPr>
+            <a:xfrm>
+              <a:off x="1115616" y="1556792"/>
+              <a:ext cx="643508" cy="643508"/>
+            </a:xfrm>
+            <a:prstGeom prst="rect">
+              <a:avLst/>
+            </a:prstGeom>
+          </p:spPr>
+        </p:pic>
+        <p:sp>
+          <p:nvSpPr>
+            <p:cNvPr id="66" name="テキスト ボックス 65">
+              <a:extLst>
+                <a:ext uri="{FF2B5EF4-FFF2-40B4-BE49-F238E27FC236}">
+                  <a16:creationId xmlns:a16="http://schemas.microsoft.com/office/drawing/2014/main" id="{E64B5B5C-167D-F745-956E-38416C619789}"/>
+                </a:ext>
+              </a:extLst>
+            </p:cNvPr>
+            <p:cNvSpPr txBox="1"/>
+            <p:nvPr/>
+          </p:nvSpPr>
+          <p:spPr>
+            <a:xfrm>
+              <a:off x="1187624" y="1772816"/>
+              <a:ext cx="282450" cy="369332"/>
+            </a:xfrm>
+            <a:prstGeom prst="rect">
+              <a:avLst/>
+            </a:prstGeom>
+            <a:noFill/>
+          </p:spPr>
+          <p:txBody>
+            <a:bodyPr wrap="none" rtlCol="0">
+              <a:spAutoFit/>
+            </a:bodyPr>
+            <a:lstStyle/>
+            <a:p>
+              <a:r>
+                <a:rPr lang="en-US" altLang="ja-JP"/>
+                <a:t>c</a:t>
+              </a:r>
+              <a:endParaRPr kumimoji="1" lang="ja-JP" altLang="en-US"/>
+            </a:p>
+          </p:txBody>
+        </p:sp>
+      </p:grpSp>
+      <p:grpSp>
+        <p:nvGrpSpPr>
+          <p:cNvPr id="67" name="グループ化 66">
+            <a:extLst>
+              <a:ext uri="{FF2B5EF4-FFF2-40B4-BE49-F238E27FC236}">
+                <a16:creationId xmlns:a16="http://schemas.microsoft.com/office/drawing/2014/main" id="{C1A382BC-CE26-EA44-9B69-DE85126A7CC8}"/>
+              </a:ext>
+            </a:extLst>
+          </p:cNvPr>
+          <p:cNvGrpSpPr/>
+          <p:nvPr/>
+        </p:nvGrpSpPr>
+        <p:grpSpPr>
+          <a:xfrm>
+            <a:off x="4692293" y="5445224"/>
+            <a:ext cx="691794" cy="643508"/>
+            <a:chOff x="1067330" y="1556792"/>
+            <a:chExt cx="691794" cy="643508"/>
+          </a:xfrm>
+        </p:grpSpPr>
+        <p:pic>
+          <p:nvPicPr>
+            <p:cNvPr id="68" name="図 67">
+              <a:extLst>
+                <a:ext uri="{FF2B5EF4-FFF2-40B4-BE49-F238E27FC236}">
+                  <a16:creationId xmlns:a16="http://schemas.microsoft.com/office/drawing/2014/main" id="{E99DE1FA-AB31-224A-9F12-CEE7224E4AFF}"/>
+                </a:ext>
+              </a:extLst>
+            </p:cNvPr>
+            <p:cNvPicPr>
+              <a:picLocks noChangeAspect="1"/>
+            </p:cNvPicPr>
+            <p:nvPr/>
+          </p:nvPicPr>
+          <p:blipFill>
+            <a:blip r:embed="rId2"/>
+            <a:stretch>
+              <a:fillRect/>
+            </a:stretch>
+          </p:blipFill>
+          <p:spPr>
+            <a:xfrm>
+              <a:off x="1115616" y="1556792"/>
+              <a:ext cx="643508" cy="643508"/>
+            </a:xfrm>
+            <a:prstGeom prst="rect">
+              <a:avLst/>
+            </a:prstGeom>
+          </p:spPr>
+        </p:pic>
+        <p:sp>
+          <p:nvSpPr>
+            <p:cNvPr id="69" name="テキスト ボックス 68">
+              <a:extLst>
+                <a:ext uri="{FF2B5EF4-FFF2-40B4-BE49-F238E27FC236}">
+                  <a16:creationId xmlns:a16="http://schemas.microsoft.com/office/drawing/2014/main" id="{0B0407D6-7E3D-BD46-9703-C923ABDFBD2B}"/>
+                </a:ext>
+              </a:extLst>
+            </p:cNvPr>
+            <p:cNvSpPr txBox="1"/>
+            <p:nvPr/>
+          </p:nvSpPr>
+          <p:spPr>
+            <a:xfrm>
+              <a:off x="1067330" y="1772816"/>
+              <a:ext cx="630301" cy="369332"/>
+            </a:xfrm>
+            <a:prstGeom prst="rect">
+              <a:avLst/>
+            </a:prstGeom>
+            <a:noFill/>
+          </p:spPr>
+          <p:txBody>
+            <a:bodyPr wrap="none" rtlCol="0">
+              <a:spAutoFit/>
+            </a:bodyPr>
+            <a:lstStyle/>
+            <a:p>
+              <a:r>
+                <a:rPr kumimoji="1" lang="en-US" altLang="ja-JP"/>
+                <a:t>ab+c</a:t>
+              </a:r>
+              <a:endParaRPr kumimoji="1" lang="ja-JP" altLang="en-US"/>
+            </a:p>
+          </p:txBody>
+        </p:sp>
+      </p:grpSp>
+      <p:cxnSp>
+        <p:nvCxnSpPr>
+          <p:cNvPr id="70" name="直線矢印コネクタ 69">
+            <a:extLst>
+              <a:ext uri="{FF2B5EF4-FFF2-40B4-BE49-F238E27FC236}">
+                <a16:creationId xmlns:a16="http://schemas.microsoft.com/office/drawing/2014/main" id="{9173EC4C-CB7C-C642-BF57-E591FDA90987}"/>
+              </a:ext>
+            </a:extLst>
+          </p:cNvPr>
+          <p:cNvCxnSpPr/>
+          <p:nvPr/>
+        </p:nvCxnSpPr>
+        <p:spPr>
+          <a:xfrm flipH="1">
+            <a:off x="5532667" y="5805266"/>
+            <a:ext cx="288032" cy="0"/>
+          </a:xfrm>
+          <a:prstGeom prst="straightConnector1">
+            <a:avLst/>
+          </a:prstGeom>
+          <a:ln w="12700">
+            <a:solidFill>
+              <a:schemeClr val="tx1"/>
+            </a:solidFill>
+            <a:tailEnd type="triangle"/>
+          </a:ln>
+        </p:spPr>
+        <p:style>
+          <a:lnRef idx="1">
+            <a:schemeClr val="accent1"/>
+          </a:lnRef>
+          <a:fillRef idx="0">
+            <a:schemeClr val="accent1"/>
+          </a:fillRef>
+          <a:effectRef idx="0">
+            <a:schemeClr val="accent1"/>
+          </a:effectRef>
+          <a:fontRef idx="minor">
+            <a:schemeClr val="tx1"/>
+          </a:fontRef>
+        </p:style>
+      </p:cxnSp>
+      <p:sp>
+        <p:nvSpPr>
+          <p:cNvPr id="72" name="フリーフォーム 71">
+            <a:extLst>
+              <a:ext uri="{FF2B5EF4-FFF2-40B4-BE49-F238E27FC236}">
+                <a16:creationId xmlns:a16="http://schemas.microsoft.com/office/drawing/2014/main" id="{3DA292A6-E1BA-1C47-90B2-54923CE885AC}"/>
+              </a:ext>
+            </a:extLst>
+          </p:cNvPr>
+          <p:cNvSpPr/>
+          <p:nvPr/>
+        </p:nvSpPr>
+        <p:spPr>
+          <a:xfrm>
+            <a:off x="5361227" y="5109359"/>
+            <a:ext cx="1127760" cy="345491"/>
+          </a:xfrm>
+          <a:custGeom>
+            <a:avLst/>
+            <a:gdLst>
+              <a:gd name="connsiteX0" fmla="*/ 0 w 1127760"/>
+              <a:gd name="connsiteY0" fmla="*/ 345491 h 345491"/>
+              <a:gd name="connsiteX1" fmla="*/ 518160 w 1127760"/>
+              <a:gd name="connsiteY1" fmla="*/ 51 h 345491"/>
+              <a:gd name="connsiteX2" fmla="*/ 1127760 w 1127760"/>
+              <a:gd name="connsiteY2" fmla="*/ 325171 h 345491"/>
+            </a:gdLst>
+            <a:ahLst/>
+            <a:cxnLst>
+              <a:cxn ang="0">
+                <a:pos x="connsiteX0" y="connsiteY0"/>
+              </a:cxn>
+              <a:cxn ang="0">
+                <a:pos x="connsiteX1" y="connsiteY1"/>
+              </a:cxn>
+              <a:cxn ang="0">
+                <a:pos x="connsiteX2" y="connsiteY2"/>
+              </a:cxn>
+            </a:cxnLst>
+            <a:rect l="l" t="t" r="r" b="b"/>
+            <a:pathLst>
+              <a:path w="1127760" h="345491">
+                <a:moveTo>
+                  <a:pt x="0" y="345491"/>
+                </a:moveTo>
+                <a:cubicBezTo>
+                  <a:pt x="165100" y="174464"/>
+                  <a:pt x="330200" y="3438"/>
+                  <a:pt x="518160" y="51"/>
+                </a:cubicBezTo>
+                <a:cubicBezTo>
+                  <a:pt x="706120" y="-3336"/>
+                  <a:pt x="916940" y="160917"/>
+                  <a:pt x="1127760" y="325171"/>
+                </a:cubicBezTo>
+              </a:path>
+            </a:pathLst>
+          </a:custGeom>
+          <a:noFill/>
+          <a:ln>
+            <a:solidFill>
+              <a:schemeClr val="tx1"/>
+            </a:solidFill>
+            <a:headEnd type="none" w="med" len="med"/>
+            <a:tailEnd type="triangle" w="med" len="med"/>
+          </a:ln>
+        </p:spPr>
+        <p:style>
+          <a:lnRef idx="2">
+            <a:schemeClr val="accent1">
+              <a:shade val="50000"/>
+            </a:schemeClr>
+          </a:lnRef>
+          <a:fillRef idx="1">
+            <a:schemeClr val="accent1"/>
+          </a:fillRef>
+          <a:effectRef idx="0">
+            <a:schemeClr val="accent1"/>
+          </a:effectRef>
+          <a:fontRef idx="minor">
+            <a:schemeClr val="lt1"/>
+          </a:fontRef>
+        </p:style>
+        <p:txBody>
+          <a:bodyPr rtlCol="0" anchor="ctr"/>
+          <a:lstStyle/>
+          <a:p>
+            <a:pPr algn="ctr"/>
+            <a:endParaRPr kumimoji="1" lang="ja-JP" altLang="en-US"/>
+          </a:p>
+        </p:txBody>
+      </p:sp>
+      <p:sp>
+        <p:nvSpPr>
+          <p:cNvPr id="73" name="下矢印 72">
+            <a:extLst>
+              <a:ext uri="{FF2B5EF4-FFF2-40B4-BE49-F238E27FC236}">
+                <a16:creationId xmlns:a16="http://schemas.microsoft.com/office/drawing/2014/main" id="{17FA80F3-F321-964C-993E-8D029A8B1958}"/>
+              </a:ext>
+            </a:extLst>
+          </p:cNvPr>
+          <p:cNvSpPr/>
+          <p:nvPr/>
+        </p:nvSpPr>
+        <p:spPr>
+          <a:xfrm rot="16200000">
+            <a:off x="1842364" y="2966560"/>
+            <a:ext cx="330131" cy="390914"/>
+          </a:xfrm>
+          <a:prstGeom prst="downArrow">
+            <a:avLst/>
+          </a:prstGeom>
+          <a:solidFill>
+            <a:srgbClr val="FF0000"/>
+          </a:solidFill>
+          <a:ln>
+            <a:solidFill>
+              <a:schemeClr val="tx1"/>
+            </a:solidFill>
+          </a:ln>
+        </p:spPr>
+        <p:style>
+          <a:lnRef idx="2">
+            <a:schemeClr val="accent1">
+              <a:shade val="50000"/>
+            </a:schemeClr>
+          </a:lnRef>
+          <a:fillRef idx="1">
+            <a:schemeClr val="accent1"/>
+          </a:fillRef>
+          <a:effectRef idx="0">
+            <a:schemeClr val="accent1"/>
+          </a:effectRef>
+          <a:fontRef idx="minor">
+            <a:schemeClr val="lt1"/>
+          </a:fontRef>
+        </p:style>
+        <p:txBody>
+          <a:bodyPr rot="0" spcFirstLastPara="0" vertOverflow="overflow" horzOverflow="overflow" vert="horz" wrap="square" lIns="91440" tIns="45720" rIns="91440" bIns="45720" numCol="1" spcCol="0" rtlCol="0" fromWordArt="0" anchor="ctr" anchorCtr="0" forceAA="0" compatLnSpc="1">
+            <a:prstTxWarp prst="textNoShape">
+              <a:avLst/>
+            </a:prstTxWarp>
+            <a:noAutofit/>
+          </a:bodyPr>
+          <a:lstStyle/>
+          <a:p>
+            <a:pPr algn="ctr"/>
+            <a:endParaRPr kumimoji="1" lang="ja-JP" altLang="en-US"/>
+          </a:p>
+        </p:txBody>
+      </p:sp>
+      <p:sp>
+        <p:nvSpPr>
+          <p:cNvPr id="74" name="下矢印 73">
+            <a:extLst>
+              <a:ext uri="{FF2B5EF4-FFF2-40B4-BE49-F238E27FC236}">
+                <a16:creationId xmlns:a16="http://schemas.microsoft.com/office/drawing/2014/main" id="{5347425A-6C56-1446-905C-02264163D835}"/>
+              </a:ext>
+            </a:extLst>
+          </p:cNvPr>
+          <p:cNvSpPr/>
+          <p:nvPr/>
+        </p:nvSpPr>
+        <p:spPr>
+          <a:xfrm rot="16200000">
+            <a:off x="3858588" y="2894552"/>
+            <a:ext cx="330131" cy="390914"/>
+          </a:xfrm>
+          <a:prstGeom prst="downArrow">
+            <a:avLst/>
+          </a:prstGeom>
+          <a:solidFill>
+            <a:srgbClr val="FF0000"/>
+          </a:solidFill>
+          <a:ln>
+            <a:solidFill>
+              <a:schemeClr val="tx1"/>
+            </a:solidFill>
+          </a:ln>
+        </p:spPr>
+        <p:style>
+          <a:lnRef idx="2">
+            <a:schemeClr val="accent1">
+              <a:shade val="50000"/>
+            </a:schemeClr>
+          </a:lnRef>
+          <a:fillRef idx="1">
+            <a:schemeClr val="accent1"/>
+          </a:fillRef>
+          <a:effectRef idx="0">
+            <a:schemeClr val="accent1"/>
+          </a:effectRef>
+          <a:fontRef idx="minor">
+            <a:schemeClr val="lt1"/>
+          </a:fontRef>
+        </p:style>
+        <p:txBody>
+          <a:bodyPr rot="0" spcFirstLastPara="0" vertOverflow="overflow" horzOverflow="overflow" vert="horz" wrap="square" lIns="91440" tIns="45720" rIns="91440" bIns="45720" numCol="1" spcCol="0" rtlCol="0" fromWordArt="0" anchor="ctr" anchorCtr="0" forceAA="0" compatLnSpc="1">
+            <a:prstTxWarp prst="textNoShape">
+              <a:avLst/>
+            </a:prstTxWarp>
+            <a:noAutofit/>
+          </a:bodyPr>
+          <a:lstStyle/>
+          <a:p>
+            <a:pPr algn="ctr"/>
+            <a:endParaRPr kumimoji="1" lang="ja-JP" altLang="en-US"/>
+          </a:p>
+        </p:txBody>
+      </p:sp>
+      <p:sp>
+        <p:nvSpPr>
+          <p:cNvPr id="75" name="下矢印 74">
+            <a:extLst>
+              <a:ext uri="{FF2B5EF4-FFF2-40B4-BE49-F238E27FC236}">
+                <a16:creationId xmlns:a16="http://schemas.microsoft.com/office/drawing/2014/main" id="{DD2E88D7-A291-CC48-B21B-95CBE1FCFE2D}"/>
+              </a:ext>
+            </a:extLst>
+          </p:cNvPr>
+          <p:cNvSpPr/>
+          <p:nvPr/>
+        </p:nvSpPr>
+        <p:spPr>
+          <a:xfrm rot="16200000">
+            <a:off x="5298748" y="2894552"/>
+            <a:ext cx="330131" cy="390914"/>
+          </a:xfrm>
+          <a:prstGeom prst="downArrow">
+            <a:avLst/>
+          </a:prstGeom>
+          <a:solidFill>
+            <a:srgbClr val="FF0000"/>
+          </a:solidFill>
+          <a:ln>
+            <a:solidFill>
+              <a:schemeClr val="tx1"/>
+            </a:solidFill>
+          </a:ln>
+        </p:spPr>
+        <p:style>
+          <a:lnRef idx="2">
+            <a:schemeClr val="accent1">
+              <a:shade val="50000"/>
+            </a:schemeClr>
+          </a:lnRef>
+          <a:fillRef idx="1">
+            <a:schemeClr val="accent1"/>
+          </a:fillRef>
+          <a:effectRef idx="0">
+            <a:schemeClr val="accent1"/>
+          </a:effectRef>
+          <a:fontRef idx="minor">
+            <a:schemeClr val="lt1"/>
+          </a:fontRef>
+        </p:style>
+        <p:txBody>
+          <a:bodyPr rot="0" spcFirstLastPara="0" vertOverflow="overflow" horzOverflow="overflow" vert="horz" wrap="square" lIns="91440" tIns="45720" rIns="91440" bIns="45720" numCol="1" spcCol="0" rtlCol="0" fromWordArt="0" anchor="ctr" anchorCtr="0" forceAA="0" compatLnSpc="1">
+            <a:prstTxWarp prst="textNoShape">
+              <a:avLst/>
+            </a:prstTxWarp>
+            <a:noAutofit/>
+          </a:bodyPr>
+          <a:lstStyle/>
+          <a:p>
+            <a:pPr algn="ctr"/>
+            <a:endParaRPr kumimoji="1" lang="ja-JP" altLang="en-US"/>
+          </a:p>
+        </p:txBody>
+      </p:sp>
+      <p:sp>
+        <p:nvSpPr>
+          <p:cNvPr id="76" name="下矢印 75">
+            <a:extLst>
+              <a:ext uri="{FF2B5EF4-FFF2-40B4-BE49-F238E27FC236}">
+                <a16:creationId xmlns:a16="http://schemas.microsoft.com/office/drawing/2014/main" id="{68DA8CE3-9B73-2C45-98A7-157439ED77EB}"/>
+              </a:ext>
+            </a:extLst>
+          </p:cNvPr>
+          <p:cNvSpPr/>
+          <p:nvPr/>
+        </p:nvSpPr>
+        <p:spPr>
+          <a:xfrm rot="16200000">
+            <a:off x="258188" y="5414832"/>
+            <a:ext cx="330131" cy="390914"/>
+          </a:xfrm>
+          <a:prstGeom prst="downArrow">
+            <a:avLst/>
+          </a:prstGeom>
+          <a:solidFill>
+            <a:srgbClr val="FF0000"/>
+          </a:solidFill>
+          <a:ln>
+            <a:solidFill>
+              <a:schemeClr val="tx1"/>
+            </a:solidFill>
+          </a:ln>
+        </p:spPr>
+        <p:style>
+          <a:lnRef idx="2">
+            <a:schemeClr val="accent1">
+              <a:shade val="50000"/>
+            </a:schemeClr>
+          </a:lnRef>
+          <a:fillRef idx="1">
+            <a:schemeClr val="accent1"/>
+          </a:fillRef>
+          <a:effectRef idx="0">
+            <a:schemeClr val="accent1"/>
+          </a:effectRef>
+          <a:fontRef idx="minor">
+            <a:schemeClr val="lt1"/>
+          </a:fontRef>
+        </p:style>
+        <p:txBody>
+          <a:bodyPr rot="0" spcFirstLastPara="0" vertOverflow="overflow" horzOverflow="overflow" vert="horz" wrap="square" lIns="91440" tIns="45720" rIns="91440" bIns="45720" numCol="1" spcCol="0" rtlCol="0" fromWordArt="0" anchor="ctr" anchorCtr="0" forceAA="0" compatLnSpc="1">
+            <a:prstTxWarp prst="textNoShape">
+              <a:avLst/>
+            </a:prstTxWarp>
+            <a:noAutofit/>
+          </a:bodyPr>
+          <a:lstStyle/>
+          <a:p>
+            <a:pPr algn="ctr"/>
+            <a:endParaRPr kumimoji="1" lang="ja-JP" altLang="en-US"/>
+          </a:p>
+        </p:txBody>
+      </p:sp>
+      <p:sp>
+        <p:nvSpPr>
+          <p:cNvPr id="77" name="下矢印 76">
+            <a:extLst>
+              <a:ext uri="{FF2B5EF4-FFF2-40B4-BE49-F238E27FC236}">
+                <a16:creationId xmlns:a16="http://schemas.microsoft.com/office/drawing/2014/main" id="{43E0AE9F-B4DC-B54E-8CFE-DA4C16743AC4}"/>
+              </a:ext>
+            </a:extLst>
+          </p:cNvPr>
+          <p:cNvSpPr/>
+          <p:nvPr/>
+        </p:nvSpPr>
+        <p:spPr>
+          <a:xfrm rot="16200000">
+            <a:off x="2490436" y="5342825"/>
+            <a:ext cx="330131" cy="390914"/>
+          </a:xfrm>
+          <a:prstGeom prst="downArrow">
+            <a:avLst/>
+          </a:prstGeom>
+          <a:solidFill>
+            <a:srgbClr val="FF0000"/>
+          </a:solidFill>
+          <a:ln>
+            <a:solidFill>
+              <a:schemeClr val="tx1"/>
+            </a:solidFill>
+          </a:ln>
+        </p:spPr>
+        <p:style>
+          <a:lnRef idx="2">
+            <a:schemeClr val="accent1">
+              <a:shade val="50000"/>
+            </a:schemeClr>
+          </a:lnRef>
+          <a:fillRef idx="1">
+            <a:schemeClr val="accent1"/>
+          </a:fillRef>
+          <a:effectRef idx="0">
+            <a:schemeClr val="accent1"/>
+          </a:effectRef>
+          <a:fontRef idx="minor">
+            <a:schemeClr val="lt1"/>
+          </a:fontRef>
+        </p:style>
+        <p:txBody>
+          <a:bodyPr rot="0" spcFirstLastPara="0" vertOverflow="overflow" horzOverflow="overflow" vert="horz" wrap="square" lIns="91440" tIns="45720" rIns="91440" bIns="45720" numCol="1" spcCol="0" rtlCol="0" fromWordArt="0" anchor="ctr" anchorCtr="0" forceAA="0" compatLnSpc="1">
+            <a:prstTxWarp prst="textNoShape">
+              <a:avLst/>
+            </a:prstTxWarp>
+            <a:noAutofit/>
+          </a:bodyPr>
+          <a:lstStyle/>
+          <a:p>
+            <a:pPr algn="ctr"/>
+            <a:endParaRPr kumimoji="1" lang="ja-JP" altLang="en-US"/>
+          </a:p>
+        </p:txBody>
+      </p:sp>
+      <p:sp>
+        <p:nvSpPr>
+          <p:cNvPr id="78" name="下矢印 77">
+            <a:extLst>
+              <a:ext uri="{FF2B5EF4-FFF2-40B4-BE49-F238E27FC236}">
+                <a16:creationId xmlns:a16="http://schemas.microsoft.com/office/drawing/2014/main" id="{83BAC803-AD0F-0A4A-B82C-03A608473238}"/>
+              </a:ext>
+            </a:extLst>
+          </p:cNvPr>
+          <p:cNvSpPr/>
+          <p:nvPr/>
+        </p:nvSpPr>
+        <p:spPr>
+          <a:xfrm rot="16200000">
+            <a:off x="4074612" y="5342824"/>
+            <a:ext cx="330131" cy="390914"/>
+          </a:xfrm>
+          <a:prstGeom prst="downArrow">
+            <a:avLst/>
+          </a:prstGeom>
+          <a:solidFill>
+            <a:srgbClr val="FF0000"/>
+          </a:solidFill>
+          <a:ln>
+            <a:solidFill>
+              <a:schemeClr val="tx1"/>
+            </a:solidFill>
+          </a:ln>
+        </p:spPr>
+        <p:style>
+          <a:lnRef idx="2">
+            <a:schemeClr val="accent1">
+              <a:shade val="50000"/>
+            </a:schemeClr>
+          </a:lnRef>
+          <a:fillRef idx="1">
+            <a:schemeClr val="accent1"/>
+          </a:fillRef>
+          <a:effectRef idx="0">
+            <a:schemeClr val="accent1"/>
+          </a:effectRef>
+          <a:fontRef idx="minor">
+            <a:schemeClr val="lt1"/>
+          </a:fontRef>
+        </p:style>
+        <p:txBody>
+          <a:bodyPr rot="0" spcFirstLastPara="0" vertOverflow="overflow" horzOverflow="overflow" vert="horz" wrap="square" lIns="91440" tIns="45720" rIns="91440" bIns="45720" numCol="1" spcCol="0" rtlCol="0" fromWordArt="0" anchor="ctr" anchorCtr="0" forceAA="0" compatLnSpc="1">
+            <a:prstTxWarp prst="textNoShape">
+              <a:avLst/>
+            </a:prstTxWarp>
+            <a:noAutofit/>
+          </a:bodyPr>
+          <a:lstStyle/>
+          <a:p>
+            <a:pPr algn="ctr"/>
+            <a:endParaRPr kumimoji="1" lang="ja-JP" altLang="en-US"/>
+          </a:p>
+        </p:txBody>
+      </p:sp>
+      <p:sp>
+        <p:nvSpPr>
+          <p:cNvPr id="79" name="下矢印 78">
+            <a:extLst>
+              <a:ext uri="{FF2B5EF4-FFF2-40B4-BE49-F238E27FC236}">
+                <a16:creationId xmlns:a16="http://schemas.microsoft.com/office/drawing/2014/main" id="{08FB69E5-CAC8-B54F-A9E2-1393B70A0167}"/>
+              </a:ext>
+            </a:extLst>
+          </p:cNvPr>
+          <p:cNvSpPr/>
+          <p:nvPr/>
+        </p:nvSpPr>
+        <p:spPr>
+          <a:xfrm rot="16200000">
+            <a:off x="7530996" y="5270816"/>
+            <a:ext cx="330131" cy="390914"/>
+          </a:xfrm>
+          <a:prstGeom prst="downArrow">
+            <a:avLst/>
+          </a:prstGeom>
+          <a:solidFill>
+            <a:srgbClr val="FF0000"/>
+          </a:solidFill>
+          <a:ln>
+            <a:solidFill>
+              <a:schemeClr val="tx1"/>
+            </a:solidFill>
+          </a:ln>
+        </p:spPr>
+        <p:style>
+          <a:lnRef idx="2">
+            <a:schemeClr val="accent1">
+              <a:shade val="50000"/>
+            </a:schemeClr>
+          </a:lnRef>
+          <a:fillRef idx="1">
+            <a:schemeClr val="accent1"/>
+          </a:fillRef>
+          <a:effectRef idx="0">
+            <a:schemeClr val="accent1"/>
+          </a:effectRef>
+          <a:fontRef idx="minor">
+            <a:schemeClr val="lt1"/>
+          </a:fontRef>
+        </p:style>
+        <p:txBody>
+          <a:bodyPr rot="0" spcFirstLastPara="0" vertOverflow="overflow" horzOverflow="overflow" vert="horz" wrap="square" lIns="91440" tIns="45720" rIns="91440" bIns="45720" numCol="1" spcCol="0" rtlCol="0" fromWordArt="0" anchor="ctr" anchorCtr="0" forceAA="0" compatLnSpc="1">
+            <a:prstTxWarp prst="textNoShape">
+              <a:avLst/>
+            </a:prstTxWarp>
+            <a:noAutofit/>
+          </a:bodyPr>
+          <a:lstStyle/>
+          <a:p>
+            <a:pPr algn="ctr"/>
+            <a:endParaRPr kumimoji="1" lang="ja-JP" altLang="en-US"/>
+          </a:p>
+        </p:txBody>
+      </p:sp>
+      <p:sp>
+        <p:nvSpPr>
+          <p:cNvPr id="80" name="平行四辺形 79">
+            <a:extLst>
+              <a:ext uri="{FF2B5EF4-FFF2-40B4-BE49-F238E27FC236}">
+                <a16:creationId xmlns:a16="http://schemas.microsoft.com/office/drawing/2014/main" id="{43B0D1DD-4F64-9A49-B678-7C3B8A428827}"/>
+              </a:ext>
+            </a:extLst>
+          </p:cNvPr>
+          <p:cNvSpPr/>
+          <p:nvPr/>
+        </p:nvSpPr>
+        <p:spPr>
+          <a:xfrm rot="221800">
+            <a:off x="7938787" y="5834817"/>
+            <a:ext cx="923836" cy="220087"/>
+          </a:xfrm>
+          <a:prstGeom prst="parallelogram">
+            <a:avLst>
+              <a:gd name="adj" fmla="val 139345"/>
+            </a:avLst>
+          </a:prstGeom>
+          <a:solidFill>
+            <a:schemeClr val="tx1">
+              <a:lumMod val="50000"/>
+              <a:lumOff val="50000"/>
+            </a:schemeClr>
+          </a:solidFill>
+          <a:ln>
+            <a:solidFill>
+              <a:schemeClr val="tx1"/>
+            </a:solidFill>
+          </a:ln>
+        </p:spPr>
+        <p:style>
+          <a:lnRef idx="2">
+            <a:schemeClr val="accent1">
+              <a:shade val="50000"/>
+            </a:schemeClr>
+          </a:lnRef>
+          <a:fillRef idx="1">
+            <a:schemeClr val="accent1"/>
+          </a:fillRef>
+          <a:effectRef idx="0">
+            <a:schemeClr val="accent1"/>
+          </a:effectRef>
+          <a:fontRef idx="minor">
+            <a:schemeClr val="lt1"/>
+          </a:fontRef>
+        </p:style>
+        <p:txBody>
+          <a:bodyPr rtlCol="0" anchor="ctr"/>
+          <a:lstStyle/>
+          <a:p>
+            <a:pPr algn="ctr"/>
+            <a:endParaRPr kumimoji="1" lang="ja-JP" altLang="en-US"/>
+          </a:p>
+        </p:txBody>
+      </p:sp>
+      <p:grpSp>
+        <p:nvGrpSpPr>
+          <p:cNvPr id="81" name="グループ化 80">
+            <a:extLst>
+              <a:ext uri="{FF2B5EF4-FFF2-40B4-BE49-F238E27FC236}">
+                <a16:creationId xmlns:a16="http://schemas.microsoft.com/office/drawing/2014/main" id="{C7B1D929-54C9-6B45-B205-796C5CCE8235}"/>
+              </a:ext>
+            </a:extLst>
+          </p:cNvPr>
+          <p:cNvGrpSpPr/>
+          <p:nvPr/>
+        </p:nvGrpSpPr>
+        <p:grpSpPr>
+          <a:xfrm>
+            <a:off x="8028384" y="5445224"/>
+            <a:ext cx="691794" cy="643508"/>
+            <a:chOff x="1067330" y="1556792"/>
+            <a:chExt cx="691794" cy="643508"/>
+          </a:xfrm>
+        </p:grpSpPr>
+        <p:pic>
+          <p:nvPicPr>
+            <p:cNvPr id="82" name="図 81">
+              <a:extLst>
+                <a:ext uri="{FF2B5EF4-FFF2-40B4-BE49-F238E27FC236}">
+                  <a16:creationId xmlns:a16="http://schemas.microsoft.com/office/drawing/2014/main" id="{663AD6DC-AC70-9A4F-AEF5-81201926277A}"/>
+                </a:ext>
+              </a:extLst>
+            </p:cNvPr>
+            <p:cNvPicPr>
+              <a:picLocks noChangeAspect="1"/>
+            </p:cNvPicPr>
+            <p:nvPr/>
+          </p:nvPicPr>
+          <p:blipFill>
+            <a:blip r:embed="rId2"/>
+            <a:stretch>
+              <a:fillRect/>
+            </a:stretch>
+          </p:blipFill>
+          <p:spPr>
+            <a:xfrm>
+              <a:off x="1115616" y="1556792"/>
+              <a:ext cx="643508" cy="643508"/>
+            </a:xfrm>
+            <a:prstGeom prst="rect">
+              <a:avLst/>
+            </a:prstGeom>
+          </p:spPr>
+        </p:pic>
+        <p:sp>
+          <p:nvSpPr>
+            <p:cNvPr id="83" name="テキスト ボックス 82">
+              <a:extLst>
+                <a:ext uri="{FF2B5EF4-FFF2-40B4-BE49-F238E27FC236}">
+                  <a16:creationId xmlns:a16="http://schemas.microsoft.com/office/drawing/2014/main" id="{CAE7AF04-7DF9-E946-943B-B3B53CADD7DF}"/>
+                </a:ext>
+              </a:extLst>
+            </p:cNvPr>
+            <p:cNvSpPr txBox="1"/>
+            <p:nvPr/>
+          </p:nvSpPr>
+          <p:spPr>
+            <a:xfrm>
+              <a:off x="1067330" y="1772816"/>
+              <a:ext cx="630301" cy="369332"/>
+            </a:xfrm>
+            <a:prstGeom prst="rect">
+              <a:avLst/>
+            </a:prstGeom>
+            <a:noFill/>
+          </p:spPr>
+          <p:txBody>
+            <a:bodyPr wrap="none" rtlCol="0">
+              <a:spAutoFit/>
+            </a:bodyPr>
+            <a:lstStyle/>
+            <a:p>
+              <a:r>
+                <a:rPr kumimoji="1" lang="en-US" altLang="ja-JP"/>
+                <a:t>ab+c</a:t>
+              </a:r>
+              <a:endParaRPr kumimoji="1" lang="ja-JP" altLang="en-US"/>
+            </a:p>
+          </p:txBody>
+        </p:sp>
+      </p:grpSp>
+      <p:sp>
+        <p:nvSpPr>
+          <p:cNvPr id="84" name="正方形/長方形 83">
+            <a:extLst>
+              <a:ext uri="{FF2B5EF4-FFF2-40B4-BE49-F238E27FC236}">
+                <a16:creationId xmlns:a16="http://schemas.microsoft.com/office/drawing/2014/main" id="{43934D98-DB31-A844-87D9-834ABFA13194}"/>
+              </a:ext>
+            </a:extLst>
+          </p:cNvPr>
+          <p:cNvSpPr/>
+          <p:nvPr/>
+        </p:nvSpPr>
+        <p:spPr>
+          <a:xfrm>
+            <a:off x="5796136" y="2276872"/>
+            <a:ext cx="1903983" cy="369332"/>
+          </a:xfrm>
+          <a:prstGeom prst="rect">
+            <a:avLst/>
+          </a:prstGeom>
+        </p:spPr>
+        <p:txBody>
+          <a:bodyPr wrap="none">
+            <a:spAutoFit/>
+          </a:bodyPr>
+          <a:lstStyle/>
+          <a:p>
+            <a:r>
+              <a:rPr lang="en-US" altLang="ja-JP" dirty="0"/>
+              <a:t>BINARY_MULTIPLY</a:t>
+            </a:r>
+          </a:p>
+        </p:txBody>
+      </p:sp>
+      <p:sp>
+        <p:nvSpPr>
+          <p:cNvPr id="85" name="正方形/長方形 84">
+            <a:extLst>
+              <a:ext uri="{FF2B5EF4-FFF2-40B4-BE49-F238E27FC236}">
+                <a16:creationId xmlns:a16="http://schemas.microsoft.com/office/drawing/2014/main" id="{C9F99E02-23F2-CE4D-AC55-6A175DEACCBA}"/>
+              </a:ext>
+            </a:extLst>
+          </p:cNvPr>
+          <p:cNvSpPr/>
+          <p:nvPr/>
+        </p:nvSpPr>
+        <p:spPr>
+          <a:xfrm>
+            <a:off x="5220072" y="4581128"/>
+            <a:ext cx="1417183" cy="369332"/>
+          </a:xfrm>
+          <a:prstGeom prst="rect">
+            <a:avLst/>
+          </a:prstGeom>
+        </p:spPr>
+        <p:txBody>
+          <a:bodyPr wrap="none">
+            <a:spAutoFit/>
+          </a:bodyPr>
+          <a:lstStyle/>
+          <a:p>
+            <a:r>
+              <a:rPr lang="en-US" altLang="ja-JP" dirty="0"/>
+              <a:t>BINARY_ADD</a:t>
+            </a:r>
+          </a:p>
+        </p:txBody>
+      </p:sp>
+    </p:spTree>
+    <p:extLst>
+      <p:ext uri="{BB962C8B-B14F-4D97-AF65-F5344CB8AC3E}">
+        <p14:creationId xmlns:p14="http://schemas.microsoft.com/office/powerpoint/2010/main" val="3393445216"/>
+      </p:ext>
+    </p:extLst>
+  </p:cSld>
+  <p:clrMapOvr>
+    <a:masterClrMapping/>
+  </p:clrMapOvr>
+</p:sld>
+</file>
+
+<file path=ppt/slides/slide8.xml><?xml version="1.0" encoding="utf-8"?>
+<p:sld xmlns:a="http://schemas.openxmlformats.org/drawingml/2006/main" xmlns:r="http://schemas.openxmlformats.org/officeDocument/2006/relationships" xmlns:p="http://schemas.openxmlformats.org/presentationml/2006/main">
+  <p:cSld>
+    <p:spTree>
+      <p:nvGrpSpPr>
+        <p:cNvPr id="1" name=""/>
+        <p:cNvGrpSpPr/>
+        <p:nvPr/>
+      </p:nvGrpSpPr>
+      <p:grpSpPr>
+        <a:xfrm>
+          <a:off x="0" y="0"/>
+          <a:ext cx="0" cy="0"/>
+          <a:chOff x="0" y="0"/>
+          <a:chExt cx="0" cy="0"/>
+        </a:xfrm>
+      </p:grpSpPr>
+      <p:sp>
+        <p:nvSpPr>
+          <p:cNvPr id="2" name="正方形/長方形 1">
+            <a:extLst>
+              <a:ext uri="{FF2B5EF4-FFF2-40B4-BE49-F238E27FC236}">
+                <a16:creationId xmlns:a16="http://schemas.microsoft.com/office/drawing/2014/main" id="{D684E1E6-F198-7F47-A92F-891329C5345E}"/>
+              </a:ext>
+            </a:extLst>
+          </p:cNvPr>
+          <p:cNvSpPr/>
+          <p:nvPr/>
+        </p:nvSpPr>
+        <p:spPr>
+          <a:xfrm>
+            <a:off x="5292080" y="548680"/>
+            <a:ext cx="2406428" cy="584775"/>
+          </a:xfrm>
+          <a:prstGeom prst="rect">
+            <a:avLst/>
+          </a:prstGeom>
+          <a:solidFill>
+            <a:schemeClr val="tx1"/>
+          </a:solidFill>
+        </p:spPr>
+        <p:txBody>
+          <a:bodyPr wrap="none">
+            <a:spAutoFit/>
+          </a:bodyPr>
+          <a:lstStyle/>
+          <a:p>
+            <a:pPr algn="ctr"/>
+            <a:r>
+              <a:rPr lang="en" altLang="ja-JP" sz="3200" b="0">
+                <a:solidFill>
+                  <a:srgbClr val="CE9178"/>
+                </a:solidFill>
+                <a:effectLst/>
+                <a:latin typeface="Menlo" panose="020B0609030804020204" pitchFamily="49" charset="0"/>
+              </a:rPr>
+              <a:t>a b c * +</a:t>
+            </a:r>
+            <a:endParaRPr lang="en" altLang="ja-JP" sz="3200" b="0">
+              <a:solidFill>
+                <a:srgbClr val="D4D4D4"/>
+              </a:solidFill>
+              <a:effectLst/>
+              <a:latin typeface="Menlo" panose="020B0609030804020204" pitchFamily="49" charset="0"/>
+            </a:endParaRPr>
+          </a:p>
+        </p:txBody>
+      </p:sp>
+      <p:sp>
+        <p:nvSpPr>
+          <p:cNvPr id="3" name="正方形/長方形 2">
+            <a:extLst>
+              <a:ext uri="{FF2B5EF4-FFF2-40B4-BE49-F238E27FC236}">
+                <a16:creationId xmlns:a16="http://schemas.microsoft.com/office/drawing/2014/main" id="{D5494C94-69D6-104B-8805-F7D9A4AF181C}"/>
+              </a:ext>
+            </a:extLst>
+          </p:cNvPr>
+          <p:cNvSpPr/>
+          <p:nvPr/>
+        </p:nvSpPr>
+        <p:spPr>
+          <a:xfrm>
+            <a:off x="1763688" y="548680"/>
+            <a:ext cx="2406428" cy="584775"/>
+          </a:xfrm>
+          <a:prstGeom prst="rect">
+            <a:avLst/>
+          </a:prstGeom>
+          <a:solidFill>
+            <a:schemeClr val="tx1"/>
+          </a:solidFill>
+        </p:spPr>
+        <p:txBody>
+          <a:bodyPr wrap="none">
+            <a:spAutoFit/>
+          </a:bodyPr>
+          <a:lstStyle/>
+          <a:p>
+            <a:pPr algn="ctr"/>
+            <a:r>
+              <a:rPr lang="en" altLang="ja-JP" sz="3200" b="0">
+                <a:solidFill>
+                  <a:srgbClr val="CE9178"/>
+                </a:solidFill>
+                <a:effectLst/>
+                <a:latin typeface="Menlo" panose="020B0609030804020204" pitchFamily="49" charset="0"/>
+              </a:rPr>
+              <a:t>a + b * c</a:t>
+            </a:r>
+            <a:endParaRPr lang="en" altLang="ja-JP" sz="3200" b="0">
+              <a:solidFill>
+                <a:srgbClr val="D4D4D4"/>
+              </a:solidFill>
+              <a:effectLst/>
+              <a:latin typeface="Menlo" panose="020B0609030804020204" pitchFamily="49" charset="0"/>
+            </a:endParaRPr>
+          </a:p>
+        </p:txBody>
+      </p:sp>
+      <p:sp>
+        <p:nvSpPr>
+          <p:cNvPr id="4" name="テキスト ボックス 3">
+            <a:extLst>
+              <a:ext uri="{FF2B5EF4-FFF2-40B4-BE49-F238E27FC236}">
+                <a16:creationId xmlns:a16="http://schemas.microsoft.com/office/drawing/2014/main" id="{CEF486B6-EB61-3748-BDAE-946B88DA4781}"/>
+              </a:ext>
+            </a:extLst>
+          </p:cNvPr>
+          <p:cNvSpPr txBox="1"/>
+          <p:nvPr/>
+        </p:nvSpPr>
+        <p:spPr>
+          <a:xfrm>
+            <a:off x="2411760" y="116632"/>
+            <a:ext cx="1107996" cy="369332"/>
+          </a:xfrm>
+          <a:prstGeom prst="rect">
+            <a:avLst/>
+          </a:prstGeom>
+          <a:noFill/>
+        </p:spPr>
+        <p:txBody>
+          <a:bodyPr wrap="none" rtlCol="0">
+            <a:spAutoFit/>
+          </a:bodyPr>
+          <a:lstStyle/>
+          <a:p>
+            <a:pPr algn="ctr"/>
+            <a:r>
+              <a:rPr kumimoji="1" lang="ja-JP" altLang="en-US"/>
+              <a:t>中置記法</a:t>
+            </a:r>
+          </a:p>
+        </p:txBody>
+      </p:sp>
+      <p:sp>
+        <p:nvSpPr>
+          <p:cNvPr id="5" name="テキスト ボックス 4">
+            <a:extLst>
+              <a:ext uri="{FF2B5EF4-FFF2-40B4-BE49-F238E27FC236}">
+                <a16:creationId xmlns:a16="http://schemas.microsoft.com/office/drawing/2014/main" id="{D42179D8-2132-4B49-8BE4-0C84DE6D788B}"/>
+              </a:ext>
+            </a:extLst>
+          </p:cNvPr>
+          <p:cNvSpPr txBox="1"/>
+          <p:nvPr/>
+        </p:nvSpPr>
+        <p:spPr>
+          <a:xfrm>
+            <a:off x="5436096" y="116632"/>
+            <a:ext cx="2031325" cy="369332"/>
+          </a:xfrm>
+          <a:prstGeom prst="rect">
+            <a:avLst/>
+          </a:prstGeom>
+          <a:noFill/>
+        </p:spPr>
+        <p:txBody>
+          <a:bodyPr wrap="none" rtlCol="0">
+            <a:spAutoFit/>
+          </a:bodyPr>
+          <a:lstStyle/>
+          <a:p>
+            <a:pPr algn="ctr"/>
+            <a:r>
+              <a:rPr kumimoji="1" lang="ja-JP" altLang="en-US"/>
+              <a:t>逆ポーランド記法</a:t>
+            </a:r>
+          </a:p>
+        </p:txBody>
+      </p:sp>
+      <p:grpSp>
+        <p:nvGrpSpPr>
+          <p:cNvPr id="6" name="グループ化 5">
+            <a:extLst>
+              <a:ext uri="{FF2B5EF4-FFF2-40B4-BE49-F238E27FC236}">
+                <a16:creationId xmlns:a16="http://schemas.microsoft.com/office/drawing/2014/main" id="{94DDB97F-0AA8-B943-A40D-C9216D9F41AD}"/>
+              </a:ext>
+            </a:extLst>
+          </p:cNvPr>
+          <p:cNvGrpSpPr/>
+          <p:nvPr/>
+        </p:nvGrpSpPr>
+        <p:grpSpPr>
+          <a:xfrm>
+            <a:off x="426410" y="1988841"/>
+            <a:ext cx="643508" cy="643508"/>
+            <a:chOff x="1115616" y="1556792"/>
+            <a:chExt cx="643508" cy="643508"/>
+          </a:xfrm>
+        </p:grpSpPr>
+        <p:pic>
+          <p:nvPicPr>
+            <p:cNvPr id="7" name="図 6">
+              <a:extLst>
+                <a:ext uri="{FF2B5EF4-FFF2-40B4-BE49-F238E27FC236}">
+                  <a16:creationId xmlns:a16="http://schemas.microsoft.com/office/drawing/2014/main" id="{35D2A418-0D7E-4041-ADF3-12685453B0D7}"/>
+                </a:ext>
+              </a:extLst>
+            </p:cNvPr>
+            <p:cNvPicPr>
+              <a:picLocks noChangeAspect="1"/>
+            </p:cNvPicPr>
+            <p:nvPr/>
+          </p:nvPicPr>
+          <p:blipFill>
+            <a:blip r:embed="rId2"/>
+            <a:stretch>
+              <a:fillRect/>
+            </a:stretch>
+          </p:blipFill>
+          <p:spPr>
+            <a:xfrm>
+              <a:off x="1115616" y="1556792"/>
+              <a:ext cx="643508" cy="643508"/>
+            </a:xfrm>
+            <a:prstGeom prst="rect">
+              <a:avLst/>
+            </a:prstGeom>
+          </p:spPr>
+        </p:pic>
+        <p:sp>
+          <p:nvSpPr>
+            <p:cNvPr id="8" name="テキスト ボックス 7">
+              <a:extLst>
+                <a:ext uri="{FF2B5EF4-FFF2-40B4-BE49-F238E27FC236}">
+                  <a16:creationId xmlns:a16="http://schemas.microsoft.com/office/drawing/2014/main" id="{B3B70DD6-2618-F840-9B44-DEED23590907}"/>
+                </a:ext>
+              </a:extLst>
+            </p:cNvPr>
+            <p:cNvSpPr txBox="1"/>
+            <p:nvPr/>
+          </p:nvSpPr>
+          <p:spPr>
+            <a:xfrm>
+              <a:off x="1187624" y="1772816"/>
+              <a:ext cx="295274" cy="369332"/>
+            </a:xfrm>
+            <a:prstGeom prst="rect">
+              <a:avLst/>
+            </a:prstGeom>
+            <a:noFill/>
+          </p:spPr>
+          <p:txBody>
+            <a:bodyPr wrap="none" rtlCol="0">
+              <a:spAutoFit/>
+            </a:bodyPr>
+            <a:lstStyle/>
+            <a:p>
+              <a:r>
+                <a:rPr kumimoji="1" lang="en-US" altLang="ja-JP"/>
+                <a:t>a</a:t>
+              </a:r>
+              <a:endParaRPr kumimoji="1" lang="ja-JP" altLang="en-US"/>
+            </a:p>
+          </p:txBody>
+        </p:sp>
+      </p:grpSp>
+      <p:sp>
+        <p:nvSpPr>
+          <p:cNvPr id="9" name="円弧 8">
+            <a:extLst>
+              <a:ext uri="{FF2B5EF4-FFF2-40B4-BE49-F238E27FC236}">
+                <a16:creationId xmlns:a16="http://schemas.microsoft.com/office/drawing/2014/main" id="{945C9CF2-6F02-4448-8E92-CFA3ED87E4EE}"/>
+              </a:ext>
+            </a:extLst>
+          </p:cNvPr>
+          <p:cNvSpPr/>
+          <p:nvPr/>
+        </p:nvSpPr>
+        <p:spPr>
+          <a:xfrm>
+            <a:off x="426410" y="2348881"/>
+            <a:ext cx="1080120" cy="648072"/>
+          </a:xfrm>
+          <a:prstGeom prst="arc">
+            <a:avLst>
+              <a:gd name="adj1" fmla="val 16200000"/>
+              <a:gd name="adj2" fmla="val 53800"/>
+            </a:avLst>
+          </a:prstGeom>
+          <a:ln w="12700">
+            <a:solidFill>
+              <a:schemeClr val="tx1"/>
+            </a:solidFill>
+            <a:headEnd type="none" w="med" len="med"/>
+            <a:tailEnd type="triangle" w="med" len="med"/>
+          </a:ln>
+        </p:spPr>
+        <p:style>
+          <a:lnRef idx="1">
+            <a:schemeClr val="accent1"/>
+          </a:lnRef>
+          <a:fillRef idx="0">
+            <a:schemeClr val="accent1"/>
+          </a:fillRef>
+          <a:effectRef idx="0">
+            <a:schemeClr val="accent1"/>
+          </a:effectRef>
+          <a:fontRef idx="minor">
+            <a:schemeClr val="tx1"/>
+          </a:fontRef>
+        </p:style>
+        <p:txBody>
+          <a:bodyPr rtlCol="0" anchor="ctr"/>
+          <a:lstStyle/>
+          <a:p>
+            <a:pPr algn="ctr"/>
+            <a:endParaRPr kumimoji="1" lang="ja-JP" altLang="en-US"/>
+          </a:p>
+        </p:txBody>
+      </p:sp>
+      <p:sp>
+        <p:nvSpPr>
+          <p:cNvPr id="10" name="テキスト ボックス 9">
+            <a:extLst>
+              <a:ext uri="{FF2B5EF4-FFF2-40B4-BE49-F238E27FC236}">
+                <a16:creationId xmlns:a16="http://schemas.microsoft.com/office/drawing/2014/main" id="{60131FA1-473F-324F-A765-CEC1C8F0DAB7}"/>
+              </a:ext>
+            </a:extLst>
+          </p:cNvPr>
+          <p:cNvSpPr txBox="1"/>
+          <p:nvPr/>
+        </p:nvSpPr>
+        <p:spPr>
+          <a:xfrm>
+            <a:off x="1074482" y="1916833"/>
+            <a:ext cx="639919" cy="369332"/>
+          </a:xfrm>
+          <a:prstGeom prst="rect">
+            <a:avLst/>
+          </a:prstGeom>
+          <a:noFill/>
+        </p:spPr>
+        <p:txBody>
+          <a:bodyPr wrap="none" rtlCol="0">
+            <a:spAutoFit/>
+          </a:bodyPr>
+          <a:lstStyle/>
+          <a:p>
+            <a:r>
+              <a:rPr kumimoji="1" lang="en-US" altLang="ja-JP"/>
+              <a:t>push</a:t>
+            </a:r>
+            <a:endParaRPr kumimoji="1" lang="ja-JP" altLang="en-US"/>
+          </a:p>
+        </p:txBody>
+      </p:sp>
+      <p:sp>
+        <p:nvSpPr>
+          <p:cNvPr id="11" name="平行四辺形 10">
+            <a:extLst>
+              <a:ext uri="{FF2B5EF4-FFF2-40B4-BE49-F238E27FC236}">
+                <a16:creationId xmlns:a16="http://schemas.microsoft.com/office/drawing/2014/main" id="{82E82CC1-B196-1F42-B801-7149FD66DD4C}"/>
+              </a:ext>
+            </a:extLst>
+          </p:cNvPr>
+          <p:cNvSpPr/>
+          <p:nvPr/>
+        </p:nvSpPr>
+        <p:spPr>
+          <a:xfrm rot="221800">
+            <a:off x="1008606" y="2738474"/>
+            <a:ext cx="923836" cy="220087"/>
+          </a:xfrm>
+          <a:prstGeom prst="parallelogram">
+            <a:avLst>
+              <a:gd name="adj" fmla="val 139345"/>
+            </a:avLst>
+          </a:prstGeom>
+          <a:solidFill>
+            <a:schemeClr val="tx1">
+              <a:lumMod val="50000"/>
+              <a:lumOff val="50000"/>
+            </a:schemeClr>
+          </a:solidFill>
+          <a:ln>
+            <a:solidFill>
+              <a:schemeClr val="tx1"/>
+            </a:solidFill>
+          </a:ln>
+        </p:spPr>
+        <p:style>
+          <a:lnRef idx="2">
+            <a:schemeClr val="accent1">
+              <a:shade val="50000"/>
+            </a:schemeClr>
+          </a:lnRef>
+          <a:fillRef idx="1">
+            <a:schemeClr val="accent1"/>
+          </a:fillRef>
+          <a:effectRef idx="0">
+            <a:schemeClr val="accent1"/>
+          </a:effectRef>
+          <a:fontRef idx="minor">
+            <a:schemeClr val="lt1"/>
+          </a:fontRef>
+        </p:style>
+        <p:txBody>
+          <a:bodyPr rtlCol="0" anchor="ctr"/>
+          <a:lstStyle/>
+          <a:p>
+            <a:pPr algn="ctr"/>
+            <a:endParaRPr kumimoji="1" lang="ja-JP" altLang="en-US"/>
+          </a:p>
+        </p:txBody>
+      </p:sp>
+      <p:grpSp>
+        <p:nvGrpSpPr>
+          <p:cNvPr id="12" name="グループ化 11">
+            <a:extLst>
+              <a:ext uri="{FF2B5EF4-FFF2-40B4-BE49-F238E27FC236}">
+                <a16:creationId xmlns:a16="http://schemas.microsoft.com/office/drawing/2014/main" id="{156DC005-5DC7-0849-B1B8-F508E5B1CDFC}"/>
+              </a:ext>
+            </a:extLst>
+          </p:cNvPr>
+          <p:cNvGrpSpPr/>
+          <p:nvPr/>
+        </p:nvGrpSpPr>
+        <p:grpSpPr>
+          <a:xfrm>
+            <a:off x="2514642" y="1700809"/>
+            <a:ext cx="643508" cy="643508"/>
+            <a:chOff x="1115616" y="1556792"/>
+            <a:chExt cx="643508" cy="643508"/>
+          </a:xfrm>
+        </p:grpSpPr>
+        <p:pic>
+          <p:nvPicPr>
+            <p:cNvPr id="13" name="図 12">
+              <a:extLst>
+                <a:ext uri="{FF2B5EF4-FFF2-40B4-BE49-F238E27FC236}">
+                  <a16:creationId xmlns:a16="http://schemas.microsoft.com/office/drawing/2014/main" id="{E6F8ED94-9AF9-414B-836F-797A79C77BE8}"/>
+                </a:ext>
+              </a:extLst>
+            </p:cNvPr>
+            <p:cNvPicPr>
+              <a:picLocks noChangeAspect="1"/>
+            </p:cNvPicPr>
+            <p:nvPr/>
+          </p:nvPicPr>
+          <p:blipFill>
+            <a:blip r:embed="rId2"/>
+            <a:stretch>
+              <a:fillRect/>
+            </a:stretch>
+          </p:blipFill>
+          <p:spPr>
+            <a:xfrm>
+              <a:off x="1115616" y="1556792"/>
+              <a:ext cx="643508" cy="643508"/>
+            </a:xfrm>
+            <a:prstGeom prst="rect">
+              <a:avLst/>
+            </a:prstGeom>
+          </p:spPr>
+        </p:pic>
+        <p:sp>
+          <p:nvSpPr>
+            <p:cNvPr id="14" name="テキスト ボックス 13">
+              <a:extLst>
+                <a:ext uri="{FF2B5EF4-FFF2-40B4-BE49-F238E27FC236}">
+                  <a16:creationId xmlns:a16="http://schemas.microsoft.com/office/drawing/2014/main" id="{ECFB5DBB-6063-5B4C-83B2-F9665FD7B194}"/>
+                </a:ext>
+              </a:extLst>
+            </p:cNvPr>
+            <p:cNvSpPr txBox="1"/>
+            <p:nvPr/>
+          </p:nvSpPr>
+          <p:spPr>
+            <a:xfrm>
+              <a:off x="1187624" y="1772816"/>
+              <a:ext cx="306494" cy="369332"/>
+            </a:xfrm>
+            <a:prstGeom prst="rect">
+              <a:avLst/>
+            </a:prstGeom>
+            <a:noFill/>
+          </p:spPr>
+          <p:txBody>
+            <a:bodyPr wrap="none" rtlCol="0">
+              <a:spAutoFit/>
+            </a:bodyPr>
+            <a:lstStyle/>
+            <a:p>
+              <a:r>
+                <a:rPr kumimoji="1" lang="en-US" altLang="ja-JP"/>
+                <a:t>b</a:t>
+              </a:r>
+              <a:endParaRPr kumimoji="1" lang="ja-JP" altLang="en-US"/>
+            </a:p>
+          </p:txBody>
+        </p:sp>
+      </p:grpSp>
+      <p:sp>
+        <p:nvSpPr>
+          <p:cNvPr id="15" name="円弧 14">
+            <a:extLst>
+              <a:ext uri="{FF2B5EF4-FFF2-40B4-BE49-F238E27FC236}">
+                <a16:creationId xmlns:a16="http://schemas.microsoft.com/office/drawing/2014/main" id="{7D010A36-7236-0942-82E9-F230BC36B725}"/>
+              </a:ext>
+            </a:extLst>
+          </p:cNvPr>
+          <p:cNvSpPr/>
+          <p:nvPr/>
+        </p:nvSpPr>
+        <p:spPr>
+          <a:xfrm>
+            <a:off x="2514642" y="2060849"/>
+            <a:ext cx="1080120" cy="648072"/>
+          </a:xfrm>
+          <a:prstGeom prst="arc">
+            <a:avLst>
+              <a:gd name="adj1" fmla="val 16200000"/>
+              <a:gd name="adj2" fmla="val 53800"/>
+            </a:avLst>
+          </a:prstGeom>
+          <a:ln w="12700">
+            <a:solidFill>
+              <a:schemeClr val="tx1"/>
+            </a:solidFill>
+            <a:headEnd type="none" w="med" len="med"/>
+            <a:tailEnd type="triangle" w="med" len="med"/>
+          </a:ln>
+        </p:spPr>
+        <p:style>
+          <a:lnRef idx="1">
+            <a:schemeClr val="accent1"/>
+          </a:lnRef>
+          <a:fillRef idx="0">
+            <a:schemeClr val="accent1"/>
+          </a:fillRef>
+          <a:effectRef idx="0">
+            <a:schemeClr val="accent1"/>
+          </a:effectRef>
+          <a:fontRef idx="minor">
+            <a:schemeClr val="tx1"/>
+          </a:fontRef>
+        </p:style>
+        <p:txBody>
+          <a:bodyPr rtlCol="0" anchor="ctr"/>
+          <a:lstStyle/>
+          <a:p>
+            <a:pPr algn="ctr"/>
+            <a:endParaRPr kumimoji="1" lang="ja-JP" altLang="en-US"/>
+          </a:p>
+        </p:txBody>
+      </p:sp>
+      <p:sp>
+        <p:nvSpPr>
+          <p:cNvPr id="16" name="テキスト ボックス 15">
+            <a:extLst>
+              <a:ext uri="{FF2B5EF4-FFF2-40B4-BE49-F238E27FC236}">
+                <a16:creationId xmlns:a16="http://schemas.microsoft.com/office/drawing/2014/main" id="{5796E89E-FDA8-0046-AA34-4B5304F5907D}"/>
+              </a:ext>
+            </a:extLst>
+          </p:cNvPr>
+          <p:cNvSpPr txBox="1"/>
+          <p:nvPr/>
+        </p:nvSpPr>
+        <p:spPr>
+          <a:xfrm>
+            <a:off x="3162714" y="1484785"/>
+            <a:ext cx="639919" cy="369332"/>
+          </a:xfrm>
+          <a:prstGeom prst="rect">
+            <a:avLst/>
+          </a:prstGeom>
+          <a:noFill/>
+        </p:spPr>
+        <p:txBody>
+          <a:bodyPr wrap="none" rtlCol="0">
+            <a:spAutoFit/>
+          </a:bodyPr>
+          <a:lstStyle/>
+          <a:p>
+            <a:r>
+              <a:rPr kumimoji="1" lang="en-US" altLang="ja-JP"/>
+              <a:t>push</a:t>
+            </a:r>
+            <a:endParaRPr kumimoji="1" lang="ja-JP" altLang="en-US"/>
+          </a:p>
+        </p:txBody>
+      </p:sp>
+      <p:sp>
+        <p:nvSpPr>
+          <p:cNvPr id="17" name="平行四辺形 16">
+            <a:extLst>
+              <a:ext uri="{FF2B5EF4-FFF2-40B4-BE49-F238E27FC236}">
+                <a16:creationId xmlns:a16="http://schemas.microsoft.com/office/drawing/2014/main" id="{B7F6FF13-D1F2-0D40-A721-E00C9D977286}"/>
+              </a:ext>
+            </a:extLst>
+          </p:cNvPr>
+          <p:cNvSpPr/>
+          <p:nvPr/>
+        </p:nvSpPr>
+        <p:spPr>
+          <a:xfrm rot="221800">
+            <a:off x="3168847" y="2738474"/>
+            <a:ext cx="923836" cy="220087"/>
+          </a:xfrm>
+          <a:prstGeom prst="parallelogram">
+            <a:avLst>
+              <a:gd name="adj" fmla="val 139345"/>
+            </a:avLst>
+          </a:prstGeom>
+          <a:solidFill>
+            <a:schemeClr val="tx1">
+              <a:lumMod val="50000"/>
+              <a:lumOff val="50000"/>
+            </a:schemeClr>
+          </a:solidFill>
+          <a:ln>
+            <a:solidFill>
+              <a:schemeClr val="tx1"/>
+            </a:solidFill>
+          </a:ln>
+        </p:spPr>
+        <p:style>
+          <a:lnRef idx="2">
+            <a:schemeClr val="accent1">
+              <a:shade val="50000"/>
+            </a:schemeClr>
+          </a:lnRef>
+          <a:fillRef idx="1">
+            <a:schemeClr val="accent1"/>
+          </a:fillRef>
+          <a:effectRef idx="0">
+            <a:schemeClr val="accent1"/>
+          </a:effectRef>
+          <a:fontRef idx="minor">
+            <a:schemeClr val="lt1"/>
+          </a:fontRef>
+        </p:style>
+        <p:txBody>
+          <a:bodyPr rtlCol="0" anchor="ctr"/>
+          <a:lstStyle/>
+          <a:p>
+            <a:pPr algn="ctr"/>
+            <a:endParaRPr kumimoji="1" lang="ja-JP" altLang="en-US"/>
+          </a:p>
+        </p:txBody>
+      </p:sp>
+      <p:grpSp>
+        <p:nvGrpSpPr>
+          <p:cNvPr id="18" name="グループ化 17">
+            <a:extLst>
+              <a:ext uri="{FF2B5EF4-FFF2-40B4-BE49-F238E27FC236}">
+                <a16:creationId xmlns:a16="http://schemas.microsoft.com/office/drawing/2014/main" id="{5224FAAD-1B78-1B45-9F2F-EF73CC2E3F38}"/>
+              </a:ext>
+            </a:extLst>
+          </p:cNvPr>
+          <p:cNvGrpSpPr/>
+          <p:nvPr/>
+        </p:nvGrpSpPr>
+        <p:grpSpPr>
+          <a:xfrm>
+            <a:off x="3306730" y="2348881"/>
+            <a:ext cx="643508" cy="643508"/>
+            <a:chOff x="1115616" y="1556792"/>
+            <a:chExt cx="643508" cy="643508"/>
+          </a:xfrm>
+        </p:grpSpPr>
+        <p:pic>
+          <p:nvPicPr>
+            <p:cNvPr id="19" name="図 18">
+              <a:extLst>
+                <a:ext uri="{FF2B5EF4-FFF2-40B4-BE49-F238E27FC236}">
+                  <a16:creationId xmlns:a16="http://schemas.microsoft.com/office/drawing/2014/main" id="{4C216029-A4D8-C641-BA15-547F92288ACB}"/>
+                </a:ext>
+              </a:extLst>
+            </p:cNvPr>
+            <p:cNvPicPr>
+              <a:picLocks noChangeAspect="1"/>
+            </p:cNvPicPr>
+            <p:nvPr/>
+          </p:nvPicPr>
+          <p:blipFill>
+            <a:blip r:embed="rId2"/>
+            <a:stretch>
+              <a:fillRect/>
+            </a:stretch>
+          </p:blipFill>
+          <p:spPr>
+            <a:xfrm>
+              <a:off x="1115616" y="1556792"/>
+              <a:ext cx="643508" cy="643508"/>
+            </a:xfrm>
+            <a:prstGeom prst="rect">
+              <a:avLst/>
+            </a:prstGeom>
+          </p:spPr>
+        </p:pic>
+        <p:sp>
+          <p:nvSpPr>
+            <p:cNvPr id="20" name="テキスト ボックス 19">
+              <a:extLst>
+                <a:ext uri="{FF2B5EF4-FFF2-40B4-BE49-F238E27FC236}">
+                  <a16:creationId xmlns:a16="http://schemas.microsoft.com/office/drawing/2014/main" id="{51048724-EB86-C040-BD47-CDF8B15BD057}"/>
+                </a:ext>
+              </a:extLst>
+            </p:cNvPr>
+            <p:cNvSpPr txBox="1"/>
+            <p:nvPr/>
+          </p:nvSpPr>
+          <p:spPr>
+            <a:xfrm>
+              <a:off x="1187624" y="1772816"/>
+              <a:ext cx="306494" cy="369332"/>
+            </a:xfrm>
+            <a:prstGeom prst="rect">
+              <a:avLst/>
+            </a:prstGeom>
+            <a:noFill/>
+          </p:spPr>
+          <p:txBody>
+            <a:bodyPr wrap="none" rtlCol="0">
+              <a:spAutoFit/>
+            </a:bodyPr>
+            <a:lstStyle/>
+            <a:p>
+              <a:r>
+                <a:rPr lang="en-US" altLang="ja-JP"/>
+                <a:t>a</a:t>
+              </a:r>
+              <a:endParaRPr kumimoji="1" lang="ja-JP" altLang="en-US"/>
+            </a:p>
+          </p:txBody>
+        </p:sp>
+      </p:grpSp>
+      <p:sp>
+        <p:nvSpPr>
+          <p:cNvPr id="21" name="平行四辺形 20">
+            <a:extLst>
+              <a:ext uri="{FF2B5EF4-FFF2-40B4-BE49-F238E27FC236}">
+                <a16:creationId xmlns:a16="http://schemas.microsoft.com/office/drawing/2014/main" id="{7381C119-7211-5346-A9D7-0E61785B4EAE}"/>
+              </a:ext>
+            </a:extLst>
+          </p:cNvPr>
+          <p:cNvSpPr/>
+          <p:nvPr/>
+        </p:nvSpPr>
+        <p:spPr>
+          <a:xfrm rot="221800">
+            <a:off x="5329088" y="2738474"/>
+            <a:ext cx="923836" cy="220087"/>
+          </a:xfrm>
+          <a:prstGeom prst="parallelogram">
+            <a:avLst>
+              <a:gd name="adj" fmla="val 139345"/>
+            </a:avLst>
+          </a:prstGeom>
+          <a:solidFill>
+            <a:schemeClr val="tx1">
+              <a:lumMod val="50000"/>
+              <a:lumOff val="50000"/>
+            </a:schemeClr>
+          </a:solidFill>
+          <a:ln>
+            <a:solidFill>
+              <a:schemeClr val="tx1"/>
+            </a:solidFill>
+          </a:ln>
+        </p:spPr>
+        <p:style>
+          <a:lnRef idx="2">
+            <a:schemeClr val="accent1">
+              <a:shade val="50000"/>
+            </a:schemeClr>
+          </a:lnRef>
+          <a:fillRef idx="1">
+            <a:schemeClr val="accent1"/>
+          </a:fillRef>
+          <a:effectRef idx="0">
+            <a:schemeClr val="accent1"/>
+          </a:effectRef>
+          <a:fontRef idx="minor">
+            <a:schemeClr val="lt1"/>
+          </a:fontRef>
+        </p:style>
+        <p:txBody>
+          <a:bodyPr rtlCol="0" anchor="ctr"/>
+          <a:lstStyle/>
+          <a:p>
+            <a:pPr algn="ctr"/>
+            <a:endParaRPr kumimoji="1" lang="ja-JP" altLang="en-US"/>
+          </a:p>
+        </p:txBody>
+      </p:sp>
+      <p:grpSp>
+        <p:nvGrpSpPr>
+          <p:cNvPr id="22" name="グループ化 21">
+            <a:extLst>
+              <a:ext uri="{FF2B5EF4-FFF2-40B4-BE49-F238E27FC236}">
+                <a16:creationId xmlns:a16="http://schemas.microsoft.com/office/drawing/2014/main" id="{82846E57-4C6A-F743-BA12-82EAB4AD22FF}"/>
+              </a:ext>
+            </a:extLst>
+          </p:cNvPr>
+          <p:cNvGrpSpPr/>
+          <p:nvPr/>
+        </p:nvGrpSpPr>
+        <p:grpSpPr>
+          <a:xfrm>
+            <a:off x="5466971" y="2348881"/>
+            <a:ext cx="643508" cy="643508"/>
+            <a:chOff x="1115616" y="1556792"/>
+            <a:chExt cx="643508" cy="643508"/>
+          </a:xfrm>
+        </p:grpSpPr>
+        <p:pic>
+          <p:nvPicPr>
+            <p:cNvPr id="23" name="図 22">
+              <a:extLst>
+                <a:ext uri="{FF2B5EF4-FFF2-40B4-BE49-F238E27FC236}">
+                  <a16:creationId xmlns:a16="http://schemas.microsoft.com/office/drawing/2014/main" id="{29EBDF51-D8D4-F143-B5C4-86AB8B378313}"/>
+                </a:ext>
+              </a:extLst>
+            </p:cNvPr>
+            <p:cNvPicPr>
+              <a:picLocks noChangeAspect="1"/>
+            </p:cNvPicPr>
+            <p:nvPr/>
+          </p:nvPicPr>
+          <p:blipFill>
+            <a:blip r:embed="rId2"/>
+            <a:stretch>
+              <a:fillRect/>
+            </a:stretch>
+          </p:blipFill>
+          <p:spPr>
+            <a:xfrm>
+              <a:off x="1115616" y="1556792"/>
+              <a:ext cx="643508" cy="643508"/>
+            </a:xfrm>
+            <a:prstGeom prst="rect">
+              <a:avLst/>
+            </a:prstGeom>
+          </p:spPr>
+        </p:pic>
+        <p:sp>
+          <p:nvSpPr>
+            <p:cNvPr id="24" name="テキスト ボックス 23">
+              <a:extLst>
+                <a:ext uri="{FF2B5EF4-FFF2-40B4-BE49-F238E27FC236}">
+                  <a16:creationId xmlns:a16="http://schemas.microsoft.com/office/drawing/2014/main" id="{F9C22905-53FD-D645-8715-A7622E76F06C}"/>
+                </a:ext>
+              </a:extLst>
+            </p:cNvPr>
+            <p:cNvSpPr txBox="1"/>
+            <p:nvPr/>
+          </p:nvSpPr>
+          <p:spPr>
+            <a:xfrm>
+              <a:off x="1187624" y="1772816"/>
+              <a:ext cx="306494" cy="369332"/>
+            </a:xfrm>
+            <a:prstGeom prst="rect">
+              <a:avLst/>
+            </a:prstGeom>
+            <a:noFill/>
+          </p:spPr>
+          <p:txBody>
+            <a:bodyPr wrap="none" rtlCol="0">
+              <a:spAutoFit/>
+            </a:bodyPr>
+            <a:lstStyle/>
+            <a:p>
+              <a:r>
+                <a:rPr lang="en-US" altLang="ja-JP"/>
+                <a:t>a</a:t>
+              </a:r>
+              <a:endParaRPr kumimoji="1" lang="ja-JP" altLang="en-US"/>
+            </a:p>
+          </p:txBody>
+        </p:sp>
+      </p:grpSp>
+      <p:grpSp>
+        <p:nvGrpSpPr>
+          <p:cNvPr id="25" name="グループ化 24">
+            <a:extLst>
+              <a:ext uri="{FF2B5EF4-FFF2-40B4-BE49-F238E27FC236}">
+                <a16:creationId xmlns:a16="http://schemas.microsoft.com/office/drawing/2014/main" id="{D52881F0-1C98-1647-A8C5-FCA99E5131E7}"/>
+              </a:ext>
+            </a:extLst>
+          </p:cNvPr>
+          <p:cNvGrpSpPr/>
+          <p:nvPr/>
+        </p:nvGrpSpPr>
+        <p:grpSpPr>
+          <a:xfrm>
+            <a:off x="5466970" y="1916834"/>
+            <a:ext cx="643508" cy="643508"/>
+            <a:chOff x="1115616" y="1556792"/>
+            <a:chExt cx="643508" cy="643508"/>
+          </a:xfrm>
+        </p:grpSpPr>
+        <p:pic>
+          <p:nvPicPr>
+            <p:cNvPr id="26" name="図 25">
+              <a:extLst>
+                <a:ext uri="{FF2B5EF4-FFF2-40B4-BE49-F238E27FC236}">
+                  <a16:creationId xmlns:a16="http://schemas.microsoft.com/office/drawing/2014/main" id="{00C5675E-DC91-5844-9454-D85FC147182D}"/>
+                </a:ext>
+              </a:extLst>
+            </p:cNvPr>
+            <p:cNvPicPr>
+              <a:picLocks noChangeAspect="1"/>
+            </p:cNvPicPr>
+            <p:nvPr/>
+          </p:nvPicPr>
+          <p:blipFill>
+            <a:blip r:embed="rId2"/>
+            <a:stretch>
+              <a:fillRect/>
+            </a:stretch>
+          </p:blipFill>
+          <p:spPr>
+            <a:xfrm>
+              <a:off x="1115616" y="1556792"/>
+              <a:ext cx="643508" cy="643508"/>
+            </a:xfrm>
+            <a:prstGeom prst="rect">
+              <a:avLst/>
+            </a:prstGeom>
+          </p:spPr>
+        </p:pic>
+        <p:sp>
+          <p:nvSpPr>
+            <p:cNvPr id="27" name="テキスト ボックス 26">
+              <a:extLst>
+                <a:ext uri="{FF2B5EF4-FFF2-40B4-BE49-F238E27FC236}">
+                  <a16:creationId xmlns:a16="http://schemas.microsoft.com/office/drawing/2014/main" id="{6CA5B428-FB5E-8643-BCCF-4775F5DE9910}"/>
+                </a:ext>
+              </a:extLst>
+            </p:cNvPr>
+            <p:cNvSpPr txBox="1"/>
+            <p:nvPr/>
+          </p:nvSpPr>
+          <p:spPr>
+            <a:xfrm>
+              <a:off x="1187624" y="1772816"/>
+              <a:ext cx="306494" cy="369332"/>
+            </a:xfrm>
+            <a:prstGeom prst="rect">
+              <a:avLst/>
+            </a:prstGeom>
+            <a:noFill/>
+          </p:spPr>
+          <p:txBody>
+            <a:bodyPr wrap="none" rtlCol="0">
+              <a:spAutoFit/>
+            </a:bodyPr>
+            <a:lstStyle/>
+            <a:p>
+              <a:r>
+                <a:rPr kumimoji="1" lang="en-US" altLang="ja-JP"/>
+                <a:t>b</a:t>
+              </a:r>
+              <a:endParaRPr kumimoji="1" lang="ja-JP" altLang="en-US"/>
+            </a:p>
+          </p:txBody>
+        </p:sp>
+      </p:grpSp>
+      <p:sp>
+        <p:nvSpPr>
+          <p:cNvPr id="28" name="下矢印 27">
+            <a:extLst>
+              <a:ext uri="{FF2B5EF4-FFF2-40B4-BE49-F238E27FC236}">
+                <a16:creationId xmlns:a16="http://schemas.microsoft.com/office/drawing/2014/main" id="{F10A76D1-6108-F04C-86CF-CB7F3A80EE61}"/>
+              </a:ext>
+            </a:extLst>
+          </p:cNvPr>
+          <p:cNvSpPr/>
+          <p:nvPr/>
+        </p:nvSpPr>
+        <p:spPr>
+          <a:xfrm rot="16200000">
+            <a:off x="1896962" y="2246481"/>
+            <a:ext cx="330131" cy="390914"/>
+          </a:xfrm>
+          <a:prstGeom prst="downArrow">
+            <a:avLst/>
+          </a:prstGeom>
+          <a:solidFill>
+            <a:srgbClr val="FF0000"/>
+          </a:solidFill>
+          <a:ln>
+            <a:solidFill>
+              <a:schemeClr val="tx1"/>
+            </a:solidFill>
+          </a:ln>
+        </p:spPr>
+        <p:style>
+          <a:lnRef idx="2">
+            <a:schemeClr val="accent1">
+              <a:shade val="50000"/>
+            </a:schemeClr>
+          </a:lnRef>
+          <a:fillRef idx="1">
+            <a:schemeClr val="accent1"/>
+          </a:fillRef>
+          <a:effectRef idx="0">
+            <a:schemeClr val="accent1"/>
+          </a:effectRef>
+          <a:fontRef idx="minor">
+            <a:schemeClr val="lt1"/>
+          </a:fontRef>
+        </p:style>
+        <p:txBody>
+          <a:bodyPr rot="0" spcFirstLastPara="0" vertOverflow="overflow" horzOverflow="overflow" vert="horz" wrap="square" lIns="91440" tIns="45720" rIns="91440" bIns="45720" numCol="1" spcCol="0" rtlCol="0" fromWordArt="0" anchor="ctr" anchorCtr="0" forceAA="0" compatLnSpc="1">
+            <a:prstTxWarp prst="textNoShape">
+              <a:avLst/>
+            </a:prstTxWarp>
+            <a:noAutofit/>
+          </a:bodyPr>
+          <a:lstStyle/>
+          <a:p>
+            <a:pPr algn="ctr"/>
+            <a:endParaRPr kumimoji="1" lang="ja-JP" altLang="en-US"/>
+          </a:p>
+        </p:txBody>
+      </p:sp>
+      <p:sp>
+        <p:nvSpPr>
+          <p:cNvPr id="29" name="下矢印 28">
+            <a:extLst>
+              <a:ext uri="{FF2B5EF4-FFF2-40B4-BE49-F238E27FC236}">
+                <a16:creationId xmlns:a16="http://schemas.microsoft.com/office/drawing/2014/main" id="{CD37DA68-6249-9B4F-A943-4230C04D0F44}"/>
+              </a:ext>
+            </a:extLst>
+          </p:cNvPr>
+          <p:cNvSpPr/>
+          <p:nvPr/>
+        </p:nvSpPr>
+        <p:spPr>
+          <a:xfrm rot="16200000">
+            <a:off x="4345233" y="2174473"/>
+            <a:ext cx="330131" cy="390914"/>
+          </a:xfrm>
+          <a:prstGeom prst="downArrow">
+            <a:avLst/>
+          </a:prstGeom>
+          <a:solidFill>
+            <a:srgbClr val="FF0000"/>
+          </a:solidFill>
+          <a:ln>
+            <a:solidFill>
+              <a:schemeClr val="tx1"/>
+            </a:solidFill>
+          </a:ln>
+        </p:spPr>
+        <p:style>
+          <a:lnRef idx="2">
+            <a:schemeClr val="accent1">
+              <a:shade val="50000"/>
+            </a:schemeClr>
+          </a:lnRef>
+          <a:fillRef idx="1">
+            <a:schemeClr val="accent1"/>
+          </a:fillRef>
+          <a:effectRef idx="0">
+            <a:schemeClr val="accent1"/>
+          </a:effectRef>
+          <a:fontRef idx="minor">
+            <a:schemeClr val="lt1"/>
+          </a:fontRef>
+        </p:style>
+        <p:txBody>
+          <a:bodyPr rot="0" spcFirstLastPara="0" vertOverflow="overflow" horzOverflow="overflow" vert="horz" wrap="square" lIns="91440" tIns="45720" rIns="91440" bIns="45720" numCol="1" spcCol="0" rtlCol="0" fromWordArt="0" anchor="ctr" anchorCtr="0" forceAA="0" compatLnSpc="1">
+            <a:prstTxWarp prst="textNoShape">
+              <a:avLst/>
+            </a:prstTxWarp>
+            <a:noAutofit/>
+          </a:bodyPr>
+          <a:lstStyle/>
+          <a:p>
+            <a:pPr algn="ctr"/>
+            <a:endParaRPr kumimoji="1" lang="ja-JP" altLang="en-US"/>
+          </a:p>
+        </p:txBody>
+      </p:sp>
+      <p:grpSp>
+        <p:nvGrpSpPr>
+          <p:cNvPr id="35" name="グループ化 34">
+            <a:extLst>
+              <a:ext uri="{FF2B5EF4-FFF2-40B4-BE49-F238E27FC236}">
+                <a16:creationId xmlns:a16="http://schemas.microsoft.com/office/drawing/2014/main" id="{1D64F270-331A-5946-AE60-A9B31D75295B}"/>
+              </a:ext>
+            </a:extLst>
+          </p:cNvPr>
+          <p:cNvGrpSpPr/>
+          <p:nvPr/>
+        </p:nvGrpSpPr>
+        <p:grpSpPr>
+          <a:xfrm>
+            <a:off x="4674882" y="1268762"/>
+            <a:ext cx="643508" cy="643508"/>
+            <a:chOff x="1115616" y="1556792"/>
+            <a:chExt cx="643508" cy="643508"/>
+          </a:xfrm>
+        </p:grpSpPr>
+        <p:pic>
+          <p:nvPicPr>
+            <p:cNvPr id="36" name="図 35">
+              <a:extLst>
+                <a:ext uri="{FF2B5EF4-FFF2-40B4-BE49-F238E27FC236}">
+                  <a16:creationId xmlns:a16="http://schemas.microsoft.com/office/drawing/2014/main" id="{EF2AD6BD-9F49-E44F-9A33-9DB1E9C26EC6}"/>
+                </a:ext>
+              </a:extLst>
+            </p:cNvPr>
+            <p:cNvPicPr>
+              <a:picLocks noChangeAspect="1"/>
+            </p:cNvPicPr>
+            <p:nvPr/>
+          </p:nvPicPr>
+          <p:blipFill>
+            <a:blip r:embed="rId2"/>
+            <a:stretch>
+              <a:fillRect/>
+            </a:stretch>
+          </p:blipFill>
+          <p:spPr>
+            <a:xfrm>
+              <a:off x="1115616" y="1556792"/>
+              <a:ext cx="643508" cy="643508"/>
+            </a:xfrm>
+            <a:prstGeom prst="rect">
+              <a:avLst/>
+            </a:prstGeom>
+          </p:spPr>
+        </p:pic>
+        <p:sp>
+          <p:nvSpPr>
+            <p:cNvPr id="37" name="テキスト ボックス 36">
+              <a:extLst>
+                <a:ext uri="{FF2B5EF4-FFF2-40B4-BE49-F238E27FC236}">
+                  <a16:creationId xmlns:a16="http://schemas.microsoft.com/office/drawing/2014/main" id="{DA02EFB1-1C88-E448-B46F-E70AA2CF1241}"/>
+                </a:ext>
+              </a:extLst>
+            </p:cNvPr>
+            <p:cNvSpPr txBox="1"/>
+            <p:nvPr/>
+          </p:nvSpPr>
+          <p:spPr>
+            <a:xfrm>
+              <a:off x="1187624" y="1772816"/>
+              <a:ext cx="282450" cy="369332"/>
+            </a:xfrm>
+            <a:prstGeom prst="rect">
+              <a:avLst/>
+            </a:prstGeom>
+            <a:noFill/>
+          </p:spPr>
+          <p:txBody>
+            <a:bodyPr wrap="none" rtlCol="0">
+              <a:spAutoFit/>
+            </a:bodyPr>
+            <a:lstStyle/>
+            <a:p>
+              <a:r>
+                <a:rPr kumimoji="1" lang="en-US" altLang="ja-JP"/>
+                <a:t>c</a:t>
+              </a:r>
+              <a:endParaRPr kumimoji="1" lang="ja-JP" altLang="en-US"/>
+            </a:p>
+          </p:txBody>
+        </p:sp>
+      </p:grpSp>
+      <p:sp>
+        <p:nvSpPr>
+          <p:cNvPr id="38" name="円弧 37">
+            <a:extLst>
+              <a:ext uri="{FF2B5EF4-FFF2-40B4-BE49-F238E27FC236}">
+                <a16:creationId xmlns:a16="http://schemas.microsoft.com/office/drawing/2014/main" id="{909DB8D2-0D85-084F-9119-5E6A45520365}"/>
+              </a:ext>
+            </a:extLst>
+          </p:cNvPr>
+          <p:cNvSpPr/>
+          <p:nvPr/>
+        </p:nvSpPr>
+        <p:spPr>
+          <a:xfrm>
+            <a:off x="4674882" y="1628802"/>
+            <a:ext cx="1080120" cy="648072"/>
+          </a:xfrm>
+          <a:prstGeom prst="arc">
+            <a:avLst>
+              <a:gd name="adj1" fmla="val 16200000"/>
+              <a:gd name="adj2" fmla="val 53800"/>
+            </a:avLst>
+          </a:prstGeom>
+          <a:ln w="12700">
+            <a:solidFill>
+              <a:schemeClr val="tx1"/>
+            </a:solidFill>
+            <a:headEnd type="none" w="med" len="med"/>
+            <a:tailEnd type="triangle" w="med" len="med"/>
+          </a:ln>
+        </p:spPr>
+        <p:style>
+          <a:lnRef idx="1">
+            <a:schemeClr val="accent1"/>
+          </a:lnRef>
+          <a:fillRef idx="0">
+            <a:schemeClr val="accent1"/>
+          </a:fillRef>
+          <a:effectRef idx="0">
+            <a:schemeClr val="accent1"/>
+          </a:effectRef>
+          <a:fontRef idx="minor">
+            <a:schemeClr val="tx1"/>
+          </a:fontRef>
+        </p:style>
+        <p:txBody>
+          <a:bodyPr rtlCol="0" anchor="ctr"/>
+          <a:lstStyle/>
+          <a:p>
+            <a:pPr algn="ctr"/>
+            <a:endParaRPr kumimoji="1" lang="ja-JP" altLang="en-US"/>
+          </a:p>
+        </p:txBody>
+      </p:sp>
+      <p:sp>
+        <p:nvSpPr>
+          <p:cNvPr id="39" name="テキスト ボックス 38">
+            <a:extLst>
+              <a:ext uri="{FF2B5EF4-FFF2-40B4-BE49-F238E27FC236}">
+                <a16:creationId xmlns:a16="http://schemas.microsoft.com/office/drawing/2014/main" id="{E3552B0B-7B03-FF49-AF53-3249A69229B3}"/>
+              </a:ext>
+            </a:extLst>
+          </p:cNvPr>
+          <p:cNvSpPr txBox="1"/>
+          <p:nvPr/>
+        </p:nvSpPr>
+        <p:spPr>
+          <a:xfrm>
+            <a:off x="5466970" y="1268762"/>
+            <a:ext cx="639919" cy="369332"/>
+          </a:xfrm>
+          <a:prstGeom prst="rect">
+            <a:avLst/>
+          </a:prstGeom>
+          <a:noFill/>
+        </p:spPr>
+        <p:txBody>
+          <a:bodyPr wrap="none" rtlCol="0">
+            <a:spAutoFit/>
+          </a:bodyPr>
+          <a:lstStyle/>
+          <a:p>
+            <a:r>
+              <a:rPr kumimoji="1" lang="en-US" altLang="ja-JP"/>
+              <a:t>push</a:t>
+            </a:r>
+            <a:endParaRPr kumimoji="1" lang="ja-JP" altLang="en-US"/>
+          </a:p>
+        </p:txBody>
+      </p:sp>
+      <p:sp>
+        <p:nvSpPr>
+          <p:cNvPr id="40" name="平行四辺形 39">
+            <a:extLst>
+              <a:ext uri="{FF2B5EF4-FFF2-40B4-BE49-F238E27FC236}">
+                <a16:creationId xmlns:a16="http://schemas.microsoft.com/office/drawing/2014/main" id="{860FAA84-001B-8A40-8FDB-CCEE9B527EE2}"/>
+              </a:ext>
+            </a:extLst>
+          </p:cNvPr>
+          <p:cNvSpPr/>
+          <p:nvPr/>
+        </p:nvSpPr>
+        <p:spPr>
+          <a:xfrm rot="221800">
+            <a:off x="7273304" y="2738473"/>
+            <a:ext cx="923836" cy="220087"/>
+          </a:xfrm>
+          <a:prstGeom prst="parallelogram">
+            <a:avLst>
+              <a:gd name="adj" fmla="val 139345"/>
+            </a:avLst>
+          </a:prstGeom>
+          <a:solidFill>
+            <a:schemeClr val="tx1">
+              <a:lumMod val="50000"/>
+              <a:lumOff val="50000"/>
+            </a:schemeClr>
+          </a:solidFill>
+          <a:ln>
+            <a:solidFill>
+              <a:schemeClr val="tx1"/>
+            </a:solidFill>
+          </a:ln>
+        </p:spPr>
+        <p:style>
+          <a:lnRef idx="2">
+            <a:schemeClr val="accent1">
+              <a:shade val="50000"/>
+            </a:schemeClr>
+          </a:lnRef>
+          <a:fillRef idx="1">
+            <a:schemeClr val="accent1"/>
+          </a:fillRef>
+          <a:effectRef idx="0">
+            <a:schemeClr val="accent1"/>
+          </a:effectRef>
+          <a:fontRef idx="minor">
+            <a:schemeClr val="lt1"/>
+          </a:fontRef>
+        </p:style>
+        <p:txBody>
+          <a:bodyPr rtlCol="0" anchor="ctr"/>
+          <a:lstStyle/>
+          <a:p>
+            <a:pPr algn="ctr"/>
+            <a:endParaRPr kumimoji="1" lang="ja-JP" altLang="en-US"/>
+          </a:p>
+        </p:txBody>
+      </p:sp>
+      <p:grpSp>
+        <p:nvGrpSpPr>
+          <p:cNvPr id="41" name="グループ化 40">
+            <a:extLst>
+              <a:ext uri="{FF2B5EF4-FFF2-40B4-BE49-F238E27FC236}">
+                <a16:creationId xmlns:a16="http://schemas.microsoft.com/office/drawing/2014/main" id="{E6EE6BE2-2AF3-AB4D-A518-80CD3560BE77}"/>
+              </a:ext>
+            </a:extLst>
+          </p:cNvPr>
+          <p:cNvGrpSpPr/>
+          <p:nvPr/>
+        </p:nvGrpSpPr>
+        <p:grpSpPr>
+          <a:xfrm>
+            <a:off x="7411187" y="2348880"/>
+            <a:ext cx="643508" cy="643508"/>
+            <a:chOff x="1115616" y="1556792"/>
+            <a:chExt cx="643508" cy="643508"/>
+          </a:xfrm>
+        </p:grpSpPr>
+        <p:pic>
+          <p:nvPicPr>
+            <p:cNvPr id="42" name="図 41">
+              <a:extLst>
+                <a:ext uri="{FF2B5EF4-FFF2-40B4-BE49-F238E27FC236}">
+                  <a16:creationId xmlns:a16="http://schemas.microsoft.com/office/drawing/2014/main" id="{DF86FB0B-7E5F-5E4A-8CB6-474F53A4A7D5}"/>
+                </a:ext>
+              </a:extLst>
+            </p:cNvPr>
+            <p:cNvPicPr>
+              <a:picLocks noChangeAspect="1"/>
+            </p:cNvPicPr>
+            <p:nvPr/>
+          </p:nvPicPr>
+          <p:blipFill>
+            <a:blip r:embed="rId2"/>
+            <a:stretch>
+              <a:fillRect/>
+            </a:stretch>
+          </p:blipFill>
+          <p:spPr>
+            <a:xfrm>
+              <a:off x="1115616" y="1556792"/>
+              <a:ext cx="643508" cy="643508"/>
+            </a:xfrm>
+            <a:prstGeom prst="rect">
+              <a:avLst/>
+            </a:prstGeom>
+          </p:spPr>
+        </p:pic>
+        <p:sp>
+          <p:nvSpPr>
+            <p:cNvPr id="43" name="テキスト ボックス 42">
+              <a:extLst>
+                <a:ext uri="{FF2B5EF4-FFF2-40B4-BE49-F238E27FC236}">
+                  <a16:creationId xmlns:a16="http://schemas.microsoft.com/office/drawing/2014/main" id="{942F87FA-C080-E64E-8B1F-24C36074956B}"/>
+                </a:ext>
+              </a:extLst>
+            </p:cNvPr>
+            <p:cNvSpPr txBox="1"/>
+            <p:nvPr/>
+          </p:nvSpPr>
+          <p:spPr>
+            <a:xfrm>
+              <a:off x="1187624" y="1772816"/>
+              <a:ext cx="306494" cy="369332"/>
+            </a:xfrm>
+            <a:prstGeom prst="rect">
+              <a:avLst/>
+            </a:prstGeom>
+            <a:noFill/>
+          </p:spPr>
+          <p:txBody>
+            <a:bodyPr wrap="none" rtlCol="0">
+              <a:spAutoFit/>
+            </a:bodyPr>
+            <a:lstStyle/>
+            <a:p>
+              <a:r>
+                <a:rPr lang="en-US" altLang="ja-JP"/>
+                <a:t>a</a:t>
+              </a:r>
+              <a:endParaRPr kumimoji="1" lang="ja-JP" altLang="en-US"/>
+            </a:p>
+          </p:txBody>
+        </p:sp>
+      </p:grpSp>
+      <p:grpSp>
+        <p:nvGrpSpPr>
+          <p:cNvPr id="44" name="グループ化 43">
+            <a:extLst>
+              <a:ext uri="{FF2B5EF4-FFF2-40B4-BE49-F238E27FC236}">
+                <a16:creationId xmlns:a16="http://schemas.microsoft.com/office/drawing/2014/main" id="{20DDBA9B-94E8-4244-B650-1B663A61854F}"/>
+              </a:ext>
+            </a:extLst>
+          </p:cNvPr>
+          <p:cNvGrpSpPr/>
+          <p:nvPr/>
+        </p:nvGrpSpPr>
+        <p:grpSpPr>
+          <a:xfrm>
+            <a:off x="7411186" y="1916833"/>
+            <a:ext cx="643508" cy="643508"/>
+            <a:chOff x="1115616" y="1556792"/>
+            <a:chExt cx="643508" cy="643508"/>
+          </a:xfrm>
+        </p:grpSpPr>
+        <p:pic>
+          <p:nvPicPr>
+            <p:cNvPr id="45" name="図 44">
+              <a:extLst>
+                <a:ext uri="{FF2B5EF4-FFF2-40B4-BE49-F238E27FC236}">
+                  <a16:creationId xmlns:a16="http://schemas.microsoft.com/office/drawing/2014/main" id="{88BF80E9-3461-2340-9D55-BF284DB57D8D}"/>
+                </a:ext>
+              </a:extLst>
+            </p:cNvPr>
+            <p:cNvPicPr>
+              <a:picLocks noChangeAspect="1"/>
+            </p:cNvPicPr>
+            <p:nvPr/>
+          </p:nvPicPr>
+          <p:blipFill>
+            <a:blip r:embed="rId2"/>
+            <a:stretch>
+              <a:fillRect/>
+            </a:stretch>
+          </p:blipFill>
+          <p:spPr>
+            <a:xfrm>
+              <a:off x="1115616" y="1556792"/>
+              <a:ext cx="643508" cy="643508"/>
+            </a:xfrm>
+            <a:prstGeom prst="rect">
+              <a:avLst/>
+            </a:prstGeom>
+          </p:spPr>
+        </p:pic>
+        <p:sp>
+          <p:nvSpPr>
+            <p:cNvPr id="46" name="テキスト ボックス 45">
+              <a:extLst>
+                <a:ext uri="{FF2B5EF4-FFF2-40B4-BE49-F238E27FC236}">
+                  <a16:creationId xmlns:a16="http://schemas.microsoft.com/office/drawing/2014/main" id="{07DA2EAB-0BC2-464A-A1EB-CFEB851ED74E}"/>
+                </a:ext>
+              </a:extLst>
+            </p:cNvPr>
+            <p:cNvSpPr txBox="1"/>
+            <p:nvPr/>
+          </p:nvSpPr>
+          <p:spPr>
+            <a:xfrm>
+              <a:off x="1187624" y="1772816"/>
+              <a:ext cx="306494" cy="369332"/>
+            </a:xfrm>
+            <a:prstGeom prst="rect">
+              <a:avLst/>
+            </a:prstGeom>
+            <a:noFill/>
+          </p:spPr>
+          <p:txBody>
+            <a:bodyPr wrap="none" rtlCol="0">
+              <a:spAutoFit/>
+            </a:bodyPr>
+            <a:lstStyle/>
+            <a:p>
+              <a:r>
+                <a:rPr kumimoji="1" lang="en-US" altLang="ja-JP"/>
+                <a:t>b</a:t>
+              </a:r>
+              <a:endParaRPr kumimoji="1" lang="ja-JP" altLang="en-US"/>
+            </a:p>
+          </p:txBody>
+        </p:sp>
+      </p:grpSp>
+      <p:sp>
+        <p:nvSpPr>
+          <p:cNvPr id="47" name="下矢印 46">
+            <a:extLst>
+              <a:ext uri="{FF2B5EF4-FFF2-40B4-BE49-F238E27FC236}">
+                <a16:creationId xmlns:a16="http://schemas.microsoft.com/office/drawing/2014/main" id="{BF5FB206-2D21-3548-9ED5-877B4B83B852}"/>
+              </a:ext>
+            </a:extLst>
+          </p:cNvPr>
+          <p:cNvSpPr/>
+          <p:nvPr/>
+        </p:nvSpPr>
+        <p:spPr>
+          <a:xfrm rot="16200000">
+            <a:off x="6649490" y="2174472"/>
+            <a:ext cx="330131" cy="390914"/>
+          </a:xfrm>
+          <a:prstGeom prst="downArrow">
+            <a:avLst/>
+          </a:prstGeom>
+          <a:solidFill>
+            <a:srgbClr val="FF0000"/>
+          </a:solidFill>
+          <a:ln>
+            <a:solidFill>
+              <a:schemeClr val="tx1"/>
+            </a:solidFill>
+          </a:ln>
+        </p:spPr>
+        <p:style>
+          <a:lnRef idx="2">
+            <a:schemeClr val="accent1">
+              <a:shade val="50000"/>
+            </a:schemeClr>
+          </a:lnRef>
+          <a:fillRef idx="1">
+            <a:schemeClr val="accent1"/>
+          </a:fillRef>
+          <a:effectRef idx="0">
+            <a:schemeClr val="accent1"/>
+          </a:effectRef>
+          <a:fontRef idx="minor">
+            <a:schemeClr val="lt1"/>
+          </a:fontRef>
+        </p:style>
+        <p:txBody>
+          <a:bodyPr rot="0" spcFirstLastPara="0" vertOverflow="overflow" horzOverflow="overflow" vert="horz" wrap="square" lIns="91440" tIns="45720" rIns="91440" bIns="45720" numCol="1" spcCol="0" rtlCol="0" fromWordArt="0" anchor="ctr" anchorCtr="0" forceAA="0" compatLnSpc="1">
+            <a:prstTxWarp prst="textNoShape">
+              <a:avLst/>
+            </a:prstTxWarp>
+            <a:noAutofit/>
+          </a:bodyPr>
+          <a:lstStyle/>
+          <a:p>
+            <a:pPr algn="ctr"/>
+            <a:endParaRPr kumimoji="1" lang="ja-JP" altLang="en-US"/>
+          </a:p>
+        </p:txBody>
+      </p:sp>
+      <p:grpSp>
+        <p:nvGrpSpPr>
+          <p:cNvPr id="48" name="グループ化 47">
+            <a:extLst>
+              <a:ext uri="{FF2B5EF4-FFF2-40B4-BE49-F238E27FC236}">
+                <a16:creationId xmlns:a16="http://schemas.microsoft.com/office/drawing/2014/main" id="{C9A8D4D8-0ED8-AE4A-B49F-6658660E7CB9}"/>
+              </a:ext>
+            </a:extLst>
+          </p:cNvPr>
+          <p:cNvGrpSpPr/>
+          <p:nvPr/>
+        </p:nvGrpSpPr>
+        <p:grpSpPr>
+          <a:xfrm>
+            <a:off x="7411185" y="1484784"/>
+            <a:ext cx="643508" cy="643508"/>
+            <a:chOff x="1115616" y="1556792"/>
+            <a:chExt cx="643508" cy="643508"/>
+          </a:xfrm>
+        </p:grpSpPr>
+        <p:pic>
+          <p:nvPicPr>
+            <p:cNvPr id="49" name="図 48">
+              <a:extLst>
+                <a:ext uri="{FF2B5EF4-FFF2-40B4-BE49-F238E27FC236}">
+                  <a16:creationId xmlns:a16="http://schemas.microsoft.com/office/drawing/2014/main" id="{E2831CDD-EAC4-4649-A2CB-2D5180454BCD}"/>
+                </a:ext>
+              </a:extLst>
+            </p:cNvPr>
+            <p:cNvPicPr>
+              <a:picLocks noChangeAspect="1"/>
+            </p:cNvPicPr>
+            <p:nvPr/>
+          </p:nvPicPr>
+          <p:blipFill>
+            <a:blip r:embed="rId2"/>
+            <a:stretch>
+              <a:fillRect/>
+            </a:stretch>
+          </p:blipFill>
+          <p:spPr>
+            <a:xfrm>
+              <a:off x="1115616" y="1556792"/>
+              <a:ext cx="643508" cy="643508"/>
+            </a:xfrm>
+            <a:prstGeom prst="rect">
+              <a:avLst/>
+            </a:prstGeom>
+          </p:spPr>
+        </p:pic>
+        <p:sp>
+          <p:nvSpPr>
+            <p:cNvPr id="50" name="テキスト ボックス 49">
+              <a:extLst>
+                <a:ext uri="{FF2B5EF4-FFF2-40B4-BE49-F238E27FC236}">
+                  <a16:creationId xmlns:a16="http://schemas.microsoft.com/office/drawing/2014/main" id="{222D7A6C-C5DC-CF43-B28C-7BF17875A13E}"/>
+                </a:ext>
+              </a:extLst>
+            </p:cNvPr>
+            <p:cNvSpPr txBox="1"/>
+            <p:nvPr/>
+          </p:nvSpPr>
+          <p:spPr>
+            <a:xfrm>
+              <a:off x="1187624" y="1772816"/>
+              <a:ext cx="282450" cy="369332"/>
+            </a:xfrm>
+            <a:prstGeom prst="rect">
+              <a:avLst/>
+            </a:prstGeom>
+            <a:noFill/>
+          </p:spPr>
+          <p:txBody>
+            <a:bodyPr wrap="none" rtlCol="0">
+              <a:spAutoFit/>
+            </a:bodyPr>
+            <a:lstStyle/>
+            <a:p>
+              <a:r>
+                <a:rPr kumimoji="1" lang="en-US" altLang="ja-JP"/>
+                <a:t>c</a:t>
+              </a:r>
+              <a:endParaRPr kumimoji="1" lang="ja-JP" altLang="en-US"/>
+            </a:p>
+          </p:txBody>
+        </p:sp>
+      </p:grpSp>
+      <p:sp>
+        <p:nvSpPr>
+          <p:cNvPr id="53" name="平行四辺形 52">
+            <a:extLst>
+              <a:ext uri="{FF2B5EF4-FFF2-40B4-BE49-F238E27FC236}">
+                <a16:creationId xmlns:a16="http://schemas.microsoft.com/office/drawing/2014/main" id="{E466BD31-8A85-F84B-9399-1389765BF758}"/>
+              </a:ext>
+            </a:extLst>
+          </p:cNvPr>
+          <p:cNvSpPr/>
+          <p:nvPr/>
+        </p:nvSpPr>
+        <p:spPr>
+          <a:xfrm rot="221800">
+            <a:off x="2592221" y="4486826"/>
+            <a:ext cx="1549317" cy="222713"/>
+          </a:xfrm>
+          <a:prstGeom prst="parallelogram">
+            <a:avLst>
+              <a:gd name="adj" fmla="val 139345"/>
+            </a:avLst>
+          </a:prstGeom>
+          <a:solidFill>
+            <a:srgbClr val="FFC000"/>
+          </a:solidFill>
+          <a:ln>
+            <a:solidFill>
+              <a:schemeClr val="tx1"/>
+            </a:solidFill>
+          </a:ln>
+        </p:spPr>
+        <p:style>
+          <a:lnRef idx="2">
+            <a:schemeClr val="accent1">
+              <a:shade val="50000"/>
+            </a:schemeClr>
+          </a:lnRef>
+          <a:fillRef idx="1">
+            <a:schemeClr val="accent1"/>
+          </a:fillRef>
+          <a:effectRef idx="0">
+            <a:schemeClr val="accent1"/>
+          </a:effectRef>
+          <a:fontRef idx="minor">
+            <a:schemeClr val="lt1"/>
+          </a:fontRef>
+        </p:style>
+        <p:txBody>
+          <a:bodyPr rtlCol="0" anchor="ctr"/>
+          <a:lstStyle/>
+          <a:p>
+            <a:pPr algn="ctr"/>
+            <a:endParaRPr kumimoji="1" lang="ja-JP" altLang="en-US"/>
+          </a:p>
+        </p:txBody>
+      </p:sp>
+      <p:grpSp>
+        <p:nvGrpSpPr>
+          <p:cNvPr id="54" name="グループ化 53">
+            <a:extLst>
+              <a:ext uri="{FF2B5EF4-FFF2-40B4-BE49-F238E27FC236}">
+                <a16:creationId xmlns:a16="http://schemas.microsoft.com/office/drawing/2014/main" id="{C3410F33-3D21-D848-B460-EE854B9A7D03}"/>
+              </a:ext>
+            </a:extLst>
+          </p:cNvPr>
+          <p:cNvGrpSpPr/>
+          <p:nvPr/>
+        </p:nvGrpSpPr>
+        <p:grpSpPr>
+          <a:xfrm>
+            <a:off x="3378742" y="4077071"/>
+            <a:ext cx="643508" cy="643508"/>
+            <a:chOff x="1115616" y="1556792"/>
+            <a:chExt cx="643508" cy="643508"/>
+          </a:xfrm>
+        </p:grpSpPr>
+        <p:pic>
+          <p:nvPicPr>
+            <p:cNvPr id="55" name="図 54">
+              <a:extLst>
+                <a:ext uri="{FF2B5EF4-FFF2-40B4-BE49-F238E27FC236}">
+                  <a16:creationId xmlns:a16="http://schemas.microsoft.com/office/drawing/2014/main" id="{C85E7031-7764-1C43-8F9B-FBDC5A703AF9}"/>
+                </a:ext>
+              </a:extLst>
+            </p:cNvPr>
+            <p:cNvPicPr>
+              <a:picLocks noChangeAspect="1"/>
+            </p:cNvPicPr>
+            <p:nvPr/>
+          </p:nvPicPr>
+          <p:blipFill>
+            <a:blip r:embed="rId2"/>
+            <a:stretch>
+              <a:fillRect/>
+            </a:stretch>
+          </p:blipFill>
+          <p:spPr>
+            <a:xfrm>
+              <a:off x="1115616" y="1556792"/>
+              <a:ext cx="643508" cy="643508"/>
+            </a:xfrm>
+            <a:prstGeom prst="rect">
+              <a:avLst/>
+            </a:prstGeom>
+          </p:spPr>
+        </p:pic>
+        <p:sp>
+          <p:nvSpPr>
+            <p:cNvPr id="56" name="テキスト ボックス 55">
+              <a:extLst>
+                <a:ext uri="{FF2B5EF4-FFF2-40B4-BE49-F238E27FC236}">
+                  <a16:creationId xmlns:a16="http://schemas.microsoft.com/office/drawing/2014/main" id="{BE605079-6F33-0640-BBD7-DCC5BC1177FD}"/>
+                </a:ext>
+              </a:extLst>
+            </p:cNvPr>
+            <p:cNvSpPr txBox="1"/>
+            <p:nvPr/>
+          </p:nvSpPr>
+          <p:spPr>
+            <a:xfrm>
+              <a:off x="1187624" y="1772816"/>
+              <a:ext cx="306494" cy="369332"/>
+            </a:xfrm>
+            <a:prstGeom prst="rect">
+              <a:avLst/>
+            </a:prstGeom>
+            <a:noFill/>
+          </p:spPr>
+          <p:txBody>
+            <a:bodyPr wrap="none" rtlCol="0">
+              <a:spAutoFit/>
+            </a:bodyPr>
+            <a:lstStyle/>
+            <a:p>
+              <a:r>
+                <a:rPr kumimoji="1" lang="en-US" altLang="ja-JP"/>
+                <a:t>b</a:t>
+              </a:r>
+              <a:endParaRPr kumimoji="1" lang="ja-JP" altLang="en-US"/>
+            </a:p>
+          </p:txBody>
+        </p:sp>
+      </p:grpSp>
+      <p:sp>
+        <p:nvSpPr>
+          <p:cNvPr id="57" name="平行四辺形 56">
+            <a:extLst>
+              <a:ext uri="{FF2B5EF4-FFF2-40B4-BE49-F238E27FC236}">
+                <a16:creationId xmlns:a16="http://schemas.microsoft.com/office/drawing/2014/main" id="{01D11A6C-C883-E64C-9F42-0A2DE5AA7C9F}"/>
+              </a:ext>
+            </a:extLst>
+          </p:cNvPr>
+          <p:cNvSpPr/>
+          <p:nvPr/>
+        </p:nvSpPr>
+        <p:spPr>
+          <a:xfrm rot="221800">
+            <a:off x="1344927" y="4466664"/>
+            <a:ext cx="923836" cy="220087"/>
+          </a:xfrm>
+          <a:prstGeom prst="parallelogram">
+            <a:avLst>
+              <a:gd name="adj" fmla="val 139345"/>
+            </a:avLst>
+          </a:prstGeom>
+          <a:solidFill>
+            <a:schemeClr val="tx1">
+              <a:lumMod val="50000"/>
+              <a:lumOff val="50000"/>
+            </a:schemeClr>
+          </a:solidFill>
+          <a:ln>
+            <a:solidFill>
+              <a:schemeClr val="tx1"/>
+            </a:solidFill>
+          </a:ln>
+        </p:spPr>
+        <p:style>
+          <a:lnRef idx="2">
+            <a:schemeClr val="accent1">
+              <a:shade val="50000"/>
+            </a:schemeClr>
+          </a:lnRef>
+          <a:fillRef idx="1">
+            <a:schemeClr val="accent1"/>
+          </a:fillRef>
+          <a:effectRef idx="0">
+            <a:schemeClr val="accent1"/>
+          </a:effectRef>
+          <a:fontRef idx="minor">
+            <a:schemeClr val="lt1"/>
+          </a:fontRef>
+        </p:style>
+        <p:txBody>
+          <a:bodyPr rtlCol="0" anchor="ctr"/>
+          <a:lstStyle/>
+          <a:p>
+            <a:pPr algn="ctr"/>
+            <a:endParaRPr kumimoji="1" lang="ja-JP" altLang="en-US"/>
+          </a:p>
+        </p:txBody>
+      </p:sp>
+      <p:grpSp>
+        <p:nvGrpSpPr>
+          <p:cNvPr id="58" name="グループ化 57">
+            <a:extLst>
+              <a:ext uri="{FF2B5EF4-FFF2-40B4-BE49-F238E27FC236}">
+                <a16:creationId xmlns:a16="http://schemas.microsoft.com/office/drawing/2014/main" id="{65E34299-F99E-074D-A85F-6EE710BE1B46}"/>
+              </a:ext>
+            </a:extLst>
+          </p:cNvPr>
+          <p:cNvGrpSpPr/>
+          <p:nvPr/>
+        </p:nvGrpSpPr>
+        <p:grpSpPr>
+          <a:xfrm>
+            <a:off x="2730670" y="4077071"/>
+            <a:ext cx="643508" cy="643508"/>
+            <a:chOff x="1115616" y="1556792"/>
+            <a:chExt cx="643508" cy="643508"/>
+          </a:xfrm>
+        </p:grpSpPr>
+        <p:pic>
+          <p:nvPicPr>
+            <p:cNvPr id="59" name="図 58">
+              <a:extLst>
+                <a:ext uri="{FF2B5EF4-FFF2-40B4-BE49-F238E27FC236}">
+                  <a16:creationId xmlns:a16="http://schemas.microsoft.com/office/drawing/2014/main" id="{7AD4168E-915F-3243-A449-172CAC7AC054}"/>
+                </a:ext>
+              </a:extLst>
+            </p:cNvPr>
+            <p:cNvPicPr>
+              <a:picLocks noChangeAspect="1"/>
+            </p:cNvPicPr>
+            <p:nvPr/>
+          </p:nvPicPr>
+          <p:blipFill>
+            <a:blip r:embed="rId2"/>
+            <a:stretch>
+              <a:fillRect/>
+            </a:stretch>
+          </p:blipFill>
+          <p:spPr>
+            <a:xfrm>
+              <a:off x="1115616" y="1556792"/>
+              <a:ext cx="643508" cy="643508"/>
+            </a:xfrm>
+            <a:prstGeom prst="rect">
+              <a:avLst/>
+            </a:prstGeom>
+          </p:spPr>
+        </p:pic>
+        <p:sp>
+          <p:nvSpPr>
+            <p:cNvPr id="60" name="テキスト ボックス 59">
+              <a:extLst>
+                <a:ext uri="{FF2B5EF4-FFF2-40B4-BE49-F238E27FC236}">
+                  <a16:creationId xmlns:a16="http://schemas.microsoft.com/office/drawing/2014/main" id="{859120F4-F020-FB4E-B212-E8D4EF9F195D}"/>
+                </a:ext>
+              </a:extLst>
+            </p:cNvPr>
+            <p:cNvSpPr txBox="1"/>
+            <p:nvPr/>
+          </p:nvSpPr>
+          <p:spPr>
+            <a:xfrm>
+              <a:off x="1187624" y="1772816"/>
+              <a:ext cx="282450" cy="369332"/>
+            </a:xfrm>
+            <a:prstGeom prst="rect">
+              <a:avLst/>
+            </a:prstGeom>
+            <a:noFill/>
+          </p:spPr>
+          <p:txBody>
+            <a:bodyPr wrap="none" rtlCol="0">
+              <a:spAutoFit/>
+            </a:bodyPr>
+            <a:lstStyle/>
+            <a:p>
+              <a:r>
+                <a:rPr lang="en-US" altLang="ja-JP"/>
+                <a:t>c</a:t>
+              </a:r>
+              <a:endParaRPr kumimoji="1" lang="ja-JP" altLang="en-US"/>
+            </a:p>
+          </p:txBody>
+        </p:sp>
+      </p:grpSp>
+      <p:sp>
+        <p:nvSpPr>
+          <p:cNvPr id="66" name="フリーフォーム 65">
+            <a:extLst>
+              <a:ext uri="{FF2B5EF4-FFF2-40B4-BE49-F238E27FC236}">
+                <a16:creationId xmlns:a16="http://schemas.microsoft.com/office/drawing/2014/main" id="{CB62ECAE-90A9-3146-B5A2-340B3D34ABF9}"/>
+              </a:ext>
+            </a:extLst>
+          </p:cNvPr>
+          <p:cNvSpPr/>
+          <p:nvPr/>
+        </p:nvSpPr>
+        <p:spPr>
+          <a:xfrm>
+            <a:off x="2370630" y="3645024"/>
+            <a:ext cx="1127760" cy="345491"/>
+          </a:xfrm>
+          <a:custGeom>
+            <a:avLst/>
+            <a:gdLst>
+              <a:gd name="connsiteX0" fmla="*/ 0 w 1127760"/>
+              <a:gd name="connsiteY0" fmla="*/ 345491 h 345491"/>
+              <a:gd name="connsiteX1" fmla="*/ 518160 w 1127760"/>
+              <a:gd name="connsiteY1" fmla="*/ 51 h 345491"/>
+              <a:gd name="connsiteX2" fmla="*/ 1127760 w 1127760"/>
+              <a:gd name="connsiteY2" fmla="*/ 325171 h 345491"/>
+            </a:gdLst>
+            <a:ahLst/>
+            <a:cxnLst>
+              <a:cxn ang="0">
+                <a:pos x="connsiteX0" y="connsiteY0"/>
+              </a:cxn>
+              <a:cxn ang="0">
+                <a:pos x="connsiteX1" y="connsiteY1"/>
+              </a:cxn>
+              <a:cxn ang="0">
+                <a:pos x="connsiteX2" y="connsiteY2"/>
+              </a:cxn>
+            </a:cxnLst>
+            <a:rect l="l" t="t" r="r" b="b"/>
+            <a:pathLst>
+              <a:path w="1127760" h="345491">
+                <a:moveTo>
+                  <a:pt x="0" y="345491"/>
+                </a:moveTo>
+                <a:cubicBezTo>
+                  <a:pt x="165100" y="174464"/>
+                  <a:pt x="330200" y="3438"/>
+                  <a:pt x="518160" y="51"/>
+                </a:cubicBezTo>
+                <a:cubicBezTo>
+                  <a:pt x="706120" y="-3336"/>
+                  <a:pt x="916940" y="160917"/>
+                  <a:pt x="1127760" y="325171"/>
+                </a:cubicBezTo>
+              </a:path>
+            </a:pathLst>
+          </a:custGeom>
+          <a:noFill/>
+          <a:ln>
+            <a:solidFill>
+              <a:schemeClr val="tx1"/>
+            </a:solidFill>
+            <a:headEnd type="none" w="med" len="med"/>
+            <a:tailEnd type="triangle" w="med" len="med"/>
+          </a:ln>
+        </p:spPr>
+        <p:style>
+          <a:lnRef idx="2">
+            <a:schemeClr val="accent1">
+              <a:shade val="50000"/>
+            </a:schemeClr>
+          </a:lnRef>
+          <a:fillRef idx="1">
+            <a:schemeClr val="accent1"/>
+          </a:fillRef>
+          <a:effectRef idx="0">
+            <a:schemeClr val="accent1"/>
+          </a:effectRef>
+          <a:fontRef idx="minor">
+            <a:schemeClr val="lt1"/>
+          </a:fontRef>
+        </p:style>
+        <p:txBody>
+          <a:bodyPr rtlCol="0" anchor="ctr"/>
+          <a:lstStyle/>
+          <a:p>
+            <a:pPr algn="ctr"/>
+            <a:endParaRPr kumimoji="1" lang="ja-JP" altLang="en-US"/>
+          </a:p>
+        </p:txBody>
+      </p:sp>
+      <p:grpSp>
+        <p:nvGrpSpPr>
+          <p:cNvPr id="67" name="グループ化 66">
+            <a:extLst>
+              <a:ext uri="{FF2B5EF4-FFF2-40B4-BE49-F238E27FC236}">
+                <a16:creationId xmlns:a16="http://schemas.microsoft.com/office/drawing/2014/main" id="{9FFEE2D5-9EFB-8841-9B16-8776F6D35BA1}"/>
+              </a:ext>
+            </a:extLst>
+          </p:cNvPr>
+          <p:cNvGrpSpPr/>
+          <p:nvPr/>
+        </p:nvGrpSpPr>
+        <p:grpSpPr>
+          <a:xfrm>
+            <a:off x="1506534" y="4077072"/>
+            <a:ext cx="643508" cy="643508"/>
+            <a:chOff x="1115616" y="1556792"/>
+            <a:chExt cx="643508" cy="643508"/>
+          </a:xfrm>
+        </p:grpSpPr>
+        <p:pic>
+          <p:nvPicPr>
+            <p:cNvPr id="68" name="図 67">
+              <a:extLst>
+                <a:ext uri="{FF2B5EF4-FFF2-40B4-BE49-F238E27FC236}">
+                  <a16:creationId xmlns:a16="http://schemas.microsoft.com/office/drawing/2014/main" id="{8196E6A6-AFE1-AF42-9254-E7228E79379E}"/>
+                </a:ext>
+              </a:extLst>
+            </p:cNvPr>
+            <p:cNvPicPr>
+              <a:picLocks noChangeAspect="1"/>
+            </p:cNvPicPr>
+            <p:nvPr/>
+          </p:nvPicPr>
+          <p:blipFill>
+            <a:blip r:embed="rId2"/>
+            <a:stretch>
+              <a:fillRect/>
+            </a:stretch>
+          </p:blipFill>
+          <p:spPr>
+            <a:xfrm>
+              <a:off x="1115616" y="1556792"/>
+              <a:ext cx="643508" cy="643508"/>
+            </a:xfrm>
+            <a:prstGeom prst="rect">
+              <a:avLst/>
+            </a:prstGeom>
+          </p:spPr>
+        </p:pic>
+        <p:sp>
+          <p:nvSpPr>
+            <p:cNvPr id="69" name="テキスト ボックス 68">
+              <a:extLst>
+                <a:ext uri="{FF2B5EF4-FFF2-40B4-BE49-F238E27FC236}">
+                  <a16:creationId xmlns:a16="http://schemas.microsoft.com/office/drawing/2014/main" id="{083D2C88-CB81-504A-8414-293C801C18E9}"/>
+                </a:ext>
+              </a:extLst>
+            </p:cNvPr>
+            <p:cNvSpPr txBox="1"/>
+            <p:nvPr/>
+          </p:nvSpPr>
+          <p:spPr>
+            <a:xfrm>
+              <a:off x="1187624" y="1772816"/>
+              <a:ext cx="306494" cy="369332"/>
+            </a:xfrm>
+            <a:prstGeom prst="rect">
+              <a:avLst/>
+            </a:prstGeom>
+            <a:noFill/>
+          </p:spPr>
+          <p:txBody>
+            <a:bodyPr wrap="none" rtlCol="0">
+              <a:spAutoFit/>
+            </a:bodyPr>
+            <a:lstStyle/>
+            <a:p>
+              <a:r>
+                <a:rPr lang="en-US" altLang="ja-JP"/>
+                <a:t>a</a:t>
+              </a:r>
+              <a:endParaRPr kumimoji="1" lang="ja-JP" altLang="en-US"/>
+            </a:p>
+          </p:txBody>
+        </p:sp>
+      </p:grpSp>
+      <p:sp>
+        <p:nvSpPr>
+          <p:cNvPr id="74" name="平行四辺形 73">
+            <a:extLst>
+              <a:ext uri="{FF2B5EF4-FFF2-40B4-BE49-F238E27FC236}">
+                <a16:creationId xmlns:a16="http://schemas.microsoft.com/office/drawing/2014/main" id="{2819FB9C-5766-944E-8531-DD535DEBABDC}"/>
+              </a:ext>
+            </a:extLst>
+          </p:cNvPr>
+          <p:cNvSpPr/>
+          <p:nvPr/>
+        </p:nvSpPr>
+        <p:spPr>
+          <a:xfrm rot="221800">
+            <a:off x="5904587" y="4414818"/>
+            <a:ext cx="1549317" cy="222713"/>
+          </a:xfrm>
+          <a:prstGeom prst="parallelogram">
+            <a:avLst>
+              <a:gd name="adj" fmla="val 139345"/>
+            </a:avLst>
+          </a:prstGeom>
+          <a:solidFill>
+            <a:srgbClr val="FFC000"/>
+          </a:solidFill>
+          <a:ln>
+            <a:solidFill>
+              <a:schemeClr val="tx1"/>
+            </a:solidFill>
+          </a:ln>
+        </p:spPr>
+        <p:style>
+          <a:lnRef idx="2">
+            <a:schemeClr val="accent1">
+              <a:shade val="50000"/>
+            </a:schemeClr>
+          </a:lnRef>
+          <a:fillRef idx="1">
+            <a:schemeClr val="accent1"/>
+          </a:fillRef>
+          <a:effectRef idx="0">
+            <a:schemeClr val="accent1"/>
+          </a:effectRef>
+          <a:fontRef idx="minor">
+            <a:schemeClr val="lt1"/>
+          </a:fontRef>
+        </p:style>
+        <p:txBody>
+          <a:bodyPr rtlCol="0" anchor="ctr"/>
+          <a:lstStyle/>
+          <a:p>
+            <a:pPr algn="ctr"/>
+            <a:endParaRPr kumimoji="1" lang="ja-JP" altLang="en-US"/>
+          </a:p>
+        </p:txBody>
+      </p:sp>
+      <p:sp>
+        <p:nvSpPr>
+          <p:cNvPr id="81" name="平行四辺形 80">
+            <a:extLst>
+              <a:ext uri="{FF2B5EF4-FFF2-40B4-BE49-F238E27FC236}">
+                <a16:creationId xmlns:a16="http://schemas.microsoft.com/office/drawing/2014/main" id="{D2952300-0D38-7A4E-B1B4-9E727836D0BE}"/>
+              </a:ext>
+            </a:extLst>
+          </p:cNvPr>
+          <p:cNvSpPr/>
+          <p:nvPr/>
+        </p:nvSpPr>
+        <p:spPr>
+          <a:xfrm rot="221800">
+            <a:off x="4897041" y="4466665"/>
+            <a:ext cx="923836" cy="220087"/>
+          </a:xfrm>
+          <a:prstGeom prst="parallelogram">
+            <a:avLst>
+              <a:gd name="adj" fmla="val 139345"/>
+            </a:avLst>
+          </a:prstGeom>
+          <a:solidFill>
+            <a:schemeClr val="tx1">
+              <a:lumMod val="50000"/>
+              <a:lumOff val="50000"/>
+            </a:schemeClr>
+          </a:solidFill>
+          <a:ln>
+            <a:solidFill>
+              <a:schemeClr val="tx1"/>
+            </a:solidFill>
+          </a:ln>
+        </p:spPr>
+        <p:style>
+          <a:lnRef idx="2">
+            <a:schemeClr val="accent1">
+              <a:shade val="50000"/>
+            </a:schemeClr>
+          </a:lnRef>
+          <a:fillRef idx="1">
+            <a:schemeClr val="accent1"/>
+          </a:fillRef>
+          <a:effectRef idx="0">
+            <a:schemeClr val="accent1"/>
+          </a:effectRef>
+          <a:fontRef idx="minor">
+            <a:schemeClr val="lt1"/>
+          </a:fontRef>
+        </p:style>
+        <p:txBody>
+          <a:bodyPr rtlCol="0" anchor="ctr"/>
+          <a:lstStyle/>
+          <a:p>
+            <a:pPr algn="ctr"/>
+            <a:endParaRPr kumimoji="1" lang="ja-JP" altLang="en-US"/>
+          </a:p>
+        </p:txBody>
+      </p:sp>
+      <p:grpSp>
+        <p:nvGrpSpPr>
+          <p:cNvPr id="82" name="グループ化 81">
+            <a:extLst>
+              <a:ext uri="{FF2B5EF4-FFF2-40B4-BE49-F238E27FC236}">
+                <a16:creationId xmlns:a16="http://schemas.microsoft.com/office/drawing/2014/main" id="{39B8D7A5-912E-CE4D-9E9F-E11464C88968}"/>
+              </a:ext>
+            </a:extLst>
+          </p:cNvPr>
+          <p:cNvGrpSpPr/>
+          <p:nvPr/>
+        </p:nvGrpSpPr>
+        <p:grpSpPr>
+          <a:xfrm>
+            <a:off x="5058648" y="4077073"/>
+            <a:ext cx="643508" cy="643508"/>
+            <a:chOff x="1115616" y="1556792"/>
+            <a:chExt cx="643508" cy="643508"/>
+          </a:xfrm>
+        </p:grpSpPr>
+        <p:pic>
+          <p:nvPicPr>
+            <p:cNvPr id="83" name="図 82">
+              <a:extLst>
+                <a:ext uri="{FF2B5EF4-FFF2-40B4-BE49-F238E27FC236}">
+                  <a16:creationId xmlns:a16="http://schemas.microsoft.com/office/drawing/2014/main" id="{257371A6-D49F-6D48-8C43-4FE14BEE97B1}"/>
+                </a:ext>
+              </a:extLst>
+            </p:cNvPr>
+            <p:cNvPicPr>
+              <a:picLocks noChangeAspect="1"/>
+            </p:cNvPicPr>
+            <p:nvPr/>
+          </p:nvPicPr>
+          <p:blipFill>
+            <a:blip r:embed="rId2"/>
+            <a:stretch>
+              <a:fillRect/>
+            </a:stretch>
+          </p:blipFill>
+          <p:spPr>
+            <a:xfrm>
+              <a:off x="1115616" y="1556792"/>
+              <a:ext cx="643508" cy="643508"/>
+            </a:xfrm>
+            <a:prstGeom prst="rect">
+              <a:avLst/>
+            </a:prstGeom>
+          </p:spPr>
+        </p:pic>
+        <p:sp>
+          <p:nvSpPr>
+            <p:cNvPr id="84" name="テキスト ボックス 83">
+              <a:extLst>
+                <a:ext uri="{FF2B5EF4-FFF2-40B4-BE49-F238E27FC236}">
+                  <a16:creationId xmlns:a16="http://schemas.microsoft.com/office/drawing/2014/main" id="{6B37B6BA-01D5-FE47-A52E-F24F09FCF3D5}"/>
+                </a:ext>
+              </a:extLst>
+            </p:cNvPr>
+            <p:cNvSpPr txBox="1"/>
+            <p:nvPr/>
+          </p:nvSpPr>
+          <p:spPr>
+            <a:xfrm>
+              <a:off x="1187624" y="1772816"/>
+              <a:ext cx="306494" cy="369332"/>
+            </a:xfrm>
+            <a:prstGeom prst="rect">
+              <a:avLst/>
+            </a:prstGeom>
+            <a:noFill/>
+          </p:spPr>
+          <p:txBody>
+            <a:bodyPr wrap="none" rtlCol="0">
+              <a:spAutoFit/>
+            </a:bodyPr>
+            <a:lstStyle/>
+            <a:p>
+              <a:r>
+                <a:rPr lang="en-US" altLang="ja-JP"/>
+                <a:t>a</a:t>
+              </a:r>
+              <a:endParaRPr kumimoji="1" lang="ja-JP" altLang="en-US"/>
+            </a:p>
+          </p:txBody>
+        </p:sp>
+      </p:grpSp>
+      <p:grpSp>
+        <p:nvGrpSpPr>
+          <p:cNvPr id="85" name="グループ化 84">
+            <a:extLst>
+              <a:ext uri="{FF2B5EF4-FFF2-40B4-BE49-F238E27FC236}">
+                <a16:creationId xmlns:a16="http://schemas.microsoft.com/office/drawing/2014/main" id="{5FE3C97A-BE64-6A49-B07A-B6999DB88262}"/>
+              </a:ext>
+            </a:extLst>
+          </p:cNvPr>
+          <p:cNvGrpSpPr/>
+          <p:nvPr/>
+        </p:nvGrpSpPr>
+        <p:grpSpPr>
+          <a:xfrm>
+            <a:off x="5034924" y="3645025"/>
+            <a:ext cx="667230" cy="643508"/>
+            <a:chOff x="1091894" y="1556792"/>
+            <a:chExt cx="667230" cy="643508"/>
+          </a:xfrm>
+        </p:grpSpPr>
+        <p:pic>
+          <p:nvPicPr>
+            <p:cNvPr id="86" name="図 85">
+              <a:extLst>
+                <a:ext uri="{FF2B5EF4-FFF2-40B4-BE49-F238E27FC236}">
+                  <a16:creationId xmlns:a16="http://schemas.microsoft.com/office/drawing/2014/main" id="{5763B16F-6D0D-0C48-A7CF-EA297536365C}"/>
+                </a:ext>
+              </a:extLst>
+            </p:cNvPr>
+            <p:cNvPicPr>
+              <a:picLocks noChangeAspect="1"/>
+            </p:cNvPicPr>
+            <p:nvPr/>
+          </p:nvPicPr>
+          <p:blipFill>
+            <a:blip r:embed="rId2"/>
+            <a:stretch>
+              <a:fillRect/>
+            </a:stretch>
+          </p:blipFill>
+          <p:spPr>
+            <a:xfrm>
+              <a:off x="1115616" y="1556792"/>
+              <a:ext cx="643508" cy="643508"/>
+            </a:xfrm>
+            <a:prstGeom prst="rect">
+              <a:avLst/>
+            </a:prstGeom>
+          </p:spPr>
+        </p:pic>
+        <p:sp>
+          <p:nvSpPr>
+            <p:cNvPr id="87" name="テキスト ボックス 86">
+              <a:extLst>
+                <a:ext uri="{FF2B5EF4-FFF2-40B4-BE49-F238E27FC236}">
+                  <a16:creationId xmlns:a16="http://schemas.microsoft.com/office/drawing/2014/main" id="{3105C7C9-D4D8-344F-B41E-7EDBD3DF4941}"/>
+                </a:ext>
+              </a:extLst>
+            </p:cNvPr>
+            <p:cNvSpPr txBox="1"/>
+            <p:nvPr/>
+          </p:nvSpPr>
+          <p:spPr>
+            <a:xfrm>
+              <a:off x="1091894" y="1772815"/>
+              <a:ext cx="404278" cy="369332"/>
+            </a:xfrm>
+            <a:prstGeom prst="rect">
+              <a:avLst/>
+            </a:prstGeom>
+            <a:noFill/>
+          </p:spPr>
+          <p:txBody>
+            <a:bodyPr wrap="none" rtlCol="0">
+              <a:spAutoFit/>
+            </a:bodyPr>
+            <a:lstStyle/>
+            <a:p>
+              <a:r>
+                <a:rPr lang="en-US" altLang="ja-JP"/>
+                <a:t>bc</a:t>
+              </a:r>
+              <a:endParaRPr kumimoji="1" lang="ja-JP" altLang="en-US"/>
+            </a:p>
+          </p:txBody>
+        </p:sp>
+      </p:grpSp>
+      <p:sp>
+        <p:nvSpPr>
+          <p:cNvPr id="89" name="フリーフォーム 88">
+            <a:extLst>
+              <a:ext uri="{FF2B5EF4-FFF2-40B4-BE49-F238E27FC236}">
+                <a16:creationId xmlns:a16="http://schemas.microsoft.com/office/drawing/2014/main" id="{11D7F6A3-955E-2541-BFD1-D37A83372BF0}"/>
+              </a:ext>
+            </a:extLst>
+          </p:cNvPr>
+          <p:cNvSpPr/>
+          <p:nvPr/>
+        </p:nvSpPr>
+        <p:spPr>
+          <a:xfrm>
+            <a:off x="5466972" y="3429000"/>
+            <a:ext cx="1148080" cy="908379"/>
+          </a:xfrm>
+          <a:custGeom>
+            <a:avLst/>
+            <a:gdLst>
+              <a:gd name="connsiteX0" fmla="*/ 1148080 w 1148080"/>
+              <a:gd name="connsiteY0" fmla="*/ 908379 h 908379"/>
+              <a:gd name="connsiteX1" fmla="*/ 436880 w 1148080"/>
+              <a:gd name="connsiteY1" fmla="*/ 34619 h 908379"/>
+              <a:gd name="connsiteX2" fmla="*/ 0 w 1148080"/>
+              <a:gd name="connsiteY2" fmla="*/ 258139 h 908379"/>
+            </a:gdLst>
+            <a:ahLst/>
+            <a:cxnLst>
+              <a:cxn ang="0">
+                <a:pos x="connsiteX0" y="connsiteY0"/>
+              </a:cxn>
+              <a:cxn ang="0">
+                <a:pos x="connsiteX1" y="connsiteY1"/>
+              </a:cxn>
+              <a:cxn ang="0">
+                <a:pos x="connsiteX2" y="connsiteY2"/>
+              </a:cxn>
+            </a:cxnLst>
+            <a:rect l="l" t="t" r="r" b="b"/>
+            <a:pathLst>
+              <a:path w="1148080" h="908379">
+                <a:moveTo>
+                  <a:pt x="1148080" y="908379"/>
+                </a:moveTo>
+                <a:cubicBezTo>
+                  <a:pt x="888153" y="525685"/>
+                  <a:pt x="628227" y="142992"/>
+                  <a:pt x="436880" y="34619"/>
+                </a:cubicBezTo>
+                <a:cubicBezTo>
+                  <a:pt x="245533" y="-73754"/>
+                  <a:pt x="122766" y="92192"/>
+                  <a:pt x="0" y="258139"/>
+                </a:cubicBezTo>
+              </a:path>
+            </a:pathLst>
+          </a:custGeom>
+          <a:noFill/>
+          <a:ln>
+            <a:solidFill>
+              <a:schemeClr val="tx1"/>
+            </a:solidFill>
+            <a:headEnd type="none" w="med" len="med"/>
+            <a:tailEnd type="triangle" w="med" len="med"/>
+          </a:ln>
+        </p:spPr>
+        <p:style>
+          <a:lnRef idx="2">
+            <a:schemeClr val="accent1">
+              <a:shade val="50000"/>
+            </a:schemeClr>
+          </a:lnRef>
+          <a:fillRef idx="1">
+            <a:schemeClr val="accent1"/>
+          </a:fillRef>
+          <a:effectRef idx="0">
+            <a:schemeClr val="accent1"/>
+          </a:effectRef>
+          <a:fontRef idx="minor">
+            <a:schemeClr val="lt1"/>
+          </a:fontRef>
+        </p:style>
+        <p:txBody>
+          <a:bodyPr rtlCol="0" anchor="ctr"/>
+          <a:lstStyle/>
+          <a:p>
+            <a:pPr algn="ctr"/>
+            <a:endParaRPr kumimoji="1" lang="ja-JP" altLang="en-US"/>
+          </a:p>
+        </p:txBody>
+      </p:sp>
+      <p:sp>
+        <p:nvSpPr>
+          <p:cNvPr id="91" name="平行四辺形 90">
+            <a:extLst>
+              <a:ext uri="{FF2B5EF4-FFF2-40B4-BE49-F238E27FC236}">
+                <a16:creationId xmlns:a16="http://schemas.microsoft.com/office/drawing/2014/main" id="{7EAB6085-8D8A-834C-89EC-52621ED251CE}"/>
+              </a:ext>
+            </a:extLst>
+          </p:cNvPr>
+          <p:cNvSpPr/>
+          <p:nvPr/>
+        </p:nvSpPr>
+        <p:spPr>
+          <a:xfrm rot="221800">
+            <a:off x="2736236" y="6396933"/>
+            <a:ext cx="1549317" cy="222713"/>
+          </a:xfrm>
+          <a:prstGeom prst="parallelogram">
+            <a:avLst>
+              <a:gd name="adj" fmla="val 139345"/>
+            </a:avLst>
+          </a:prstGeom>
+          <a:solidFill>
+            <a:srgbClr val="FFC000"/>
+          </a:solidFill>
+          <a:ln>
+            <a:solidFill>
+              <a:schemeClr val="tx1"/>
+            </a:solidFill>
+          </a:ln>
+        </p:spPr>
+        <p:style>
+          <a:lnRef idx="2">
+            <a:schemeClr val="accent1">
+              <a:shade val="50000"/>
+            </a:schemeClr>
+          </a:lnRef>
+          <a:fillRef idx="1">
+            <a:schemeClr val="accent1"/>
+          </a:fillRef>
+          <a:effectRef idx="0">
+            <a:schemeClr val="accent1"/>
+          </a:effectRef>
+          <a:fontRef idx="minor">
+            <a:schemeClr val="lt1"/>
+          </a:fontRef>
+        </p:style>
+        <p:txBody>
+          <a:bodyPr rtlCol="0" anchor="ctr"/>
+          <a:lstStyle/>
+          <a:p>
+            <a:pPr algn="ctr"/>
+            <a:endParaRPr kumimoji="1" lang="ja-JP" altLang="en-US"/>
+          </a:p>
+        </p:txBody>
+      </p:sp>
+      <p:grpSp>
+        <p:nvGrpSpPr>
+          <p:cNvPr id="92" name="グループ化 91">
+            <a:extLst>
+              <a:ext uri="{FF2B5EF4-FFF2-40B4-BE49-F238E27FC236}">
+                <a16:creationId xmlns:a16="http://schemas.microsoft.com/office/drawing/2014/main" id="{063C4C15-C3D1-694D-86AB-CF5BC2C19782}"/>
+              </a:ext>
+            </a:extLst>
+          </p:cNvPr>
+          <p:cNvGrpSpPr/>
+          <p:nvPr/>
+        </p:nvGrpSpPr>
+        <p:grpSpPr>
+          <a:xfrm>
+            <a:off x="3522757" y="5987178"/>
+            <a:ext cx="643508" cy="643508"/>
+            <a:chOff x="1115616" y="1556792"/>
+            <a:chExt cx="643508" cy="643508"/>
+          </a:xfrm>
+        </p:grpSpPr>
+        <p:pic>
+          <p:nvPicPr>
+            <p:cNvPr id="93" name="図 92">
+              <a:extLst>
+                <a:ext uri="{FF2B5EF4-FFF2-40B4-BE49-F238E27FC236}">
+                  <a16:creationId xmlns:a16="http://schemas.microsoft.com/office/drawing/2014/main" id="{52AC7424-A6E4-F840-B8D3-FDE9DD541040}"/>
+                </a:ext>
+              </a:extLst>
+            </p:cNvPr>
+            <p:cNvPicPr>
+              <a:picLocks noChangeAspect="1"/>
+            </p:cNvPicPr>
+            <p:nvPr/>
+          </p:nvPicPr>
+          <p:blipFill>
+            <a:blip r:embed="rId2"/>
+            <a:stretch>
+              <a:fillRect/>
+            </a:stretch>
+          </p:blipFill>
+          <p:spPr>
+            <a:xfrm>
+              <a:off x="1115616" y="1556792"/>
+              <a:ext cx="643508" cy="643508"/>
+            </a:xfrm>
+            <a:prstGeom prst="rect">
+              <a:avLst/>
+            </a:prstGeom>
+          </p:spPr>
+        </p:pic>
+        <p:sp>
+          <p:nvSpPr>
+            <p:cNvPr id="94" name="テキスト ボックス 93">
+              <a:extLst>
+                <a:ext uri="{FF2B5EF4-FFF2-40B4-BE49-F238E27FC236}">
+                  <a16:creationId xmlns:a16="http://schemas.microsoft.com/office/drawing/2014/main" id="{ABDB1273-57B9-CB45-8872-9D693DA771EA}"/>
+                </a:ext>
+              </a:extLst>
+            </p:cNvPr>
+            <p:cNvSpPr txBox="1"/>
+            <p:nvPr/>
+          </p:nvSpPr>
+          <p:spPr>
+            <a:xfrm>
+              <a:off x="1187624" y="1772816"/>
+              <a:ext cx="295274" cy="369332"/>
+            </a:xfrm>
+            <a:prstGeom prst="rect">
+              <a:avLst/>
+            </a:prstGeom>
+            <a:noFill/>
+          </p:spPr>
+          <p:txBody>
+            <a:bodyPr wrap="none" rtlCol="0">
+              <a:spAutoFit/>
+            </a:bodyPr>
+            <a:lstStyle/>
+            <a:p>
+              <a:r>
+                <a:rPr lang="en-US" altLang="ja-JP"/>
+                <a:t>a</a:t>
+              </a:r>
+              <a:endParaRPr kumimoji="1" lang="ja-JP" altLang="en-US"/>
+            </a:p>
+          </p:txBody>
+        </p:sp>
+      </p:grpSp>
+      <p:sp>
+        <p:nvSpPr>
+          <p:cNvPr id="95" name="平行四辺形 94">
+            <a:extLst>
+              <a:ext uri="{FF2B5EF4-FFF2-40B4-BE49-F238E27FC236}">
+                <a16:creationId xmlns:a16="http://schemas.microsoft.com/office/drawing/2014/main" id="{F3678A16-E326-A440-8958-E5F0EFC61E93}"/>
+              </a:ext>
+            </a:extLst>
+          </p:cNvPr>
+          <p:cNvSpPr/>
+          <p:nvPr/>
+        </p:nvSpPr>
+        <p:spPr>
+          <a:xfrm rot="221800">
+            <a:off x="1488942" y="6376771"/>
+            <a:ext cx="923836" cy="220087"/>
+          </a:xfrm>
+          <a:prstGeom prst="parallelogram">
+            <a:avLst>
+              <a:gd name="adj" fmla="val 139345"/>
+            </a:avLst>
+          </a:prstGeom>
+          <a:solidFill>
+            <a:schemeClr val="tx1">
+              <a:lumMod val="50000"/>
+              <a:lumOff val="50000"/>
+            </a:schemeClr>
+          </a:solidFill>
+          <a:ln>
+            <a:solidFill>
+              <a:schemeClr val="tx1"/>
+            </a:solidFill>
+          </a:ln>
+        </p:spPr>
+        <p:style>
+          <a:lnRef idx="2">
+            <a:schemeClr val="accent1">
+              <a:shade val="50000"/>
+            </a:schemeClr>
+          </a:lnRef>
+          <a:fillRef idx="1">
+            <a:schemeClr val="accent1"/>
+          </a:fillRef>
+          <a:effectRef idx="0">
+            <a:schemeClr val="accent1"/>
+          </a:effectRef>
+          <a:fontRef idx="minor">
+            <a:schemeClr val="lt1"/>
+          </a:fontRef>
+        </p:style>
+        <p:txBody>
+          <a:bodyPr rtlCol="0" anchor="ctr"/>
+          <a:lstStyle/>
+          <a:p>
+            <a:pPr algn="ctr"/>
+            <a:endParaRPr kumimoji="1" lang="ja-JP" altLang="en-US"/>
+          </a:p>
+        </p:txBody>
+      </p:sp>
+      <p:grpSp>
+        <p:nvGrpSpPr>
+          <p:cNvPr id="96" name="グループ化 95">
+            <a:extLst>
+              <a:ext uri="{FF2B5EF4-FFF2-40B4-BE49-F238E27FC236}">
+                <a16:creationId xmlns:a16="http://schemas.microsoft.com/office/drawing/2014/main" id="{FBD98AAA-807D-DE4C-AD39-FDA666B203BB}"/>
+              </a:ext>
+            </a:extLst>
+          </p:cNvPr>
+          <p:cNvGrpSpPr/>
+          <p:nvPr/>
+        </p:nvGrpSpPr>
+        <p:grpSpPr>
+          <a:xfrm>
+            <a:off x="2874685" y="5987178"/>
+            <a:ext cx="643508" cy="643508"/>
+            <a:chOff x="1115616" y="1556792"/>
+            <a:chExt cx="643508" cy="643508"/>
+          </a:xfrm>
+        </p:grpSpPr>
+        <p:pic>
+          <p:nvPicPr>
+            <p:cNvPr id="97" name="図 96">
+              <a:extLst>
+                <a:ext uri="{FF2B5EF4-FFF2-40B4-BE49-F238E27FC236}">
+                  <a16:creationId xmlns:a16="http://schemas.microsoft.com/office/drawing/2014/main" id="{664907F1-947F-BD4B-8EFA-A90D13BED838}"/>
+                </a:ext>
+              </a:extLst>
+            </p:cNvPr>
+            <p:cNvPicPr>
+              <a:picLocks noChangeAspect="1"/>
+            </p:cNvPicPr>
+            <p:nvPr/>
+          </p:nvPicPr>
+          <p:blipFill>
+            <a:blip r:embed="rId2"/>
+            <a:stretch>
+              <a:fillRect/>
+            </a:stretch>
+          </p:blipFill>
+          <p:spPr>
+            <a:xfrm>
+              <a:off x="1115616" y="1556792"/>
+              <a:ext cx="643508" cy="643508"/>
+            </a:xfrm>
+            <a:prstGeom prst="rect">
+              <a:avLst/>
+            </a:prstGeom>
+          </p:spPr>
+        </p:pic>
+        <p:sp>
+          <p:nvSpPr>
+            <p:cNvPr id="98" name="テキスト ボックス 97">
+              <a:extLst>
+                <a:ext uri="{FF2B5EF4-FFF2-40B4-BE49-F238E27FC236}">
+                  <a16:creationId xmlns:a16="http://schemas.microsoft.com/office/drawing/2014/main" id="{5C7D047D-B502-2346-84DC-C261525AD20F}"/>
+                </a:ext>
+              </a:extLst>
+            </p:cNvPr>
+            <p:cNvSpPr txBox="1"/>
+            <p:nvPr/>
+          </p:nvSpPr>
+          <p:spPr>
+            <a:xfrm>
+              <a:off x="1187624" y="1772816"/>
+              <a:ext cx="404278" cy="369332"/>
+            </a:xfrm>
+            <a:prstGeom prst="rect">
+              <a:avLst/>
+            </a:prstGeom>
+            <a:noFill/>
+          </p:spPr>
+          <p:txBody>
+            <a:bodyPr wrap="none" rtlCol="0">
+              <a:spAutoFit/>
+            </a:bodyPr>
+            <a:lstStyle/>
+            <a:p>
+              <a:r>
+                <a:rPr lang="en-US" altLang="ja-JP"/>
+                <a:t>bc</a:t>
+              </a:r>
+              <a:endParaRPr kumimoji="1" lang="ja-JP" altLang="en-US"/>
+            </a:p>
+          </p:txBody>
+        </p:sp>
+      </p:grpSp>
+      <p:sp>
+        <p:nvSpPr>
+          <p:cNvPr id="99" name="フリーフォーム 98">
+            <a:extLst>
+              <a:ext uri="{FF2B5EF4-FFF2-40B4-BE49-F238E27FC236}">
+                <a16:creationId xmlns:a16="http://schemas.microsoft.com/office/drawing/2014/main" id="{BA1DEB04-4A5F-E24F-8D39-B3BF6B25B17D}"/>
+              </a:ext>
+            </a:extLst>
+          </p:cNvPr>
+          <p:cNvSpPr/>
+          <p:nvPr/>
+        </p:nvSpPr>
+        <p:spPr>
+          <a:xfrm>
+            <a:off x="2514645" y="5555131"/>
+            <a:ext cx="1127760" cy="345491"/>
+          </a:xfrm>
+          <a:custGeom>
+            <a:avLst/>
+            <a:gdLst>
+              <a:gd name="connsiteX0" fmla="*/ 0 w 1127760"/>
+              <a:gd name="connsiteY0" fmla="*/ 345491 h 345491"/>
+              <a:gd name="connsiteX1" fmla="*/ 518160 w 1127760"/>
+              <a:gd name="connsiteY1" fmla="*/ 51 h 345491"/>
+              <a:gd name="connsiteX2" fmla="*/ 1127760 w 1127760"/>
+              <a:gd name="connsiteY2" fmla="*/ 325171 h 345491"/>
+            </a:gdLst>
+            <a:ahLst/>
+            <a:cxnLst>
+              <a:cxn ang="0">
+                <a:pos x="connsiteX0" y="connsiteY0"/>
+              </a:cxn>
+              <a:cxn ang="0">
+                <a:pos x="connsiteX1" y="connsiteY1"/>
+              </a:cxn>
+              <a:cxn ang="0">
+                <a:pos x="connsiteX2" y="connsiteY2"/>
+              </a:cxn>
+            </a:cxnLst>
+            <a:rect l="l" t="t" r="r" b="b"/>
+            <a:pathLst>
+              <a:path w="1127760" h="345491">
+                <a:moveTo>
+                  <a:pt x="0" y="345491"/>
+                </a:moveTo>
+                <a:cubicBezTo>
+                  <a:pt x="165100" y="174464"/>
+                  <a:pt x="330200" y="3438"/>
+                  <a:pt x="518160" y="51"/>
+                </a:cubicBezTo>
+                <a:cubicBezTo>
+                  <a:pt x="706120" y="-3336"/>
+                  <a:pt x="916940" y="160917"/>
+                  <a:pt x="1127760" y="325171"/>
+                </a:cubicBezTo>
+              </a:path>
+            </a:pathLst>
+          </a:custGeom>
+          <a:noFill/>
+          <a:ln>
+            <a:solidFill>
+              <a:schemeClr val="tx1"/>
+            </a:solidFill>
+            <a:headEnd type="none" w="med" len="med"/>
+            <a:tailEnd type="triangle" w="med" len="med"/>
+          </a:ln>
+        </p:spPr>
+        <p:style>
+          <a:lnRef idx="2">
+            <a:schemeClr val="accent1">
+              <a:shade val="50000"/>
+            </a:schemeClr>
+          </a:lnRef>
+          <a:fillRef idx="1">
+            <a:schemeClr val="accent1"/>
+          </a:fillRef>
+          <a:effectRef idx="0">
+            <a:schemeClr val="accent1"/>
+          </a:effectRef>
+          <a:fontRef idx="minor">
+            <a:schemeClr val="lt1"/>
+          </a:fontRef>
+        </p:style>
+        <p:txBody>
+          <a:bodyPr rtlCol="0" anchor="ctr"/>
+          <a:lstStyle/>
+          <a:p>
+            <a:pPr algn="ctr"/>
+            <a:endParaRPr kumimoji="1" lang="ja-JP" altLang="en-US"/>
+          </a:p>
+        </p:txBody>
+      </p:sp>
+      <p:sp>
+        <p:nvSpPr>
+          <p:cNvPr id="103" name="平行四辺形 102">
+            <a:extLst>
+              <a:ext uri="{FF2B5EF4-FFF2-40B4-BE49-F238E27FC236}">
+                <a16:creationId xmlns:a16="http://schemas.microsoft.com/office/drawing/2014/main" id="{30BC3C13-BC24-9D43-9A41-74609128C0A8}"/>
+              </a:ext>
+            </a:extLst>
+          </p:cNvPr>
+          <p:cNvSpPr/>
+          <p:nvPr/>
+        </p:nvSpPr>
+        <p:spPr>
+          <a:xfrm rot="221800">
+            <a:off x="5904587" y="6251322"/>
+            <a:ext cx="1549317" cy="222713"/>
+          </a:xfrm>
+          <a:prstGeom prst="parallelogram">
+            <a:avLst>
+              <a:gd name="adj" fmla="val 139345"/>
+            </a:avLst>
+          </a:prstGeom>
+          <a:solidFill>
+            <a:srgbClr val="FFC000"/>
+          </a:solidFill>
+          <a:ln>
+            <a:solidFill>
+              <a:schemeClr val="tx1"/>
+            </a:solidFill>
+          </a:ln>
+        </p:spPr>
+        <p:style>
+          <a:lnRef idx="2">
+            <a:schemeClr val="accent1">
+              <a:shade val="50000"/>
+            </a:schemeClr>
+          </a:lnRef>
+          <a:fillRef idx="1">
+            <a:schemeClr val="accent1"/>
+          </a:fillRef>
+          <a:effectRef idx="0">
+            <a:schemeClr val="accent1"/>
+          </a:effectRef>
+          <a:fontRef idx="minor">
+            <a:schemeClr val="lt1"/>
+          </a:fontRef>
+        </p:style>
+        <p:txBody>
+          <a:bodyPr rtlCol="0" anchor="ctr"/>
+          <a:lstStyle/>
+          <a:p>
+            <a:pPr algn="ctr"/>
+            <a:endParaRPr kumimoji="1" lang="ja-JP" altLang="en-US"/>
+          </a:p>
+        </p:txBody>
+      </p:sp>
+      <p:sp>
+        <p:nvSpPr>
+          <p:cNvPr id="104" name="平行四辺形 103">
+            <a:extLst>
+              <a:ext uri="{FF2B5EF4-FFF2-40B4-BE49-F238E27FC236}">
+                <a16:creationId xmlns:a16="http://schemas.microsoft.com/office/drawing/2014/main" id="{786969AC-FB20-344E-A00E-E7D0F2995CA9}"/>
+              </a:ext>
+            </a:extLst>
+          </p:cNvPr>
+          <p:cNvSpPr/>
+          <p:nvPr/>
+        </p:nvSpPr>
+        <p:spPr>
+          <a:xfrm rot="221800">
+            <a:off x="4897041" y="6303169"/>
+            <a:ext cx="923836" cy="220087"/>
+          </a:xfrm>
+          <a:prstGeom prst="parallelogram">
+            <a:avLst>
+              <a:gd name="adj" fmla="val 139345"/>
+            </a:avLst>
+          </a:prstGeom>
+          <a:solidFill>
+            <a:schemeClr val="tx1">
+              <a:lumMod val="50000"/>
+              <a:lumOff val="50000"/>
+            </a:schemeClr>
+          </a:solidFill>
+          <a:ln>
+            <a:solidFill>
+              <a:schemeClr val="tx1"/>
+            </a:solidFill>
+          </a:ln>
+        </p:spPr>
+        <p:style>
+          <a:lnRef idx="2">
+            <a:schemeClr val="accent1">
+              <a:shade val="50000"/>
+            </a:schemeClr>
+          </a:lnRef>
+          <a:fillRef idx="1">
+            <a:schemeClr val="accent1"/>
+          </a:fillRef>
+          <a:effectRef idx="0">
+            <a:schemeClr val="accent1"/>
+          </a:effectRef>
+          <a:fontRef idx="minor">
+            <a:schemeClr val="lt1"/>
+          </a:fontRef>
+        </p:style>
+        <p:txBody>
+          <a:bodyPr rtlCol="0" anchor="ctr"/>
+          <a:lstStyle/>
+          <a:p>
+            <a:pPr algn="ctr"/>
+            <a:endParaRPr kumimoji="1" lang="ja-JP" altLang="en-US"/>
+          </a:p>
+        </p:txBody>
+      </p:sp>
+      <p:grpSp>
+        <p:nvGrpSpPr>
+          <p:cNvPr id="105" name="グループ化 104">
+            <a:extLst>
+              <a:ext uri="{FF2B5EF4-FFF2-40B4-BE49-F238E27FC236}">
+                <a16:creationId xmlns:a16="http://schemas.microsoft.com/office/drawing/2014/main" id="{967376E5-8EF0-F642-A144-17CE9A6012BA}"/>
+              </a:ext>
+            </a:extLst>
+          </p:cNvPr>
+          <p:cNvGrpSpPr/>
+          <p:nvPr/>
+        </p:nvGrpSpPr>
+        <p:grpSpPr>
+          <a:xfrm>
+            <a:off x="5034924" y="5913577"/>
+            <a:ext cx="667232" cy="643508"/>
+            <a:chOff x="1091892" y="1556792"/>
+            <a:chExt cx="667232" cy="643508"/>
+          </a:xfrm>
+        </p:grpSpPr>
+        <p:pic>
+          <p:nvPicPr>
+            <p:cNvPr id="106" name="図 105">
+              <a:extLst>
+                <a:ext uri="{FF2B5EF4-FFF2-40B4-BE49-F238E27FC236}">
+                  <a16:creationId xmlns:a16="http://schemas.microsoft.com/office/drawing/2014/main" id="{A686E154-E399-344F-997D-D6D9ACFE8ABC}"/>
+                </a:ext>
+              </a:extLst>
+            </p:cNvPr>
+            <p:cNvPicPr>
+              <a:picLocks noChangeAspect="1"/>
+            </p:cNvPicPr>
+            <p:nvPr/>
+          </p:nvPicPr>
+          <p:blipFill>
+            <a:blip r:embed="rId2"/>
+            <a:stretch>
+              <a:fillRect/>
+            </a:stretch>
+          </p:blipFill>
+          <p:spPr>
+            <a:xfrm>
+              <a:off x="1115616" y="1556792"/>
+              <a:ext cx="643508" cy="643508"/>
+            </a:xfrm>
+            <a:prstGeom prst="rect">
+              <a:avLst/>
+            </a:prstGeom>
+          </p:spPr>
+        </p:pic>
+        <p:sp>
+          <p:nvSpPr>
+            <p:cNvPr id="107" name="テキスト ボックス 106">
+              <a:extLst>
+                <a:ext uri="{FF2B5EF4-FFF2-40B4-BE49-F238E27FC236}">
+                  <a16:creationId xmlns:a16="http://schemas.microsoft.com/office/drawing/2014/main" id="{5B202046-5E5E-8047-88E2-7EF9C064CC1A}"/>
+                </a:ext>
+              </a:extLst>
+            </p:cNvPr>
+            <p:cNvSpPr txBox="1"/>
+            <p:nvPr/>
+          </p:nvSpPr>
+          <p:spPr>
+            <a:xfrm>
+              <a:off x="1091892" y="1772815"/>
+              <a:ext cx="630301" cy="369332"/>
+            </a:xfrm>
+            <a:prstGeom prst="rect">
+              <a:avLst/>
+            </a:prstGeom>
+            <a:noFill/>
+          </p:spPr>
+          <p:txBody>
+            <a:bodyPr wrap="none" rtlCol="0">
+              <a:spAutoFit/>
+            </a:bodyPr>
+            <a:lstStyle/>
+            <a:p>
+              <a:r>
+                <a:rPr kumimoji="1" lang="en-US" altLang="ja-JP"/>
+                <a:t>a+bc</a:t>
+              </a:r>
+              <a:endParaRPr kumimoji="1" lang="ja-JP" altLang="en-US"/>
+            </a:p>
+          </p:txBody>
+        </p:sp>
+      </p:grpSp>
+      <p:sp>
+        <p:nvSpPr>
+          <p:cNvPr id="108" name="下矢印 107">
+            <a:extLst>
+              <a:ext uri="{FF2B5EF4-FFF2-40B4-BE49-F238E27FC236}">
+                <a16:creationId xmlns:a16="http://schemas.microsoft.com/office/drawing/2014/main" id="{946A67A2-F589-8548-A464-23CF60229A4E}"/>
+              </a:ext>
+            </a:extLst>
+          </p:cNvPr>
+          <p:cNvSpPr/>
+          <p:nvPr/>
+        </p:nvSpPr>
+        <p:spPr>
+          <a:xfrm rot="16200000">
+            <a:off x="4345236" y="4118687"/>
+            <a:ext cx="330131" cy="390914"/>
+          </a:xfrm>
+          <a:prstGeom prst="downArrow">
+            <a:avLst/>
+          </a:prstGeom>
+          <a:solidFill>
+            <a:srgbClr val="FF0000"/>
+          </a:solidFill>
+          <a:ln>
+            <a:solidFill>
+              <a:schemeClr val="tx1"/>
+            </a:solidFill>
+          </a:ln>
+        </p:spPr>
+        <p:style>
+          <a:lnRef idx="2">
+            <a:schemeClr val="accent1">
+              <a:shade val="50000"/>
+            </a:schemeClr>
+          </a:lnRef>
+          <a:fillRef idx="1">
+            <a:schemeClr val="accent1"/>
+          </a:fillRef>
+          <a:effectRef idx="0">
+            <a:schemeClr val="accent1"/>
+          </a:effectRef>
+          <a:fontRef idx="minor">
+            <a:schemeClr val="lt1"/>
+          </a:fontRef>
+        </p:style>
+        <p:txBody>
+          <a:bodyPr rot="0" spcFirstLastPara="0" vertOverflow="overflow" horzOverflow="overflow" vert="horz" wrap="square" lIns="91440" tIns="45720" rIns="91440" bIns="45720" numCol="1" spcCol="0" rtlCol="0" fromWordArt="0" anchor="ctr" anchorCtr="0" forceAA="0" compatLnSpc="1">
+            <a:prstTxWarp prst="textNoShape">
+              <a:avLst/>
+            </a:prstTxWarp>
+            <a:noAutofit/>
+          </a:bodyPr>
+          <a:lstStyle/>
+          <a:p>
+            <a:pPr algn="ctr"/>
+            <a:endParaRPr kumimoji="1" lang="ja-JP" altLang="en-US"/>
+          </a:p>
+        </p:txBody>
+      </p:sp>
+      <p:sp>
+        <p:nvSpPr>
+          <p:cNvPr id="109" name="下矢印 108">
+            <a:extLst>
+              <a:ext uri="{FF2B5EF4-FFF2-40B4-BE49-F238E27FC236}">
+                <a16:creationId xmlns:a16="http://schemas.microsoft.com/office/drawing/2014/main" id="{A1948A68-8424-D447-9A59-5D1A060B40B7}"/>
+              </a:ext>
+            </a:extLst>
+          </p:cNvPr>
+          <p:cNvSpPr/>
+          <p:nvPr/>
+        </p:nvSpPr>
+        <p:spPr>
+          <a:xfrm rot="16200000">
+            <a:off x="744836" y="3974672"/>
+            <a:ext cx="330131" cy="390914"/>
+          </a:xfrm>
+          <a:prstGeom prst="downArrow">
+            <a:avLst/>
+          </a:prstGeom>
+          <a:solidFill>
+            <a:srgbClr val="FF0000"/>
+          </a:solidFill>
+          <a:ln>
+            <a:solidFill>
+              <a:schemeClr val="tx1"/>
+            </a:solidFill>
+          </a:ln>
+        </p:spPr>
+        <p:style>
+          <a:lnRef idx="2">
+            <a:schemeClr val="accent1">
+              <a:shade val="50000"/>
+            </a:schemeClr>
+          </a:lnRef>
+          <a:fillRef idx="1">
+            <a:schemeClr val="accent1"/>
+          </a:fillRef>
+          <a:effectRef idx="0">
+            <a:schemeClr val="accent1"/>
+          </a:effectRef>
+          <a:fontRef idx="minor">
+            <a:schemeClr val="lt1"/>
+          </a:fontRef>
+        </p:style>
+        <p:txBody>
+          <a:bodyPr rot="0" spcFirstLastPara="0" vertOverflow="overflow" horzOverflow="overflow" vert="horz" wrap="square" lIns="91440" tIns="45720" rIns="91440" bIns="45720" numCol="1" spcCol="0" rtlCol="0" fromWordArt="0" anchor="ctr" anchorCtr="0" forceAA="0" compatLnSpc="1">
+            <a:prstTxWarp prst="textNoShape">
+              <a:avLst/>
+            </a:prstTxWarp>
+            <a:noAutofit/>
+          </a:bodyPr>
+          <a:lstStyle/>
+          <a:p>
+            <a:pPr algn="ctr"/>
+            <a:endParaRPr kumimoji="1" lang="ja-JP" altLang="en-US"/>
+          </a:p>
+        </p:txBody>
+      </p:sp>
+      <p:sp>
+        <p:nvSpPr>
+          <p:cNvPr id="110" name="下矢印 109">
+            <a:extLst>
+              <a:ext uri="{FF2B5EF4-FFF2-40B4-BE49-F238E27FC236}">
+                <a16:creationId xmlns:a16="http://schemas.microsoft.com/office/drawing/2014/main" id="{9172E3F0-9F78-2E4C-87F0-90AFA8464E90}"/>
+              </a:ext>
+            </a:extLst>
+          </p:cNvPr>
+          <p:cNvSpPr/>
+          <p:nvPr/>
+        </p:nvSpPr>
+        <p:spPr>
+          <a:xfrm rot="16200000">
+            <a:off x="744835" y="5846880"/>
+            <a:ext cx="330131" cy="390914"/>
+          </a:xfrm>
+          <a:prstGeom prst="downArrow">
+            <a:avLst/>
+          </a:prstGeom>
+          <a:solidFill>
+            <a:srgbClr val="FF0000"/>
+          </a:solidFill>
+          <a:ln>
+            <a:solidFill>
+              <a:schemeClr val="tx1"/>
+            </a:solidFill>
+          </a:ln>
+        </p:spPr>
+        <p:style>
+          <a:lnRef idx="2">
+            <a:schemeClr val="accent1">
+              <a:shade val="50000"/>
+            </a:schemeClr>
+          </a:lnRef>
+          <a:fillRef idx="1">
+            <a:schemeClr val="accent1"/>
+          </a:fillRef>
+          <a:effectRef idx="0">
+            <a:schemeClr val="accent1"/>
+          </a:effectRef>
+          <a:fontRef idx="minor">
+            <a:schemeClr val="lt1"/>
+          </a:fontRef>
+        </p:style>
+        <p:txBody>
+          <a:bodyPr rot="0" spcFirstLastPara="0" vertOverflow="overflow" horzOverflow="overflow" vert="horz" wrap="square" lIns="91440" tIns="45720" rIns="91440" bIns="45720" numCol="1" spcCol="0" rtlCol="0" fromWordArt="0" anchor="ctr" anchorCtr="0" forceAA="0" compatLnSpc="1">
+            <a:prstTxWarp prst="textNoShape">
+              <a:avLst/>
+            </a:prstTxWarp>
+            <a:noAutofit/>
+          </a:bodyPr>
+          <a:lstStyle/>
+          <a:p>
+            <a:pPr algn="ctr"/>
+            <a:endParaRPr kumimoji="1" lang="ja-JP" altLang="en-US"/>
+          </a:p>
+        </p:txBody>
+      </p:sp>
+      <p:sp>
+        <p:nvSpPr>
+          <p:cNvPr id="111" name="下矢印 110">
+            <a:extLst>
+              <a:ext uri="{FF2B5EF4-FFF2-40B4-BE49-F238E27FC236}">
+                <a16:creationId xmlns:a16="http://schemas.microsoft.com/office/drawing/2014/main" id="{A71B4426-DD75-8E48-8ADC-A346B7D497F0}"/>
+              </a:ext>
+            </a:extLst>
+          </p:cNvPr>
+          <p:cNvSpPr/>
+          <p:nvPr/>
+        </p:nvSpPr>
+        <p:spPr>
+          <a:xfrm rot="16200000">
+            <a:off x="4417243" y="5846880"/>
+            <a:ext cx="330131" cy="390914"/>
+          </a:xfrm>
+          <a:prstGeom prst="downArrow">
+            <a:avLst/>
+          </a:prstGeom>
+          <a:solidFill>
+            <a:srgbClr val="FF0000"/>
+          </a:solidFill>
+          <a:ln>
+            <a:solidFill>
+              <a:schemeClr val="tx1"/>
+            </a:solidFill>
+          </a:ln>
+        </p:spPr>
+        <p:style>
+          <a:lnRef idx="2">
+            <a:schemeClr val="accent1">
+              <a:shade val="50000"/>
+            </a:schemeClr>
+          </a:lnRef>
+          <a:fillRef idx="1">
+            <a:schemeClr val="accent1"/>
+          </a:fillRef>
+          <a:effectRef idx="0">
+            <a:schemeClr val="accent1"/>
+          </a:effectRef>
+          <a:fontRef idx="minor">
+            <a:schemeClr val="lt1"/>
+          </a:fontRef>
+        </p:style>
+        <p:txBody>
+          <a:bodyPr rot="0" spcFirstLastPara="0" vertOverflow="overflow" horzOverflow="overflow" vert="horz" wrap="square" lIns="91440" tIns="45720" rIns="91440" bIns="45720" numCol="1" spcCol="0" rtlCol="0" fromWordArt="0" anchor="ctr" anchorCtr="0" forceAA="0" compatLnSpc="1">
+            <a:prstTxWarp prst="textNoShape">
+              <a:avLst/>
+            </a:prstTxWarp>
+            <a:noAutofit/>
+          </a:bodyPr>
+          <a:lstStyle/>
+          <a:p>
+            <a:pPr algn="ctr"/>
+            <a:endParaRPr kumimoji="1" lang="ja-JP" altLang="en-US"/>
+          </a:p>
+        </p:txBody>
+      </p:sp>
+      <p:sp>
+        <p:nvSpPr>
+          <p:cNvPr id="112" name="フリーフォーム 111">
+            <a:extLst>
+              <a:ext uri="{FF2B5EF4-FFF2-40B4-BE49-F238E27FC236}">
+                <a16:creationId xmlns:a16="http://schemas.microsoft.com/office/drawing/2014/main" id="{6DB64EFD-ADED-854A-B049-12D117E91D40}"/>
+              </a:ext>
+            </a:extLst>
+          </p:cNvPr>
+          <p:cNvSpPr/>
+          <p:nvPr/>
+        </p:nvSpPr>
+        <p:spPr>
+          <a:xfrm>
+            <a:off x="5341891" y="5549992"/>
+            <a:ext cx="1198880" cy="541672"/>
+          </a:xfrm>
+          <a:custGeom>
+            <a:avLst/>
+            <a:gdLst>
+              <a:gd name="connsiteX0" fmla="*/ 1198880 w 1198880"/>
+              <a:gd name="connsiteY0" fmla="*/ 541672 h 541672"/>
+              <a:gd name="connsiteX1" fmla="*/ 538480 w 1198880"/>
+              <a:gd name="connsiteY1" fmla="*/ 3192 h 541672"/>
+              <a:gd name="connsiteX2" fmla="*/ 0 w 1198880"/>
+              <a:gd name="connsiteY2" fmla="*/ 358792 h 541672"/>
+            </a:gdLst>
+            <a:ahLst/>
+            <a:cxnLst>
+              <a:cxn ang="0">
+                <a:pos x="connsiteX0" y="connsiteY0"/>
+              </a:cxn>
+              <a:cxn ang="0">
+                <a:pos x="connsiteX1" y="connsiteY1"/>
+              </a:cxn>
+              <a:cxn ang="0">
+                <a:pos x="connsiteX2" y="connsiteY2"/>
+              </a:cxn>
+            </a:cxnLst>
+            <a:rect l="l" t="t" r="r" b="b"/>
+            <a:pathLst>
+              <a:path w="1198880" h="541672">
+                <a:moveTo>
+                  <a:pt x="1198880" y="541672"/>
+                </a:moveTo>
+                <a:cubicBezTo>
+                  <a:pt x="968586" y="287672"/>
+                  <a:pt x="738293" y="33672"/>
+                  <a:pt x="538480" y="3192"/>
+                </a:cubicBezTo>
+                <a:cubicBezTo>
+                  <a:pt x="338667" y="-27288"/>
+                  <a:pt x="169333" y="165752"/>
+                  <a:pt x="0" y="358792"/>
+                </a:cubicBezTo>
+              </a:path>
+            </a:pathLst>
+          </a:custGeom>
+          <a:noFill/>
+          <a:ln>
+            <a:solidFill>
+              <a:schemeClr val="tx1"/>
+            </a:solidFill>
+            <a:headEnd type="none" w="med" len="med"/>
+            <a:tailEnd type="triangle" w="med" len="med"/>
+          </a:ln>
+        </p:spPr>
+        <p:style>
+          <a:lnRef idx="2">
+            <a:schemeClr val="accent1">
+              <a:shade val="50000"/>
+            </a:schemeClr>
+          </a:lnRef>
+          <a:fillRef idx="1">
+            <a:schemeClr val="accent1"/>
+          </a:fillRef>
+          <a:effectRef idx="0">
+            <a:schemeClr val="accent1"/>
+          </a:effectRef>
+          <a:fontRef idx="minor">
+            <a:schemeClr val="lt1"/>
+          </a:fontRef>
+        </p:style>
+        <p:txBody>
+          <a:bodyPr rtlCol="0" anchor="ctr"/>
+          <a:lstStyle/>
+          <a:p>
+            <a:pPr algn="ctr"/>
+            <a:endParaRPr kumimoji="1" lang="ja-JP" altLang="en-US"/>
+          </a:p>
+        </p:txBody>
+      </p:sp>
+      <p:sp>
+        <p:nvSpPr>
+          <p:cNvPr id="113" name="下矢印 112">
+            <a:extLst>
+              <a:ext uri="{FF2B5EF4-FFF2-40B4-BE49-F238E27FC236}">
+                <a16:creationId xmlns:a16="http://schemas.microsoft.com/office/drawing/2014/main" id="{0AE0F9DD-1D35-924D-98DC-9EB6C1168202}"/>
+              </a:ext>
+            </a:extLst>
+          </p:cNvPr>
+          <p:cNvSpPr/>
+          <p:nvPr/>
+        </p:nvSpPr>
+        <p:spPr>
+          <a:xfrm rot="16200000">
+            <a:off x="7626728" y="5846880"/>
+            <a:ext cx="330131" cy="390914"/>
+          </a:xfrm>
+          <a:prstGeom prst="downArrow">
+            <a:avLst/>
+          </a:prstGeom>
+          <a:solidFill>
+            <a:srgbClr val="FF0000"/>
+          </a:solidFill>
+          <a:ln>
+            <a:solidFill>
+              <a:schemeClr val="tx1"/>
+            </a:solidFill>
+          </a:ln>
+        </p:spPr>
+        <p:style>
+          <a:lnRef idx="2">
+            <a:schemeClr val="accent1">
+              <a:shade val="50000"/>
+            </a:schemeClr>
+          </a:lnRef>
+          <a:fillRef idx="1">
+            <a:schemeClr val="accent1"/>
+          </a:fillRef>
+          <a:effectRef idx="0">
+            <a:schemeClr val="accent1"/>
+          </a:effectRef>
+          <a:fontRef idx="minor">
+            <a:schemeClr val="lt1"/>
+          </a:fontRef>
+        </p:style>
+        <p:txBody>
+          <a:bodyPr rot="0" spcFirstLastPara="0" vertOverflow="overflow" horzOverflow="overflow" vert="horz" wrap="square" lIns="91440" tIns="45720" rIns="91440" bIns="45720" numCol="1" spcCol="0" rtlCol="0" fromWordArt="0" anchor="ctr" anchorCtr="0" forceAA="0" compatLnSpc="1">
+            <a:prstTxWarp prst="textNoShape">
+              <a:avLst/>
+            </a:prstTxWarp>
+            <a:noAutofit/>
+          </a:bodyPr>
+          <a:lstStyle/>
+          <a:p>
+            <a:pPr algn="ctr"/>
+            <a:endParaRPr kumimoji="1" lang="ja-JP" altLang="en-US"/>
+          </a:p>
+        </p:txBody>
+      </p:sp>
+      <p:sp>
+        <p:nvSpPr>
+          <p:cNvPr id="114" name="平行四辺形 113">
+            <a:extLst>
+              <a:ext uri="{FF2B5EF4-FFF2-40B4-BE49-F238E27FC236}">
+                <a16:creationId xmlns:a16="http://schemas.microsoft.com/office/drawing/2014/main" id="{DEF37399-7B21-F04F-837E-1F373889FA2E}"/>
+              </a:ext>
+            </a:extLst>
+          </p:cNvPr>
+          <p:cNvSpPr/>
+          <p:nvPr/>
+        </p:nvSpPr>
+        <p:spPr>
+          <a:xfrm rot="221800">
+            <a:off x="7921377" y="6231161"/>
+            <a:ext cx="923836" cy="220087"/>
+          </a:xfrm>
+          <a:prstGeom prst="parallelogram">
+            <a:avLst>
+              <a:gd name="adj" fmla="val 139345"/>
+            </a:avLst>
+          </a:prstGeom>
+          <a:solidFill>
+            <a:schemeClr val="tx1">
+              <a:lumMod val="50000"/>
+              <a:lumOff val="50000"/>
+            </a:schemeClr>
+          </a:solidFill>
+          <a:ln>
+            <a:solidFill>
+              <a:schemeClr val="tx1"/>
+            </a:solidFill>
+          </a:ln>
+        </p:spPr>
+        <p:style>
+          <a:lnRef idx="2">
+            <a:schemeClr val="accent1">
+              <a:shade val="50000"/>
+            </a:schemeClr>
+          </a:lnRef>
+          <a:fillRef idx="1">
+            <a:schemeClr val="accent1"/>
+          </a:fillRef>
+          <a:effectRef idx="0">
+            <a:schemeClr val="accent1"/>
+          </a:effectRef>
+          <a:fontRef idx="minor">
+            <a:schemeClr val="lt1"/>
+          </a:fontRef>
+        </p:style>
+        <p:txBody>
+          <a:bodyPr rtlCol="0" anchor="ctr"/>
+          <a:lstStyle/>
+          <a:p>
+            <a:pPr algn="ctr"/>
+            <a:endParaRPr kumimoji="1" lang="ja-JP" altLang="en-US"/>
+          </a:p>
+        </p:txBody>
+      </p:sp>
+      <p:grpSp>
+        <p:nvGrpSpPr>
+          <p:cNvPr id="115" name="グループ化 114">
+            <a:extLst>
+              <a:ext uri="{FF2B5EF4-FFF2-40B4-BE49-F238E27FC236}">
+                <a16:creationId xmlns:a16="http://schemas.microsoft.com/office/drawing/2014/main" id="{8FC2636E-BEC4-A74F-A6E4-BE091DCF2693}"/>
+              </a:ext>
+            </a:extLst>
+          </p:cNvPr>
+          <p:cNvGrpSpPr/>
+          <p:nvPr/>
+        </p:nvGrpSpPr>
+        <p:grpSpPr>
+          <a:xfrm>
+            <a:off x="8059260" y="5841569"/>
+            <a:ext cx="667232" cy="643508"/>
+            <a:chOff x="1091892" y="1556792"/>
+            <a:chExt cx="667232" cy="643508"/>
+          </a:xfrm>
+        </p:grpSpPr>
+        <p:pic>
+          <p:nvPicPr>
+            <p:cNvPr id="116" name="図 115">
+              <a:extLst>
+                <a:ext uri="{FF2B5EF4-FFF2-40B4-BE49-F238E27FC236}">
+                  <a16:creationId xmlns:a16="http://schemas.microsoft.com/office/drawing/2014/main" id="{B9EE67C6-75BA-D44A-BFA6-20F305679B95}"/>
+                </a:ext>
+              </a:extLst>
+            </p:cNvPr>
+            <p:cNvPicPr>
+              <a:picLocks noChangeAspect="1"/>
+            </p:cNvPicPr>
+            <p:nvPr/>
+          </p:nvPicPr>
+          <p:blipFill>
+            <a:blip r:embed="rId2"/>
+            <a:stretch>
+              <a:fillRect/>
+            </a:stretch>
+          </p:blipFill>
+          <p:spPr>
+            <a:xfrm>
+              <a:off x="1115616" y="1556792"/>
+              <a:ext cx="643508" cy="643508"/>
+            </a:xfrm>
+            <a:prstGeom prst="rect">
+              <a:avLst/>
+            </a:prstGeom>
+          </p:spPr>
+        </p:pic>
+        <p:sp>
+          <p:nvSpPr>
+            <p:cNvPr id="117" name="テキスト ボックス 116">
+              <a:extLst>
+                <a:ext uri="{FF2B5EF4-FFF2-40B4-BE49-F238E27FC236}">
+                  <a16:creationId xmlns:a16="http://schemas.microsoft.com/office/drawing/2014/main" id="{062EB787-28E9-834E-A4C6-11871FAB4F7A}"/>
+                </a:ext>
+              </a:extLst>
+            </p:cNvPr>
+            <p:cNvSpPr txBox="1"/>
+            <p:nvPr/>
+          </p:nvSpPr>
+          <p:spPr>
+            <a:xfrm>
+              <a:off x="1091892" y="1772815"/>
+              <a:ext cx="630301" cy="369332"/>
+            </a:xfrm>
+            <a:prstGeom prst="rect">
+              <a:avLst/>
+            </a:prstGeom>
+            <a:noFill/>
+          </p:spPr>
+          <p:txBody>
+            <a:bodyPr wrap="none" rtlCol="0">
+              <a:spAutoFit/>
+            </a:bodyPr>
+            <a:lstStyle/>
+            <a:p>
+              <a:r>
+                <a:rPr kumimoji="1" lang="en-US" altLang="ja-JP"/>
+                <a:t>a+bc</a:t>
+              </a:r>
+              <a:endParaRPr kumimoji="1" lang="ja-JP" altLang="en-US"/>
+            </a:p>
+          </p:txBody>
+        </p:sp>
+      </p:grpSp>
+      <p:sp>
+        <p:nvSpPr>
+          <p:cNvPr id="118" name="下矢印 117">
+            <a:extLst>
+              <a:ext uri="{FF2B5EF4-FFF2-40B4-BE49-F238E27FC236}">
+                <a16:creationId xmlns:a16="http://schemas.microsoft.com/office/drawing/2014/main" id="{2BD729B2-A9C9-2640-BE47-6FBD4DD4FF37}"/>
+              </a:ext>
+            </a:extLst>
+          </p:cNvPr>
+          <p:cNvSpPr/>
+          <p:nvPr/>
+        </p:nvSpPr>
+        <p:spPr>
+          <a:xfrm rot="16200000">
+            <a:off x="4530385" y="662304"/>
+            <a:ext cx="330131" cy="390914"/>
+          </a:xfrm>
+          <a:prstGeom prst="downArrow">
+            <a:avLst/>
+          </a:prstGeom>
+          <a:solidFill>
+            <a:srgbClr val="FF0000"/>
+          </a:solidFill>
+          <a:ln>
+            <a:solidFill>
+              <a:schemeClr val="tx1"/>
+            </a:solidFill>
+          </a:ln>
+        </p:spPr>
+        <p:style>
+          <a:lnRef idx="2">
+            <a:schemeClr val="accent1">
+              <a:shade val="50000"/>
+            </a:schemeClr>
+          </a:lnRef>
+          <a:fillRef idx="1">
+            <a:schemeClr val="accent1"/>
+          </a:fillRef>
+          <a:effectRef idx="0">
+            <a:schemeClr val="accent1"/>
+          </a:effectRef>
+          <a:fontRef idx="minor">
+            <a:schemeClr val="lt1"/>
+          </a:fontRef>
+        </p:style>
+        <p:txBody>
+          <a:bodyPr rot="0" spcFirstLastPara="0" vertOverflow="overflow" horzOverflow="overflow" vert="horz" wrap="square" lIns="91440" tIns="45720" rIns="91440" bIns="45720" numCol="1" spcCol="0" rtlCol="0" fromWordArt="0" anchor="ctr" anchorCtr="0" forceAA="0" compatLnSpc="1">
+            <a:prstTxWarp prst="textNoShape">
+              <a:avLst/>
+            </a:prstTxWarp>
+            <a:noAutofit/>
+          </a:bodyPr>
+          <a:lstStyle/>
+          <a:p>
+            <a:pPr algn="ctr"/>
+            <a:endParaRPr kumimoji="1" lang="ja-JP" altLang="en-US"/>
+          </a:p>
+        </p:txBody>
+      </p:sp>
+      <p:sp>
+        <p:nvSpPr>
+          <p:cNvPr id="119" name="正方形/長方形 118">
+            <a:extLst>
+              <a:ext uri="{FF2B5EF4-FFF2-40B4-BE49-F238E27FC236}">
+                <a16:creationId xmlns:a16="http://schemas.microsoft.com/office/drawing/2014/main" id="{4587F001-AE47-464B-BBBD-BA0A54F3DDCC}"/>
+              </a:ext>
+            </a:extLst>
+          </p:cNvPr>
+          <p:cNvSpPr/>
+          <p:nvPr/>
+        </p:nvSpPr>
+        <p:spPr>
+          <a:xfrm>
+            <a:off x="3594763" y="3068960"/>
+            <a:ext cx="1903983" cy="369332"/>
+          </a:xfrm>
+          <a:prstGeom prst="rect">
+            <a:avLst/>
+          </a:prstGeom>
+        </p:spPr>
+        <p:txBody>
+          <a:bodyPr wrap="none">
+            <a:spAutoFit/>
+          </a:bodyPr>
+          <a:lstStyle/>
+          <a:p>
+            <a:r>
+              <a:rPr lang="en-US" altLang="ja-JP" dirty="0"/>
+              <a:t>BINARY_MULTIPLY</a:t>
+            </a:r>
+          </a:p>
+        </p:txBody>
+      </p:sp>
+      <p:sp>
+        <p:nvSpPr>
+          <p:cNvPr id="120" name="正方形/長方形 119">
+            <a:extLst>
+              <a:ext uri="{FF2B5EF4-FFF2-40B4-BE49-F238E27FC236}">
+                <a16:creationId xmlns:a16="http://schemas.microsoft.com/office/drawing/2014/main" id="{D6D25EE7-1084-3F47-B652-37B267462A25}"/>
+              </a:ext>
+            </a:extLst>
+          </p:cNvPr>
+          <p:cNvSpPr/>
+          <p:nvPr/>
+        </p:nvSpPr>
+        <p:spPr>
+          <a:xfrm>
+            <a:off x="3666771" y="5013176"/>
+            <a:ext cx="1417183" cy="369332"/>
+          </a:xfrm>
+          <a:prstGeom prst="rect">
+            <a:avLst/>
+          </a:prstGeom>
+        </p:spPr>
+        <p:txBody>
+          <a:bodyPr wrap="none">
+            <a:spAutoFit/>
+          </a:bodyPr>
+          <a:lstStyle/>
+          <a:p>
+            <a:r>
+              <a:rPr lang="en-US" altLang="ja-JP" dirty="0"/>
+              <a:t>BINARY_ADD</a:t>
+            </a:r>
+          </a:p>
+        </p:txBody>
+      </p:sp>
+      <p:sp>
+        <p:nvSpPr>
+          <p:cNvPr id="121" name="角丸四角形 120">
+            <a:extLst>
+              <a:ext uri="{FF2B5EF4-FFF2-40B4-BE49-F238E27FC236}">
+                <a16:creationId xmlns:a16="http://schemas.microsoft.com/office/drawing/2014/main" id="{CF3DFC52-1D79-0D40-9D86-3FBCA16D223B}"/>
+              </a:ext>
+            </a:extLst>
+          </p:cNvPr>
+          <p:cNvSpPr/>
+          <p:nvPr/>
+        </p:nvSpPr>
+        <p:spPr>
+          <a:xfrm>
+            <a:off x="1218499" y="3429000"/>
+            <a:ext cx="6336704" cy="1440160"/>
+          </a:xfrm>
+          <a:prstGeom prst="roundRect">
+            <a:avLst/>
+          </a:prstGeom>
+          <a:noFill/>
+          <a:ln>
+            <a:solidFill>
+              <a:schemeClr val="tx1"/>
+            </a:solidFill>
+            <a:prstDash val="dash"/>
+          </a:ln>
+        </p:spPr>
+        <p:style>
+          <a:lnRef idx="2">
+            <a:schemeClr val="accent1">
+              <a:shade val="50000"/>
+            </a:schemeClr>
+          </a:lnRef>
+          <a:fillRef idx="1">
+            <a:schemeClr val="accent1"/>
+          </a:fillRef>
+          <a:effectRef idx="0">
+            <a:schemeClr val="accent1"/>
+          </a:effectRef>
+          <a:fontRef idx="minor">
+            <a:schemeClr val="lt1"/>
+          </a:fontRef>
+        </p:style>
+        <p:txBody>
+          <a:bodyPr rtlCol="0" anchor="ctr"/>
+          <a:lstStyle/>
+          <a:p>
+            <a:pPr algn="ctr"/>
+            <a:endParaRPr kumimoji="1" lang="ja-JP" altLang="en-US"/>
+          </a:p>
+        </p:txBody>
+      </p:sp>
+      <p:sp>
+        <p:nvSpPr>
+          <p:cNvPr id="122" name="角丸四角形 121">
+            <a:extLst>
+              <a:ext uri="{FF2B5EF4-FFF2-40B4-BE49-F238E27FC236}">
+                <a16:creationId xmlns:a16="http://schemas.microsoft.com/office/drawing/2014/main" id="{79DB5691-1FFF-1E48-AD45-DD27241018CC}"/>
+              </a:ext>
+            </a:extLst>
+          </p:cNvPr>
+          <p:cNvSpPr/>
+          <p:nvPr/>
+        </p:nvSpPr>
+        <p:spPr>
+          <a:xfrm>
+            <a:off x="1218499" y="5310376"/>
+            <a:ext cx="6336704" cy="1440160"/>
+          </a:xfrm>
+          <a:prstGeom prst="roundRect">
+            <a:avLst/>
+          </a:prstGeom>
+          <a:noFill/>
+          <a:ln>
+            <a:solidFill>
+              <a:schemeClr val="tx1"/>
+            </a:solidFill>
+            <a:prstDash val="dash"/>
+          </a:ln>
+        </p:spPr>
+        <p:style>
+          <a:lnRef idx="2">
+            <a:schemeClr val="accent1">
+              <a:shade val="50000"/>
+            </a:schemeClr>
+          </a:lnRef>
+          <a:fillRef idx="1">
+            <a:schemeClr val="accent1"/>
+          </a:fillRef>
+          <a:effectRef idx="0">
+            <a:schemeClr val="accent1"/>
+          </a:effectRef>
+          <a:fontRef idx="minor">
+            <a:schemeClr val="lt1"/>
+          </a:fontRef>
+        </p:style>
+        <p:txBody>
+          <a:bodyPr rtlCol="0" anchor="ctr"/>
+          <a:lstStyle/>
+          <a:p>
+            <a:pPr algn="ctr"/>
+            <a:endParaRPr kumimoji="1" lang="ja-JP" altLang="en-US"/>
+          </a:p>
+        </p:txBody>
+      </p:sp>
+    </p:spTree>
+    <p:extLst>
+      <p:ext uri="{BB962C8B-B14F-4D97-AF65-F5344CB8AC3E}">
+        <p14:creationId xmlns:p14="http://schemas.microsoft.com/office/powerpoint/2010/main" val="1428274290"/>
       </p:ext>
     </p:extLst>
   </p:cSld>

--- a/howtowork/fig/fig.pptx
+++ b/howtowork/fig/fig.pptx
@@ -4002,7 +4002,7 @@
         <p:spPr>
           <a:xfrm>
             <a:off x="107504" y="692696"/>
-            <a:ext cx="2016224" cy="338554"/>
+            <a:ext cx="2160240" cy="338554"/>
           </a:xfrm>
           <a:prstGeom prst="rect">
             <a:avLst/>
@@ -4017,7 +4017,7 @@
           <a:p>
             <a:r>
               <a:rPr kumimoji="1" lang="en-US" altLang="ja-JP" sz="1600" dirty="0"/>
-              <a:t>Programing Language</a:t>
+              <a:t>Programming Language</a:t>
             </a:r>
             <a:endParaRPr kumimoji="1" lang="ja-JP" altLang="en-US" sz="1600" dirty="0"/>
           </a:p>
@@ -5564,7 +5564,7 @@
         <p:spPr>
           <a:xfrm>
             <a:off x="66864" y="692696"/>
-            <a:ext cx="2016224" cy="338554"/>
+            <a:ext cx="2128872" cy="338554"/>
           </a:xfrm>
           <a:prstGeom prst="rect">
             <a:avLst/>
@@ -5579,7 +5579,7 @@
           <a:p>
             <a:r>
               <a:rPr kumimoji="1" lang="en-US" altLang="ja-JP" sz="1600" dirty="0"/>
-              <a:t>Programing Language</a:t>
+              <a:t>Programming Language</a:t>
             </a:r>
             <a:endParaRPr kumimoji="1" lang="ja-JP" altLang="en-US" sz="1600" dirty="0"/>
           </a:p>
